--- a/docs/ProjectOverview.pptx
+++ b/docs/ProjectOverview.pptx
@@ -7,6 +7,7 @@
   <p:sldIdLst>
     <p:sldId id="256" r:id="rId2"/>
     <p:sldId id="257" r:id="rId3"/>
+    <p:sldId id="258" r:id="rId4"/>
   </p:sldIdLst>
   <p:sldSz cx="9144000" cy="6858000" type="screen4x3"/>
   <p:notesSz cx="6858000" cy="9144000"/>
@@ -2909,7 +2910,7 @@
           <a:p>
             <a:fld id="{7F49D355-16BD-4E45-BD9A-5EA878CF7CBD}" type="datetimeFigureOut">
               <a:rPr lang="it-IT" smtClean="0"/>
-              <a:t>09/07/2020</a:t>
+              <a:t>14/07/2020</a:t>
             </a:fld>
             <a:endParaRPr lang="it-IT"/>
           </a:p>
@@ -3422,7 +3423,7 @@
           <a:p>
             <a:fld id="{7F49D355-16BD-4E45-BD9A-5EA878CF7CBD}" type="datetimeFigureOut">
               <a:rPr lang="it-IT" smtClean="0"/>
-              <a:t>09/07/2020</a:t>
+              <a:t>14/07/2020</a:t>
             </a:fld>
             <a:endParaRPr lang="it-IT"/>
           </a:p>
@@ -3597,7 +3598,7 @@
           <a:p>
             <a:fld id="{7F49D355-16BD-4E45-BD9A-5EA878CF7CBD}" type="datetimeFigureOut">
               <a:rPr lang="it-IT" smtClean="0"/>
-              <a:t>09/07/2020</a:t>
+              <a:t>14/07/2020</a:t>
             </a:fld>
             <a:endParaRPr lang="it-IT"/>
           </a:p>
@@ -3762,7 +3763,7 @@
           <a:p>
             <a:fld id="{7F49D355-16BD-4E45-BD9A-5EA878CF7CBD}" type="datetimeFigureOut">
               <a:rPr lang="it-IT" smtClean="0"/>
-              <a:t>09/07/2020</a:t>
+              <a:t>14/07/2020</a:t>
             </a:fld>
             <a:endParaRPr lang="it-IT"/>
           </a:p>
@@ -6886,7 +6887,7 @@
           <a:p>
             <a:fld id="{7F49D355-16BD-4E45-BD9A-5EA878CF7CBD}" type="datetimeFigureOut">
               <a:rPr lang="it-IT" smtClean="0"/>
-              <a:t>09/07/2020</a:t>
+              <a:t>14/07/2020</a:t>
             </a:fld>
             <a:endParaRPr lang="it-IT"/>
           </a:p>
@@ -7169,7 +7170,7 @@
           <a:p>
             <a:fld id="{7F49D355-16BD-4E45-BD9A-5EA878CF7CBD}" type="datetimeFigureOut">
               <a:rPr lang="it-IT" smtClean="0"/>
-              <a:t>09/07/2020</a:t>
+              <a:t>14/07/2020</a:t>
             </a:fld>
             <a:endParaRPr lang="it-IT"/>
           </a:p>
@@ -7586,7 +7587,7 @@
           <a:p>
             <a:fld id="{7F49D355-16BD-4E45-BD9A-5EA878CF7CBD}" type="datetimeFigureOut">
               <a:rPr lang="it-IT" smtClean="0"/>
-              <a:t>09/07/2020</a:t>
+              <a:t>14/07/2020</a:t>
             </a:fld>
             <a:endParaRPr lang="it-IT"/>
           </a:p>
@@ -7699,7 +7700,7 @@
           <a:p>
             <a:fld id="{7F49D355-16BD-4E45-BD9A-5EA878CF7CBD}" type="datetimeFigureOut">
               <a:rPr lang="it-IT" smtClean="0"/>
-              <a:t>09/07/2020</a:t>
+              <a:t>14/07/2020</a:t>
             </a:fld>
             <a:endParaRPr lang="it-IT"/>
           </a:p>
@@ -7789,7 +7790,7 @@
           <a:p>
             <a:fld id="{7F49D355-16BD-4E45-BD9A-5EA878CF7CBD}" type="datetimeFigureOut">
               <a:rPr lang="it-IT" smtClean="0"/>
-              <a:t>09/07/2020</a:t>
+              <a:t>14/07/2020</a:t>
             </a:fld>
             <a:endParaRPr lang="it-IT"/>
           </a:p>
@@ -7964,7 +7965,7 @@
           <a:p>
             <a:fld id="{7F49D355-16BD-4E45-BD9A-5EA878CF7CBD}" type="datetimeFigureOut">
               <a:rPr lang="it-IT" smtClean="0"/>
-              <a:t>09/07/2020</a:t>
+              <a:t>14/07/2020</a:t>
             </a:fld>
             <a:endParaRPr lang="it-IT"/>
           </a:p>
@@ -8450,7 +8451,7 @@
           <a:p>
             <a:fld id="{7F49D355-16BD-4E45-BD9A-5EA878CF7CBD}" type="datetimeFigureOut">
               <a:rPr lang="it-IT" smtClean="0"/>
-              <a:t>09/07/2020</a:t>
+              <a:t>14/07/2020</a:t>
             </a:fld>
             <a:endParaRPr lang="it-IT"/>
           </a:p>
@@ -9002,7 +9003,7 @@
           <a:p>
             <a:fld id="{7F49D355-16BD-4E45-BD9A-5EA878CF7CBD}" type="datetimeFigureOut">
               <a:rPr lang="it-IT" smtClean="0"/>
-              <a:t>09/07/2020</a:t>
+              <a:t>14/07/2020</a:t>
             </a:fld>
             <a:endParaRPr lang="it-IT"/>
           </a:p>
@@ -9855,6 +9856,141 @@
 </p:sld>
 </file>
 
+<file path=ppt/slides/slide3.xml><?xml version="1.0" encoding="utf-8"?>
+<p:sld xmlns:a="http://schemas.openxmlformats.org/drawingml/2006/main" xmlns:r="http://schemas.openxmlformats.org/officeDocument/2006/relationships" xmlns:p="http://schemas.openxmlformats.org/presentationml/2006/main">
+  <p:cSld>
+    <p:spTree>
+      <p:nvGrpSpPr>
+        <p:cNvPr id="1" name=""/>
+        <p:cNvGrpSpPr/>
+        <p:nvPr/>
+      </p:nvGrpSpPr>
+      <p:grpSpPr>
+        <a:xfrm>
+          <a:off x="0" y="0"/>
+          <a:ext cx="0" cy="0"/>
+          <a:chOff x="0" y="0"/>
+          <a:chExt cx="0" cy="0"/>
+        </a:xfrm>
+      </p:grpSpPr>
+      <p:sp>
+        <p:nvSpPr>
+          <p:cNvPr id="2" name="Titolo 1"/>
+          <p:cNvSpPr>
+            <a:spLocks noGrp="1"/>
+          </p:cNvSpPr>
+          <p:nvPr>
+            <p:ph type="title"/>
+          </p:nvPr>
+        </p:nvSpPr>
+        <p:spPr/>
+        <p:txBody>
+          <a:bodyPr/>
+          <a:lstStyle/>
+          <a:p>
+            <a:r>
+              <a:rPr lang="it-IT" dirty="0" smtClean="0"/>
+              <a:t>Informazioni Preliminari</a:t>
+            </a:r>
+            <a:endParaRPr lang="it-IT" dirty="0"/>
+          </a:p>
+        </p:txBody>
+      </p:sp>
+      <p:sp>
+        <p:nvSpPr>
+          <p:cNvPr id="3" name="Segnaposto contenuto 2"/>
+          <p:cNvSpPr>
+            <a:spLocks noGrp="1"/>
+          </p:cNvSpPr>
+          <p:nvPr>
+            <p:ph idx="1"/>
+          </p:nvPr>
+        </p:nvSpPr>
+        <p:spPr/>
+        <p:txBody>
+          <a:bodyPr/>
+          <a:lstStyle/>
+          <a:p>
+            <a:r>
+              <a:rPr lang="it-IT" dirty="0" smtClean="0"/>
+              <a:t>Nei seguenti esperimenti è stato usato un subset del </a:t>
+            </a:r>
+            <a:r>
+              <a:rPr lang="it-IT" dirty="0" err="1" smtClean="0"/>
+              <a:t>dataset</a:t>
+            </a:r>
+            <a:r>
+              <a:rPr lang="it-IT" dirty="0" smtClean="0"/>
+              <a:t> fornito. Sono state utilizzate solo immagini relativa alla vista ‘PA’ costituito da 303 campioni.</a:t>
+            </a:r>
+          </a:p>
+          <a:p>
+            <a:r>
+              <a:rPr lang="it-IT" dirty="0" smtClean="0"/>
+              <a:t>Negli esperimenti realizzati sono stati realizzati a partire dal subset di immagini i relativi </a:t>
+            </a:r>
+            <a:r>
+              <a:rPr lang="it-IT" dirty="0" err="1" smtClean="0"/>
+              <a:t>dataset</a:t>
+            </a:r>
+            <a:r>
+              <a:rPr lang="it-IT" dirty="0" smtClean="0"/>
+              <a:t> di </a:t>
+            </a:r>
+            <a:r>
+              <a:rPr lang="it-IT" dirty="0" err="1" smtClean="0"/>
+              <a:t>train</a:t>
+            </a:r>
+            <a:r>
+              <a:rPr lang="it-IT" dirty="0" smtClean="0"/>
+              <a:t>, </a:t>
+            </a:r>
+            <a:r>
+              <a:rPr lang="it-IT" dirty="0" err="1" smtClean="0"/>
+              <a:t>validation</a:t>
+            </a:r>
+            <a:r>
+              <a:rPr lang="it-IT" dirty="0" smtClean="0"/>
+              <a:t> e test.</a:t>
+            </a:r>
+          </a:p>
+          <a:p>
+            <a:r>
+              <a:rPr lang="it-IT" dirty="0" smtClean="0"/>
+              <a:t>È stata utilizzata la seguente suddivisione : Train set 70% , </a:t>
+            </a:r>
+            <a:r>
+              <a:rPr lang="it-IT" dirty="0" err="1" smtClean="0"/>
+              <a:t>Validation</a:t>
+            </a:r>
+            <a:r>
+              <a:rPr lang="it-IT" dirty="0" smtClean="0"/>
+              <a:t> set 15%, Test set 15% </a:t>
+            </a:r>
+            <a:r>
+              <a:rPr lang="it-IT" sz="1200" dirty="0" smtClean="0"/>
+              <a:t>(percentuali relative ai 303 campioni presi in esame)</a:t>
+            </a:r>
+            <a:endParaRPr lang="it-IT" sz="1200" dirty="0"/>
+          </a:p>
+          <a:p>
+            <a:endParaRPr lang="it-IT" dirty="0" smtClean="0"/>
+          </a:p>
+        </p:txBody>
+      </p:sp>
+    </p:spTree>
+    <p:extLst>
+      <p:ext uri="{BB962C8B-B14F-4D97-AF65-F5344CB8AC3E}">
+        <p14:creationId xmlns:p14="http://schemas.microsoft.com/office/powerpoint/2010/main" val="4156179914"/>
+      </p:ext>
+    </p:extLst>
+  </p:cSld>
+  <p:clrMapOvr>
+    <a:masterClrMapping/>
+  </p:clrMapOvr>
+</p:sld>
+</file>
+
 <file path=ppt/theme/theme1.xml><?xml version="1.0" encoding="utf-8"?>
 <a:theme xmlns:a="http://schemas.openxmlformats.org/drawingml/2006/main" name="Intreccio">
   <a:themeElements>

--- a/docs/ProjectOverview.pptx
+++ b/docs/ProjectOverview.pptx
@@ -5,7 +5,7 @@
     <p:sldMasterId id="2147483960" r:id="rId1"/>
   </p:sldMasterIdLst>
   <p:notesMasterIdLst>
-    <p:notesMasterId r:id="rId23"/>
+    <p:notesMasterId r:id="rId24"/>
   </p:notesMasterIdLst>
   <p:sldIdLst>
     <p:sldId id="256" r:id="rId2"/>
@@ -27,8 +27,9 @@
     <p:sldId id="265" r:id="rId18"/>
     <p:sldId id="273" r:id="rId19"/>
     <p:sldId id="274" r:id="rId20"/>
-    <p:sldId id="275" r:id="rId21"/>
+    <p:sldId id="278" r:id="rId21"/>
     <p:sldId id="276" r:id="rId22"/>
+    <p:sldId id="277" r:id="rId23"/>
   </p:sldIdLst>
   <p:sldSz cx="9144000" cy="6858000" type="screen4x3"/>
   <p:notesSz cx="6858000" cy="9144000"/>
@@ -212,7 +213,7 @@
           <a:p>
             <a:fld id="{C38090BE-1488-4B62-AD67-74473D7C4178}" type="datetimeFigureOut">
               <a:rPr lang="it-IT" smtClean="0"/>
-              <a:t>20/07/2020</a:t>
+              <a:t>21/07/2020</a:t>
             </a:fld>
             <a:endParaRPr lang="it-IT"/>
           </a:p>
@@ -3237,7 +3238,7 @@
           <a:p>
             <a:fld id="{44403A19-15E8-443F-A4AC-9B5F9C007082}" type="datetime1">
               <a:rPr lang="it-IT" smtClean="0"/>
-              <a:t>20/07/2020</a:t>
+              <a:t>21/07/2020</a:t>
             </a:fld>
             <a:endParaRPr lang="it-IT"/>
           </a:p>
@@ -3522,7 +3523,7 @@
           <a:p>
             <a:fld id="{383D746C-50FF-4F3A-966D-01952EE4D21B}" type="datetime1">
               <a:rPr lang="it-IT" smtClean="0"/>
-              <a:t>20/07/2020</a:t>
+              <a:t>21/07/2020</a:t>
             </a:fld>
             <a:endParaRPr lang="it-IT"/>
           </a:p>
@@ -3697,7 +3698,7 @@
           <a:p>
             <a:fld id="{1E2E47B7-5F11-4F38-9950-15F853895855}" type="datetime1">
               <a:rPr lang="it-IT" smtClean="0"/>
-              <a:t>20/07/2020</a:t>
+              <a:t>21/07/2020</a:t>
             </a:fld>
             <a:endParaRPr lang="it-IT"/>
           </a:p>
@@ -3862,7 +3863,7 @@
           <a:p>
             <a:fld id="{249101ED-59F3-4AB8-BCE6-07871BE238D4}" type="datetime1">
               <a:rPr lang="it-IT" smtClean="0"/>
-              <a:t>20/07/2020</a:t>
+              <a:t>21/07/2020</a:t>
             </a:fld>
             <a:endParaRPr lang="it-IT"/>
           </a:p>
@@ -4103,7 +4104,7 @@
           <a:p>
             <a:fld id="{3503FE60-83F5-450A-A954-E60D9B8BDDD6}" type="datetime1">
               <a:rPr lang="it-IT" smtClean="0"/>
-              <a:t>20/07/2020</a:t>
+              <a:t>21/07/2020</a:t>
             </a:fld>
             <a:endParaRPr lang="it-IT"/>
           </a:p>
@@ -4216,7 +4217,7 @@
           <a:p>
             <a:fld id="{4776C39A-6506-4611-BB89-B083222D94C7}" type="datetime1">
               <a:rPr lang="it-IT" smtClean="0"/>
-              <a:t>20/07/2020</a:t>
+              <a:t>21/07/2020</a:t>
             </a:fld>
             <a:endParaRPr lang="it-IT"/>
           </a:p>
@@ -4755,7 +4756,7 @@
           <a:p>
             <a:fld id="{774C639B-2EC2-481A-8693-1587E995673A}" type="datetime1">
               <a:rPr lang="it-IT" smtClean="0"/>
-              <a:t>20/07/2020</a:t>
+              <a:t>21/07/2020</a:t>
             </a:fld>
             <a:endParaRPr lang="it-IT"/>
           </a:p>
@@ -4868,7 +4869,7 @@
           <a:p>
             <a:fld id="{99306CE7-553F-495D-8B0F-A455EE46BD8A}" type="datetime1">
               <a:rPr lang="it-IT" smtClean="0"/>
-              <a:t>20/07/2020</a:t>
+              <a:t>21/07/2020</a:t>
             </a:fld>
             <a:endParaRPr lang="it-IT"/>
           </a:p>
@@ -4958,7 +4959,7 @@
           <a:p>
             <a:fld id="{B7F92BBA-8EB4-46CA-B1D7-1CB72817144E}" type="datetime1">
               <a:rPr lang="it-IT" smtClean="0"/>
-              <a:t>20/07/2020</a:t>
+              <a:t>21/07/2020</a:t>
             </a:fld>
             <a:endParaRPr lang="it-IT"/>
           </a:p>
@@ -7609,7 +7610,7 @@
           <a:p>
             <a:fld id="{54CAACBF-2724-4EC7-A399-7B6602F8E0D0}" type="datetime1">
               <a:rPr lang="it-IT" smtClean="0"/>
-              <a:t>20/07/2020</a:t>
+              <a:t>21/07/2020</a:t>
             </a:fld>
             <a:endParaRPr lang="it-IT"/>
           </a:p>
@@ -10821,7 +10822,7 @@
           <a:p>
             <a:fld id="{7D9AC0AF-EA67-4DB7-ADF1-4B2E94343828}" type="datetime1">
               <a:rPr lang="it-IT" smtClean="0"/>
-              <a:t>20/07/2020</a:t>
+              <a:t>21/07/2020</a:t>
             </a:fld>
             <a:endParaRPr lang="it-IT"/>
           </a:p>
@@ -13643,7 +13644,7 @@
           <a:p>
             <a:fld id="{E6C85B1E-D90C-4E33-B9FE-641595DB0431}" type="datetime1">
               <a:rPr lang="it-IT" smtClean="0"/>
-              <a:t>20/07/2020</a:t>
+              <a:t>21/07/2020</a:t>
             </a:fld>
             <a:endParaRPr lang="it-IT"/>
           </a:p>
@@ -14373,7 +14374,11 @@
           <a:p>
             <a:r>
               <a:rPr lang="it-IT" dirty="0" smtClean="0"/>
-              <a:t>Per la model </a:t>
+              <a:t>For </a:t>
+            </a:r>
+            <a:r>
+              <a:rPr lang="it-IT" dirty="0" smtClean="0"/>
+              <a:t>model </a:t>
             </a:r>
             <a:r>
               <a:rPr lang="it-IT" dirty="0" err="1" smtClean="0"/>
@@ -14381,37 +14386,93 @@
             </a:r>
             <a:r>
               <a:rPr lang="it-IT" dirty="0" smtClean="0"/>
-              <a:t> vengono utilizzate due funzioni (</a:t>
-            </a:r>
+              <a:t> </a:t>
+            </a:r>
+            <a:r>
+              <a:rPr lang="it-IT" dirty="0" err="1" smtClean="0"/>
+              <a:t>two</a:t>
+            </a:r>
+            <a:r>
+              <a:rPr lang="it-IT" dirty="0" smtClean="0"/>
+              <a:t> </a:t>
+            </a:r>
+            <a:r>
+              <a:rPr lang="it-IT" dirty="0" err="1" smtClean="0"/>
+              <a:t>functions</a:t>
+            </a:r>
+            <a:r>
+              <a:rPr lang="it-IT" dirty="0" smtClean="0"/>
+              <a:t>, </a:t>
+            </a:r>
+            <a:r>
+              <a:rPr lang="it-IT" dirty="0" err="1" smtClean="0"/>
+              <a:t>testAccuracy</a:t>
+            </a:r>
+            <a:r>
+              <a:rPr lang="it-IT" dirty="0" smtClean="0"/>
+              <a:t> and </a:t>
+            </a:r>
+            <a:r>
+              <a:rPr lang="it-IT" dirty="0" err="1" smtClean="0"/>
+              <a:t>testCovid</a:t>
+            </a:r>
+            <a:r>
+              <a:rPr lang="it-IT" dirty="0" smtClean="0"/>
+              <a:t>, are </a:t>
+            </a:r>
+            <a:r>
+              <a:rPr lang="it-IT" dirty="0" err="1" smtClean="0"/>
+              <a:t>used</a:t>
+            </a:r>
+            <a:r>
+              <a:rPr lang="it-IT" dirty="0" smtClean="0"/>
+              <a:t>.</a:t>
+            </a:r>
+            <a:endParaRPr lang="it-IT" dirty="0"/>
+          </a:p>
+          <a:p>
             <a:r>
               <a:rPr lang="it-IT" i="1" dirty="0" err="1" smtClean="0"/>
               <a:t>testAccuracy</a:t>
             </a:r>
             <a:r>
-              <a:rPr lang="it-IT" dirty="0"/>
+              <a:rPr lang="it-IT" dirty="0" smtClean="0"/>
               <a:t> </a:t>
             </a:r>
             <a:r>
-              <a:rPr lang="it-IT" dirty="0" smtClean="0"/>
-              <a:t>e </a:t>
-            </a:r>
+              <a:rPr lang="it-IT" dirty="0" err="1" smtClean="0"/>
+              <a:t>computes</a:t>
+            </a:r>
+            <a:r>
+              <a:rPr lang="it-IT" dirty="0" smtClean="0"/>
+              <a:t> test </a:t>
+            </a:r>
+            <a:r>
+              <a:rPr lang="it-IT" dirty="0" err="1" smtClean="0"/>
+              <a:t>accuracy</a:t>
+            </a:r>
+            <a:r>
+              <a:rPr lang="it-IT" dirty="0" smtClean="0"/>
+              <a:t> for the test subset.</a:t>
+            </a:r>
+            <a:endParaRPr lang="it-IT" dirty="0" smtClean="0"/>
+          </a:p>
+          <a:p>
             <a:r>
               <a:rPr lang="it-IT" i="1" dirty="0" err="1" smtClean="0"/>
               <a:t>testCovid</a:t>
             </a:r>
             <a:r>
               <a:rPr lang="it-IT" dirty="0" smtClean="0"/>
-              <a:t>).</a:t>
-            </a:r>
-          </a:p>
-          <a:p>
-            <a:r>
-              <a:rPr lang="it-IT" i="1" dirty="0" err="1" smtClean="0"/>
-              <a:t>testAccuracy</a:t>
-            </a:r>
-            <a:r>
-              <a:rPr lang="it-IT" dirty="0" smtClean="0"/>
-              <a:t> calcola l’</a:t>
+              <a:t> </a:t>
+            </a:r>
+            <a:r>
+              <a:rPr lang="it-IT" dirty="0" err="1" smtClean="0"/>
+              <a:t>computes</a:t>
+            </a:r>
+            <a:r>
+              <a:rPr lang="it-IT" dirty="0" smtClean="0"/>
+              <a:t> </a:t>
             </a:r>
             <a:r>
               <a:rPr lang="it-IT" dirty="0" err="1" smtClean="0"/>
@@ -14419,25 +14480,7 @@
             </a:r>
             <a:r>
               <a:rPr lang="it-IT" dirty="0" smtClean="0"/>
-              <a:t> di test tramite il relativo subset di test.</a:t>
-            </a:r>
-          </a:p>
-          <a:p>
-            <a:r>
-              <a:rPr lang="it-IT" i="1" dirty="0" err="1" smtClean="0"/>
-              <a:t>testCovid</a:t>
-            </a:r>
-            <a:r>
-              <a:rPr lang="it-IT" dirty="0" smtClean="0"/>
-              <a:t> calcola l’</a:t>
-            </a:r>
-            <a:r>
-              <a:rPr lang="it-IT" dirty="0" err="1" smtClean="0"/>
-              <a:t>accuracy</a:t>
-            </a:r>
-            <a:r>
-              <a:rPr lang="it-IT" dirty="0" smtClean="0"/>
-              <a:t> di predizione tra le classi </a:t>
+              <a:t> of </a:t>
             </a:r>
             <a:r>
               <a:rPr lang="it-IT" dirty="0" err="1" smtClean="0"/>
@@ -14445,11 +14488,19 @@
             </a:r>
             <a:r>
               <a:rPr lang="it-IT" dirty="0" smtClean="0"/>
-              <a:t> e NO-</a:t>
+              <a:t>/</a:t>
             </a:r>
             <a:r>
               <a:rPr lang="it-IT" dirty="0" err="1" smtClean="0"/>
-              <a:t>Covid</a:t>
+              <a:t>NOCovid</a:t>
+            </a:r>
+            <a:r>
+              <a:rPr lang="it-IT" dirty="0" smtClean="0"/>
+              <a:t> </a:t>
+            </a:r>
+            <a:r>
+              <a:rPr lang="it-IT" dirty="0" err="1" smtClean="0"/>
+              <a:t>classes</a:t>
             </a:r>
             <a:r>
               <a:rPr lang="it-IT" dirty="0" smtClean="0"/>
@@ -14691,13 +14742,49 @@
         <p:spPr/>
         <p:txBody>
           <a:bodyPr>
-            <a:normAutofit fontScale="92500" lnSpcReduction="10000"/>
+            <a:normAutofit lnSpcReduction="10000"/>
           </a:bodyPr>
           <a:lstStyle/>
           <a:p>
             <a:r>
-              <a:rPr lang="it-IT" dirty="0" smtClean="0"/>
-              <a:t>Per la model </a:t>
+              <a:rPr lang="it-IT" dirty="0" err="1" smtClean="0"/>
+              <a:t>Pytorch</a:t>
+            </a:r>
+            <a:r>
+              <a:rPr lang="it-IT" dirty="0" smtClean="0"/>
+              <a:t> </a:t>
+            </a:r>
+            <a:r>
+              <a:rPr lang="it-IT" dirty="0" err="1" smtClean="0"/>
+              <a:t>Captum</a:t>
+            </a:r>
+            <a:r>
+              <a:rPr lang="it-IT" dirty="0" smtClean="0"/>
+              <a:t> </a:t>
+            </a:r>
+            <a:r>
+              <a:rPr lang="it-IT" dirty="0" err="1" smtClean="0"/>
+              <a:t>module</a:t>
+            </a:r>
+            <a:r>
+              <a:rPr lang="it-IT" dirty="0" smtClean="0"/>
+              <a:t> </a:t>
+            </a:r>
+            <a:r>
+              <a:rPr lang="it-IT" dirty="0" err="1" smtClean="0"/>
+              <a:t>is</a:t>
+            </a:r>
+            <a:r>
+              <a:rPr lang="it-IT" dirty="0" smtClean="0"/>
+              <a:t> </a:t>
+            </a:r>
+            <a:r>
+              <a:rPr lang="it-IT" dirty="0" err="1" smtClean="0"/>
+              <a:t>used</a:t>
+            </a:r>
+            <a:r>
+              <a:rPr lang="it-IT" dirty="0" smtClean="0"/>
+              <a:t> for model </a:t>
             </a:r>
             <a:r>
               <a:rPr lang="it-IT" dirty="0" err="1" smtClean="0"/>
@@ -14705,11 +14792,112 @@
             </a:r>
             <a:r>
               <a:rPr lang="it-IT" dirty="0" smtClean="0"/>
-              <a:t> viene utilizzato </a:t>
-            </a:r>
-            <a:r>
-              <a:rPr lang="it-IT" b="1" i="1" dirty="0" err="1" smtClean="0"/>
-              <a:t>Captum</a:t>
+              <a:t>.</a:t>
+            </a:r>
+            <a:endParaRPr lang="it-IT" dirty="0" smtClean="0"/>
+          </a:p>
+          <a:p>
+            <a:r>
+              <a:rPr lang="it-IT" dirty="0" err="1" smtClean="0"/>
+              <a:t>modelInterpretation</a:t>
+            </a:r>
+            <a:r>
+              <a:rPr lang="it-IT" dirty="0" smtClean="0"/>
+              <a:t> </a:t>
+            </a:r>
+            <a:r>
+              <a:rPr lang="it-IT" dirty="0" err="1" smtClean="0"/>
+              <a:t>function</a:t>
+            </a:r>
+            <a:r>
+              <a:rPr lang="it-IT" dirty="0" smtClean="0"/>
+              <a:t> use </a:t>
+            </a:r>
+            <a:r>
+              <a:rPr lang="it-IT" dirty="0" err="1" smtClean="0"/>
+              <a:t>integrated</a:t>
+            </a:r>
+            <a:r>
+              <a:rPr lang="it-IT" dirty="0" smtClean="0"/>
+              <a:t> </a:t>
+            </a:r>
+            <a:r>
+              <a:rPr lang="it-IT" dirty="0" err="1" smtClean="0"/>
+              <a:t>gradient</a:t>
+            </a:r>
+            <a:r>
+              <a:rPr lang="it-IT" dirty="0" smtClean="0"/>
+              <a:t> </a:t>
+            </a:r>
+            <a:r>
+              <a:rPr lang="it-IT" dirty="0" err="1" smtClean="0"/>
+              <a:t>criterion</a:t>
+            </a:r>
+            <a:r>
+              <a:rPr lang="it-IT" dirty="0" smtClean="0"/>
+              <a:t> to </a:t>
+            </a:r>
+            <a:r>
+              <a:rPr lang="it-IT" dirty="0" err="1" smtClean="0"/>
+              <a:t>define</a:t>
+            </a:r>
+            <a:r>
+              <a:rPr lang="it-IT" dirty="0" smtClean="0"/>
+              <a:t> </a:t>
+            </a:r>
+            <a:r>
+              <a:rPr lang="it-IT" dirty="0" err="1" smtClean="0"/>
+              <a:t>feature</a:t>
+            </a:r>
+            <a:r>
+              <a:rPr lang="it-IT" dirty="0" smtClean="0"/>
+              <a:t> </a:t>
+            </a:r>
+            <a:r>
+              <a:rPr lang="it-IT" dirty="0" err="1" smtClean="0"/>
+              <a:t>meaning</a:t>
+            </a:r>
+            <a:r>
+              <a:rPr lang="it-IT" dirty="0" smtClean="0"/>
+              <a:t> </a:t>
+            </a:r>
+            <a:r>
+              <a:rPr lang="it-IT" dirty="0" err="1" smtClean="0"/>
+              <a:t>after</a:t>
+            </a:r>
+            <a:r>
+              <a:rPr lang="it-IT" dirty="0" smtClean="0"/>
+              <a:t> model </a:t>
+            </a:r>
+            <a:r>
+              <a:rPr lang="it-IT" dirty="0" err="1" smtClean="0"/>
+              <a:t>computations</a:t>
+            </a:r>
+            <a:r>
+              <a:rPr lang="it-IT" dirty="0" smtClean="0"/>
+              <a:t>. </a:t>
+            </a:r>
+          </a:p>
+          <a:p>
+            <a:r>
+              <a:rPr lang="it-IT" dirty="0" err="1" smtClean="0"/>
+              <a:t>Attributes</a:t>
+            </a:r>
+            <a:r>
+              <a:rPr lang="it-IT" dirty="0" smtClean="0"/>
+              <a:t> are </a:t>
+            </a:r>
+            <a:r>
+              <a:rPr lang="it-IT" dirty="0" err="1" smtClean="0"/>
+              <a:t>plotted</a:t>
+            </a:r>
+            <a:r>
+              <a:rPr lang="it-IT" dirty="0" smtClean="0"/>
+              <a:t> </a:t>
+            </a:r>
+            <a:r>
+              <a:rPr lang="it-IT" dirty="0" err="1" smtClean="0"/>
+              <a:t>trough</a:t>
             </a:r>
             <a:r>
               <a:rPr lang="it-IT" dirty="0"/>
@@ -14717,59 +14905,7 @@
             </a:r>
             <a:r>
               <a:rPr lang="it-IT" dirty="0" smtClean="0"/>
-              <a:t>di </a:t>
-            </a:r>
-            <a:r>
-              <a:rPr lang="it-IT" b="1" i="1" dirty="0" err="1" smtClean="0"/>
-              <a:t>Pytorch</a:t>
-            </a:r>
-            <a:r>
-              <a:rPr lang="it-IT" dirty="0" smtClean="0"/>
-              <a:t>.</a:t>
-            </a:r>
-          </a:p>
-          <a:p>
-            <a:r>
-              <a:rPr lang="it-IT" dirty="0" smtClean="0"/>
-              <a:t>Viene definita la funzione </a:t>
-            </a:r>
-            <a:r>
-              <a:rPr lang="it-IT" dirty="0" err="1" smtClean="0"/>
-              <a:t>modelInterpretation</a:t>
-            </a:r>
-            <a:r>
-              <a:rPr lang="it-IT" dirty="0" smtClean="0"/>
-              <a:t>. Essa utilizza il criterio </a:t>
-            </a:r>
-            <a:r>
-              <a:rPr lang="it-IT" dirty="0" err="1" smtClean="0"/>
-              <a:t>Integrated</a:t>
-            </a:r>
-            <a:r>
-              <a:rPr lang="it-IT" dirty="0" smtClean="0"/>
-              <a:t> </a:t>
-            </a:r>
-            <a:r>
-              <a:rPr lang="it-IT" dirty="0" err="1" smtClean="0"/>
-              <a:t>gradient</a:t>
-            </a:r>
-            <a:r>
-              <a:rPr lang="it-IT" dirty="0" smtClean="0"/>
-              <a:t> per definire l’importanza delle </a:t>
-            </a:r>
-            <a:r>
-              <a:rPr lang="it-IT" dirty="0" err="1" smtClean="0"/>
-              <a:t>feature</a:t>
-            </a:r>
-            <a:r>
-              <a:rPr lang="it-IT" dirty="0" smtClean="0"/>
-              <a:t> a livello decisionale dopo averle passate al modello.</a:t>
-            </a:r>
-          </a:p>
-          <a:p>
-            <a:r>
-              <a:rPr lang="it-IT" dirty="0" smtClean="0"/>
-              <a:t>Tramite ‘</a:t>
+              <a:t>‘</a:t>
             </a:r>
             <a:r>
               <a:rPr lang="it-IT" i="1" dirty="0" err="1" smtClean="0"/>
@@ -14777,7 +14913,19 @@
             </a:r>
             <a:r>
               <a:rPr lang="it-IT" dirty="0" smtClean="0"/>
-              <a:t>‘ chiamato sull’elemento ‘</a:t>
+              <a:t>‘ </a:t>
+            </a:r>
+            <a:r>
+              <a:rPr lang="it-IT" dirty="0" err="1" smtClean="0"/>
+              <a:t>called</a:t>
+            </a:r>
+            <a:r>
+              <a:rPr lang="it-IT" dirty="0" smtClean="0"/>
+              <a:t> on </a:t>
+            </a:r>
+            <a:r>
+              <a:rPr lang="it-IT" dirty="0" smtClean="0"/>
+              <a:t>‘</a:t>
             </a:r>
             <a:r>
               <a:rPr lang="it-IT" i="1" dirty="0" err="1" smtClean="0"/>
@@ -14785,7 +14933,15 @@
             </a:r>
             <a:r>
               <a:rPr lang="it-IT" dirty="0" smtClean="0"/>
-              <a:t>’ di </a:t>
+              <a:t>’ </a:t>
+            </a:r>
+            <a:r>
+              <a:rPr lang="it-IT" dirty="0" err="1" smtClean="0"/>
+              <a:t>element</a:t>
+            </a:r>
+            <a:r>
+              <a:rPr lang="it-IT" dirty="0" smtClean="0"/>
+              <a:t> of </a:t>
             </a:r>
             <a:r>
               <a:rPr lang="it-IT" dirty="0" err="1" smtClean="0"/>
@@ -14793,7 +14949,7 @@
             </a:r>
             <a:r>
               <a:rPr lang="it-IT" dirty="0" smtClean="0"/>
-              <a:t>, vengono plottati tali attributi.</a:t>
+              <a:t>.</a:t>
             </a:r>
             <a:endParaRPr lang="it-IT" dirty="0"/>
           </a:p>
@@ -15007,17 +15163,21 @@
         <p:spPr/>
         <p:txBody>
           <a:bodyPr>
-            <a:normAutofit fontScale="92500" lnSpcReduction="20000"/>
+            <a:normAutofit fontScale="92500"/>
           </a:bodyPr>
           <a:lstStyle/>
           <a:p>
             <a:r>
               <a:rPr lang="it-IT" dirty="0" smtClean="0"/>
-              <a:t>L’</a:t>
+              <a:t>The </a:t>
             </a:r>
             <a:r>
               <a:rPr lang="it-IT" dirty="0" err="1" smtClean="0"/>
-              <a:t>adversarial</a:t>
+              <a:t>a</a:t>
+            </a:r>
+            <a:r>
+              <a:rPr lang="it-IT" dirty="0" err="1" smtClean="0"/>
+              <a:t>dversarial</a:t>
             </a:r>
             <a:r>
               <a:rPr lang="it-IT" dirty="0" smtClean="0"/>
@@ -15029,7 +15189,39 @@
             </a:r>
             <a:r>
               <a:rPr lang="it-IT" dirty="0" smtClean="0"/>
-              <a:t> preso in considerazione è il </a:t>
+              <a:t> </a:t>
+            </a:r>
+            <a:r>
+              <a:rPr lang="it-IT" dirty="0" err="1" smtClean="0"/>
+              <a:t>taked</a:t>
+            </a:r>
+            <a:r>
+              <a:rPr lang="it-IT" dirty="0" smtClean="0"/>
+              <a:t> </a:t>
+            </a:r>
+            <a:r>
+              <a:rPr lang="it-IT" dirty="0" err="1" smtClean="0"/>
+              <a:t>into</a:t>
+            </a:r>
+            <a:r>
+              <a:rPr lang="it-IT" dirty="0" smtClean="0"/>
+              <a:t> </a:t>
+            </a:r>
+            <a:r>
+              <a:rPr lang="it-IT" dirty="0" err="1" smtClean="0"/>
+              <a:t>consideration</a:t>
+            </a:r>
+            <a:r>
+              <a:rPr lang="it-IT" dirty="0" smtClean="0"/>
+              <a:t> </a:t>
+            </a:r>
+            <a:r>
+              <a:rPr lang="it-IT" dirty="0" err="1" smtClean="0"/>
+              <a:t>is</a:t>
+            </a:r>
+            <a:r>
+              <a:rPr lang="it-IT" dirty="0" smtClean="0"/>
+              <a:t> </a:t>
             </a:r>
             <a:r>
               <a:rPr lang="it-IT" b="1" i="1" dirty="0" smtClean="0"/>
@@ -15058,22 +15250,154 @@
           </a:p>
           <a:p>
             <a:r>
-              <a:rPr lang="it-IT" dirty="0" smtClean="0"/>
-              <a:t>La perturbazione delle immagini viene eseguita tramite la funzione </a:t>
-            </a:r>
-            <a:r>
               <a:rPr lang="it-IT" dirty="0" err="1" smtClean="0"/>
-              <a:t>fgsm_attack</a:t>
-            </a:r>
-            <a:r>
-              <a:rPr lang="it-IT" dirty="0" smtClean="0"/>
-              <a:t>, che aggiunge del rumore all’immagine moltiplicando un valore epsilon per il segno del gradiente del dato. Più il valore epsilon è alto e più la variazione dell’immagine è visibile ad occhio nudo. Nel nostro caso è stato utilizzato epsilon = 0.025</a:t>
-            </a:r>
-          </a:p>
-          <a:p>
-            <a:r>
-              <a:rPr lang="it-IT" dirty="0" smtClean="0"/>
-              <a:t>La funzione test, verifica l’</a:t>
+              <a:t>Fgsm_attack</a:t>
+            </a:r>
+            <a:r>
+              <a:rPr lang="it-IT" dirty="0" smtClean="0"/>
+              <a:t> </a:t>
+            </a:r>
+            <a:r>
+              <a:rPr lang="it-IT" dirty="0" err="1" smtClean="0"/>
+              <a:t>function</a:t>
+            </a:r>
+            <a:r>
+              <a:rPr lang="it-IT" dirty="0" smtClean="0"/>
+              <a:t> </a:t>
+            </a:r>
+            <a:r>
+              <a:rPr lang="it-IT" dirty="0" err="1" smtClean="0"/>
+              <a:t>perform</a:t>
+            </a:r>
+            <a:r>
+              <a:rPr lang="it-IT" dirty="0" smtClean="0"/>
+              <a:t> images </a:t>
+            </a:r>
+            <a:r>
+              <a:rPr lang="it-IT" dirty="0" err="1" smtClean="0"/>
+              <a:t>perturbation</a:t>
+            </a:r>
+            <a:r>
+              <a:rPr lang="it-IT" dirty="0" smtClean="0"/>
+              <a:t> </a:t>
+            </a:r>
+            <a:r>
+              <a:rPr lang="it-IT" dirty="0" err="1" smtClean="0"/>
+              <a:t>that</a:t>
+            </a:r>
+            <a:r>
+              <a:rPr lang="it-IT" dirty="0" smtClean="0"/>
+              <a:t> </a:t>
+            </a:r>
+            <a:r>
+              <a:rPr lang="it-IT" dirty="0" err="1" smtClean="0"/>
+              <a:t>adds</a:t>
+            </a:r>
+            <a:r>
+              <a:rPr lang="it-IT" dirty="0" smtClean="0"/>
+              <a:t> </a:t>
+            </a:r>
+            <a:r>
+              <a:rPr lang="it-IT" dirty="0" err="1" smtClean="0"/>
+              <a:t>noise</a:t>
+            </a:r>
+            <a:r>
+              <a:rPr lang="it-IT" dirty="0" smtClean="0"/>
+              <a:t> to the </a:t>
+            </a:r>
+            <a:r>
+              <a:rPr lang="it-IT" dirty="0" err="1" smtClean="0"/>
+              <a:t>original</a:t>
+            </a:r>
+            <a:r>
+              <a:rPr lang="it-IT" dirty="0" smtClean="0"/>
+              <a:t> images, </a:t>
+            </a:r>
+            <a:r>
+              <a:rPr lang="it-IT" dirty="0" err="1" smtClean="0"/>
+              <a:t>multiplying</a:t>
+            </a:r>
+            <a:r>
+              <a:rPr lang="it-IT" dirty="0" smtClean="0"/>
+              <a:t> an epsilon </a:t>
+            </a:r>
+            <a:r>
+              <a:rPr lang="it-IT" dirty="0" err="1" smtClean="0"/>
+              <a:t>value</a:t>
+            </a:r>
+            <a:r>
+              <a:rPr lang="it-IT" dirty="0" smtClean="0"/>
+              <a:t> to the </a:t>
+            </a:r>
+            <a:r>
+              <a:rPr lang="it-IT" dirty="0" err="1" smtClean="0"/>
+              <a:t>gradient</a:t>
+            </a:r>
+            <a:r>
+              <a:rPr lang="it-IT" dirty="0" smtClean="0"/>
+              <a:t> </a:t>
+            </a:r>
+            <a:r>
+              <a:rPr lang="it-IT" dirty="0" err="1" smtClean="0"/>
+              <a:t>sign</a:t>
+            </a:r>
+            <a:r>
+              <a:rPr lang="it-IT" dirty="0" smtClean="0"/>
+              <a:t> of the data. In </a:t>
+            </a:r>
+            <a:r>
+              <a:rPr lang="it-IT" dirty="0" err="1" smtClean="0"/>
+              <a:t>our</a:t>
+            </a:r>
+            <a:r>
+              <a:rPr lang="it-IT" dirty="0" smtClean="0"/>
+              <a:t> </a:t>
+            </a:r>
+            <a:r>
+              <a:rPr lang="it-IT" dirty="0" err="1" smtClean="0"/>
+              <a:t>experiment</a:t>
+            </a:r>
+            <a:r>
+              <a:rPr lang="it-IT" dirty="0" smtClean="0"/>
+              <a:t>, epsilon = 0.025 </a:t>
+            </a:r>
+            <a:r>
+              <a:rPr lang="it-IT" dirty="0" err="1" smtClean="0"/>
+              <a:t>is</a:t>
+            </a:r>
+            <a:r>
+              <a:rPr lang="it-IT" dirty="0" smtClean="0"/>
+              <a:t> </a:t>
+            </a:r>
+            <a:r>
+              <a:rPr lang="it-IT" dirty="0" err="1" smtClean="0"/>
+              <a:t>used</a:t>
+            </a:r>
+            <a:r>
+              <a:rPr lang="it-IT" dirty="0" smtClean="0"/>
+              <a:t>. </a:t>
+            </a:r>
+          </a:p>
+          <a:p>
+            <a:r>
+              <a:rPr lang="it-IT" dirty="0" smtClean="0"/>
+              <a:t>Test </a:t>
+            </a:r>
+            <a:r>
+              <a:rPr lang="it-IT" dirty="0" err="1" smtClean="0"/>
+              <a:t>function</a:t>
+            </a:r>
+            <a:r>
+              <a:rPr lang="it-IT" dirty="0" smtClean="0"/>
+              <a:t> </a:t>
+            </a:r>
+            <a:r>
+              <a:rPr lang="it-IT" dirty="0" err="1" smtClean="0"/>
+              <a:t>verify</a:t>
+            </a:r>
+            <a:r>
+              <a:rPr lang="it-IT" dirty="0" smtClean="0"/>
+              <a:t> model </a:t>
             </a:r>
             <a:r>
               <a:rPr lang="it-IT" dirty="0" err="1" smtClean="0"/>
@@ -15081,13 +15405,24 @@
             </a:r>
             <a:r>
               <a:rPr lang="it-IT" dirty="0" smtClean="0"/>
-              <a:t> del modello dopo aver perturbato le immagini.</a:t>
-            </a:r>
-          </a:p>
-          <a:p>
-            <a:pPr marL="68580" indent="0">
-              <a:buNone/>
-            </a:pPr>
+              <a:t> </a:t>
+            </a:r>
+            <a:r>
+              <a:rPr lang="it-IT" dirty="0" err="1" smtClean="0"/>
+              <a:t>after</a:t>
+            </a:r>
+            <a:r>
+              <a:rPr lang="it-IT" dirty="0" smtClean="0"/>
+              <a:t> image </a:t>
+            </a:r>
+            <a:r>
+              <a:rPr lang="it-IT" dirty="0" err="1" smtClean="0"/>
+              <a:t>perturbation</a:t>
+            </a:r>
+            <a:r>
+              <a:rPr lang="it-IT" dirty="0" smtClean="0"/>
+              <a:t>. </a:t>
+            </a:r>
             <a:endParaRPr lang="it-IT" dirty="0"/>
           </a:p>
         </p:txBody>
@@ -15311,13 +15646,53 @@
         <p:spPr/>
         <p:txBody>
           <a:bodyPr>
-            <a:normAutofit fontScale="92500" lnSpcReduction="20000"/>
+            <a:normAutofit fontScale="92500" lnSpcReduction="10000"/>
           </a:bodyPr>
           <a:lstStyle/>
           <a:p>
             <a:r>
-              <a:rPr lang="it-IT" dirty="0" smtClean="0"/>
-              <a:t>Le stesse operazioni effettuate in precedenza, sono state ripetute in modalità </a:t>
+              <a:rPr lang="it-IT" dirty="0" err="1" smtClean="0"/>
+              <a:t>Same</a:t>
+            </a:r>
+            <a:r>
+              <a:rPr lang="it-IT" dirty="0" smtClean="0"/>
+              <a:t> </a:t>
+            </a:r>
+            <a:r>
+              <a:rPr lang="it-IT" dirty="0" err="1" smtClean="0"/>
+              <a:t>operations</a:t>
+            </a:r>
+            <a:r>
+              <a:rPr lang="it-IT" dirty="0" smtClean="0"/>
+              <a:t> </a:t>
+            </a:r>
+            <a:r>
+              <a:rPr lang="it-IT" dirty="0" err="1" smtClean="0"/>
+              <a:t>performed</a:t>
+            </a:r>
+            <a:r>
+              <a:rPr lang="it-IT" dirty="0" smtClean="0"/>
+              <a:t> </a:t>
+            </a:r>
+            <a:r>
+              <a:rPr lang="it-IT" dirty="0" err="1" smtClean="0"/>
+              <a:t>before</a:t>
+            </a:r>
+            <a:r>
+              <a:rPr lang="it-IT" dirty="0" smtClean="0"/>
+              <a:t>, are </a:t>
+            </a:r>
+            <a:r>
+              <a:rPr lang="it-IT" dirty="0" err="1" smtClean="0"/>
+              <a:t>repeated</a:t>
+            </a:r>
+            <a:r>
+              <a:rPr lang="it-IT" dirty="0" smtClean="0"/>
+              <a:t> </a:t>
+            </a:r>
+            <a:r>
+              <a:rPr lang="it-IT" dirty="0" smtClean="0"/>
+              <a:t>in </a:t>
             </a:r>
             <a:r>
               <a:rPr lang="it-IT" dirty="0" err="1" smtClean="0"/>
@@ -15325,13 +15700,25 @@
             </a:r>
             <a:r>
               <a:rPr lang="it-IT" dirty="0" smtClean="0"/>
-              <a:t>.</a:t>
-            </a:r>
-          </a:p>
-          <a:p>
-            <a:r>
-              <a:rPr lang="it-IT" dirty="0" smtClean="0"/>
-              <a:t>Un nuovo </a:t>
+              <a:t> mode. </a:t>
+            </a:r>
+          </a:p>
+          <a:p>
+            <a:r>
+              <a:rPr lang="it-IT" dirty="0" smtClean="0"/>
+              <a:t>A new </a:t>
+            </a:r>
+            <a:r>
+              <a:rPr lang="it-IT" dirty="0" err="1" smtClean="0"/>
+              <a:t>adversarial</a:t>
+            </a:r>
+            <a:r>
+              <a:rPr lang="it-IT" dirty="0" smtClean="0"/>
+              <a:t> </a:t>
+            </a:r>
+            <a:r>
+              <a:rPr lang="it-IT" dirty="0" smtClean="0"/>
+              <a:t>image </a:t>
             </a:r>
             <a:r>
               <a:rPr lang="it-IT" dirty="0" err="1" smtClean="0"/>
@@ -15339,7 +15726,23 @@
             </a:r>
             <a:r>
               <a:rPr lang="it-IT" dirty="0" smtClean="0"/>
-              <a:t> di immagini avversarie è stato creato; i nuovi </a:t>
+              <a:t> </a:t>
+            </a:r>
+            <a:r>
+              <a:rPr lang="it-IT" dirty="0" err="1" smtClean="0"/>
+              <a:t>is</a:t>
+            </a:r>
+            <a:r>
+              <a:rPr lang="it-IT" dirty="0" smtClean="0"/>
+              <a:t> </a:t>
+            </a:r>
+            <a:r>
+              <a:rPr lang="it-IT" dirty="0" err="1" smtClean="0"/>
+              <a:t>created</a:t>
+            </a:r>
+            <a:r>
+              <a:rPr lang="it-IT" dirty="0" smtClean="0"/>
+              <a:t>; the new </a:t>
             </a:r>
             <a:r>
               <a:rPr lang="it-IT" dirty="0" err="1" smtClean="0"/>
@@ -15347,41 +15750,182 @@
             </a:r>
             <a:r>
               <a:rPr lang="it-IT" dirty="0" smtClean="0"/>
-              <a:t> sono stati realizzati attraverso la concatenazione del </a:t>
+              <a:t> are </a:t>
             </a:r>
             <a:r>
               <a:rPr lang="it-IT" dirty="0" err="1" smtClean="0"/>
-              <a:t>datadet</a:t>
-            </a:r>
-            <a:r>
-              <a:rPr lang="it-IT" dirty="0" smtClean="0"/>
-              <a:t> originale e quello </a:t>
+              <a:t>created</a:t>
+            </a:r>
+            <a:r>
+              <a:rPr lang="it-IT" dirty="0" smtClean="0"/>
+              <a:t> </a:t>
+            </a:r>
+            <a:r>
+              <a:rPr lang="it-IT" dirty="0" err="1" smtClean="0"/>
+              <a:t>through</a:t>
+            </a:r>
+            <a:r>
+              <a:rPr lang="it-IT" dirty="0" smtClean="0"/>
+              <a:t> </a:t>
+            </a:r>
+            <a:r>
+              <a:rPr lang="it-IT" dirty="0" err="1" smtClean="0"/>
+              <a:t>concatenation</a:t>
+            </a:r>
+            <a:r>
+              <a:rPr lang="it-IT" dirty="0" smtClean="0"/>
+              <a:t> of the </a:t>
+            </a:r>
+            <a:r>
+              <a:rPr lang="it-IT" dirty="0" err="1" smtClean="0"/>
+              <a:t>original</a:t>
+            </a:r>
+            <a:r>
+              <a:rPr lang="it-IT" dirty="0" smtClean="0"/>
+              <a:t> </a:t>
+            </a:r>
+            <a:r>
+              <a:rPr lang="it-IT" dirty="0" err="1" smtClean="0"/>
+              <a:t>dataset</a:t>
+            </a:r>
+            <a:r>
+              <a:rPr lang="it-IT" dirty="0" smtClean="0"/>
+              <a:t> and the </a:t>
             </a:r>
             <a:r>
               <a:rPr lang="it-IT" dirty="0" err="1" smtClean="0"/>
               <a:t>adversarial</a:t>
             </a:r>
             <a:r>
-              <a:rPr lang="it-IT" dirty="0"/>
+              <a:rPr lang="it-IT" dirty="0" smtClean="0"/>
               <a:t> </a:t>
             </a:r>
             <a:r>
-              <a:rPr lang="it-IT" dirty="0" smtClean="0"/>
-              <a:t>tramite la classe </a:t>
-            </a:r>
-            <a:r>
-              <a:rPr lang="it-IT" b="1" i="1" dirty="0" err="1" smtClean="0"/>
+              <a:rPr lang="it-IT" dirty="0" err="1" smtClean="0"/>
+              <a:t>one</a:t>
+            </a:r>
+            <a:r>
+              <a:rPr lang="it-IT" dirty="0" smtClean="0"/>
+              <a:t>; to do </a:t>
+            </a:r>
+            <a:r>
+              <a:rPr lang="it-IT" dirty="0" err="1" smtClean="0"/>
+              <a:t>this</a:t>
+            </a:r>
+            <a:r>
+              <a:rPr lang="it-IT" dirty="0" smtClean="0"/>
+              <a:t>, </a:t>
+            </a:r>
+            <a:r>
+              <a:rPr lang="it-IT" dirty="0" err="1" smtClean="0"/>
               <a:t>ConcatDataset</a:t>
             </a:r>
             <a:r>
               <a:rPr lang="it-IT" dirty="0" smtClean="0"/>
+              <a:t> </a:t>
+            </a:r>
+            <a:r>
+              <a:rPr lang="it-IT" dirty="0" err="1" smtClean="0"/>
+              <a:t>class</a:t>
+            </a:r>
+            <a:r>
+              <a:rPr lang="it-IT" dirty="0" smtClean="0"/>
+              <a:t> </a:t>
+            </a:r>
+            <a:r>
+              <a:rPr lang="it-IT" dirty="0" err="1" smtClean="0"/>
+              <a:t>is</a:t>
+            </a:r>
+            <a:r>
+              <a:rPr lang="it-IT" dirty="0" smtClean="0"/>
+              <a:t> </a:t>
+            </a:r>
+            <a:r>
+              <a:rPr lang="it-IT" dirty="0" err="1" smtClean="0"/>
+              <a:t>used</a:t>
+            </a:r>
+            <a:r>
+              <a:rPr lang="it-IT" dirty="0" smtClean="0"/>
               <a:t>.</a:t>
             </a:r>
-          </a:p>
-          <a:p>
-            <a:r>
-              <a:rPr lang="it-IT" dirty="0" smtClean="0"/>
-              <a:t>Il modello è quindi allenato anche con le immagini perturbate rifinendo i parametri. A seguito sono ripetute le funzioni per la valutazione del nuovo modello.</a:t>
+            <a:endParaRPr lang="it-IT" dirty="0"/>
+          </a:p>
+          <a:p>
+            <a:r>
+              <a:rPr lang="it-IT" dirty="0" smtClean="0"/>
+              <a:t>Model </a:t>
+            </a:r>
+            <a:r>
+              <a:rPr lang="it-IT" dirty="0" err="1" smtClean="0"/>
+              <a:t>is</a:t>
+            </a:r>
+            <a:r>
+              <a:rPr lang="it-IT" dirty="0" smtClean="0"/>
+              <a:t> </a:t>
+            </a:r>
+            <a:r>
+              <a:rPr lang="it-IT" dirty="0" err="1" smtClean="0"/>
+              <a:t>trained</a:t>
+            </a:r>
+            <a:r>
+              <a:rPr lang="it-IT" dirty="0" smtClean="0"/>
+              <a:t> with </a:t>
+            </a:r>
+            <a:r>
+              <a:rPr lang="it-IT" dirty="0" err="1" smtClean="0"/>
+              <a:t>perturbed</a:t>
+            </a:r>
+            <a:r>
+              <a:rPr lang="it-IT" dirty="0" smtClean="0"/>
+              <a:t> images, </a:t>
+            </a:r>
+            <a:r>
+              <a:rPr lang="it-IT" dirty="0" err="1" smtClean="0"/>
+              <a:t>tuning</a:t>
+            </a:r>
+            <a:r>
+              <a:rPr lang="it-IT" dirty="0" smtClean="0"/>
+              <a:t> </a:t>
+            </a:r>
+            <a:r>
+              <a:rPr lang="it-IT" dirty="0" err="1" smtClean="0"/>
+              <a:t>parameters</a:t>
+            </a:r>
+            <a:r>
+              <a:rPr lang="it-IT" dirty="0" smtClean="0"/>
+              <a:t>. </a:t>
+            </a:r>
+            <a:r>
+              <a:rPr lang="it-IT" dirty="0" err="1" smtClean="0"/>
+              <a:t>Than</a:t>
+            </a:r>
+            <a:r>
+              <a:rPr lang="it-IT" dirty="0" smtClean="0"/>
+              <a:t>, </a:t>
+            </a:r>
+            <a:r>
+              <a:rPr lang="it-IT" dirty="0" err="1" smtClean="0"/>
+              <a:t>evaluation</a:t>
+            </a:r>
+            <a:r>
+              <a:rPr lang="it-IT" dirty="0" smtClean="0"/>
+              <a:t> </a:t>
+            </a:r>
+            <a:r>
+              <a:rPr lang="it-IT" dirty="0" err="1" smtClean="0"/>
+              <a:t>operations</a:t>
+            </a:r>
+            <a:r>
+              <a:rPr lang="it-IT" dirty="0" smtClean="0"/>
+              <a:t> are </a:t>
+            </a:r>
+            <a:r>
+              <a:rPr lang="it-IT" dirty="0" err="1" smtClean="0"/>
+              <a:t>repeated</a:t>
+            </a:r>
+            <a:r>
+              <a:rPr lang="it-IT" dirty="0" smtClean="0"/>
+              <a:t>.</a:t>
             </a:r>
             <a:endParaRPr lang="it-IT" dirty="0"/>
           </a:p>
@@ -15569,7 +16113,31 @@
             </a:pPr>
             <a:r>
               <a:rPr lang="it-IT" dirty="0" smtClean="0"/>
-              <a:t>Per i test eseguiti sono stati utilizzati i seguenti parametri:</a:t>
+              <a:t>For test, the </a:t>
+            </a:r>
+            <a:r>
+              <a:rPr lang="it-IT" dirty="0" err="1" smtClean="0"/>
+              <a:t>following</a:t>
+            </a:r>
+            <a:r>
+              <a:rPr lang="it-IT" dirty="0" smtClean="0"/>
+              <a:t> </a:t>
+            </a:r>
+            <a:r>
+              <a:rPr lang="it-IT" dirty="0" err="1" smtClean="0"/>
+              <a:t>parameters</a:t>
+            </a:r>
+            <a:r>
+              <a:rPr lang="it-IT" dirty="0" smtClean="0"/>
+              <a:t> are </a:t>
+            </a:r>
+            <a:r>
+              <a:rPr lang="it-IT" dirty="0" err="1" smtClean="0"/>
+              <a:t>used</a:t>
+            </a:r>
+            <a:r>
+              <a:rPr lang="it-IT" dirty="0" smtClean="0"/>
+              <a:t>:</a:t>
             </a:r>
           </a:p>
           <a:p>
@@ -15594,8 +16162,24 @@
           </a:p>
           <a:p>
             <a:r>
-              <a:rPr lang="it-IT" dirty="0" smtClean="0"/>
-              <a:t>Numero di epoche = 50</a:t>
+              <a:rPr lang="it-IT" dirty="0" err="1" smtClean="0"/>
+              <a:t>Num</a:t>
+            </a:r>
+            <a:r>
+              <a:rPr lang="it-IT" dirty="0" smtClean="0"/>
+              <a:t> of </a:t>
+            </a:r>
+            <a:r>
+              <a:rPr lang="it-IT" dirty="0" err="1" smtClean="0"/>
+              <a:t>epochs</a:t>
+            </a:r>
+            <a:r>
+              <a:rPr lang="it-IT" dirty="0" smtClean="0"/>
+              <a:t>= </a:t>
+            </a:r>
+            <a:r>
+              <a:rPr lang="it-IT" dirty="0" smtClean="0"/>
+              <a:t>50</a:t>
             </a:r>
             <a:endParaRPr lang="it-IT" dirty="0"/>
           </a:p>
@@ -15674,7 +16258,22 @@
             <a:pPr algn="ctr"/>
             <a:r>
               <a:rPr lang="it-IT" sz="3000" dirty="0" smtClean="0"/>
-              <a:t>From Scratch Model Risultati Train</a:t>
+              <a:t>From Scratch Model </a:t>
+            </a:r>
+            <a:r>
+              <a:rPr lang="it-IT" sz="3000" dirty="0" smtClean="0"/>
+              <a:t/>
+            </a:r>
+            <a:br>
+              <a:rPr lang="it-IT" sz="3000" dirty="0" smtClean="0"/>
+            </a:br>
+            <a:r>
+              <a:rPr lang="it-IT" sz="3000" dirty="0" smtClean="0"/>
+              <a:t>Train </a:t>
+            </a:r>
+            <a:r>
+              <a:rPr lang="it-IT" sz="3000" dirty="0" err="1" smtClean="0"/>
+              <a:t>Results</a:t>
             </a:r>
             <a:endParaRPr lang="it-IT" sz="3000" dirty="0"/>
           </a:p>
@@ -15692,37 +16291,49 @@
         </p:nvSpPr>
         <p:spPr/>
         <p:txBody>
-          <a:bodyPr/>
+          <a:bodyPr>
+            <a:normAutofit/>
+          </a:bodyPr>
           <a:lstStyle/>
           <a:p>
             <a:pPr algn="ctr"/>
             <a:r>
-              <a:rPr lang="it-IT" dirty="0" err="1" smtClean="0"/>
+              <a:rPr lang="it-IT" sz="2000" dirty="0" err="1" smtClean="0"/>
               <a:t>Accuracy</a:t>
             </a:r>
-            <a:endParaRPr lang="it-IT" dirty="0"/>
+            <a:endParaRPr lang="it-IT" sz="2000" dirty="0"/>
           </a:p>
         </p:txBody>
       </p:sp>
-      <p:sp>
-        <p:nvSpPr>
-          <p:cNvPr id="4" name="Segnaposto contenuto 3"/>
-          <p:cNvSpPr>
-            <a:spLocks noGrp="1"/>
-          </p:cNvSpPr>
+      <p:pic>
+        <p:nvPicPr>
+          <p:cNvPr id="8" name="Segnaposto contenuto 7"/>
+          <p:cNvPicPr>
+            <a:picLocks noGrp="1" noChangeAspect="1"/>
+          </p:cNvPicPr>
           <p:nvPr>
             <p:ph sz="half" idx="2"/>
           </p:nvPr>
-        </p:nvSpPr>
-        <p:spPr/>
-        <p:txBody>
-          <a:bodyPr/>
-          <a:lstStyle/>
-          <a:p>
-            <a:endParaRPr lang="it-IT" dirty="0"/>
-          </a:p>
-        </p:txBody>
-      </p:sp>
+        </p:nvPicPr>
+        <p:blipFill>
+          <a:blip r:embed="rId2">
+            <a:extLst>
+              <a:ext uri="{28A0092B-C50C-407E-A947-70E740481C1C}">
+                <a14:useLocalDpi xmlns:a14="http://schemas.microsoft.com/office/drawing/2010/main" val="0"/>
+              </a:ext>
+            </a:extLst>
+          </a:blip>
+          <a:stretch>
+            <a:fillRect/>
+          </a:stretch>
+        </p:blipFill>
+        <p:spPr>
+          <a:xfrm>
+            <a:off x="1041400" y="3198510"/>
+            <a:ext cx="3419475" cy="2388204"/>
+          </a:xfrm>
+        </p:spPr>
+      </p:pic>
       <p:sp>
         <p:nvSpPr>
           <p:cNvPr id="5" name="Segnaposto testo 4"/>
@@ -15735,37 +16346,49 @@
         </p:nvSpPr>
         <p:spPr/>
         <p:txBody>
-          <a:bodyPr/>
+          <a:bodyPr>
+            <a:normAutofit/>
+          </a:bodyPr>
           <a:lstStyle/>
           <a:p>
             <a:pPr algn="ctr"/>
             <a:r>
-              <a:rPr lang="it-IT" dirty="0" err="1" smtClean="0"/>
+              <a:rPr lang="it-IT" sz="2000" dirty="0" err="1" smtClean="0"/>
               <a:t>Loss</a:t>
             </a:r>
-            <a:endParaRPr lang="it-IT" dirty="0"/>
+            <a:endParaRPr lang="it-IT" sz="2000" dirty="0"/>
           </a:p>
         </p:txBody>
       </p:sp>
-      <p:sp>
-        <p:nvSpPr>
-          <p:cNvPr id="6" name="Segnaposto contenuto 5"/>
-          <p:cNvSpPr>
-            <a:spLocks noGrp="1"/>
-          </p:cNvSpPr>
+      <p:pic>
+        <p:nvPicPr>
+          <p:cNvPr id="9" name="Segnaposto contenuto 8"/>
+          <p:cNvPicPr>
+            <a:picLocks noGrp="1" noChangeAspect="1"/>
+          </p:cNvPicPr>
           <p:nvPr>
             <p:ph sz="quarter" idx="4"/>
           </p:nvPr>
-        </p:nvSpPr>
-        <p:spPr/>
-        <p:txBody>
-          <a:bodyPr/>
-          <a:lstStyle/>
-          <a:p>
-            <a:endParaRPr lang="it-IT"/>
-          </a:p>
-        </p:txBody>
-      </p:sp>
+        </p:nvPicPr>
+        <p:blipFill>
+          <a:blip r:embed="rId3">
+            <a:extLst>
+              <a:ext uri="{28A0092B-C50C-407E-A947-70E740481C1C}">
+                <a14:useLocalDpi xmlns:a14="http://schemas.microsoft.com/office/drawing/2010/main" val="0"/>
+              </a:ext>
+            </a:extLst>
+          </a:blip>
+          <a:stretch>
+            <a:fillRect/>
+          </a:stretch>
+        </p:blipFill>
+        <p:spPr>
+          <a:xfrm>
+            <a:off x="4645025" y="3198510"/>
+            <a:ext cx="3419475" cy="2388204"/>
+          </a:xfrm>
+        </p:spPr>
+      </p:pic>
       <p:sp>
         <p:nvSpPr>
           <p:cNvPr id="7" name="Segnaposto numero diapositiva 6"/>
@@ -16153,75 +16776,143 @@
         <p:spPr/>
         <p:txBody>
           <a:bodyPr>
-            <a:normAutofit/>
+            <a:normAutofit fontScale="90000"/>
           </a:bodyPr>
           <a:lstStyle/>
           <a:p>
             <a:pPr algn="ctr"/>
             <a:r>
-              <a:rPr lang="it-IT" sz="3000" dirty="0" err="1" smtClean="0"/>
-              <a:t>Adversarial</a:t>
-            </a:r>
-            <a:r>
-              <a:rPr lang="it-IT" sz="3000" dirty="0" smtClean="0"/>
-              <a:t> </a:t>
-            </a:r>
-            <a:r>
-              <a:rPr lang="it-IT" sz="3000" dirty="0" err="1" smtClean="0"/>
-              <a:t>attack</a:t>
-            </a:r>
-            <a:r>
-              <a:rPr lang="it-IT" sz="3000" dirty="0" smtClean="0"/>
-              <a:t> </a:t>
-            </a:r>
-            <a:r>
-              <a:rPr lang="it-IT" sz="3000" dirty="0" err="1" smtClean="0"/>
-              <a:t>result</a:t>
-            </a:r>
-            <a:endParaRPr lang="it-IT" sz="3000" dirty="0"/>
+              <a:rPr lang="it-IT" dirty="0"/>
+              <a:t>From Scratch Model </a:t>
+            </a:r>
+            <a:br>
+              <a:rPr lang="it-IT" dirty="0"/>
+            </a:br>
+            <a:r>
+              <a:rPr lang="it-IT" dirty="0"/>
+              <a:t>Train </a:t>
+            </a:r>
+            <a:r>
+              <a:rPr lang="it-IT" dirty="0" err="1"/>
+              <a:t>Results</a:t>
+            </a:r>
+            <a:endParaRPr lang="it-IT" dirty="0"/>
           </a:p>
         </p:txBody>
       </p:sp>
       <p:sp>
         <p:nvSpPr>
-          <p:cNvPr id="3" name="Segnaposto contenuto 2"/>
+          <p:cNvPr id="3" name="Segnaposto testo 2"/>
           <p:cNvSpPr>
             <a:spLocks noGrp="1"/>
           </p:cNvSpPr>
           <p:nvPr>
-            <p:ph idx="1"/>
+            <p:ph type="body" idx="1"/>
           </p:nvPr>
         </p:nvSpPr>
         <p:spPr/>
         <p:txBody>
-          <a:bodyPr/>
+          <a:bodyPr>
+            <a:normAutofit/>
+          </a:bodyPr>
           <a:lstStyle/>
           <a:p>
-            <a:r>
-              <a:rPr lang="it-IT" dirty="0" smtClean="0"/>
-              <a:t>In questo caso il modello è stato testato con immagini avversarie create con i seguenti valori </a:t>
-            </a:r>
-          </a:p>
-          <a:p>
-            <a:r>
-              <a:rPr lang="it-IT" dirty="0" smtClean="0"/>
-              <a:t>Epsilon = [</a:t>
-            </a:r>
-            <a:r>
-              <a:rPr lang="it-IT" sz="1800" dirty="0" smtClean="0"/>
-              <a:t>0, 0.5 , 0.1 , 0.15 , 0.2 , 0.25 , 0.3 </a:t>
-            </a:r>
-            <a:r>
-              <a:rPr lang="it-IT" dirty="0" smtClean="0"/>
-              <a:t>]</a:t>
-            </a:r>
-            <a:endParaRPr lang="it-IT" dirty="0"/>
+            <a:pPr algn="ctr"/>
+            <a:r>
+              <a:rPr lang="it-IT" sz="2000" dirty="0" smtClean="0"/>
+              <a:t>Image</a:t>
+            </a:r>
+            <a:endParaRPr lang="it-IT" sz="2000" dirty="0"/>
           </a:p>
         </p:txBody>
       </p:sp>
+      <p:pic>
+        <p:nvPicPr>
+          <p:cNvPr id="8" name="Segnaposto contenuto 7"/>
+          <p:cNvPicPr>
+            <a:picLocks noGrp="1" noChangeAspect="1"/>
+          </p:cNvPicPr>
+          <p:nvPr>
+            <p:ph sz="half" idx="2"/>
+          </p:nvPr>
+        </p:nvPicPr>
+        <p:blipFill>
+          <a:blip r:embed="rId2">
+            <a:extLst>
+              <a:ext uri="{28A0092B-C50C-407E-A947-70E740481C1C}">
+                <a14:useLocalDpi xmlns:a14="http://schemas.microsoft.com/office/drawing/2010/main" val="0"/>
+              </a:ext>
+            </a:extLst>
+          </a:blip>
+          <a:stretch>
+            <a:fillRect/>
+          </a:stretch>
+        </p:blipFill>
+        <p:spPr>
+          <a:xfrm>
+            <a:off x="1425331" y="2974975"/>
+            <a:ext cx="2651613" cy="2835275"/>
+          </a:xfrm>
+        </p:spPr>
+      </p:pic>
       <p:sp>
         <p:nvSpPr>
-          <p:cNvPr id="4" name="Segnaposto numero diapositiva 3"/>
+          <p:cNvPr id="5" name="Segnaposto testo 4"/>
+          <p:cNvSpPr>
+            <a:spLocks noGrp="1"/>
+          </p:cNvSpPr>
+          <p:nvPr>
+            <p:ph type="body" sz="quarter" idx="3"/>
+          </p:nvPr>
+        </p:nvSpPr>
+        <p:spPr/>
+        <p:txBody>
+          <a:bodyPr>
+            <a:normAutofit/>
+          </a:bodyPr>
+          <a:lstStyle/>
+          <a:p>
+            <a:pPr algn="ctr"/>
+            <a:r>
+              <a:rPr lang="it-IT" sz="2000" dirty="0" err="1" smtClean="0"/>
+              <a:t>Interpretation</a:t>
+            </a:r>
+            <a:endParaRPr lang="it-IT" sz="2000" dirty="0"/>
+          </a:p>
+        </p:txBody>
+      </p:sp>
+      <p:pic>
+        <p:nvPicPr>
+          <p:cNvPr id="9" name="Segnaposto contenuto 8"/>
+          <p:cNvPicPr>
+            <a:picLocks noGrp="1" noChangeAspect="1"/>
+          </p:cNvPicPr>
+          <p:nvPr>
+            <p:ph sz="quarter" idx="4"/>
+          </p:nvPr>
+        </p:nvPicPr>
+        <p:blipFill>
+          <a:blip r:embed="rId3">
+            <a:extLst>
+              <a:ext uri="{28A0092B-C50C-407E-A947-70E740481C1C}">
+                <a14:useLocalDpi xmlns:a14="http://schemas.microsoft.com/office/drawing/2010/main" val="0"/>
+              </a:ext>
+            </a:extLst>
+          </a:blip>
+          <a:stretch>
+            <a:fillRect/>
+          </a:stretch>
+        </p:blipFill>
+        <p:spPr>
+          <a:xfrm>
+            <a:off x="5089150" y="2974975"/>
+            <a:ext cx="2531224" cy="2835275"/>
+          </a:xfrm>
+        </p:spPr>
+      </p:pic>
+      <p:sp>
+        <p:nvSpPr>
+          <p:cNvPr id="7" name="Segnaposto numero diapositiva 6"/>
           <p:cNvSpPr>
             <a:spLocks noGrp="1"/>
           </p:cNvSpPr>
@@ -16245,7 +16936,7 @@
     </p:spTree>
     <p:extLst>
       <p:ext uri="{BB962C8B-B14F-4D97-AF65-F5344CB8AC3E}">
-        <p14:creationId xmlns:p14="http://schemas.microsoft.com/office/powerpoint/2010/main" val="210058593"/>
+        <p14:creationId xmlns:p14="http://schemas.microsoft.com/office/powerpoint/2010/main" val="1168926537"/>
       </p:ext>
     </p:extLst>
   </p:cSld>
@@ -16311,7 +17002,229 @@
             </a:br>
             <a:r>
               <a:rPr lang="it-IT" sz="3000" dirty="0" smtClean="0"/>
-              <a:t>Risultati Train</a:t>
+              <a:t>Train </a:t>
+            </a:r>
+            <a:r>
+              <a:rPr lang="it-IT" sz="3000" dirty="0" err="1" smtClean="0"/>
+              <a:t>Results</a:t>
+            </a:r>
+            <a:endParaRPr lang="it-IT" sz="3000" dirty="0"/>
+          </a:p>
+        </p:txBody>
+      </p:sp>
+      <p:sp>
+        <p:nvSpPr>
+          <p:cNvPr id="3" name="Segnaposto testo 2"/>
+          <p:cNvSpPr>
+            <a:spLocks noGrp="1"/>
+          </p:cNvSpPr>
+          <p:nvPr>
+            <p:ph type="body" idx="1"/>
+          </p:nvPr>
+        </p:nvSpPr>
+        <p:spPr/>
+        <p:txBody>
+          <a:bodyPr>
+            <a:normAutofit/>
+          </a:bodyPr>
+          <a:lstStyle/>
+          <a:p>
+            <a:pPr algn="ctr"/>
+            <a:r>
+              <a:rPr lang="it-IT" sz="2000" dirty="0" err="1" smtClean="0"/>
+              <a:t>Accuracy</a:t>
+            </a:r>
+            <a:endParaRPr lang="it-IT" sz="2000" dirty="0"/>
+          </a:p>
+        </p:txBody>
+      </p:sp>
+      <p:pic>
+        <p:nvPicPr>
+          <p:cNvPr id="9" name="Segnaposto contenuto 8"/>
+          <p:cNvPicPr>
+            <a:picLocks noGrp="1" noChangeAspect="1"/>
+          </p:cNvPicPr>
+          <p:nvPr>
+            <p:ph sz="half" idx="2"/>
+          </p:nvPr>
+        </p:nvPicPr>
+        <p:blipFill>
+          <a:blip r:embed="rId2">
+            <a:extLst>
+              <a:ext uri="{28A0092B-C50C-407E-A947-70E740481C1C}">
+                <a14:useLocalDpi xmlns:a14="http://schemas.microsoft.com/office/drawing/2010/main" val="0"/>
+              </a:ext>
+            </a:extLst>
+          </a:blip>
+          <a:stretch>
+            <a:fillRect/>
+          </a:stretch>
+        </p:blipFill>
+        <p:spPr>
+          <a:xfrm>
+            <a:off x="1041400" y="3198510"/>
+            <a:ext cx="3419475" cy="2388204"/>
+          </a:xfrm>
+        </p:spPr>
+      </p:pic>
+      <p:sp>
+        <p:nvSpPr>
+          <p:cNvPr id="5" name="Segnaposto testo 4"/>
+          <p:cNvSpPr>
+            <a:spLocks noGrp="1"/>
+          </p:cNvSpPr>
+          <p:nvPr>
+            <p:ph type="body" sz="quarter" idx="3"/>
+          </p:nvPr>
+        </p:nvSpPr>
+        <p:spPr/>
+        <p:txBody>
+          <a:bodyPr/>
+          <a:lstStyle/>
+          <a:p>
+            <a:pPr algn="ctr"/>
+            <a:r>
+              <a:rPr lang="it-IT" sz="2000" dirty="0" err="1" smtClean="0"/>
+              <a:t>Loss</a:t>
+            </a:r>
+            <a:r>
+              <a:rPr lang="it-IT" dirty="0" smtClean="0"/>
+              <a:t>	</a:t>
+            </a:r>
+            <a:endParaRPr lang="it-IT" dirty="0"/>
+          </a:p>
+        </p:txBody>
+      </p:sp>
+      <p:pic>
+        <p:nvPicPr>
+          <p:cNvPr id="8" name="Segnaposto contenuto 7"/>
+          <p:cNvPicPr>
+            <a:picLocks noGrp="1" noChangeAspect="1"/>
+          </p:cNvPicPr>
+          <p:nvPr>
+            <p:ph sz="quarter" idx="4"/>
+          </p:nvPr>
+        </p:nvPicPr>
+        <p:blipFill>
+          <a:blip r:embed="rId3">
+            <a:extLst>
+              <a:ext uri="{28A0092B-C50C-407E-A947-70E740481C1C}">
+                <a14:useLocalDpi xmlns:a14="http://schemas.microsoft.com/office/drawing/2010/main" val="0"/>
+              </a:ext>
+            </a:extLst>
+          </a:blip>
+          <a:stretch>
+            <a:fillRect/>
+          </a:stretch>
+        </p:blipFill>
+        <p:spPr>
+          <a:xfrm>
+            <a:off x="4645025" y="3198510"/>
+            <a:ext cx="3419475" cy="2388204"/>
+          </a:xfrm>
+        </p:spPr>
+      </p:pic>
+      <p:sp>
+        <p:nvSpPr>
+          <p:cNvPr id="7" name="Segnaposto numero diapositiva 6"/>
+          <p:cNvSpPr>
+            <a:spLocks noGrp="1"/>
+          </p:cNvSpPr>
+          <p:nvPr>
+            <p:ph type="sldNum" sz="quarter" idx="12"/>
+          </p:nvPr>
+        </p:nvSpPr>
+        <p:spPr/>
+        <p:txBody>
+          <a:bodyPr/>
+          <a:lstStyle/>
+          <a:p>
+            <a:fld id="{E7A41E1B-4F70-4964-A407-84C68BE8251C}" type="slidenum">
+              <a:rPr lang="it-IT" smtClean="0"/>
+              <a:t>21</a:t>
+            </a:fld>
+            <a:endParaRPr lang="it-IT"/>
+          </a:p>
+        </p:txBody>
+      </p:sp>
+    </p:spTree>
+    <p:extLst>
+      <p:ext uri="{BB962C8B-B14F-4D97-AF65-F5344CB8AC3E}">
+        <p14:creationId xmlns:p14="http://schemas.microsoft.com/office/powerpoint/2010/main" val="350643255"/>
+      </p:ext>
+    </p:extLst>
+  </p:cSld>
+  <p:clrMapOvr>
+    <a:masterClrMapping/>
+  </p:clrMapOvr>
+</p:sld>
+</file>
+
+<file path=ppt/slides/slide22.xml><?xml version="1.0" encoding="utf-8"?>
+<p:sld xmlns:a="http://schemas.openxmlformats.org/drawingml/2006/main" xmlns:r="http://schemas.openxmlformats.org/officeDocument/2006/relationships" xmlns:p="http://schemas.openxmlformats.org/presentationml/2006/main">
+  <p:cSld>
+    <p:spTree>
+      <p:nvGrpSpPr>
+        <p:cNvPr id="1" name=""/>
+        <p:cNvGrpSpPr/>
+        <p:nvPr/>
+      </p:nvGrpSpPr>
+      <p:grpSpPr>
+        <a:xfrm>
+          <a:off x="0" y="0"/>
+          <a:ext cx="0" cy="0"/>
+          <a:chOff x="0" y="0"/>
+          <a:chExt cx="0" cy="0"/>
+        </a:xfrm>
+      </p:grpSpPr>
+      <p:sp>
+        <p:nvSpPr>
+          <p:cNvPr id="2" name="Titolo 1"/>
+          <p:cNvSpPr>
+            <a:spLocks noGrp="1"/>
+          </p:cNvSpPr>
+          <p:nvPr>
+            <p:ph type="title"/>
+          </p:nvPr>
+        </p:nvSpPr>
+        <p:spPr/>
+        <p:txBody>
+          <a:bodyPr>
+            <a:normAutofit/>
+          </a:bodyPr>
+          <a:lstStyle/>
+          <a:p>
+            <a:pPr algn="ctr"/>
+            <a:r>
+              <a:rPr lang="it-IT" sz="3000" dirty="0" err="1"/>
+              <a:t>Adversarial</a:t>
+            </a:r>
+            <a:r>
+              <a:rPr lang="it-IT" sz="3000" dirty="0"/>
+              <a:t> Fine </a:t>
+            </a:r>
+            <a:r>
+              <a:rPr lang="it-IT" sz="3000" dirty="0" err="1"/>
+              <a:t>Tuned</a:t>
+            </a:r>
+            <a:r>
+              <a:rPr lang="it-IT" sz="3000" dirty="0"/>
+              <a:t> Model</a:t>
+            </a:r>
+            <a:br>
+              <a:rPr lang="it-IT" sz="3000" dirty="0"/>
+            </a:br>
+            <a:r>
+              <a:rPr lang="it-IT" sz="3000" dirty="0" err="1" smtClean="0"/>
+              <a:t>Interpretability</a:t>
+            </a:r>
+            <a:r>
+              <a:rPr lang="it-IT" sz="3000" dirty="0" smtClean="0"/>
+              <a:t> </a:t>
+            </a:r>
+            <a:r>
+              <a:rPr lang="it-IT" sz="3000" dirty="0" err="1" smtClean="0"/>
+              <a:t>Results</a:t>
             </a:r>
             <a:endParaRPr lang="it-IT" sz="3000" dirty="0"/>
           </a:p>
@@ -16334,32 +17247,42 @@
           <a:p>
             <a:pPr algn="ctr"/>
             <a:r>
-              <a:rPr lang="it-IT" dirty="0" err="1" smtClean="0"/>
-              <a:t>Accuracy</a:t>
-            </a:r>
-            <a:endParaRPr lang="it-IT" dirty="0"/>
+              <a:rPr lang="it-IT" sz="2000" dirty="0" smtClean="0"/>
+              <a:t>Image</a:t>
+            </a:r>
+            <a:endParaRPr lang="it-IT" sz="2000" dirty="0"/>
           </a:p>
         </p:txBody>
       </p:sp>
-      <p:sp>
-        <p:nvSpPr>
-          <p:cNvPr id="4" name="Segnaposto contenuto 3"/>
-          <p:cNvSpPr>
-            <a:spLocks noGrp="1"/>
-          </p:cNvSpPr>
+      <p:pic>
+        <p:nvPicPr>
+          <p:cNvPr id="8" name="Segnaposto contenuto 7"/>
+          <p:cNvPicPr>
+            <a:picLocks noGrp="1" noChangeAspect="1"/>
+          </p:cNvPicPr>
           <p:nvPr>
             <p:ph sz="half" idx="2"/>
           </p:nvPr>
-        </p:nvSpPr>
-        <p:spPr/>
-        <p:txBody>
-          <a:bodyPr/>
-          <a:lstStyle/>
-          <a:p>
-            <a:endParaRPr lang="it-IT"/>
-          </a:p>
-        </p:txBody>
-      </p:sp>
+        </p:nvPicPr>
+        <p:blipFill>
+          <a:blip r:embed="rId2">
+            <a:extLst>
+              <a:ext uri="{28A0092B-C50C-407E-A947-70E740481C1C}">
+                <a14:useLocalDpi xmlns:a14="http://schemas.microsoft.com/office/drawing/2010/main" val="0"/>
+              </a:ext>
+            </a:extLst>
+          </a:blip>
+          <a:stretch>
+            <a:fillRect/>
+          </a:stretch>
+        </p:blipFill>
+        <p:spPr>
+          <a:xfrm>
+            <a:off x="1425331" y="2974975"/>
+            <a:ext cx="2651613" cy="2835275"/>
+          </a:xfrm>
+        </p:spPr>
+      </p:pic>
       <p:sp>
         <p:nvSpPr>
           <p:cNvPr id="5" name="Segnaposto testo 4"/>
@@ -16377,36 +17300,42 @@
           <a:p>
             <a:pPr algn="ctr"/>
             <a:r>
-              <a:rPr lang="it-IT" dirty="0" err="1" smtClean="0"/>
-              <a:t>Loss</a:t>
-            </a:r>
-            <a:r>
-              <a:rPr lang="it-IT" dirty="0" smtClean="0"/>
-              <a:t>	</a:t>
-            </a:r>
-            <a:endParaRPr lang="it-IT" dirty="0"/>
+              <a:rPr lang="it-IT" sz="2000" dirty="0" err="1" smtClean="0"/>
+              <a:t>Interpretation</a:t>
+            </a:r>
+            <a:endParaRPr lang="it-IT" sz="2000" dirty="0"/>
           </a:p>
         </p:txBody>
       </p:sp>
-      <p:sp>
-        <p:nvSpPr>
-          <p:cNvPr id="6" name="Segnaposto contenuto 5"/>
-          <p:cNvSpPr>
-            <a:spLocks noGrp="1"/>
-          </p:cNvSpPr>
+      <p:pic>
+        <p:nvPicPr>
+          <p:cNvPr id="9" name="Segnaposto contenuto 8"/>
+          <p:cNvPicPr>
+            <a:picLocks noGrp="1" noChangeAspect="1"/>
+          </p:cNvPicPr>
           <p:nvPr>
             <p:ph sz="quarter" idx="4"/>
           </p:nvPr>
-        </p:nvSpPr>
-        <p:spPr/>
-        <p:txBody>
-          <a:bodyPr/>
-          <a:lstStyle/>
-          <a:p>
-            <a:endParaRPr lang="it-IT"/>
-          </a:p>
-        </p:txBody>
-      </p:sp>
+        </p:nvPicPr>
+        <p:blipFill>
+          <a:blip r:embed="rId3">
+            <a:extLst>
+              <a:ext uri="{28A0092B-C50C-407E-A947-70E740481C1C}">
+                <a14:useLocalDpi xmlns:a14="http://schemas.microsoft.com/office/drawing/2010/main" val="0"/>
+              </a:ext>
+            </a:extLst>
+          </a:blip>
+          <a:stretch>
+            <a:fillRect/>
+          </a:stretch>
+        </p:blipFill>
+        <p:spPr>
+          <a:xfrm>
+            <a:off x="5089150" y="2974975"/>
+            <a:ext cx="2531224" cy="2835275"/>
+          </a:xfrm>
+        </p:spPr>
+      </p:pic>
       <p:sp>
         <p:nvSpPr>
           <p:cNvPr id="7" name="Segnaposto numero diapositiva 6"/>
@@ -16424,7 +17353,7 @@
           <a:p>
             <a:fld id="{E7A41E1B-4F70-4964-A407-84C68BE8251C}" type="slidenum">
               <a:rPr lang="it-IT" smtClean="0"/>
-              <a:t>21</a:t>
+              <a:t>22</a:t>
             </a:fld>
             <a:endParaRPr lang="it-IT"/>
           </a:p>
@@ -16433,7 +17362,7 @@
     </p:spTree>
     <p:extLst>
       <p:ext uri="{BB962C8B-B14F-4D97-AF65-F5344CB8AC3E}">
-        <p14:creationId xmlns:p14="http://schemas.microsoft.com/office/powerpoint/2010/main" val="350643255"/>
+        <p14:creationId xmlns:p14="http://schemas.microsoft.com/office/powerpoint/2010/main" val="4226908415"/>
       </p:ext>
     </p:extLst>
   </p:cSld>
@@ -16498,13 +17427,37 @@
         <p:spPr/>
         <p:txBody>
           <a:bodyPr>
-            <a:normAutofit fontScale="92500"/>
+            <a:normAutofit/>
           </a:bodyPr>
           <a:lstStyle/>
           <a:p>
             <a:r>
               <a:rPr lang="it-IT" dirty="0" smtClean="0"/>
-              <a:t>Nei seguenti esperimenti è stato usato un subset del </a:t>
+              <a:t>In the </a:t>
+            </a:r>
+            <a:r>
+              <a:rPr lang="it-IT" dirty="0" err="1" smtClean="0"/>
+              <a:t>following</a:t>
+            </a:r>
+            <a:r>
+              <a:rPr lang="it-IT" dirty="0" smtClean="0"/>
+              <a:t> </a:t>
+            </a:r>
+            <a:r>
+              <a:rPr lang="it-IT" dirty="0" err="1" smtClean="0"/>
+              <a:t>experiments</a:t>
+            </a:r>
+            <a:r>
+              <a:rPr lang="it-IT" dirty="0" smtClean="0"/>
+              <a:t> a subset of the </a:t>
+            </a:r>
+            <a:r>
+              <a:rPr lang="it-IT" dirty="0" err="1" smtClean="0"/>
+              <a:t>provided</a:t>
+            </a:r>
+            <a:r>
+              <a:rPr lang="it-IT" dirty="0" smtClean="0"/>
+              <a:t> </a:t>
             </a:r>
             <a:r>
               <a:rPr lang="it-IT" dirty="0" err="1" smtClean="0"/>
@@ -16515,84 +17468,94 @@
               <a:t> </a:t>
             </a:r>
             <a:r>
-              <a:rPr lang="it-IT" dirty="0" smtClean="0"/>
-              <a:t>fornito, ( solo </a:t>
-            </a:r>
-            <a:r>
-              <a:rPr lang="it-IT" dirty="0" smtClean="0"/>
-              <a:t>immagini </a:t>
-            </a:r>
-            <a:r>
-              <a:rPr lang="it-IT" dirty="0" smtClean="0"/>
-              <a:t>relative </a:t>
-            </a:r>
-            <a:r>
-              <a:rPr lang="it-IT" dirty="0" smtClean="0"/>
-              <a:t>alla vista ‘</a:t>
-            </a:r>
-            <a:r>
-              <a:rPr lang="it-IT" dirty="0" smtClean="0"/>
-              <a:t>PA’) costituito </a:t>
-            </a:r>
-            <a:r>
-              <a:rPr lang="it-IT" dirty="0" smtClean="0"/>
-              <a:t>da 303 campioni.</a:t>
-            </a:r>
-          </a:p>
-          <a:p>
-            <a:r>
-              <a:rPr lang="it-IT" dirty="0" smtClean="0"/>
-              <a:t>Negli esperimenti trattati sono </a:t>
-            </a:r>
-            <a:r>
-              <a:rPr lang="it-IT" dirty="0" smtClean="0"/>
-              <a:t>stati </a:t>
-            </a:r>
-            <a:r>
-              <a:rPr lang="it-IT" dirty="0" smtClean="0"/>
-              <a:t>realizzati, </a:t>
-            </a:r>
-            <a:r>
-              <a:rPr lang="it-IT" dirty="0" smtClean="0"/>
-              <a:t>a partire dal subset di </a:t>
-            </a:r>
-            <a:r>
-              <a:rPr lang="it-IT" dirty="0" smtClean="0"/>
-              <a:t>immagini, </a:t>
-            </a:r>
-            <a:r>
-              <a:rPr lang="it-IT" dirty="0" smtClean="0"/>
-              <a:t>i relativi </a:t>
-            </a:r>
-            <a:r>
               <a:rPr lang="it-IT" dirty="0" err="1" smtClean="0"/>
-              <a:t>dataset</a:t>
-            </a:r>
-            <a:r>
-              <a:rPr lang="it-IT" dirty="0" smtClean="0"/>
-              <a:t> di </a:t>
+              <a:t>has</a:t>
+            </a:r>
+            <a:r>
+              <a:rPr lang="it-IT" dirty="0" smtClean="0"/>
+              <a:t> </a:t>
             </a:r>
             <a:r>
               <a:rPr lang="it-IT" dirty="0" err="1" smtClean="0"/>
-              <a:t>train</a:t>
-            </a:r>
-            <a:r>
-              <a:rPr lang="it-IT" dirty="0" smtClean="0"/>
-              <a:t>, </a:t>
+              <a:t>been</a:t>
+            </a:r>
+            <a:r>
+              <a:rPr lang="it-IT" dirty="0" smtClean="0"/>
+              <a:t> </a:t>
             </a:r>
             <a:r>
               <a:rPr lang="it-IT" dirty="0" err="1" smtClean="0"/>
-              <a:t>validation</a:t>
-            </a:r>
-            <a:r>
-              <a:rPr lang="it-IT" dirty="0" smtClean="0"/>
-              <a:t> e test.</a:t>
-            </a:r>
-          </a:p>
-          <a:p>
-            <a:r>
-              <a:rPr lang="it-IT" dirty="0" smtClean="0"/>
-              <a:t>È stata utilizzata la seguente suddivisione : Train set 70% , </a:t>
+              <a:t>utilized</a:t>
+            </a:r>
+            <a:r>
+              <a:rPr lang="it-IT" dirty="0" smtClean="0"/>
+              <a:t> (images from </a:t>
+            </a:r>
+            <a:r>
+              <a:rPr lang="it-IT" dirty="0" err="1" smtClean="0"/>
+              <a:t>perspective</a:t>
+            </a:r>
+            <a:r>
+              <a:rPr lang="it-IT" dirty="0" smtClean="0"/>
+              <a:t> ‘PA’), made of 303 </a:t>
+            </a:r>
+            <a:r>
+              <a:rPr lang="it-IT" dirty="0" err="1" smtClean="0"/>
+              <a:t>samples</a:t>
+            </a:r>
+            <a:r>
+              <a:rPr lang="it-IT" dirty="0" smtClean="0"/>
+              <a:t>. </a:t>
+            </a:r>
+          </a:p>
+          <a:p>
+            <a:r>
+              <a:rPr lang="it-IT" dirty="0" smtClean="0"/>
+              <a:t>The </a:t>
+            </a:r>
+            <a:r>
+              <a:rPr lang="it-IT" dirty="0" err="1" smtClean="0"/>
+              <a:t>following</a:t>
+            </a:r>
+            <a:r>
+              <a:rPr lang="it-IT" dirty="0" smtClean="0"/>
+              <a:t> </a:t>
+            </a:r>
+            <a:r>
+              <a:rPr lang="it-IT" dirty="0" err="1" smtClean="0"/>
+              <a:t>ratios</a:t>
+            </a:r>
+            <a:r>
+              <a:rPr lang="it-IT" dirty="0" smtClean="0"/>
+              <a:t> </a:t>
+            </a:r>
+            <a:r>
+              <a:rPr lang="it-IT" dirty="0" err="1" smtClean="0"/>
+              <a:t>have</a:t>
+            </a:r>
+            <a:r>
+              <a:rPr lang="it-IT" dirty="0" smtClean="0"/>
+              <a:t> </a:t>
+            </a:r>
+            <a:r>
+              <a:rPr lang="it-IT" dirty="0" err="1" smtClean="0"/>
+              <a:t>been</a:t>
+            </a:r>
+            <a:r>
+              <a:rPr lang="it-IT" dirty="0" smtClean="0"/>
+              <a:t> </a:t>
+            </a:r>
+            <a:r>
+              <a:rPr lang="it-IT" dirty="0" err="1" smtClean="0"/>
+              <a:t>applied</a:t>
+            </a:r>
+            <a:r>
+              <a:rPr lang="it-IT" dirty="0" smtClean="0"/>
+              <a:t>: </a:t>
+            </a:r>
+            <a:r>
+              <a:rPr lang="it-IT" dirty="0" smtClean="0"/>
+              <a:t>Train set 70% , </a:t>
             </a:r>
             <a:r>
               <a:rPr lang="it-IT" dirty="0" err="1" smtClean="0"/>
@@ -16600,15 +17563,12 @@
             </a:r>
             <a:r>
               <a:rPr lang="it-IT" dirty="0" smtClean="0"/>
-              <a:t> set 15%, Test set 15% </a:t>
-            </a:r>
-            <a:r>
-              <a:rPr lang="it-IT" sz="1200" dirty="0" smtClean="0"/>
-              <a:t>(percentuali relative ai 303 campioni presi in esame)</a:t>
-            </a:r>
-            <a:endParaRPr lang="it-IT" sz="1200" dirty="0"/>
-          </a:p>
-          <a:p>
+              <a:t> set 15%, Test set 15</a:t>
+            </a:r>
+            <a:r>
+              <a:rPr lang="it-IT" dirty="0" smtClean="0"/>
+              <a:t>%</a:t>
+            </a:r>
             <a:endParaRPr lang="it-IT" dirty="0" smtClean="0"/>
           </a:p>
         </p:txBody>
@@ -17031,12 +17991,122 @@
         </p:nvSpPr>
         <p:spPr/>
         <p:txBody>
-          <a:bodyPr/>
+          <a:bodyPr>
+            <a:normAutofit/>
+          </a:bodyPr>
           <a:lstStyle/>
           <a:p>
             <a:r>
-              <a:rPr lang="it-IT" dirty="0" smtClean="0"/>
-              <a:t>La creazione del </a:t>
+              <a:rPr lang="it-IT" dirty="0" err="1" smtClean="0"/>
+              <a:t>Dataset</a:t>
+            </a:r>
+            <a:r>
+              <a:rPr lang="it-IT" dirty="0" smtClean="0"/>
+              <a:t> </a:t>
+            </a:r>
+            <a:r>
+              <a:rPr lang="it-IT" dirty="0" err="1" smtClean="0"/>
+              <a:t>creation</a:t>
+            </a:r>
+            <a:r>
+              <a:rPr lang="it-IT" dirty="0" smtClean="0"/>
+              <a:t> </a:t>
+            </a:r>
+            <a:r>
+              <a:rPr lang="it-IT" dirty="0" err="1" smtClean="0"/>
+              <a:t>has</a:t>
+            </a:r>
+            <a:r>
+              <a:rPr lang="it-IT" dirty="0" smtClean="0"/>
+              <a:t> </a:t>
+            </a:r>
+            <a:r>
+              <a:rPr lang="it-IT" dirty="0" err="1" smtClean="0"/>
+              <a:t>been</a:t>
+            </a:r>
+            <a:r>
+              <a:rPr lang="it-IT" dirty="0" smtClean="0"/>
+              <a:t> </a:t>
+            </a:r>
+            <a:r>
+              <a:rPr lang="it-IT" dirty="0" err="1" smtClean="0"/>
+              <a:t>realized</a:t>
+            </a:r>
+            <a:r>
+              <a:rPr lang="it-IT" dirty="0" smtClean="0"/>
+              <a:t> with the </a:t>
+            </a:r>
+            <a:r>
+              <a:rPr lang="it-IT" dirty="0" err="1" smtClean="0"/>
+              <a:t>image_dataset</a:t>
+            </a:r>
+            <a:r>
+              <a:rPr lang="it-IT" dirty="0" smtClean="0"/>
+              <a:t> </a:t>
+            </a:r>
+            <a:r>
+              <a:rPr lang="it-IT" dirty="0" err="1" smtClean="0"/>
+              <a:t>class</a:t>
+            </a:r>
+            <a:r>
+              <a:rPr lang="it-IT" dirty="0" smtClean="0"/>
+              <a:t>, </a:t>
+            </a:r>
+            <a:r>
+              <a:rPr lang="it-IT" dirty="0" err="1" smtClean="0"/>
+              <a:t>which</a:t>
+            </a:r>
+            <a:r>
+              <a:rPr lang="it-IT" dirty="0" smtClean="0"/>
+              <a:t> </a:t>
+            </a:r>
+            <a:r>
+              <a:rPr lang="it-IT" dirty="0" err="1" smtClean="0"/>
+              <a:t>takes</a:t>
+            </a:r>
+            <a:r>
+              <a:rPr lang="it-IT" dirty="0" smtClean="0"/>
+              <a:t> </a:t>
+            </a:r>
+            <a:r>
+              <a:rPr lang="it-IT" dirty="0" err="1" smtClean="0"/>
+              <a:t>as</a:t>
+            </a:r>
+            <a:r>
+              <a:rPr lang="it-IT" dirty="0" smtClean="0"/>
+              <a:t> input </a:t>
+            </a:r>
+            <a:r>
+              <a:rPr lang="it-IT" dirty="0" err="1" smtClean="0"/>
+              <a:t>parameters</a:t>
+            </a:r>
+            <a:r>
+              <a:rPr lang="it-IT" dirty="0" smtClean="0"/>
+              <a:t> the file </a:t>
+            </a:r>
+            <a:r>
+              <a:rPr lang="it-IT" dirty="0" err="1" smtClean="0"/>
+              <a:t>paths</a:t>
+            </a:r>
+            <a:r>
+              <a:rPr lang="it-IT" dirty="0" smtClean="0"/>
+              <a:t> of CSV file </a:t>
+            </a:r>
+            <a:r>
+              <a:rPr lang="it-IT" dirty="0" err="1" smtClean="0"/>
+              <a:t>containing</a:t>
+            </a:r>
+            <a:r>
+              <a:rPr lang="it-IT" dirty="0" smtClean="0"/>
+              <a:t> the </a:t>
+            </a:r>
+            <a:r>
+              <a:rPr lang="it-IT" dirty="0" err="1" smtClean="0"/>
+              <a:t>structure</a:t>
+            </a:r>
+            <a:r>
+              <a:rPr lang="it-IT" dirty="0" smtClean="0"/>
+              <a:t> of the </a:t>
             </a:r>
             <a:r>
               <a:rPr lang="it-IT" dirty="0" err="1" smtClean="0"/>
@@ -17044,39 +18114,35 @@
             </a:r>
             <a:r>
               <a:rPr lang="it-IT" dirty="0" smtClean="0"/>
-              <a:t> avviene tramite la classe </a:t>
+              <a:t>, and the image </a:t>
             </a:r>
             <a:r>
               <a:rPr lang="it-IT" dirty="0" err="1" smtClean="0"/>
-              <a:t>image_dataset</a:t>
-            </a:r>
-            <a:r>
-              <a:rPr lang="it-IT" dirty="0" smtClean="0"/>
-              <a:t>, che prende come parametri il </a:t>
+              <a:t>fodler</a:t>
+            </a:r>
+            <a:r>
+              <a:rPr lang="it-IT" dirty="0"/>
+              <a:t>,</a:t>
+            </a:r>
+            <a:r>
+              <a:rPr lang="it-IT" dirty="0" smtClean="0"/>
+              <a:t> the </a:t>
             </a:r>
             <a:r>
               <a:rPr lang="it-IT" dirty="0" err="1" smtClean="0"/>
-              <a:t>csv_file</a:t>
-            </a:r>
-            <a:r>
-              <a:rPr lang="it-IT" dirty="0" smtClean="0"/>
-              <a:t> </a:t>
+              <a:t>transformations</a:t>
+            </a:r>
+            <a:r>
+              <a:rPr lang="it-IT" dirty="0" smtClean="0"/>
+              <a:t> to </a:t>
             </a:r>
             <a:r>
               <a:rPr lang="it-IT" dirty="0" err="1" smtClean="0"/>
-              <a:t>path</a:t>
-            </a:r>
-            <a:r>
-              <a:rPr lang="it-IT" dirty="0" smtClean="0"/>
-              <a:t>, il </a:t>
-            </a:r>
-            <a:r>
-              <a:rPr lang="it-IT" dirty="0" err="1" smtClean="0"/>
-              <a:t>path</a:t>
-            </a:r>
-            <a:r>
-              <a:rPr lang="it-IT" dirty="0" smtClean="0"/>
-              <a:t> della directory contenente le immagini, le trasformazioni da applicare e la </a:t>
+              <a:t>apply</a:t>
+            </a:r>
+            <a:r>
+              <a:rPr lang="it-IT" dirty="0" smtClean="0"/>
+              <a:t> and the relative </a:t>
             </a:r>
             <a:r>
               <a:rPr lang="it-IT" dirty="0" err="1" smtClean="0"/>
@@ -17084,7 +18150,31 @@
             </a:r>
             <a:r>
               <a:rPr lang="it-IT" dirty="0" smtClean="0"/>
-              <a:t> (</a:t>
+              <a:t> for the subset (</a:t>
+            </a:r>
+            <a:r>
+              <a:rPr lang="it-IT" dirty="0" err="1" smtClean="0"/>
+              <a:t>Transformations</a:t>
+            </a:r>
+            <a:r>
+              <a:rPr lang="it-IT" dirty="0" smtClean="0"/>
+              <a:t> are </a:t>
+            </a:r>
+            <a:r>
+              <a:rPr lang="it-IT" dirty="0" err="1" smtClean="0"/>
+              <a:t>defined</a:t>
+            </a:r>
+            <a:r>
+              <a:rPr lang="it-IT" dirty="0" smtClean="0"/>
+              <a:t> </a:t>
+            </a:r>
+            <a:r>
+              <a:rPr lang="it-IT" dirty="0" err="1" smtClean="0"/>
+              <a:t>separately</a:t>
+            </a:r>
+            <a:r>
+              <a:rPr lang="it-IT" dirty="0" smtClean="0"/>
+              <a:t> for </a:t>
             </a:r>
             <a:r>
               <a:rPr lang="it-IT" dirty="0" err="1" smtClean="0"/>
@@ -17092,21 +18182,7 @@
             </a:r>
             <a:r>
               <a:rPr lang="it-IT" dirty="0" smtClean="0"/>
-              <a:t>/val/test).</a:t>
-            </a:r>
-          </a:p>
-          <a:p>
-            <a:r>
-              <a:rPr lang="it-IT" dirty="0" smtClean="0"/>
-              <a:t>Le trasformazioni sono opportunamente definite in modalità differenti per </a:t>
-            </a:r>
-            <a:r>
-              <a:rPr lang="it-IT" dirty="0" err="1" smtClean="0"/>
-              <a:t>train</a:t>
-            </a:r>
-            <a:r>
-              <a:rPr lang="it-IT" dirty="0" smtClean="0"/>
-              <a:t> e test. </a:t>
+              <a:t> and test). </a:t>
             </a:r>
             <a:endParaRPr lang="it-IT" dirty="0"/>
           </a:p>
@@ -17214,8 +18290,20 @@
           <a:lstStyle/>
           <a:p>
             <a:r>
-              <a:rPr lang="it-IT" dirty="0" smtClean="0"/>
-              <a:t>Creato l’image </a:t>
+              <a:rPr lang="it-IT" dirty="0" err="1" smtClean="0"/>
+              <a:t>After</a:t>
+            </a:r>
+            <a:r>
+              <a:rPr lang="it-IT" dirty="0" smtClean="0"/>
+              <a:t> </a:t>
+            </a:r>
+            <a:r>
+              <a:rPr lang="it-IT" dirty="0" err="1" smtClean="0"/>
+              <a:t>creating</a:t>
+            </a:r>
+            <a:r>
+              <a:rPr lang="it-IT" dirty="0" smtClean="0"/>
+              <a:t> the image </a:t>
             </a:r>
             <a:r>
               <a:rPr lang="it-IT" dirty="0" err="1" smtClean="0"/>
@@ -17223,7 +18311,7 @@
             </a:r>
             <a:r>
               <a:rPr lang="it-IT" dirty="0" smtClean="0"/>
-              <a:t>, vengono creati i Subset di </a:t>
+              <a:t>, the </a:t>
             </a:r>
             <a:r>
               <a:rPr lang="it-IT" dirty="0" err="1" smtClean="0"/>
@@ -17231,14 +18319,54 @@
             </a:r>
             <a:r>
               <a:rPr lang="it-IT" dirty="0" smtClean="0"/>
-              <a:t>, validazione e test e i rispettivi </a:t>
+              <a:t>, </a:t>
             </a:r>
             <a:r>
               <a:rPr lang="it-IT" dirty="0" err="1" smtClean="0"/>
-              <a:t>loaders</a:t>
-            </a:r>
-            <a:r>
-              <a:rPr lang="it-IT" dirty="0" smtClean="0"/>
+              <a:t>validation</a:t>
+            </a:r>
+            <a:r>
+              <a:rPr lang="it-IT" dirty="0" smtClean="0"/>
+              <a:t> and test subset are </a:t>
+            </a:r>
+            <a:r>
+              <a:rPr lang="it-IT" dirty="0" err="1" smtClean="0"/>
+              <a:t>generated</a:t>
+            </a:r>
+            <a:r>
+              <a:rPr lang="it-IT" dirty="0" smtClean="0"/>
+              <a:t> </a:t>
+            </a:r>
+            <a:r>
+              <a:rPr lang="it-IT" dirty="0" err="1" smtClean="0"/>
+              <a:t>using</a:t>
+            </a:r>
+            <a:r>
+              <a:rPr lang="it-IT" dirty="0" smtClean="0"/>
+              <a:t> the </a:t>
+            </a:r>
+            <a:r>
+              <a:rPr lang="it-IT" dirty="0" err="1" smtClean="0"/>
+              <a:t>class</a:t>
+            </a:r>
+            <a:r>
+              <a:rPr lang="it-IT" dirty="0" smtClean="0"/>
+              <a:t> </a:t>
+            </a:r>
+            <a:r>
+              <a:rPr lang="it-IT" dirty="0" err="1" smtClean="0"/>
+              <a:t>torch.Subset</a:t>
+            </a:r>
+            <a:r>
+              <a:rPr lang="it-IT" dirty="0" smtClean="0"/>
+              <a:t>, and the relative </a:t>
+            </a:r>
+            <a:r>
+              <a:rPr lang="it-IT" dirty="0" err="1" smtClean="0"/>
+              <a:t>dataloaders</a:t>
+            </a:r>
+            <a:r>
+              <a:rPr lang="it-IT" dirty="0"/>
               <a:t>.</a:t>
             </a:r>
             <a:endParaRPr lang="it-IT" dirty="0"/>
@@ -17451,18 +18579,70 @@
           <a:p>
             <a:r>
               <a:rPr lang="it-IT" dirty="0" smtClean="0"/>
-              <a:t>Il modello utilizzato From Scratch è costituito da 6 livelli </a:t>
+              <a:t>The </a:t>
+            </a:r>
+            <a:r>
+              <a:rPr lang="it-IT" dirty="0" smtClean="0"/>
+              <a:t>from scratch model </a:t>
             </a:r>
             <a:r>
               <a:rPr lang="it-IT" dirty="0" err="1" smtClean="0"/>
-              <a:t>Convoluzionali</a:t>
-            </a:r>
-            <a:r>
-              <a:rPr lang="it-IT" dirty="0" smtClean="0"/>
-              <a:t> con relativi </a:t>
-            </a:r>
-            <a:r>
-              <a:rPr lang="it-IT" b="1" i="1" dirty="0" err="1" smtClean="0"/>
+              <a:t>is</a:t>
+            </a:r>
+            <a:r>
+              <a:rPr lang="it-IT" dirty="0" smtClean="0"/>
+              <a:t> made of 6 </a:t>
+            </a:r>
+            <a:r>
+              <a:rPr lang="it-IT" dirty="0" err="1" smtClean="0"/>
+              <a:t>convolutional</a:t>
+            </a:r>
+            <a:r>
+              <a:rPr lang="it-IT" dirty="0" smtClean="0"/>
+              <a:t> </a:t>
+            </a:r>
+            <a:r>
+              <a:rPr lang="it-IT" dirty="0" err="1" smtClean="0"/>
+              <a:t>levels</a:t>
+            </a:r>
+            <a:r>
+              <a:rPr lang="it-IT" dirty="0" smtClean="0"/>
+              <a:t>, </a:t>
+            </a:r>
+            <a:r>
+              <a:rPr lang="it-IT" dirty="0" err="1" smtClean="0"/>
+              <a:t>each</a:t>
+            </a:r>
+            <a:r>
+              <a:rPr lang="it-IT" dirty="0" smtClean="0"/>
+              <a:t> of </a:t>
+            </a:r>
+            <a:r>
+              <a:rPr lang="it-IT" dirty="0" err="1" smtClean="0"/>
+              <a:t>which</a:t>
+            </a:r>
+            <a:r>
+              <a:rPr lang="it-IT" dirty="0" smtClean="0"/>
+              <a:t> </a:t>
+            </a:r>
+            <a:r>
+              <a:rPr lang="it-IT" dirty="0" err="1" smtClean="0"/>
+              <a:t>is</a:t>
+            </a:r>
+            <a:r>
+              <a:rPr lang="it-IT" dirty="0" smtClean="0"/>
+              <a:t> </a:t>
+            </a:r>
+            <a:r>
+              <a:rPr lang="it-IT" dirty="0" err="1" smtClean="0"/>
+              <a:t>followed</a:t>
+            </a:r>
+            <a:r>
+              <a:rPr lang="it-IT" dirty="0" smtClean="0"/>
+              <a:t> by </a:t>
+            </a:r>
+            <a:r>
+              <a:rPr lang="it-IT" dirty="0" err="1" smtClean="0"/>
               <a:t>ReLU</a:t>
             </a:r>
             <a:r>
@@ -17470,26 +18650,78 @@
               <a:t>, </a:t>
             </a:r>
             <a:r>
-              <a:rPr lang="it-IT" b="1" i="1" dirty="0" err="1" smtClean="0"/>
+              <a:rPr lang="it-IT" dirty="0" err="1" smtClean="0"/>
               <a:t>BatchNormalization</a:t>
             </a:r>
             <a:r>
               <a:rPr lang="it-IT" dirty="0" smtClean="0"/>
-              <a:t> e </a:t>
-            </a:r>
-            <a:r>
-              <a:rPr lang="it-IT" b="1" i="1" dirty="0" err="1" smtClean="0"/>
+              <a:t> and </a:t>
+            </a:r>
+            <a:r>
+              <a:rPr lang="it-IT" dirty="0" err="1" smtClean="0"/>
               <a:t>MaxPooling</a:t>
             </a:r>
             <a:r>
               <a:rPr lang="it-IT" dirty="0" smtClean="0"/>
-              <a:t>. </a:t>
-            </a:r>
-          </a:p>
-          <a:p>
-            <a:r>
-              <a:rPr lang="it-IT" dirty="0" smtClean="0"/>
-              <a:t>Come criterio di valutazione per la </a:t>
+              <a:t>.</a:t>
+            </a:r>
+          </a:p>
+          <a:p>
+            <a:r>
+              <a:rPr lang="it-IT" dirty="0" err="1" smtClean="0"/>
+              <a:t>Binary</a:t>
+            </a:r>
+            <a:r>
+              <a:rPr lang="it-IT" dirty="0" smtClean="0"/>
+              <a:t> Cross </a:t>
+            </a:r>
+            <a:r>
+              <a:rPr lang="it-IT" dirty="0" err="1" smtClean="0"/>
+              <a:t>Entropy</a:t>
+            </a:r>
+            <a:r>
+              <a:rPr lang="it-IT" dirty="0" smtClean="0"/>
+              <a:t> </a:t>
+            </a:r>
+            <a:r>
+              <a:rPr lang="it-IT" dirty="0" err="1" smtClean="0"/>
+              <a:t>is</a:t>
+            </a:r>
+            <a:r>
+              <a:rPr lang="it-IT" dirty="0" smtClean="0"/>
+              <a:t> </a:t>
+            </a:r>
+            <a:r>
+              <a:rPr lang="it-IT" dirty="0" err="1" smtClean="0"/>
+              <a:t>used</a:t>
+            </a:r>
+            <a:r>
+              <a:rPr lang="it-IT" dirty="0" smtClean="0"/>
+              <a:t> </a:t>
+            </a:r>
+            <a:r>
+              <a:rPr lang="it-IT" dirty="0" err="1" smtClean="0"/>
+              <a:t>as</a:t>
+            </a:r>
+            <a:r>
+              <a:rPr lang="it-IT" dirty="0" smtClean="0"/>
+              <a:t> </a:t>
+            </a:r>
+            <a:r>
+              <a:rPr lang="it-IT" dirty="0" err="1" smtClean="0"/>
+              <a:t>evaluation</a:t>
+            </a:r>
+            <a:r>
+              <a:rPr lang="it-IT" dirty="0" smtClean="0"/>
+              <a:t> </a:t>
+            </a:r>
+            <a:r>
+              <a:rPr lang="it-IT" dirty="0" err="1" smtClean="0"/>
+              <a:t>criterion</a:t>
+            </a:r>
+            <a:r>
+              <a:rPr lang="it-IT" dirty="0" smtClean="0"/>
+              <a:t> for </a:t>
             </a:r>
             <a:r>
               <a:rPr lang="it-IT" dirty="0" err="1" smtClean="0"/>
@@ -17497,25 +18729,29 @@
             </a:r>
             <a:r>
               <a:rPr lang="it-IT" dirty="0" smtClean="0"/>
-              <a:t> è stato utilizzato il </a:t>
-            </a:r>
-            <a:r>
-              <a:rPr lang="it-IT" b="1" i="1" dirty="0" err="1" smtClean="0"/>
-              <a:t>BCEWithLogitsLoss</a:t>
-            </a:r>
-            <a:r>
-              <a:rPr lang="it-IT" b="1" i="1" dirty="0" smtClean="0"/>
-              <a:t>()</a:t>
-            </a:r>
-            <a:r>
-              <a:rPr lang="it-IT" dirty="0" smtClean="0"/>
-              <a:t> (criterio di valutazione binario). </a:t>
-            </a:r>
-          </a:p>
-          <a:p>
-            <a:r>
-              <a:rPr lang="it-IT" dirty="0" smtClean="0"/>
-              <a:t>Come </a:t>
+              <a:t> </a:t>
+            </a:r>
+            <a:r>
+              <a:rPr lang="it-IT" dirty="0" err="1" smtClean="0"/>
+              <a:t>computation</a:t>
+            </a:r>
+            <a:r>
+              <a:rPr lang="it-IT" dirty="0" smtClean="0"/>
+              <a:t>.</a:t>
+            </a:r>
+            <a:r>
+              <a:rPr lang="it-IT" dirty="0" smtClean="0"/>
+              <a:t> </a:t>
+            </a:r>
+          </a:p>
+          <a:p>
+            <a:r>
+              <a:rPr lang="it-IT" dirty="0" err="1" smtClean="0"/>
+              <a:t>As</a:t>
+            </a:r>
+            <a:r>
+              <a:rPr lang="it-IT" dirty="0" smtClean="0"/>
+              <a:t> </a:t>
             </a:r>
             <a:r>
               <a:rPr lang="it-IT" dirty="0" err="1" smtClean="0"/>
@@ -17523,11 +18759,43 @@
             </a:r>
             <a:r>
               <a:rPr lang="it-IT" dirty="0" smtClean="0"/>
-              <a:t> è stato utilizzato </a:t>
+              <a:t>, </a:t>
             </a:r>
             <a:r>
               <a:rPr lang="it-IT" b="1" i="1" dirty="0" smtClean="0"/>
-              <a:t>Adam.</a:t>
+              <a:t>Adamo </a:t>
+            </a:r>
+            <a:r>
+              <a:rPr lang="it-IT" b="1" i="1" dirty="0" err="1" smtClean="0"/>
+              <a:t>chiddu</a:t>
+            </a:r>
+            <a:r>
+              <a:rPr lang="it-IT" b="1" i="1" dirty="0" smtClean="0"/>
+              <a:t> de </a:t>
+            </a:r>
+            <a:r>
+              <a:rPr lang="it-IT" b="1" i="1" dirty="0" err="1" smtClean="0"/>
+              <a:t>scummissi</a:t>
+            </a:r>
+            <a:r>
+              <a:rPr lang="it-IT" b="1" i="1" dirty="0" smtClean="0"/>
+              <a:t> </a:t>
+            </a:r>
+            <a:r>
+              <a:rPr lang="it-IT" dirty="0" err="1" smtClean="0"/>
+              <a:t>is</a:t>
+            </a:r>
+            <a:r>
+              <a:rPr lang="it-IT" dirty="0" smtClean="0"/>
+              <a:t> </a:t>
+            </a:r>
+            <a:r>
+              <a:rPr lang="it-IT" dirty="0" err="1" smtClean="0"/>
+              <a:t>used</a:t>
+            </a:r>
+            <a:r>
+              <a:rPr lang="it-IT" b="1" i="1" dirty="0" smtClean="0"/>
+              <a:t>.</a:t>
             </a:r>
             <a:endParaRPr lang="it-IT" dirty="0"/>
           </a:p>

--- a/docs/ProjectOverview.pptx
+++ b/docs/ProjectOverview.pptx
@@ -213,7 +213,7 @@
           <a:p>
             <a:fld id="{C38090BE-1488-4B62-AD67-74473D7C4178}" type="datetimeFigureOut">
               <a:rPr lang="it-IT" smtClean="0"/>
-              <a:t>21/07/2020</a:t>
+              <a:t>05/09/2020</a:t>
             </a:fld>
             <a:endParaRPr lang="it-IT"/>
           </a:p>
@@ -3238,7 +3238,7 @@
           <a:p>
             <a:fld id="{44403A19-15E8-443F-A4AC-9B5F9C007082}" type="datetime1">
               <a:rPr lang="it-IT" smtClean="0"/>
-              <a:t>21/07/2020</a:t>
+              <a:t>05/09/2020</a:t>
             </a:fld>
             <a:endParaRPr lang="it-IT"/>
           </a:p>
@@ -3523,7 +3523,7 @@
           <a:p>
             <a:fld id="{383D746C-50FF-4F3A-966D-01952EE4D21B}" type="datetime1">
               <a:rPr lang="it-IT" smtClean="0"/>
-              <a:t>21/07/2020</a:t>
+              <a:t>05/09/2020</a:t>
             </a:fld>
             <a:endParaRPr lang="it-IT"/>
           </a:p>
@@ -3698,7 +3698,7 @@
           <a:p>
             <a:fld id="{1E2E47B7-5F11-4F38-9950-15F853895855}" type="datetime1">
               <a:rPr lang="it-IT" smtClean="0"/>
-              <a:t>21/07/2020</a:t>
+              <a:t>05/09/2020</a:t>
             </a:fld>
             <a:endParaRPr lang="it-IT"/>
           </a:p>
@@ -3863,7 +3863,7 @@
           <a:p>
             <a:fld id="{249101ED-59F3-4AB8-BCE6-07871BE238D4}" type="datetime1">
               <a:rPr lang="it-IT" smtClean="0"/>
-              <a:t>21/07/2020</a:t>
+              <a:t>05/09/2020</a:t>
             </a:fld>
             <a:endParaRPr lang="it-IT"/>
           </a:p>
@@ -4104,7 +4104,7 @@
           <a:p>
             <a:fld id="{3503FE60-83F5-450A-A954-E60D9B8BDDD6}" type="datetime1">
               <a:rPr lang="it-IT" smtClean="0"/>
-              <a:t>21/07/2020</a:t>
+              <a:t>05/09/2020</a:t>
             </a:fld>
             <a:endParaRPr lang="it-IT"/>
           </a:p>
@@ -4217,7 +4217,7 @@
           <a:p>
             <a:fld id="{4776C39A-6506-4611-BB89-B083222D94C7}" type="datetime1">
               <a:rPr lang="it-IT" smtClean="0"/>
-              <a:t>21/07/2020</a:t>
+              <a:t>05/09/2020</a:t>
             </a:fld>
             <a:endParaRPr lang="it-IT"/>
           </a:p>
@@ -4756,7 +4756,7 @@
           <a:p>
             <a:fld id="{774C639B-2EC2-481A-8693-1587E995673A}" type="datetime1">
               <a:rPr lang="it-IT" smtClean="0"/>
-              <a:t>21/07/2020</a:t>
+              <a:t>05/09/2020</a:t>
             </a:fld>
             <a:endParaRPr lang="it-IT"/>
           </a:p>
@@ -4869,7 +4869,7 @@
           <a:p>
             <a:fld id="{99306CE7-553F-495D-8B0F-A455EE46BD8A}" type="datetime1">
               <a:rPr lang="it-IT" smtClean="0"/>
-              <a:t>21/07/2020</a:t>
+              <a:t>05/09/2020</a:t>
             </a:fld>
             <a:endParaRPr lang="it-IT"/>
           </a:p>
@@ -4959,7 +4959,7 @@
           <a:p>
             <a:fld id="{B7F92BBA-8EB4-46CA-B1D7-1CB72817144E}" type="datetime1">
               <a:rPr lang="it-IT" smtClean="0"/>
-              <a:t>21/07/2020</a:t>
+              <a:t>05/09/2020</a:t>
             </a:fld>
             <a:endParaRPr lang="it-IT"/>
           </a:p>
@@ -7610,7 +7610,7 @@
           <a:p>
             <a:fld id="{54CAACBF-2724-4EC7-A399-7B6602F8E0D0}" type="datetime1">
               <a:rPr lang="it-IT" smtClean="0"/>
-              <a:t>21/07/2020</a:t>
+              <a:t>05/09/2020</a:t>
             </a:fld>
             <a:endParaRPr lang="it-IT"/>
           </a:p>
@@ -10822,7 +10822,7 @@
           <a:p>
             <a:fld id="{7D9AC0AF-EA67-4DB7-ADF1-4B2E94343828}" type="datetime1">
               <a:rPr lang="it-IT" smtClean="0"/>
-              <a:t>21/07/2020</a:t>
+              <a:t>05/09/2020</a:t>
             </a:fld>
             <a:endParaRPr lang="it-IT"/>
           </a:p>
@@ -13644,7 +13644,7 @@
           <a:p>
             <a:fld id="{E6C85B1E-D90C-4E33-B9FE-641595DB0431}" type="datetime1">
               <a:rPr lang="it-IT" smtClean="0"/>
-              <a:t>21/07/2020</a:t>
+              <a:t>05/09/2020</a:t>
             </a:fld>
             <a:endParaRPr lang="it-IT"/>
           </a:p>
@@ -14374,11 +14374,7 @@
           <a:p>
             <a:r>
               <a:rPr lang="it-IT" dirty="0" smtClean="0"/>
-              <a:t>For </a:t>
-            </a:r>
-            <a:r>
-              <a:rPr lang="it-IT" dirty="0" smtClean="0"/>
-              <a:t>model </a:t>
+              <a:t>For model </a:t>
             </a:r>
             <a:r>
               <a:rPr lang="it-IT" dirty="0" err="1" smtClean="0"/>
@@ -14455,7 +14451,6 @@
               <a:rPr lang="it-IT" dirty="0" smtClean="0"/>
               <a:t> for the test subset.</a:t>
             </a:r>
-            <a:endParaRPr lang="it-IT" dirty="0" smtClean="0"/>
           </a:p>
           <a:p>
             <a:r>
@@ -14794,7 +14789,6 @@
               <a:rPr lang="it-IT" dirty="0" smtClean="0"/>
               <a:t>.</a:t>
             </a:r>
-            <a:endParaRPr lang="it-IT" dirty="0" smtClean="0"/>
           </a:p>
           <a:p>
             <a:r>
@@ -14921,11 +14915,7 @@
             </a:r>
             <a:r>
               <a:rPr lang="it-IT" dirty="0" smtClean="0"/>
-              <a:t> on </a:t>
-            </a:r>
-            <a:r>
-              <a:rPr lang="it-IT" dirty="0" smtClean="0"/>
-              <a:t>‘</a:t>
+              <a:t> on ‘</a:t>
             </a:r>
             <a:r>
               <a:rPr lang="it-IT" i="1" dirty="0" err="1" smtClean="0"/>
@@ -15173,11 +15163,7 @@
             </a:r>
             <a:r>
               <a:rPr lang="it-IT" dirty="0" err="1" smtClean="0"/>
-              <a:t>a</a:t>
-            </a:r>
-            <a:r>
-              <a:rPr lang="it-IT" dirty="0" err="1" smtClean="0"/>
-              <a:t>dversarial</a:t>
+              <a:t>adversarial</a:t>
             </a:r>
             <a:r>
               <a:rPr lang="it-IT" dirty="0" smtClean="0"/>
@@ -15688,11 +15674,7 @@
             </a:r>
             <a:r>
               <a:rPr lang="it-IT" dirty="0" smtClean="0"/>
-              <a:t> </a:t>
-            </a:r>
-            <a:r>
-              <a:rPr lang="it-IT" dirty="0" smtClean="0"/>
-              <a:t>in </a:t>
+              <a:t> in </a:t>
             </a:r>
             <a:r>
               <a:rPr lang="it-IT" dirty="0" err="1" smtClean="0"/>
@@ -15714,11 +15696,7 @@
             </a:r>
             <a:r>
               <a:rPr lang="it-IT" dirty="0" smtClean="0"/>
-              <a:t> </a:t>
-            </a:r>
-            <a:r>
-              <a:rPr lang="it-IT" dirty="0" smtClean="0"/>
-              <a:t>image </a:t>
+              <a:t> image </a:t>
             </a:r>
             <a:r>
               <a:rPr lang="it-IT" dirty="0" err="1" smtClean="0"/>
@@ -16175,11 +16153,7 @@
             </a:r>
             <a:r>
               <a:rPr lang="it-IT" dirty="0" smtClean="0"/>
-              <a:t>= </a:t>
-            </a:r>
-            <a:r>
-              <a:rPr lang="it-IT" dirty="0" smtClean="0"/>
-              <a:t>50</a:t>
+              <a:t>= 50</a:t>
             </a:r>
             <a:endParaRPr lang="it-IT" dirty="0"/>
           </a:p>
@@ -16259,10 +16233,6 @@
             <a:r>
               <a:rPr lang="it-IT" sz="3000" dirty="0" smtClean="0"/>
               <a:t>From Scratch Model </a:t>
-            </a:r>
-            <a:r>
-              <a:rPr lang="it-IT" sz="3000" dirty="0" smtClean="0"/>
-              <a:t/>
             </a:r>
             <a:br>
               <a:rPr lang="it-IT" sz="3000" dirty="0" smtClean="0"/>
@@ -17551,11 +17521,7 @@
             </a:r>
             <a:r>
               <a:rPr lang="it-IT" dirty="0" smtClean="0"/>
-              <a:t>: </a:t>
-            </a:r>
-            <a:r>
-              <a:rPr lang="it-IT" dirty="0" smtClean="0"/>
-              <a:t>Train set 70% , </a:t>
+              <a:t>: Train set 70% , </a:t>
             </a:r>
             <a:r>
               <a:rPr lang="it-IT" dirty="0" err="1" smtClean="0"/>
@@ -17563,13 +17529,8 @@
             </a:r>
             <a:r>
               <a:rPr lang="it-IT" dirty="0" smtClean="0"/>
-              <a:t> set 15%, Test set 15</a:t>
-            </a:r>
-            <a:r>
-              <a:rPr lang="it-IT" dirty="0" smtClean="0"/>
-              <a:t>%</a:t>
-            </a:r>
-            <a:endParaRPr lang="it-IT" dirty="0" smtClean="0"/>
+              <a:t> set 15%, Test set 15%</a:t>
+            </a:r>
           </a:p>
         </p:txBody>
       </p:sp>
@@ -18369,7 +18330,6 @@
               <a:rPr lang="it-IT" dirty="0"/>
               <a:t>.</a:t>
             </a:r>
-            <a:endParaRPr lang="it-IT" dirty="0"/>
           </a:p>
         </p:txBody>
       </p:sp>
@@ -18579,11 +18539,7 @@
           <a:p>
             <a:r>
               <a:rPr lang="it-IT" dirty="0" smtClean="0"/>
-              <a:t>The </a:t>
-            </a:r>
-            <a:r>
-              <a:rPr lang="it-IT" dirty="0" smtClean="0"/>
-              <a:t>from scratch model </a:t>
+              <a:t>The from scratch model </a:t>
             </a:r>
             <a:r>
               <a:rPr lang="it-IT" dirty="0" err="1" smtClean="0"/>
@@ -18737,11 +18693,7 @@
             </a:r>
             <a:r>
               <a:rPr lang="it-IT" dirty="0" smtClean="0"/>
-              <a:t>.</a:t>
-            </a:r>
-            <a:r>
-              <a:rPr lang="it-IT" dirty="0" smtClean="0"/>
-              <a:t> </a:t>
+              <a:t>. </a:t>
             </a:r>
           </a:p>
           <a:p>
@@ -18763,7 +18715,7 @@
             </a:r>
             <a:r>
               <a:rPr lang="it-IT" b="1" i="1" dirty="0" smtClean="0"/>
-              <a:t>Adamo </a:t>
+              <a:t>Adamu </a:t>
             </a:r>
             <a:r>
               <a:rPr lang="it-IT" b="1" i="1" dirty="0" err="1" smtClean="0"/>
@@ -18774,12 +18726,8 @@
               <a:t> de </a:t>
             </a:r>
             <a:r>
-              <a:rPr lang="it-IT" b="1" i="1" dirty="0" err="1" smtClean="0"/>
-              <a:t>scummissi</a:t>
-            </a:r>
-            <a:r>
-              <a:rPr lang="it-IT" b="1" i="1" dirty="0" smtClean="0"/>
-              <a:t> </a:t>
+              <a:rPr lang="it-IT" b="1" i="1" smtClean="0"/>
+              <a:t>scummissi </a:t>
             </a:r>
             <a:r>
               <a:rPr lang="it-IT" dirty="0" err="1" smtClean="0"/>

--- a/docs/ProjectOverview.pptx
+++ b/docs/ProjectOverview.pptx
@@ -5,31 +5,37 @@
     <p:sldMasterId id="2147483960" r:id="rId1"/>
   </p:sldMasterIdLst>
   <p:notesMasterIdLst>
-    <p:notesMasterId r:id="rId24"/>
+    <p:notesMasterId r:id="rId30"/>
   </p:notesMasterIdLst>
   <p:sldIdLst>
     <p:sldId id="256" r:id="rId2"/>
-    <p:sldId id="257" r:id="rId3"/>
-    <p:sldId id="258" r:id="rId4"/>
-    <p:sldId id="259" r:id="rId5"/>
-    <p:sldId id="260" r:id="rId6"/>
-    <p:sldId id="266" r:id="rId7"/>
-    <p:sldId id="267" r:id="rId8"/>
-    <p:sldId id="261" r:id="rId9"/>
-    <p:sldId id="268" r:id="rId10"/>
-    <p:sldId id="269" r:id="rId11"/>
-    <p:sldId id="262" r:id="rId12"/>
-    <p:sldId id="270" r:id="rId13"/>
-    <p:sldId id="263" r:id="rId14"/>
-    <p:sldId id="271" r:id="rId15"/>
-    <p:sldId id="264" r:id="rId16"/>
-    <p:sldId id="272" r:id="rId17"/>
-    <p:sldId id="265" r:id="rId18"/>
-    <p:sldId id="273" r:id="rId19"/>
-    <p:sldId id="274" r:id="rId20"/>
-    <p:sldId id="278" r:id="rId21"/>
-    <p:sldId id="276" r:id="rId22"/>
-    <p:sldId id="277" r:id="rId23"/>
+    <p:sldId id="279" r:id="rId3"/>
+    <p:sldId id="280" r:id="rId4"/>
+    <p:sldId id="281" r:id="rId5"/>
+    <p:sldId id="257" r:id="rId6"/>
+    <p:sldId id="260" r:id="rId7"/>
+    <p:sldId id="266" r:id="rId8"/>
+    <p:sldId id="288" r:id="rId9"/>
+    <p:sldId id="283" r:id="rId10"/>
+    <p:sldId id="267" r:id="rId11"/>
+    <p:sldId id="284" r:id="rId12"/>
+    <p:sldId id="261" r:id="rId13"/>
+    <p:sldId id="268" r:id="rId14"/>
+    <p:sldId id="287" r:id="rId15"/>
+    <p:sldId id="262" r:id="rId16"/>
+    <p:sldId id="270" r:id="rId17"/>
+    <p:sldId id="263" r:id="rId18"/>
+    <p:sldId id="271" r:id="rId19"/>
+    <p:sldId id="264" r:id="rId20"/>
+    <p:sldId id="272" r:id="rId21"/>
+    <p:sldId id="265" r:id="rId22"/>
+    <p:sldId id="273" r:id="rId23"/>
+    <p:sldId id="274" r:id="rId24"/>
+    <p:sldId id="276" r:id="rId25"/>
+    <p:sldId id="286" r:id="rId26"/>
+    <p:sldId id="278" r:id="rId27"/>
+    <p:sldId id="277" r:id="rId28"/>
+    <p:sldId id="282" r:id="rId29"/>
   </p:sldIdLst>
   <p:sldSz cx="9144000" cy="6858000" type="screen4x3"/>
   <p:notesSz cx="6858000" cy="9144000"/>
@@ -128,7 +134,575 @@
       </a:defRPr>
     </a:lvl9pPr>
   </p:defaultTextStyle>
+  <p:extLst>
+    <p:ext uri="{EFAFB233-063F-42B5-8137-9DF3F51BA10A}">
+      <p15:sldGuideLst xmlns:p15="http://schemas.microsoft.com/office/powerpoint/2012/main">
+        <p15:guide id="1" orient="horz" pos="2160">
+          <p15:clr>
+            <a:srgbClr val="A4A3A4"/>
+          </p15:clr>
+        </p15:guide>
+        <p15:guide id="2" pos="2880">
+          <p15:clr>
+            <a:srgbClr val="A4A3A4"/>
+          </p15:clr>
+        </p15:guide>
+      </p15:sldGuideLst>
+    </p:ext>
+  </p:extLst>
 </p:presentation>
+</file>
+
+<file path=ppt/revisionInfo.xml><?xml version="1.0" encoding="utf-8"?>
+<p1510:revInfo xmlns:a="http://schemas.openxmlformats.org/drawingml/2006/main" xmlns:r="http://schemas.openxmlformats.org/officeDocument/2006/relationships" xmlns:p1510="http://schemas.microsoft.com/office/powerpoint/2015/10/main">
+  <p1510:revLst>
+    <p1510:client id="{45F3A289-8D07-4682-9321-D9D136FC7219}" v="1" dt="2020-09-17T08:39:28.261"/>
+  </p1510:revLst>
+</p1510:revInfo>
+</file>
+
+<file path=ppt/changesInfos/changesInfo1.xml><?xml version="1.0" encoding="utf-8"?>
+<pc:chgInfo xmlns:a="http://schemas.openxmlformats.org/drawingml/2006/main" xmlns:r="http://schemas.openxmlformats.org/officeDocument/2006/relationships" xmlns:ac="http://schemas.microsoft.com/office/drawing/2013/main/command" xmlns:pc="http://schemas.microsoft.com/office/powerpoint/2013/main/command">
+  <pc:docChgLst>
+    <pc:chgData name="Renato Sortino" userId="1e4a9975747c87ee" providerId="LiveId" clId="{45F3A289-8D07-4682-9321-D9D136FC7219}"/>
+    <pc:docChg chg="undo custSel addSld delSld modSld sldOrd">
+      <pc:chgData name="Renato Sortino" userId="1e4a9975747c87ee" providerId="LiveId" clId="{45F3A289-8D07-4682-9321-D9D136FC7219}" dt="2020-09-17T09:57:08.039" v="875" actId="47"/>
+      <pc:docMkLst>
+        <pc:docMk/>
+      </pc:docMkLst>
+      <pc:sldChg chg="modSp del mod">
+        <pc:chgData name="Renato Sortino" userId="1e4a9975747c87ee" providerId="LiveId" clId="{45F3A289-8D07-4682-9321-D9D136FC7219}" dt="2020-09-17T09:57:08.039" v="875" actId="47"/>
+        <pc:sldMkLst>
+          <pc:docMk/>
+          <pc:sldMk cId="3124376513" sldId="259"/>
+        </pc:sldMkLst>
+        <pc:spChg chg="mod">
+          <ac:chgData name="Renato Sortino" userId="1e4a9975747c87ee" providerId="LiveId" clId="{45F3A289-8D07-4682-9321-D9D136FC7219}" dt="2020-09-17T09:40:48.862" v="829" actId="20577"/>
+          <ac:spMkLst>
+            <pc:docMk/>
+            <pc:sldMk cId="3124376513" sldId="259"/>
+            <ac:spMk id="3" creationId="{00000000-0000-0000-0000-000000000000}"/>
+          </ac:spMkLst>
+        </pc:spChg>
+      </pc:sldChg>
+      <pc:sldChg chg="modSp mod">
+        <pc:chgData name="Renato Sortino" userId="1e4a9975747c87ee" providerId="LiveId" clId="{45F3A289-8D07-4682-9321-D9D136FC7219}" dt="2020-09-17T09:56:51.896" v="874" actId="20577"/>
+        <pc:sldMkLst>
+          <pc:docMk/>
+          <pc:sldMk cId="1677871484" sldId="268"/>
+        </pc:sldMkLst>
+        <pc:spChg chg="mod">
+          <ac:chgData name="Renato Sortino" userId="1e4a9975747c87ee" providerId="LiveId" clId="{45F3A289-8D07-4682-9321-D9D136FC7219}" dt="2020-09-17T09:56:51.896" v="874" actId="20577"/>
+          <ac:spMkLst>
+            <pc:docMk/>
+            <pc:sldMk cId="1677871484" sldId="268"/>
+            <ac:spMk id="2" creationId="{00000000-0000-0000-0000-000000000000}"/>
+          </ac:spMkLst>
+        </pc:spChg>
+        <pc:spChg chg="mod">
+          <ac:chgData name="Renato Sortino" userId="1e4a9975747c87ee" providerId="LiveId" clId="{45F3A289-8D07-4682-9321-D9D136FC7219}" dt="2020-09-17T09:40:13.928" v="811" actId="20577"/>
+          <ac:spMkLst>
+            <pc:docMk/>
+            <pc:sldMk cId="1677871484" sldId="268"/>
+            <ac:spMk id="3" creationId="{00000000-0000-0000-0000-000000000000}"/>
+          </ac:spMkLst>
+        </pc:spChg>
+      </pc:sldChg>
+      <pc:sldChg chg="modSp new mod ord">
+        <pc:chgData name="Renato Sortino" userId="1e4a9975747c87ee" providerId="LiveId" clId="{45F3A289-8D07-4682-9321-D9D136FC7219}" dt="2020-09-17T08:56:02.742" v="288" actId="21"/>
+        <pc:sldMkLst>
+          <pc:docMk/>
+          <pc:sldMk cId="1939197075" sldId="283"/>
+        </pc:sldMkLst>
+        <pc:spChg chg="mod">
+          <ac:chgData name="Renato Sortino" userId="1e4a9975747c87ee" providerId="LiveId" clId="{45F3A289-8D07-4682-9321-D9D136FC7219}" dt="2020-09-17T08:37:57.995" v="17" actId="20577"/>
+          <ac:spMkLst>
+            <pc:docMk/>
+            <pc:sldMk cId="1939197075" sldId="283"/>
+            <ac:spMk id="2" creationId="{64CE26A5-7600-4285-B99C-B890692CAAA4}"/>
+          </ac:spMkLst>
+        </pc:spChg>
+        <pc:spChg chg="mod">
+          <ac:chgData name="Renato Sortino" userId="1e4a9975747c87ee" providerId="LiveId" clId="{45F3A289-8D07-4682-9321-D9D136FC7219}" dt="2020-09-17T08:56:02.742" v="288" actId="21"/>
+          <ac:spMkLst>
+            <pc:docMk/>
+            <pc:sldMk cId="1939197075" sldId="283"/>
+            <ac:spMk id="3" creationId="{91DDFB21-05B5-4EAB-ABB3-F83E8016F71A}"/>
+          </ac:spMkLst>
+        </pc:spChg>
+      </pc:sldChg>
+      <pc:sldChg chg="addSp delSp modSp new mod ord">
+        <pc:chgData name="Renato Sortino" userId="1e4a9975747c87ee" providerId="LiveId" clId="{45F3A289-8D07-4682-9321-D9D136FC7219}" dt="2020-09-17T09:50:06.722" v="852" actId="20577"/>
+        <pc:sldMkLst>
+          <pc:docMk/>
+          <pc:sldMk cId="3817975508" sldId="284"/>
+        </pc:sldMkLst>
+        <pc:spChg chg="mod">
+          <ac:chgData name="Renato Sortino" userId="1e4a9975747c87ee" providerId="LiveId" clId="{45F3A289-8D07-4682-9321-D9D136FC7219}" dt="2020-09-17T08:38:27.494" v="68" actId="27636"/>
+          <ac:spMkLst>
+            <pc:docMk/>
+            <pc:sldMk cId="3817975508" sldId="284"/>
+            <ac:spMk id="2" creationId="{61A5A4A6-657A-4EEA-9011-79225F03696D}"/>
+          </ac:spMkLst>
+        </pc:spChg>
+        <pc:spChg chg="del">
+          <ac:chgData name="Renato Sortino" userId="1e4a9975747c87ee" providerId="LiveId" clId="{45F3A289-8D07-4682-9321-D9D136FC7219}" dt="2020-09-17T09:49:39.903" v="830" actId="3680"/>
+          <ac:spMkLst>
+            <pc:docMk/>
+            <pc:sldMk cId="3817975508" sldId="284"/>
+            <ac:spMk id="3" creationId="{EFC71E0A-36DD-42F2-A09B-402D47FDF9FB}"/>
+          </ac:spMkLst>
+        </pc:spChg>
+        <pc:graphicFrameChg chg="add mod ord modGraphic">
+          <ac:chgData name="Renato Sortino" userId="1e4a9975747c87ee" providerId="LiveId" clId="{45F3A289-8D07-4682-9321-D9D136FC7219}" dt="2020-09-17T09:50:06.722" v="852" actId="20577"/>
+          <ac:graphicFrameMkLst>
+            <pc:docMk/>
+            <pc:sldMk cId="3817975508" sldId="284"/>
+            <ac:graphicFrameMk id="5" creationId="{497109C2-88EA-46A1-B993-9885CD51CB92}"/>
+          </ac:graphicFrameMkLst>
+        </pc:graphicFrameChg>
+      </pc:sldChg>
+      <pc:sldChg chg="new del">
+        <pc:chgData name="Renato Sortino" userId="1e4a9975747c87ee" providerId="LiveId" clId="{45F3A289-8D07-4682-9321-D9D136FC7219}" dt="2020-09-17T08:39:32.206" v="81" actId="47"/>
+        <pc:sldMkLst>
+          <pc:docMk/>
+          <pc:sldMk cId="3297681408" sldId="285"/>
+        </pc:sldMkLst>
+      </pc:sldChg>
+      <pc:sldChg chg="addSp delSp modSp add mod ord">
+        <pc:chgData name="Renato Sortino" userId="1e4a9975747c87ee" providerId="LiveId" clId="{45F3A289-8D07-4682-9321-D9D136FC7219}" dt="2020-09-17T09:38:17.147" v="775" actId="2062"/>
+        <pc:sldMkLst>
+          <pc:docMk/>
+          <pc:sldMk cId="4120053966" sldId="286"/>
+        </pc:sldMkLst>
+        <pc:spChg chg="mod">
+          <ac:chgData name="Renato Sortino" userId="1e4a9975747c87ee" providerId="LiveId" clId="{45F3A289-8D07-4682-9321-D9D136FC7219}" dt="2020-09-17T08:39:39.259" v="99" actId="20577"/>
+          <ac:spMkLst>
+            <pc:docMk/>
+            <pc:sldMk cId="4120053966" sldId="286"/>
+            <ac:spMk id="2" creationId="{00000000-0000-0000-0000-000000000000}"/>
+          </ac:spMkLst>
+        </pc:spChg>
+        <pc:spChg chg="add del mod">
+          <ac:chgData name="Renato Sortino" userId="1e4a9975747c87ee" providerId="LiveId" clId="{45F3A289-8D07-4682-9321-D9D136FC7219}" dt="2020-09-17T09:34:01.162" v="625" actId="3680"/>
+          <ac:spMkLst>
+            <pc:docMk/>
+            <pc:sldMk cId="4120053966" sldId="286"/>
+            <ac:spMk id="3" creationId="{00000000-0000-0000-0000-000000000000}"/>
+          </ac:spMkLst>
+        </pc:spChg>
+        <pc:graphicFrameChg chg="add del mod ord modGraphic">
+          <ac:chgData name="Renato Sortino" userId="1e4a9975747c87ee" providerId="LiveId" clId="{45F3A289-8D07-4682-9321-D9D136FC7219}" dt="2020-09-17T09:33:56.965" v="624" actId="3680"/>
+          <ac:graphicFrameMkLst>
+            <pc:docMk/>
+            <pc:sldMk cId="4120053966" sldId="286"/>
+            <ac:graphicFrameMk id="5" creationId="{32F0478C-0BB3-40BC-AC64-3FE8F3C49106}"/>
+          </ac:graphicFrameMkLst>
+        </pc:graphicFrameChg>
+        <pc:graphicFrameChg chg="add mod ord modGraphic">
+          <ac:chgData name="Renato Sortino" userId="1e4a9975747c87ee" providerId="LiveId" clId="{45F3A289-8D07-4682-9321-D9D136FC7219}" dt="2020-09-17T09:38:17.147" v="775" actId="2062"/>
+          <ac:graphicFrameMkLst>
+            <pc:docMk/>
+            <pc:sldMk cId="4120053966" sldId="286"/>
+            <ac:graphicFrameMk id="6" creationId="{F37D3E9E-D03E-4546-B925-2019F6ACC83F}"/>
+          </ac:graphicFrameMkLst>
+        </pc:graphicFrameChg>
+      </pc:sldChg>
+      <pc:sldChg chg="modSp new mod">
+        <pc:chgData name="Renato Sortino" userId="1e4a9975747c87ee" providerId="LiveId" clId="{45F3A289-8D07-4682-9321-D9D136FC7219}" dt="2020-09-17T09:56:45.882" v="866" actId="20577"/>
+        <pc:sldMkLst>
+          <pc:docMk/>
+          <pc:sldMk cId="2158334210" sldId="287"/>
+        </pc:sldMkLst>
+        <pc:spChg chg="mod">
+          <ac:chgData name="Renato Sortino" userId="1e4a9975747c87ee" providerId="LiveId" clId="{45F3A289-8D07-4682-9321-D9D136FC7219}" dt="2020-09-17T09:56:45.882" v="866" actId="20577"/>
+          <ac:spMkLst>
+            <pc:docMk/>
+            <pc:sldMk cId="2158334210" sldId="287"/>
+            <ac:spMk id="2" creationId="{7C754561-68C4-4325-ADA1-DFC08D25912E}"/>
+          </ac:spMkLst>
+        </pc:spChg>
+        <pc:spChg chg="mod">
+          <ac:chgData name="Renato Sortino" userId="1e4a9975747c87ee" providerId="LiveId" clId="{45F3A289-8D07-4682-9321-D9D136FC7219}" dt="2020-09-17T09:39:22.961" v="778"/>
+          <ac:spMkLst>
+            <pc:docMk/>
+            <pc:sldMk cId="2158334210" sldId="287"/>
+            <ac:spMk id="3" creationId="{B6C55C29-3A5A-4221-9125-7FC1DC3B3359}"/>
+          </ac:spMkLst>
+        </pc:spChg>
+      </pc:sldChg>
+      <pc:sldChg chg="modSp new mod">
+        <pc:chgData name="Renato Sortino" userId="1e4a9975747c87ee" providerId="LiveId" clId="{45F3A289-8D07-4682-9321-D9D136FC7219}" dt="2020-09-17T08:56:38.977" v="368" actId="20577"/>
+        <pc:sldMkLst>
+          <pc:docMk/>
+          <pc:sldMk cId="202981644" sldId="288"/>
+        </pc:sldMkLst>
+        <pc:spChg chg="mod">
+          <ac:chgData name="Renato Sortino" userId="1e4a9975747c87ee" providerId="LiveId" clId="{45F3A289-8D07-4682-9321-D9D136FC7219}" dt="2020-09-17T08:56:15.050" v="325" actId="27636"/>
+          <ac:spMkLst>
+            <pc:docMk/>
+            <pc:sldMk cId="202981644" sldId="288"/>
+            <ac:spMk id="2" creationId="{76A057B7-A47B-41E9-B0E1-10BEF02133CC}"/>
+          </ac:spMkLst>
+        </pc:spChg>
+        <pc:spChg chg="mod">
+          <ac:chgData name="Renato Sortino" userId="1e4a9975747c87ee" providerId="LiveId" clId="{45F3A289-8D07-4682-9321-D9D136FC7219}" dt="2020-09-17T08:56:38.977" v="368" actId="20577"/>
+          <ac:spMkLst>
+            <pc:docMk/>
+            <pc:sldMk cId="202981644" sldId="288"/>
+            <ac:spMk id="3" creationId="{9AA4417F-57D0-477E-BC65-40A527DFCC0E}"/>
+          </ac:spMkLst>
+        </pc:spChg>
+      </pc:sldChg>
+    </pc:docChg>
+  </pc:docChgLst>
+  <pc:docChgLst>
+    <pc:chgData name="Renato Sortino" userId="1e4a9975747c87ee" providerId="LiveId" clId="{562DE294-C812-4C2B-B273-C03BAF4C1E90}"/>
+    <pc:docChg chg="undo custSel addSld delSld modSld sldOrd">
+      <pc:chgData name="Renato Sortino" userId="1e4a9975747c87ee" providerId="LiveId" clId="{562DE294-C812-4C2B-B273-C03BAF4C1E90}" dt="2020-09-14T10:45:59.691" v="1759" actId="20577"/>
+      <pc:docMkLst>
+        <pc:docMk/>
+      </pc:docMkLst>
+      <pc:sldChg chg="modSp del mod">
+        <pc:chgData name="Renato Sortino" userId="1e4a9975747c87ee" providerId="LiveId" clId="{562DE294-C812-4C2B-B273-C03BAF4C1E90}" dt="2020-09-14T09:10:55.365" v="1263" actId="47"/>
+        <pc:sldMkLst>
+          <pc:docMk/>
+          <pc:sldMk cId="4156179914" sldId="258"/>
+        </pc:sldMkLst>
+        <pc:spChg chg="mod">
+          <ac:chgData name="Renato Sortino" userId="1e4a9975747c87ee" providerId="LiveId" clId="{562DE294-C812-4C2B-B273-C03BAF4C1E90}" dt="2020-09-14T08:24:06.605" v="59" actId="27636"/>
+          <ac:spMkLst>
+            <pc:docMk/>
+            <pc:sldMk cId="4156179914" sldId="258"/>
+            <ac:spMk id="2" creationId="{00000000-0000-0000-0000-000000000000}"/>
+          </ac:spMkLst>
+        </pc:spChg>
+        <pc:spChg chg="mod">
+          <ac:chgData name="Renato Sortino" userId="1e4a9975747c87ee" providerId="LiveId" clId="{562DE294-C812-4C2B-B273-C03BAF4C1E90}" dt="2020-09-14T09:10:52.479" v="1262" actId="21"/>
+          <ac:spMkLst>
+            <pc:docMk/>
+            <pc:sldMk cId="4156179914" sldId="258"/>
+            <ac:spMk id="3" creationId="{00000000-0000-0000-0000-000000000000}"/>
+          </ac:spMkLst>
+        </pc:spChg>
+      </pc:sldChg>
+      <pc:sldChg chg="modSp mod">
+        <pc:chgData name="Renato Sortino" userId="1e4a9975747c87ee" providerId="LiveId" clId="{562DE294-C812-4C2B-B273-C03BAF4C1E90}" dt="2020-09-14T09:09:57.656" v="1241" actId="20577"/>
+        <pc:sldMkLst>
+          <pc:docMk/>
+          <pc:sldMk cId="402216203" sldId="266"/>
+        </pc:sldMkLst>
+        <pc:spChg chg="mod">
+          <ac:chgData name="Renato Sortino" userId="1e4a9975747c87ee" providerId="LiveId" clId="{562DE294-C812-4C2B-B273-C03BAF4C1E90}" dt="2020-09-14T09:09:57.656" v="1241" actId="20577"/>
+          <ac:spMkLst>
+            <pc:docMk/>
+            <pc:sldMk cId="402216203" sldId="266"/>
+            <ac:spMk id="3" creationId="{00000000-0000-0000-0000-000000000000}"/>
+          </ac:spMkLst>
+        </pc:spChg>
+      </pc:sldChg>
+      <pc:sldChg chg="modSp mod">
+        <pc:chgData name="Renato Sortino" userId="1e4a9975747c87ee" providerId="LiveId" clId="{562DE294-C812-4C2B-B273-C03BAF4C1E90}" dt="2020-09-14T09:11:01.946" v="1268" actId="27636"/>
+        <pc:sldMkLst>
+          <pc:docMk/>
+          <pc:sldMk cId="2387315745" sldId="267"/>
+        </pc:sldMkLst>
+        <pc:spChg chg="mod">
+          <ac:chgData name="Renato Sortino" userId="1e4a9975747c87ee" providerId="LiveId" clId="{562DE294-C812-4C2B-B273-C03BAF4C1E90}" dt="2020-09-14T09:11:01.946" v="1268" actId="27636"/>
+          <ac:spMkLst>
+            <pc:docMk/>
+            <pc:sldMk cId="2387315745" sldId="267"/>
+            <ac:spMk id="3" creationId="{00000000-0000-0000-0000-000000000000}"/>
+          </ac:spMkLst>
+        </pc:spChg>
+      </pc:sldChg>
+      <pc:sldChg chg="modSp mod">
+        <pc:chgData name="Renato Sortino" userId="1e4a9975747c87ee" providerId="LiveId" clId="{562DE294-C812-4C2B-B273-C03BAF4C1E90}" dt="2020-09-14T08:24:53.550" v="63" actId="20577"/>
+        <pc:sldMkLst>
+          <pc:docMk/>
+          <pc:sldMk cId="1677871484" sldId="268"/>
+        </pc:sldMkLst>
+        <pc:spChg chg="mod">
+          <ac:chgData name="Renato Sortino" userId="1e4a9975747c87ee" providerId="LiveId" clId="{562DE294-C812-4C2B-B273-C03BAF4C1E90}" dt="2020-09-14T08:24:53.550" v="63" actId="20577"/>
+          <ac:spMkLst>
+            <pc:docMk/>
+            <pc:sldMk cId="1677871484" sldId="268"/>
+            <ac:spMk id="3" creationId="{00000000-0000-0000-0000-000000000000}"/>
+          </ac:spMkLst>
+        </pc:spChg>
+      </pc:sldChg>
+      <pc:sldChg chg="add del">
+        <pc:chgData name="Renato Sortino" userId="1e4a9975747c87ee" providerId="LiveId" clId="{562DE294-C812-4C2B-B273-C03BAF4C1E90}" dt="2020-09-14T08:26:55.811" v="66" actId="47"/>
+        <pc:sldMkLst>
+          <pc:docMk/>
+          <pc:sldMk cId="1622118654" sldId="269"/>
+        </pc:sldMkLst>
+      </pc:sldChg>
+      <pc:sldChg chg="modSp mod">
+        <pc:chgData name="Renato Sortino" userId="1e4a9975747c87ee" providerId="LiveId" clId="{562DE294-C812-4C2B-B273-C03BAF4C1E90}" dt="2020-09-14T08:30:28.122" v="68" actId="27636"/>
+        <pc:sldMkLst>
+          <pc:docMk/>
+          <pc:sldMk cId="226268677" sldId="271"/>
+        </pc:sldMkLst>
+        <pc:spChg chg="mod">
+          <ac:chgData name="Renato Sortino" userId="1e4a9975747c87ee" providerId="LiveId" clId="{562DE294-C812-4C2B-B273-C03BAF4C1E90}" dt="2020-09-14T08:30:28.122" v="68" actId="27636"/>
+          <ac:spMkLst>
+            <pc:docMk/>
+            <pc:sldMk cId="226268677" sldId="271"/>
+            <ac:spMk id="3" creationId="{00000000-0000-0000-0000-000000000000}"/>
+          </ac:spMkLst>
+        </pc:spChg>
+      </pc:sldChg>
+      <pc:sldChg chg="modSp mod">
+        <pc:chgData name="Renato Sortino" userId="1e4a9975747c87ee" providerId="LiveId" clId="{562DE294-C812-4C2B-B273-C03BAF4C1E90}" dt="2020-09-14T08:31:19.679" v="70" actId="20577"/>
+        <pc:sldMkLst>
+          <pc:docMk/>
+          <pc:sldMk cId="3034427811" sldId="272"/>
+        </pc:sldMkLst>
+        <pc:spChg chg="mod">
+          <ac:chgData name="Renato Sortino" userId="1e4a9975747c87ee" providerId="LiveId" clId="{562DE294-C812-4C2B-B273-C03BAF4C1E90}" dt="2020-09-14T08:31:19.679" v="70" actId="20577"/>
+          <ac:spMkLst>
+            <pc:docMk/>
+            <pc:sldMk cId="3034427811" sldId="272"/>
+            <ac:spMk id="3" creationId="{00000000-0000-0000-0000-000000000000}"/>
+          </ac:spMkLst>
+        </pc:spChg>
+      </pc:sldChg>
+      <pc:sldChg chg="ord">
+        <pc:chgData name="Renato Sortino" userId="1e4a9975747c87ee" providerId="LiveId" clId="{562DE294-C812-4C2B-B273-C03BAF4C1E90}" dt="2020-09-14T10:16:29.141" v="1270"/>
+        <pc:sldMkLst>
+          <pc:docMk/>
+          <pc:sldMk cId="350643255" sldId="276"/>
+        </pc:sldMkLst>
+      </pc:sldChg>
+      <pc:sldChg chg="addSp delSp modSp mod">
+        <pc:chgData name="Renato Sortino" userId="1e4a9975747c87ee" providerId="LiveId" clId="{562DE294-C812-4C2B-B273-C03BAF4C1E90}" dt="2020-09-14T10:26:54.287" v="1278" actId="931"/>
+        <pc:sldMkLst>
+          <pc:docMk/>
+          <pc:sldMk cId="4226908415" sldId="277"/>
+        </pc:sldMkLst>
+        <pc:spChg chg="add del mod">
+          <ac:chgData name="Renato Sortino" userId="1e4a9975747c87ee" providerId="LiveId" clId="{562DE294-C812-4C2B-B273-C03BAF4C1E90}" dt="2020-09-14T10:26:51.125" v="1277" actId="931"/>
+          <ac:spMkLst>
+            <pc:docMk/>
+            <pc:sldMk cId="4226908415" sldId="277"/>
+            <ac:spMk id="6" creationId="{201855EF-5980-4070-A78E-EB1B3A06DC03}"/>
+          </ac:spMkLst>
+        </pc:spChg>
+        <pc:spChg chg="add del mod">
+          <ac:chgData name="Renato Sortino" userId="1e4a9975747c87ee" providerId="LiveId" clId="{562DE294-C812-4C2B-B273-C03BAF4C1E90}" dt="2020-09-14T10:26:54.287" v="1278" actId="931"/>
+          <ac:spMkLst>
+            <pc:docMk/>
+            <pc:sldMk cId="4226908415" sldId="277"/>
+            <ac:spMk id="11" creationId="{D71DA9AF-FBEF-42CA-AB90-F4ACE5A7DE6C}"/>
+          </ac:spMkLst>
+        </pc:spChg>
+        <pc:picChg chg="del">
+          <ac:chgData name="Renato Sortino" userId="1e4a9975747c87ee" providerId="LiveId" clId="{562DE294-C812-4C2B-B273-C03BAF4C1E90}" dt="2020-09-14T10:25:50.019" v="1273" actId="478"/>
+          <ac:picMkLst>
+            <pc:docMk/>
+            <pc:sldMk cId="4226908415" sldId="277"/>
+            <ac:picMk id="8" creationId="{00000000-0000-0000-0000-000000000000}"/>
+          </ac:picMkLst>
+        </pc:picChg>
+        <pc:picChg chg="del">
+          <ac:chgData name="Renato Sortino" userId="1e4a9975747c87ee" providerId="LiveId" clId="{562DE294-C812-4C2B-B273-C03BAF4C1E90}" dt="2020-09-14T10:25:51.344" v="1274" actId="478"/>
+          <ac:picMkLst>
+            <pc:docMk/>
+            <pc:sldMk cId="4226908415" sldId="277"/>
+            <ac:picMk id="9" creationId="{00000000-0000-0000-0000-000000000000}"/>
+          </ac:picMkLst>
+        </pc:picChg>
+        <pc:picChg chg="add mod">
+          <ac:chgData name="Renato Sortino" userId="1e4a9975747c87ee" providerId="LiveId" clId="{562DE294-C812-4C2B-B273-C03BAF4C1E90}" dt="2020-09-14T10:26:51.125" v="1277" actId="931"/>
+          <ac:picMkLst>
+            <pc:docMk/>
+            <pc:sldMk cId="4226908415" sldId="277"/>
+            <ac:picMk id="13" creationId="{D39309A9-7CA2-4979-B2B3-DE583138F429}"/>
+          </ac:picMkLst>
+        </pc:picChg>
+        <pc:picChg chg="add mod">
+          <ac:chgData name="Renato Sortino" userId="1e4a9975747c87ee" providerId="LiveId" clId="{562DE294-C812-4C2B-B273-C03BAF4C1E90}" dt="2020-09-14T10:26:54.287" v="1278" actId="931"/>
+          <ac:picMkLst>
+            <pc:docMk/>
+            <pc:sldMk cId="4226908415" sldId="277"/>
+            <ac:picMk id="15" creationId="{5AC25855-6A65-45E0-9DDA-C83DDF639EAB}"/>
+          </ac:picMkLst>
+        </pc:picChg>
+      </pc:sldChg>
+      <pc:sldChg chg="addSp delSp modSp mod">
+        <pc:chgData name="Renato Sortino" userId="1e4a9975747c87ee" providerId="LiveId" clId="{562DE294-C812-4C2B-B273-C03BAF4C1E90}" dt="2020-09-14T10:26:44.472" v="1276" actId="931"/>
+        <pc:sldMkLst>
+          <pc:docMk/>
+          <pc:sldMk cId="1168926537" sldId="278"/>
+        </pc:sldMkLst>
+        <pc:spChg chg="add del mod">
+          <ac:chgData name="Renato Sortino" userId="1e4a9975747c87ee" providerId="LiveId" clId="{562DE294-C812-4C2B-B273-C03BAF4C1E90}" dt="2020-09-14T10:26:44.472" v="1276" actId="931"/>
+          <ac:spMkLst>
+            <pc:docMk/>
+            <pc:sldMk cId="1168926537" sldId="278"/>
+            <ac:spMk id="6" creationId="{770FF2E5-9275-412C-8B5A-7AEA376D5D7B}"/>
+          </ac:spMkLst>
+        </pc:spChg>
+        <pc:spChg chg="add del mod">
+          <ac:chgData name="Renato Sortino" userId="1e4a9975747c87ee" providerId="LiveId" clId="{562DE294-C812-4C2B-B273-C03BAF4C1E90}" dt="2020-09-14T10:26:38.882" v="1275" actId="931"/>
+          <ac:spMkLst>
+            <pc:docMk/>
+            <pc:sldMk cId="1168926537" sldId="278"/>
+            <ac:spMk id="11" creationId="{B792004D-0153-4612-B26A-F96859515901}"/>
+          </ac:spMkLst>
+        </pc:spChg>
+        <pc:picChg chg="del">
+          <ac:chgData name="Renato Sortino" userId="1e4a9975747c87ee" providerId="LiveId" clId="{562DE294-C812-4C2B-B273-C03BAF4C1E90}" dt="2020-09-14T10:25:46.220" v="1272" actId="478"/>
+          <ac:picMkLst>
+            <pc:docMk/>
+            <pc:sldMk cId="1168926537" sldId="278"/>
+            <ac:picMk id="8" creationId="{00000000-0000-0000-0000-000000000000}"/>
+          </ac:picMkLst>
+        </pc:picChg>
+        <pc:picChg chg="del">
+          <ac:chgData name="Renato Sortino" userId="1e4a9975747c87ee" providerId="LiveId" clId="{562DE294-C812-4C2B-B273-C03BAF4C1E90}" dt="2020-09-14T10:25:45.335" v="1271" actId="478"/>
+          <ac:picMkLst>
+            <pc:docMk/>
+            <pc:sldMk cId="1168926537" sldId="278"/>
+            <ac:picMk id="9" creationId="{00000000-0000-0000-0000-000000000000}"/>
+          </ac:picMkLst>
+        </pc:picChg>
+        <pc:picChg chg="add mod">
+          <ac:chgData name="Renato Sortino" userId="1e4a9975747c87ee" providerId="LiveId" clId="{562DE294-C812-4C2B-B273-C03BAF4C1E90}" dt="2020-09-14T10:26:38.882" v="1275" actId="931"/>
+          <ac:picMkLst>
+            <pc:docMk/>
+            <pc:sldMk cId="1168926537" sldId="278"/>
+            <ac:picMk id="13" creationId="{1BA0281F-4430-4B24-BDBF-B0BD47CBB1B0}"/>
+          </ac:picMkLst>
+        </pc:picChg>
+        <pc:picChg chg="add mod">
+          <ac:chgData name="Renato Sortino" userId="1e4a9975747c87ee" providerId="LiveId" clId="{562DE294-C812-4C2B-B273-C03BAF4C1E90}" dt="2020-09-14T10:26:44.472" v="1276" actId="931"/>
+          <ac:picMkLst>
+            <pc:docMk/>
+            <pc:sldMk cId="1168926537" sldId="278"/>
+            <ac:picMk id="15" creationId="{861BEFD9-A386-473C-AFC9-01D81C4849FB}"/>
+          </ac:picMkLst>
+        </pc:picChg>
+      </pc:sldChg>
+      <pc:sldChg chg="modSp new mod">
+        <pc:chgData name="Renato Sortino" userId="1e4a9975747c87ee" providerId="LiveId" clId="{562DE294-C812-4C2B-B273-C03BAF4C1E90}" dt="2020-09-14T08:40:27.988" v="574" actId="20577"/>
+        <pc:sldMkLst>
+          <pc:docMk/>
+          <pc:sldMk cId="2933321474" sldId="279"/>
+        </pc:sldMkLst>
+        <pc:spChg chg="mod">
+          <ac:chgData name="Renato Sortino" userId="1e4a9975747c87ee" providerId="LiveId" clId="{562DE294-C812-4C2B-B273-C03BAF4C1E90}" dt="2020-09-14T08:32:46.056" v="97" actId="27636"/>
+          <ac:spMkLst>
+            <pc:docMk/>
+            <pc:sldMk cId="2933321474" sldId="279"/>
+            <ac:spMk id="2" creationId="{3E9246B0-5F42-401F-B27C-E69CF0A32F96}"/>
+          </ac:spMkLst>
+        </pc:spChg>
+        <pc:spChg chg="mod">
+          <ac:chgData name="Renato Sortino" userId="1e4a9975747c87ee" providerId="LiveId" clId="{562DE294-C812-4C2B-B273-C03BAF4C1E90}" dt="2020-09-14T08:40:27.988" v="574" actId="20577"/>
+          <ac:spMkLst>
+            <pc:docMk/>
+            <pc:sldMk cId="2933321474" sldId="279"/>
+            <ac:spMk id="3" creationId="{7198BC24-6663-4474-BFB7-EE3A8B11A8F0}"/>
+          </ac:spMkLst>
+        </pc:spChg>
+      </pc:sldChg>
+      <pc:sldChg chg="modSp new mod">
+        <pc:chgData name="Renato Sortino" userId="1e4a9975747c87ee" providerId="LiveId" clId="{562DE294-C812-4C2B-B273-C03BAF4C1E90}" dt="2020-09-14T09:00:12.317" v="1191" actId="20577"/>
+        <pc:sldMkLst>
+          <pc:docMk/>
+          <pc:sldMk cId="2655955563" sldId="280"/>
+        </pc:sldMkLst>
+        <pc:spChg chg="mod">
+          <ac:chgData name="Renato Sortino" userId="1e4a9975747c87ee" providerId="LiveId" clId="{562DE294-C812-4C2B-B273-C03BAF4C1E90}" dt="2020-09-14T08:40:51.859" v="603" actId="20577"/>
+          <ac:spMkLst>
+            <pc:docMk/>
+            <pc:sldMk cId="2655955563" sldId="280"/>
+            <ac:spMk id="2" creationId="{5C3A9DFB-9326-438D-B125-71908EC92B39}"/>
+          </ac:spMkLst>
+        </pc:spChg>
+        <pc:spChg chg="mod">
+          <ac:chgData name="Renato Sortino" userId="1e4a9975747c87ee" providerId="LiveId" clId="{562DE294-C812-4C2B-B273-C03BAF4C1E90}" dt="2020-09-14T09:00:12.317" v="1191" actId="20577"/>
+          <ac:spMkLst>
+            <pc:docMk/>
+            <pc:sldMk cId="2655955563" sldId="280"/>
+            <ac:spMk id="3" creationId="{0F90925E-B9DC-4D44-A826-8E0B5CC9A941}"/>
+          </ac:spMkLst>
+        </pc:spChg>
+      </pc:sldChg>
+      <pc:sldChg chg="addSp delSp modSp new mod">
+        <pc:chgData name="Renato Sortino" userId="1e4a9975747c87ee" providerId="LiveId" clId="{562DE294-C812-4C2B-B273-C03BAF4C1E90}" dt="2020-09-14T09:06:40.773" v="1236" actId="1076"/>
+        <pc:sldMkLst>
+          <pc:docMk/>
+          <pc:sldMk cId="3415617110" sldId="281"/>
+        </pc:sldMkLst>
+        <pc:spChg chg="mod">
+          <ac:chgData name="Renato Sortino" userId="1e4a9975747c87ee" providerId="LiveId" clId="{562DE294-C812-4C2B-B273-C03BAF4C1E90}" dt="2020-09-14T09:05:25.392" v="1229"/>
+          <ac:spMkLst>
+            <pc:docMk/>
+            <pc:sldMk cId="3415617110" sldId="281"/>
+            <ac:spMk id="2" creationId="{2F9B834D-1AD7-4451-8FB7-FCCE49629370}"/>
+          </ac:spMkLst>
+        </pc:spChg>
+        <pc:spChg chg="del">
+          <ac:chgData name="Renato Sortino" userId="1e4a9975747c87ee" providerId="LiveId" clId="{562DE294-C812-4C2B-B273-C03BAF4C1E90}" dt="2020-09-14T09:04:36.713" v="1193" actId="931"/>
+          <ac:spMkLst>
+            <pc:docMk/>
+            <pc:sldMk cId="3415617110" sldId="281"/>
+            <ac:spMk id="3" creationId="{6806D1CA-19C1-4F01-BF7F-0EEFF7F38599}"/>
+          </ac:spMkLst>
+        </pc:spChg>
+        <pc:picChg chg="add mod">
+          <ac:chgData name="Renato Sortino" userId="1e4a9975747c87ee" providerId="LiveId" clId="{562DE294-C812-4C2B-B273-C03BAF4C1E90}" dt="2020-09-14T09:06:40.773" v="1236" actId="1076"/>
+          <ac:picMkLst>
+            <pc:docMk/>
+            <pc:sldMk cId="3415617110" sldId="281"/>
+            <ac:picMk id="6" creationId="{E47A2F5F-FDD9-4219-B02C-B5453F4680AA}"/>
+          </ac:picMkLst>
+        </pc:picChg>
+        <pc:picChg chg="add mod">
+          <ac:chgData name="Renato Sortino" userId="1e4a9975747c87ee" providerId="LiveId" clId="{562DE294-C812-4C2B-B273-C03BAF4C1E90}" dt="2020-09-14T09:06:33.177" v="1235" actId="1076"/>
+          <ac:picMkLst>
+            <pc:docMk/>
+            <pc:sldMk cId="3415617110" sldId="281"/>
+            <ac:picMk id="8" creationId="{45E29B5C-BDA6-450C-BCAE-D4D1B1A78CAA}"/>
+          </ac:picMkLst>
+        </pc:picChg>
+      </pc:sldChg>
+      <pc:sldChg chg="modSp new mod">
+        <pc:chgData name="Renato Sortino" userId="1e4a9975747c87ee" providerId="LiveId" clId="{562DE294-C812-4C2B-B273-C03BAF4C1E90}" dt="2020-09-14T10:45:59.691" v="1759" actId="20577"/>
+        <pc:sldMkLst>
+          <pc:docMk/>
+          <pc:sldMk cId="2617391119" sldId="282"/>
+        </pc:sldMkLst>
+        <pc:spChg chg="mod">
+          <ac:chgData name="Renato Sortino" userId="1e4a9975747c87ee" providerId="LiveId" clId="{562DE294-C812-4C2B-B273-C03BAF4C1E90}" dt="2020-09-14T10:40:40.442" v="1298" actId="20577"/>
+          <ac:spMkLst>
+            <pc:docMk/>
+            <pc:sldMk cId="2617391119" sldId="282"/>
+            <ac:spMk id="2" creationId="{2F1B2003-3AF8-4EA3-8784-FCFFF8BC7A82}"/>
+          </ac:spMkLst>
+        </pc:spChg>
+        <pc:spChg chg="mod">
+          <ac:chgData name="Renato Sortino" userId="1e4a9975747c87ee" providerId="LiveId" clId="{562DE294-C812-4C2B-B273-C03BAF4C1E90}" dt="2020-09-14T10:45:59.691" v="1759" actId="20577"/>
+          <ac:spMkLst>
+            <pc:docMk/>
+            <pc:sldMk cId="2617391119" sldId="282"/>
+            <ac:spMk id="3" creationId="{8B3227B8-55EC-4183-88F2-4922D0CA45DA}"/>
+          </ac:spMkLst>
+        </pc:spChg>
+      </pc:sldChg>
+      <pc:sldChg chg="new del">
+        <pc:chgData name="Renato Sortino" userId="1e4a9975747c87ee" providerId="LiveId" clId="{562DE294-C812-4C2B-B273-C03BAF4C1E90}" dt="2020-09-14T09:09:08.786" v="1237" actId="47"/>
+        <pc:sldMkLst>
+          <pc:docMk/>
+          <pc:sldMk cId="3526874074" sldId="282"/>
+        </pc:sldMkLst>
+      </pc:sldChg>
+    </pc:docChg>
+  </pc:docChgLst>
+</pc:chgInfo>
 </file>
 
 <file path=ppt/notesMasters/notesMaster1.xml><?xml version="1.0" encoding="utf-8"?>
@@ -213,7 +787,7 @@
           <a:p>
             <a:fld id="{C38090BE-1488-4B62-AD67-74473D7C4178}" type="datetimeFigureOut">
               <a:rPr lang="it-IT" smtClean="0"/>
-              <a:t>05/09/2020</a:t>
+              <a:t>21/09/2020</a:t>
             </a:fld>
             <a:endParaRPr lang="it-IT"/>
           </a:p>
@@ -277,38 +851,37 @@
           <a:p>
             <a:pPr lvl="0"/>
             <a:r>
-              <a:rPr lang="it-IT" smtClean="0"/>
+              <a:rPr lang="it-IT"/>
               <a:t>Fare clic per modificare stili del testo dello schema</a:t>
             </a:r>
           </a:p>
           <a:p>
             <a:pPr lvl="1"/>
             <a:r>
-              <a:rPr lang="it-IT" smtClean="0"/>
+              <a:rPr lang="it-IT"/>
               <a:t>Secondo livello</a:t>
             </a:r>
           </a:p>
           <a:p>
             <a:pPr lvl="2"/>
             <a:r>
-              <a:rPr lang="it-IT" smtClean="0"/>
+              <a:rPr lang="it-IT"/>
               <a:t>Terzo livello</a:t>
             </a:r>
           </a:p>
           <a:p>
             <a:pPr lvl="3"/>
             <a:r>
-              <a:rPr lang="it-IT" smtClean="0"/>
+              <a:rPr lang="it-IT"/>
               <a:t>Quarto livello</a:t>
             </a:r>
           </a:p>
           <a:p>
             <a:pPr lvl="4"/>
             <a:r>
-              <a:rPr lang="it-IT" smtClean="0"/>
+              <a:rPr lang="it-IT"/>
               <a:t>Quinto livello</a:t>
             </a:r>
-            <a:endParaRPr lang="it-IT"/>
           </a:p>
         </p:txBody>
       </p:sp>
@@ -3086,7 +3659,7 @@
           </a:lstStyle>
           <a:p>
             <a:r>
-              <a:rPr lang="it-IT" smtClean="0"/>
+              <a:rPr lang="it-IT"/>
               <a:t>Fare clic per modificare lo stile del titolo</a:t>
             </a:r>
             <a:endParaRPr lang="en-US" dirty="0"/>
@@ -3205,7 +3778,7 @@
           </a:lstStyle>
           <a:p>
             <a:r>
-              <a:rPr lang="it-IT" smtClean="0"/>
+              <a:rPr lang="it-IT"/>
               <a:t>Fare clic per modificare lo stile del sottotitolo dello schema</a:t>
             </a:r>
             <a:endParaRPr lang="en-US" dirty="0"/>
@@ -3238,7 +3811,7 @@
           <a:p>
             <a:fld id="{44403A19-15E8-443F-A4AC-9B5F9C007082}" type="datetime1">
               <a:rPr lang="it-IT" smtClean="0"/>
-              <a:t>05/09/2020</a:t>
+              <a:t>21/09/2020</a:t>
             </a:fld>
             <a:endParaRPr lang="it-IT"/>
           </a:p>
@@ -3447,7 +4020,7 @@
           <a:lstStyle/>
           <a:p>
             <a:r>
-              <a:rPr lang="it-IT" smtClean="0"/>
+              <a:rPr lang="it-IT"/>
               <a:t>Fare clic per modificare lo stile del titolo</a:t>
             </a:r>
             <a:endParaRPr lang="en-US"/>
@@ -3471,35 +4044,35 @@
           <a:p>
             <a:pPr lvl="0"/>
             <a:r>
-              <a:rPr lang="it-IT" smtClean="0"/>
+              <a:rPr lang="it-IT"/>
               <a:t>Fare clic per modificare stili del testo dello schema</a:t>
             </a:r>
           </a:p>
           <a:p>
             <a:pPr lvl="1"/>
             <a:r>
-              <a:rPr lang="it-IT" smtClean="0"/>
+              <a:rPr lang="it-IT"/>
               <a:t>Secondo livello</a:t>
             </a:r>
           </a:p>
           <a:p>
             <a:pPr lvl="2"/>
             <a:r>
-              <a:rPr lang="it-IT" smtClean="0"/>
+              <a:rPr lang="it-IT"/>
               <a:t>Terzo livello</a:t>
             </a:r>
           </a:p>
           <a:p>
             <a:pPr lvl="3"/>
             <a:r>
-              <a:rPr lang="it-IT" smtClean="0"/>
+              <a:rPr lang="it-IT"/>
               <a:t>Quarto livello</a:t>
             </a:r>
           </a:p>
           <a:p>
             <a:pPr lvl="4"/>
             <a:r>
-              <a:rPr lang="it-IT" smtClean="0"/>
+              <a:rPr lang="it-IT"/>
               <a:t>Quinto livello</a:t>
             </a:r>
             <a:endParaRPr lang="en-US"/>
@@ -3523,7 +4096,7 @@
           <a:p>
             <a:fld id="{383D746C-50FF-4F3A-966D-01952EE4D21B}" type="datetime1">
               <a:rPr lang="it-IT" smtClean="0"/>
-              <a:t>05/09/2020</a:t>
+              <a:t>21/09/2020</a:t>
             </a:fld>
             <a:endParaRPr lang="it-IT"/>
           </a:p>
@@ -3617,7 +4190,7 @@
           <a:lstStyle/>
           <a:p>
             <a:r>
-              <a:rPr lang="it-IT" smtClean="0"/>
+              <a:rPr lang="it-IT"/>
               <a:t>Fare clic per modificare lo stile del titolo</a:t>
             </a:r>
             <a:endParaRPr lang="en-US"/>
@@ -3646,35 +4219,35 @@
           <a:p>
             <a:pPr lvl="0"/>
             <a:r>
-              <a:rPr lang="it-IT" smtClean="0"/>
+              <a:rPr lang="it-IT"/>
               <a:t>Fare clic per modificare stili del testo dello schema</a:t>
             </a:r>
           </a:p>
           <a:p>
             <a:pPr lvl="1"/>
             <a:r>
-              <a:rPr lang="it-IT" smtClean="0"/>
+              <a:rPr lang="it-IT"/>
               <a:t>Secondo livello</a:t>
             </a:r>
           </a:p>
           <a:p>
             <a:pPr lvl="2"/>
             <a:r>
-              <a:rPr lang="it-IT" smtClean="0"/>
+              <a:rPr lang="it-IT"/>
               <a:t>Terzo livello</a:t>
             </a:r>
           </a:p>
           <a:p>
             <a:pPr lvl="3"/>
             <a:r>
-              <a:rPr lang="it-IT" smtClean="0"/>
+              <a:rPr lang="it-IT"/>
               <a:t>Quarto livello</a:t>
             </a:r>
           </a:p>
           <a:p>
             <a:pPr lvl="4"/>
             <a:r>
-              <a:rPr lang="it-IT" smtClean="0"/>
+              <a:rPr lang="it-IT"/>
               <a:t>Quinto livello</a:t>
             </a:r>
             <a:endParaRPr lang="en-US"/>
@@ -3698,7 +4271,7 @@
           <a:p>
             <a:fld id="{1E2E47B7-5F11-4F38-9950-15F853895855}" type="datetime1">
               <a:rPr lang="it-IT" smtClean="0"/>
-              <a:t>05/09/2020</a:t>
+              <a:t>21/09/2020</a:t>
             </a:fld>
             <a:endParaRPr lang="it-IT"/>
           </a:p>
@@ -3787,7 +4360,7 @@
           <a:lstStyle/>
           <a:p>
             <a:r>
-              <a:rPr lang="it-IT" smtClean="0"/>
+              <a:rPr lang="it-IT"/>
               <a:t>Fare clic per modificare lo stile del titolo</a:t>
             </a:r>
             <a:endParaRPr lang="en-US"/>
@@ -3811,35 +4384,35 @@
           <a:p>
             <a:pPr lvl="0"/>
             <a:r>
-              <a:rPr lang="it-IT" smtClean="0"/>
+              <a:rPr lang="it-IT"/>
               <a:t>Fare clic per modificare stili del testo dello schema</a:t>
             </a:r>
           </a:p>
           <a:p>
             <a:pPr lvl="1"/>
             <a:r>
-              <a:rPr lang="it-IT" smtClean="0"/>
+              <a:rPr lang="it-IT"/>
               <a:t>Secondo livello</a:t>
             </a:r>
           </a:p>
           <a:p>
             <a:pPr lvl="2"/>
             <a:r>
-              <a:rPr lang="it-IT" smtClean="0"/>
+              <a:rPr lang="it-IT"/>
               <a:t>Terzo livello</a:t>
             </a:r>
           </a:p>
           <a:p>
             <a:pPr lvl="3"/>
             <a:r>
-              <a:rPr lang="it-IT" smtClean="0"/>
+              <a:rPr lang="it-IT"/>
               <a:t>Quarto livello</a:t>
             </a:r>
           </a:p>
           <a:p>
             <a:pPr lvl="4"/>
             <a:r>
-              <a:rPr lang="it-IT" smtClean="0"/>
+              <a:rPr lang="it-IT"/>
               <a:t>Quinto livello</a:t>
             </a:r>
             <a:endParaRPr lang="en-US" dirty="0"/>
@@ -3863,7 +4436,7 @@
           <a:p>
             <a:fld id="{249101ED-59F3-4AB8-BCE6-07871BE238D4}" type="datetime1">
               <a:rPr lang="it-IT" smtClean="0"/>
-              <a:t>05/09/2020</a:t>
+              <a:t>21/09/2020</a:t>
             </a:fld>
             <a:endParaRPr lang="it-IT"/>
           </a:p>
@@ -3961,7 +4534,7 @@
           </a:lstStyle>
           <a:p>
             <a:r>
-              <a:rPr lang="it-IT" smtClean="0"/>
+              <a:rPr lang="it-IT"/>
               <a:t>Fare clic per modificare lo stile del titolo</a:t>
             </a:r>
             <a:endParaRPr lang="en-US" dirty="0"/>
@@ -4081,7 +4654,7 @@
           <a:p>
             <a:pPr lvl="0"/>
             <a:r>
-              <a:rPr lang="it-IT" smtClean="0"/>
+              <a:rPr lang="it-IT"/>
               <a:t>Fare clic per modificare stili del testo dello schema</a:t>
             </a:r>
           </a:p>
@@ -4104,7 +4677,7 @@
           <a:p>
             <a:fld id="{3503FE60-83F5-450A-A954-E60D9B8BDDD6}" type="datetime1">
               <a:rPr lang="it-IT" smtClean="0"/>
-              <a:t>05/09/2020</a:t>
+              <a:t>21/09/2020</a:t>
             </a:fld>
             <a:endParaRPr lang="it-IT"/>
           </a:p>
@@ -4193,7 +4766,7 @@
           <a:lstStyle/>
           <a:p>
             <a:r>
-              <a:rPr lang="it-IT" smtClean="0"/>
+              <a:rPr lang="it-IT"/>
               <a:t>Fare clic per modificare lo stile del titolo</a:t>
             </a:r>
             <a:endParaRPr lang="en-US"/>
@@ -4217,7 +4790,7 @@
           <a:p>
             <a:fld id="{4776C39A-6506-4611-BB89-B083222D94C7}" type="datetime1">
               <a:rPr lang="it-IT" smtClean="0"/>
-              <a:t>05/09/2020</a:t>
+              <a:t>21/09/2020</a:t>
             </a:fld>
             <a:endParaRPr lang="it-IT"/>
           </a:p>
@@ -4287,35 +4860,35 @@
           <a:p>
             <a:pPr lvl="0"/>
             <a:r>
-              <a:rPr lang="it-IT" smtClean="0"/>
+              <a:rPr lang="it-IT"/>
               <a:t>Fare clic per modificare stili del testo dello schema</a:t>
             </a:r>
           </a:p>
           <a:p>
             <a:pPr lvl="1"/>
             <a:r>
-              <a:rPr lang="it-IT" smtClean="0"/>
+              <a:rPr lang="it-IT"/>
               <a:t>Secondo livello</a:t>
             </a:r>
           </a:p>
           <a:p>
             <a:pPr lvl="2"/>
             <a:r>
-              <a:rPr lang="it-IT" smtClean="0"/>
+              <a:rPr lang="it-IT"/>
               <a:t>Terzo livello</a:t>
             </a:r>
           </a:p>
           <a:p>
             <a:pPr lvl="3"/>
             <a:r>
-              <a:rPr lang="it-IT" smtClean="0"/>
+              <a:rPr lang="it-IT"/>
               <a:t>Quarto livello</a:t>
             </a:r>
           </a:p>
           <a:p>
             <a:pPr lvl="4"/>
             <a:r>
-              <a:rPr lang="it-IT" smtClean="0"/>
+              <a:rPr lang="it-IT"/>
               <a:t>Quinto livello</a:t>
             </a:r>
             <a:endParaRPr lang="en-US" dirty="0"/>
@@ -4344,35 +4917,35 @@
           <a:p>
             <a:pPr lvl="0"/>
             <a:r>
-              <a:rPr lang="it-IT" smtClean="0"/>
+              <a:rPr lang="it-IT"/>
               <a:t>Fare clic per modificare stili del testo dello schema</a:t>
             </a:r>
           </a:p>
           <a:p>
             <a:pPr lvl="1"/>
             <a:r>
-              <a:rPr lang="it-IT" smtClean="0"/>
+              <a:rPr lang="it-IT"/>
               <a:t>Secondo livello</a:t>
             </a:r>
           </a:p>
           <a:p>
             <a:pPr lvl="2"/>
             <a:r>
-              <a:rPr lang="it-IT" smtClean="0"/>
+              <a:rPr lang="it-IT"/>
               <a:t>Terzo livello</a:t>
             </a:r>
           </a:p>
           <a:p>
             <a:pPr lvl="3"/>
             <a:r>
-              <a:rPr lang="it-IT" smtClean="0"/>
+              <a:rPr lang="it-IT"/>
               <a:t>Quarto livello</a:t>
             </a:r>
           </a:p>
           <a:p>
             <a:pPr lvl="4"/>
             <a:r>
-              <a:rPr lang="it-IT" smtClean="0"/>
+              <a:rPr lang="it-IT"/>
               <a:t>Quinto livello</a:t>
             </a:r>
             <a:endParaRPr lang="en-US"/>
@@ -4424,7 +4997,7 @@
           </a:lstStyle>
           <a:p>
             <a:r>
-              <a:rPr lang="it-IT" smtClean="0"/>
+              <a:rPr lang="it-IT"/>
               <a:t>Fare clic per modificare lo stile del titolo</a:t>
             </a:r>
             <a:endParaRPr lang="en-US"/>
@@ -4494,7 +5067,7 @@
           <a:p>
             <a:pPr lvl="0"/>
             <a:r>
-              <a:rPr lang="it-IT" smtClean="0"/>
+              <a:rPr lang="it-IT"/>
               <a:t>Fare clic per modificare stili del testo dello schema</a:t>
             </a:r>
           </a:p>
@@ -4550,35 +5123,35 @@
           <a:p>
             <a:pPr lvl="0"/>
             <a:r>
-              <a:rPr lang="it-IT" smtClean="0"/>
+              <a:rPr lang="it-IT"/>
               <a:t>Fare clic per modificare stili del testo dello schema</a:t>
             </a:r>
           </a:p>
           <a:p>
             <a:pPr lvl="1"/>
             <a:r>
-              <a:rPr lang="it-IT" smtClean="0"/>
+              <a:rPr lang="it-IT"/>
               <a:t>Secondo livello</a:t>
             </a:r>
           </a:p>
           <a:p>
             <a:pPr lvl="2"/>
             <a:r>
-              <a:rPr lang="it-IT" smtClean="0"/>
+              <a:rPr lang="it-IT"/>
               <a:t>Terzo livello</a:t>
             </a:r>
           </a:p>
           <a:p>
             <a:pPr lvl="3"/>
             <a:r>
-              <a:rPr lang="it-IT" smtClean="0"/>
+              <a:rPr lang="it-IT"/>
               <a:t>Quarto livello</a:t>
             </a:r>
           </a:p>
           <a:p>
             <a:pPr lvl="4"/>
             <a:r>
-              <a:rPr lang="it-IT" smtClean="0"/>
+              <a:rPr lang="it-IT"/>
               <a:t>Quinto livello</a:t>
             </a:r>
             <a:endParaRPr lang="en-US" dirty="0"/>
@@ -4648,7 +5221,7 @@
           <a:p>
             <a:pPr lvl="0"/>
             <a:r>
-              <a:rPr lang="it-IT" smtClean="0"/>
+              <a:rPr lang="it-IT"/>
               <a:t>Fare clic per modificare stili del testo dello schema</a:t>
             </a:r>
           </a:p>
@@ -4704,35 +5277,35 @@
           <a:p>
             <a:pPr lvl="0"/>
             <a:r>
-              <a:rPr lang="it-IT" smtClean="0"/>
+              <a:rPr lang="it-IT"/>
               <a:t>Fare clic per modificare stili del testo dello schema</a:t>
             </a:r>
           </a:p>
           <a:p>
             <a:pPr lvl="1"/>
             <a:r>
-              <a:rPr lang="it-IT" smtClean="0"/>
+              <a:rPr lang="it-IT"/>
               <a:t>Secondo livello</a:t>
             </a:r>
           </a:p>
           <a:p>
             <a:pPr lvl="2"/>
             <a:r>
-              <a:rPr lang="it-IT" smtClean="0"/>
+              <a:rPr lang="it-IT"/>
               <a:t>Terzo livello</a:t>
             </a:r>
           </a:p>
           <a:p>
             <a:pPr lvl="3"/>
             <a:r>
-              <a:rPr lang="it-IT" smtClean="0"/>
+              <a:rPr lang="it-IT"/>
               <a:t>Quarto livello</a:t>
             </a:r>
           </a:p>
           <a:p>
             <a:pPr lvl="4"/>
             <a:r>
-              <a:rPr lang="it-IT" smtClean="0"/>
+              <a:rPr lang="it-IT"/>
               <a:t>Quinto livello</a:t>
             </a:r>
             <a:endParaRPr lang="en-US" dirty="0"/>
@@ -4756,7 +5329,7 @@
           <a:p>
             <a:fld id="{774C639B-2EC2-481A-8693-1587E995673A}" type="datetime1">
               <a:rPr lang="it-IT" smtClean="0"/>
-              <a:t>05/09/2020</a:t>
+              <a:t>21/09/2020</a:t>
             </a:fld>
             <a:endParaRPr lang="it-IT"/>
           </a:p>
@@ -4845,7 +5418,7 @@
           <a:lstStyle/>
           <a:p>
             <a:r>
-              <a:rPr lang="it-IT" smtClean="0"/>
+              <a:rPr lang="it-IT"/>
               <a:t>Fare clic per modificare lo stile del titolo</a:t>
             </a:r>
             <a:endParaRPr lang="en-US"/>
@@ -4869,7 +5442,7 @@
           <a:p>
             <a:fld id="{99306CE7-553F-495D-8B0F-A455EE46BD8A}" type="datetime1">
               <a:rPr lang="it-IT" smtClean="0"/>
-              <a:t>05/09/2020</a:t>
+              <a:t>21/09/2020</a:t>
             </a:fld>
             <a:endParaRPr lang="it-IT"/>
           </a:p>
@@ -4959,7 +5532,7 @@
           <a:p>
             <a:fld id="{B7F92BBA-8EB4-46CA-B1D7-1CB72817144E}" type="datetime1">
               <a:rPr lang="it-IT" smtClean="0"/>
-              <a:t>05/09/2020</a:t>
+              <a:t>21/09/2020</a:t>
             </a:fld>
             <a:endParaRPr lang="it-IT"/>
           </a:p>
@@ -7610,7 +8183,7 @@
           <a:p>
             <a:fld id="{54CAACBF-2724-4EC7-A399-7B6602F8E0D0}" type="datetime1">
               <a:rPr lang="it-IT" smtClean="0"/>
-              <a:t>05/09/2020</a:t>
+              <a:t>21/09/2020</a:t>
             </a:fld>
             <a:endParaRPr lang="it-IT"/>
           </a:p>
@@ -7737,35 +8310,35 @@
           <a:p>
             <a:pPr lvl="0"/>
             <a:r>
-              <a:rPr lang="it-IT" smtClean="0"/>
+              <a:rPr lang="it-IT"/>
               <a:t>Fare clic per modificare stili del testo dello schema</a:t>
             </a:r>
           </a:p>
           <a:p>
             <a:pPr lvl="1"/>
             <a:r>
-              <a:rPr lang="it-IT" smtClean="0"/>
+              <a:rPr lang="it-IT"/>
               <a:t>Secondo livello</a:t>
             </a:r>
           </a:p>
           <a:p>
             <a:pPr lvl="2"/>
             <a:r>
-              <a:rPr lang="it-IT" smtClean="0"/>
+              <a:rPr lang="it-IT"/>
               <a:t>Terzo livello</a:t>
             </a:r>
           </a:p>
           <a:p>
             <a:pPr lvl="3"/>
             <a:r>
-              <a:rPr lang="it-IT" smtClean="0"/>
+              <a:rPr lang="it-IT"/>
               <a:t>Quarto livello</a:t>
             </a:r>
           </a:p>
           <a:p>
             <a:pPr lvl="4"/>
             <a:r>
-              <a:rPr lang="it-IT" smtClean="0"/>
+              <a:rPr lang="it-IT"/>
               <a:t>Quinto livello</a:t>
             </a:r>
             <a:endParaRPr lang="en-US" dirty="0"/>
@@ -7871,7 +8444,7 @@
           </a:lstStyle>
           <a:p>
             <a:r>
-              <a:rPr lang="it-IT" smtClean="0"/>
+              <a:rPr lang="it-IT"/>
               <a:t>Fare clic per modificare lo stile del titolo</a:t>
             </a:r>
             <a:endParaRPr lang="en-US"/>
@@ -7943,7 +8516,7 @@
           <a:p>
             <a:pPr lvl="0"/>
             <a:r>
-              <a:rPr lang="it-IT" smtClean="0"/>
+              <a:rPr lang="it-IT"/>
               <a:t>Fare clic per modificare stili del testo dello schema</a:t>
             </a:r>
           </a:p>
@@ -10658,7 +11231,7 @@
           </a:lstStyle>
           <a:p>
             <a:r>
-              <a:rPr lang="it-IT" smtClean="0"/>
+              <a:rPr lang="it-IT"/>
               <a:t>Fare clic per modificare lo stile del titolo</a:t>
             </a:r>
             <a:endParaRPr lang="en-US"/>
@@ -10727,7 +11300,7 @@
           </a:lstStyle>
           <a:p>
             <a:r>
-              <a:rPr lang="it-IT" smtClean="0"/>
+              <a:rPr lang="it-IT"/>
               <a:t>Fare clic sull'icona per inserire un'immagine</a:t>
             </a:r>
             <a:endParaRPr lang="en-US" dirty="0"/>
@@ -10799,7 +11372,7 @@
           <a:p>
             <a:pPr lvl="0"/>
             <a:r>
-              <a:rPr lang="it-IT" smtClean="0"/>
+              <a:rPr lang="it-IT"/>
               <a:t>Fare clic per modificare stili del testo dello schema</a:t>
             </a:r>
           </a:p>
@@ -10822,7 +11395,7 @@
           <a:p>
             <a:fld id="{7D9AC0AF-EA67-4DB7-ADF1-4B2E94343828}" type="datetime1">
               <a:rPr lang="it-IT" smtClean="0"/>
-              <a:t>05/09/2020</a:t>
+              <a:t>21/09/2020</a:t>
             </a:fld>
             <a:endParaRPr lang="it-IT"/>
           </a:p>
@@ -13542,7 +14115,7 @@
           <a:lstStyle/>
           <a:p>
             <a:r>
-              <a:rPr lang="it-IT" smtClean="0"/>
+              <a:rPr lang="it-IT"/>
               <a:t>Fare clic per modificare lo stile del titolo</a:t>
             </a:r>
             <a:endParaRPr lang="en-US" dirty="0"/>
@@ -13576,35 +14149,35 @@
           <a:p>
             <a:pPr lvl="0"/>
             <a:r>
-              <a:rPr lang="it-IT" smtClean="0"/>
+              <a:rPr lang="it-IT"/>
               <a:t>Fare clic per modificare stili del testo dello schema</a:t>
             </a:r>
           </a:p>
           <a:p>
             <a:pPr lvl="1"/>
             <a:r>
-              <a:rPr lang="it-IT" smtClean="0"/>
+              <a:rPr lang="it-IT"/>
               <a:t>Secondo livello</a:t>
             </a:r>
           </a:p>
           <a:p>
             <a:pPr lvl="2"/>
             <a:r>
-              <a:rPr lang="it-IT" smtClean="0"/>
+              <a:rPr lang="it-IT"/>
               <a:t>Terzo livello</a:t>
             </a:r>
           </a:p>
           <a:p>
             <a:pPr lvl="3"/>
             <a:r>
-              <a:rPr lang="it-IT" smtClean="0"/>
+              <a:rPr lang="it-IT"/>
               <a:t>Quarto livello</a:t>
             </a:r>
           </a:p>
           <a:p>
             <a:pPr lvl="4"/>
             <a:r>
-              <a:rPr lang="it-IT" smtClean="0"/>
+              <a:rPr lang="it-IT"/>
               <a:t>Quinto livello</a:t>
             </a:r>
             <a:endParaRPr lang="en-US" dirty="0"/>
@@ -13644,7 +14217,7 @@
           <a:p>
             <a:fld id="{E6C85B1E-D90C-4E33-B9FE-641595DB0431}" type="datetime1">
               <a:rPr lang="it-IT" smtClean="0"/>
-              <a:t>05/09/2020</a:t>
+              <a:t>21/09/2020</a:t>
             </a:fld>
             <a:endParaRPr lang="it-IT"/>
           </a:p>
@@ -14131,38 +14704,22 @@
                   <a:schemeClr val="tx1"/>
                 </a:solidFill>
               </a:rPr>
-              <a:t>Adversarial </a:t>
-            </a:r>
-            <a:r>
-              <a:rPr lang="en-US" sz="3000" dirty="0" smtClean="0">
-                <a:solidFill>
-                  <a:schemeClr val="tx1"/>
-                </a:solidFill>
-              </a:rPr>
-              <a:t>Attacks</a:t>
+              <a:t>Adversarial Attacks</a:t>
             </a:r>
             <a:br>
-              <a:rPr lang="en-US" sz="3000" dirty="0" smtClean="0">
+              <a:rPr lang="en-US" sz="3000" dirty="0">
                 <a:solidFill>
                   <a:schemeClr val="tx1"/>
                 </a:solidFill>
               </a:rPr>
             </a:br>
             <a:r>
-              <a:rPr lang="en-US" sz="3000" dirty="0" smtClean="0">
-                <a:solidFill>
-                  <a:schemeClr val="tx1"/>
-                </a:solidFill>
-              </a:rPr>
-              <a:t>And </a:t>
-            </a:r>
-            <a:r>
               <a:rPr lang="en-US" sz="3000" dirty="0">
                 <a:solidFill>
                   <a:schemeClr val="tx1"/>
                 </a:solidFill>
               </a:rPr>
-              <a:t>Interpretability </a:t>
+              <a:t>And Interpretability </a:t>
             </a:r>
             <a:r>
               <a:rPr lang="en-US" sz="3000" dirty="0" err="1">
@@ -14194,15 +14751,7 @@
                   <a:schemeClr val="tx1"/>
                 </a:solidFill>
               </a:rPr>
-              <a:t> </a:t>
-            </a:r>
-            <a:r>
-              <a:rPr lang="en-US" sz="3000" dirty="0" smtClean="0">
-                <a:solidFill>
-                  <a:schemeClr val="tx1"/>
-                </a:solidFill>
-              </a:rPr>
-              <a:t>Dataset</a:t>
+              <a:t> Dataset</a:t>
             </a:r>
             <a:endParaRPr lang="it-IT" sz="3000" dirty="0">
               <a:solidFill>
@@ -14247,23 +14796,15 @@
             </a:r>
             <a:r>
               <a:rPr lang="en-US" sz="1600" dirty="0"/>
-              <a:t> </a:t>
-            </a:r>
-            <a:r>
-              <a:rPr lang="en-US" sz="1600" dirty="0" smtClean="0"/>
-              <a:t>2019/2020</a:t>
+              <a:t> 2019/2020</a:t>
             </a:r>
             <a:endParaRPr lang="it-IT" sz="1200" dirty="0"/>
           </a:p>
           <a:p>
             <a:pPr algn="r"/>
             <a:r>
-              <a:rPr lang="it-IT" sz="1200" dirty="0" smtClean="0"/>
-              <a:t>Raiti </a:t>
-            </a:r>
-            <a:r>
               <a:rPr lang="it-IT" sz="1200" dirty="0"/>
-              <a:t>Mario O55000434 </a:t>
+              <a:t>Raiti Mario O55000434 </a:t>
             </a:r>
           </a:p>
           <a:p>
@@ -14272,7 +14813,6 @@
               <a:rPr lang="it-IT" sz="1200" dirty="0"/>
               <a:t>Nardo Gabriele Salvatore O55000430 </a:t>
             </a:r>
-            <a:endParaRPr lang="it-IT" sz="1200" dirty="0" smtClean="0"/>
           </a:p>
           <a:p>
             <a:pPr algn="r"/>
@@ -14293,13 +14833,6 @@
   <p:clrMapOvr>
     <a:masterClrMapping/>
   </p:clrMapOvr>
-  <p:timing>
-    <p:tnLst>
-      <p:par>
-        <p:cTn id="1" dur="indefinite" restart="never" nodeType="tmRoot"/>
-      </p:par>
-    </p:tnLst>
-  </p:timing>
 </p:sld>
 </file>
 
@@ -14338,20 +14871,16 @@
           <a:lstStyle/>
           <a:p>
             <a:r>
+              <a:rPr lang="it-IT" sz="3000" dirty="0" err="1"/>
+              <a:t>Dataset</a:t>
+            </a:r>
+            <a:r>
               <a:rPr lang="it-IT" sz="3000" dirty="0"/>
-              <a:t>From Scratch CNN, </a:t>
+              <a:t> </a:t>
             </a:r>
             <a:r>
               <a:rPr lang="it-IT" sz="3000" dirty="0" err="1"/>
-              <a:t>train</a:t>
-            </a:r>
-            <a:r>
-              <a:rPr lang="it-IT" sz="3000" dirty="0"/>
-              <a:t> and </a:t>
-            </a:r>
-            <a:r>
-              <a:rPr lang="it-IT" sz="3000" dirty="0" err="1"/>
-              <a:t>evaluation</a:t>
+              <a:t>Creation</a:t>
             </a:r>
             <a:endParaRPr lang="it-IT" sz="3000" dirty="0"/>
           </a:p>
@@ -14369,139 +14898,125 @@
         </p:nvSpPr>
         <p:spPr/>
         <p:txBody>
-          <a:bodyPr/>
+          <a:bodyPr>
+            <a:normAutofit/>
+          </a:bodyPr>
           <a:lstStyle/>
           <a:p>
             <a:r>
-              <a:rPr lang="it-IT" dirty="0" smtClean="0"/>
-              <a:t>For model </a:t>
-            </a:r>
-            <a:r>
-              <a:rPr lang="it-IT" dirty="0" err="1" smtClean="0"/>
-              <a:t>evaluation</a:t>
-            </a:r>
-            <a:r>
-              <a:rPr lang="it-IT" dirty="0" smtClean="0"/>
+              <a:rPr lang="it-IT" dirty="0"/>
+              <a:t>In the following </a:t>
+            </a:r>
+            <a:r>
+              <a:rPr lang="it-IT" dirty="0" err="1"/>
+              <a:t>experiments</a:t>
+            </a:r>
+            <a:r>
+              <a:rPr lang="it-IT" dirty="0"/>
+              <a:t> a subset of the </a:t>
+            </a:r>
+            <a:r>
+              <a:rPr lang="it-IT" dirty="0" err="1"/>
+              <a:t>provided</a:t>
+            </a:r>
+            <a:r>
+              <a:rPr lang="it-IT" dirty="0"/>
+              <a:t> dataset </a:t>
+            </a:r>
+            <a:r>
+              <a:rPr lang="it-IT" dirty="0" err="1"/>
+              <a:t>has</a:t>
+            </a:r>
+            <a:r>
+              <a:rPr lang="it-IT" dirty="0"/>
               <a:t> </a:t>
             </a:r>
             <a:r>
-              <a:rPr lang="it-IT" dirty="0" err="1" smtClean="0"/>
-              <a:t>two</a:t>
-            </a:r>
-            <a:r>
-              <a:rPr lang="it-IT" dirty="0" smtClean="0"/>
+              <a:rPr lang="it-IT" dirty="0" err="1"/>
+              <a:t>been</a:t>
+            </a:r>
+            <a:r>
+              <a:rPr lang="it-IT" dirty="0"/>
               <a:t> </a:t>
             </a:r>
             <a:r>
-              <a:rPr lang="it-IT" dirty="0" err="1" smtClean="0"/>
-              <a:t>functions</a:t>
-            </a:r>
-            <a:r>
-              <a:rPr lang="it-IT" dirty="0" smtClean="0"/>
+              <a:rPr lang="it-IT" dirty="0" err="1"/>
+              <a:t>utilized</a:t>
+            </a:r>
+            <a:r>
+              <a:rPr lang="it-IT" dirty="0"/>
+              <a:t> (images from </a:t>
+            </a:r>
+            <a:r>
+              <a:rPr lang="it-IT" dirty="0" err="1"/>
+              <a:t>perspective</a:t>
+            </a:r>
+            <a:r>
+              <a:rPr lang="it-IT" dirty="0"/>
+              <a:t> ‘PA’), made of 303 samples. </a:t>
+            </a:r>
+          </a:p>
+          <a:p>
+            <a:r>
+              <a:rPr lang="it-IT" dirty="0"/>
+              <a:t>After </a:t>
+            </a:r>
+            <a:r>
+              <a:rPr lang="it-IT" dirty="0" err="1"/>
+              <a:t>creating</a:t>
+            </a:r>
+            <a:r>
+              <a:rPr lang="it-IT" dirty="0"/>
+              <a:t> the image dataset, the </a:t>
+            </a:r>
+            <a:r>
+              <a:rPr lang="it-IT" dirty="0" err="1"/>
+              <a:t>train</a:t>
+            </a:r>
+            <a:r>
+              <a:rPr lang="it-IT" dirty="0"/>
               <a:t>, </a:t>
             </a:r>
             <a:r>
-              <a:rPr lang="it-IT" dirty="0" err="1" smtClean="0"/>
-              <a:t>testAccuracy</a:t>
-            </a:r>
-            <a:r>
-              <a:rPr lang="it-IT" dirty="0" smtClean="0"/>
-              <a:t> and </a:t>
-            </a:r>
-            <a:r>
-              <a:rPr lang="it-IT" dirty="0" err="1" smtClean="0"/>
-              <a:t>testCovid</a:t>
-            </a:r>
-            <a:r>
-              <a:rPr lang="it-IT" dirty="0" smtClean="0"/>
-              <a:t>, are </a:t>
-            </a:r>
-            <a:r>
-              <a:rPr lang="it-IT" dirty="0" err="1" smtClean="0"/>
-              <a:t>used</a:t>
-            </a:r>
-            <a:r>
-              <a:rPr lang="it-IT" dirty="0" smtClean="0"/>
+              <a:rPr lang="it-IT" dirty="0" err="1"/>
+              <a:t>validation</a:t>
+            </a:r>
+            <a:r>
+              <a:rPr lang="it-IT" dirty="0"/>
+              <a:t> and test subset are </a:t>
+            </a:r>
+            <a:r>
+              <a:rPr lang="it-IT" dirty="0" err="1"/>
+              <a:t>generated</a:t>
+            </a:r>
+            <a:r>
+              <a:rPr lang="it-IT" dirty="0"/>
+              <a:t> </a:t>
+            </a:r>
+            <a:r>
+              <a:rPr lang="it-IT" dirty="0" err="1"/>
+              <a:t>using</a:t>
+            </a:r>
+            <a:r>
+              <a:rPr lang="it-IT" dirty="0"/>
+              <a:t> the class </a:t>
+            </a:r>
+            <a:r>
+              <a:rPr lang="it-IT" dirty="0" err="1"/>
+              <a:t>torch.Subset</a:t>
+            </a:r>
+            <a:r>
+              <a:rPr lang="it-IT" dirty="0"/>
+              <a:t>, and the relative </a:t>
+            </a:r>
+            <a:r>
+              <a:rPr lang="it-IT" dirty="0" err="1"/>
+              <a:t>dataloaders</a:t>
+            </a:r>
+            <a:r>
+              <a:rPr lang="it-IT" dirty="0"/>
               <a:t>.</a:t>
             </a:r>
-            <a:endParaRPr lang="it-IT" dirty="0"/>
-          </a:p>
-          <a:p>
-            <a:r>
-              <a:rPr lang="it-IT" i="1" dirty="0" err="1" smtClean="0"/>
-              <a:t>testAccuracy</a:t>
-            </a:r>
-            <a:r>
-              <a:rPr lang="it-IT" dirty="0" smtClean="0"/>
-              <a:t> </a:t>
-            </a:r>
-            <a:r>
-              <a:rPr lang="it-IT" dirty="0" err="1" smtClean="0"/>
-              <a:t>computes</a:t>
-            </a:r>
-            <a:r>
-              <a:rPr lang="it-IT" dirty="0" smtClean="0"/>
-              <a:t> test </a:t>
-            </a:r>
-            <a:r>
-              <a:rPr lang="it-IT" dirty="0" err="1" smtClean="0"/>
-              <a:t>accuracy</a:t>
-            </a:r>
-            <a:r>
-              <a:rPr lang="it-IT" dirty="0" smtClean="0"/>
-              <a:t> for the test subset.</a:t>
-            </a:r>
-          </a:p>
-          <a:p>
-            <a:r>
-              <a:rPr lang="it-IT" i="1" dirty="0" err="1" smtClean="0"/>
-              <a:t>testCovid</a:t>
-            </a:r>
-            <a:r>
-              <a:rPr lang="it-IT" dirty="0" smtClean="0"/>
-              <a:t> </a:t>
-            </a:r>
-            <a:r>
-              <a:rPr lang="it-IT" dirty="0" err="1" smtClean="0"/>
-              <a:t>computes</a:t>
-            </a:r>
-            <a:r>
-              <a:rPr lang="it-IT" dirty="0" smtClean="0"/>
-              <a:t> </a:t>
-            </a:r>
-            <a:r>
-              <a:rPr lang="it-IT" dirty="0" err="1" smtClean="0"/>
-              <a:t>accuracy</a:t>
-            </a:r>
-            <a:r>
-              <a:rPr lang="it-IT" dirty="0" smtClean="0"/>
-              <a:t> of </a:t>
-            </a:r>
-            <a:r>
-              <a:rPr lang="it-IT" dirty="0" err="1" smtClean="0"/>
-              <a:t>Covid</a:t>
-            </a:r>
-            <a:r>
-              <a:rPr lang="it-IT" dirty="0" smtClean="0"/>
-              <a:t>/</a:t>
-            </a:r>
-            <a:r>
-              <a:rPr lang="it-IT" dirty="0" err="1" smtClean="0"/>
-              <a:t>NOCovid</a:t>
-            </a:r>
-            <a:r>
-              <a:rPr lang="it-IT" dirty="0" smtClean="0"/>
-              <a:t> </a:t>
-            </a:r>
-            <a:r>
-              <a:rPr lang="it-IT" dirty="0" err="1" smtClean="0"/>
-              <a:t>classes</a:t>
-            </a:r>
-            <a:r>
-              <a:rPr lang="it-IT" dirty="0" smtClean="0"/>
-              <a:t>.</a:t>
-            </a:r>
-            <a:endParaRPr lang="it-IT" dirty="0"/>
           </a:p>
         </p:txBody>
       </p:sp>
@@ -14531,7 +15046,7 @@
     </p:spTree>
     <p:extLst>
       <p:ext uri="{BB962C8B-B14F-4D97-AF65-F5344CB8AC3E}">
-        <p14:creationId xmlns:p14="http://schemas.microsoft.com/office/powerpoint/2010/main" val="1622118654"/>
+        <p14:creationId xmlns:p14="http://schemas.microsoft.com/office/powerpoint/2010/main" val="2387315745"/>
       </p:ext>
     </p:extLst>
   </p:cSld>
@@ -14542,6 +15057,212 @@
 </file>
 
 <file path=ppt/slides/slide11.xml><?xml version="1.0" encoding="utf-8"?>
+<p:sld xmlns:a="http://schemas.openxmlformats.org/drawingml/2006/main" xmlns:r="http://schemas.openxmlformats.org/officeDocument/2006/relationships" xmlns:p="http://schemas.openxmlformats.org/presentationml/2006/main">
+  <p:cSld>
+    <p:spTree>
+      <p:nvGrpSpPr>
+        <p:cNvPr id="1" name=""/>
+        <p:cNvGrpSpPr/>
+        <p:nvPr/>
+      </p:nvGrpSpPr>
+      <p:grpSpPr>
+        <a:xfrm>
+          <a:off x="0" y="0"/>
+          <a:ext cx="0" cy="0"/>
+          <a:chOff x="0" y="0"/>
+          <a:chExt cx="0" cy="0"/>
+        </a:xfrm>
+      </p:grpSpPr>
+      <p:sp>
+        <p:nvSpPr>
+          <p:cNvPr id="2" name="Titolo 1">
+            <a:extLst>
+              <a:ext uri="{FF2B5EF4-FFF2-40B4-BE49-F238E27FC236}">
+                <a16:creationId xmlns:a16="http://schemas.microsoft.com/office/drawing/2014/main" id="{61A5A4A6-657A-4EEA-9011-79225F03696D}"/>
+              </a:ext>
+            </a:extLst>
+          </p:cNvPr>
+          <p:cNvSpPr>
+            <a:spLocks noGrp="1"/>
+          </p:cNvSpPr>
+          <p:nvPr>
+            <p:ph type="title"/>
+          </p:nvPr>
+        </p:nvSpPr>
+        <p:spPr/>
+        <p:txBody>
+          <a:bodyPr>
+            <a:normAutofit/>
+          </a:bodyPr>
+          <a:lstStyle/>
+          <a:p>
+            <a:r>
+              <a:rPr lang="it-IT" dirty="0"/>
+              <a:t>Class Distribution</a:t>
+            </a:r>
+          </a:p>
+        </p:txBody>
+      </p:sp>
+      <p:graphicFrame>
+        <p:nvGraphicFramePr>
+          <p:cNvPr id="5" name="Tabella 5">
+            <a:extLst>
+              <a:ext uri="{FF2B5EF4-FFF2-40B4-BE49-F238E27FC236}">
+                <a16:creationId xmlns:a16="http://schemas.microsoft.com/office/drawing/2014/main" id="{497109C2-88EA-46A1-B993-9885CD51CB92}"/>
+              </a:ext>
+            </a:extLst>
+          </p:cNvPr>
+          <p:cNvGraphicFramePr>
+            <a:graphicFrameLocks noGrp="1"/>
+          </p:cNvGraphicFramePr>
+          <p:nvPr>
+            <p:ph idx="1"/>
+            <p:extLst>
+              <p:ext uri="{D42A27DB-BD31-4B8C-83A1-F6EECF244321}">
+                <p14:modId xmlns:p14="http://schemas.microsoft.com/office/powerpoint/2010/main" val="2826177381"/>
+              </p:ext>
+            </p:extLst>
+          </p:nvPr>
+        </p:nvGraphicFramePr>
+        <p:xfrm>
+          <a:off x="1042988" y="2324100"/>
+          <a:ext cx="6777036" cy="2473052"/>
+        </p:xfrm>
+        <a:graphic>
+          <a:graphicData uri="http://schemas.openxmlformats.org/drawingml/2006/table">
+            <a:tbl>
+              <a:tblPr firstRow="1" bandRow="1">
+                <a:tableStyleId>{5C22544A-7EE6-4342-B048-85BDC9FD1C3A}</a:tableStyleId>
+              </a:tblPr>
+              <a:tblGrid>
+                <a:gridCol w="3388518">
+                  <a:extLst>
+                    <a:ext uri="{9D8B030D-6E8A-4147-A177-3AD203B41FA5}">
+                      <a16:colId xmlns:a16="http://schemas.microsoft.com/office/drawing/2014/main" val="2913628966"/>
+                    </a:ext>
+                  </a:extLst>
+                </a:gridCol>
+                <a:gridCol w="3388518">
+                  <a:extLst>
+                    <a:ext uri="{9D8B030D-6E8A-4147-A177-3AD203B41FA5}">
+                      <a16:colId xmlns:a16="http://schemas.microsoft.com/office/drawing/2014/main" val="2648417955"/>
+                    </a:ext>
+                  </a:extLst>
+                </a:gridCol>
+              </a:tblGrid>
+              <a:tr h="1236526">
+                <a:tc>
+                  <a:txBody>
+                    <a:bodyPr/>
+                    <a:lstStyle/>
+                    <a:p>
+                      <a:r>
+                        <a:rPr lang="it-IT" dirty="0"/>
+                        <a:t>COVID</a:t>
+                      </a:r>
+                    </a:p>
+                  </a:txBody>
+                  <a:tcPr/>
+                </a:tc>
+                <a:tc>
+                  <a:txBody>
+                    <a:bodyPr/>
+                    <a:lstStyle/>
+                    <a:p>
+                      <a:r>
+                        <a:rPr lang="it-IT" dirty="0"/>
+                        <a:t>NO-COVID</a:t>
+                      </a:r>
+                    </a:p>
+                  </a:txBody>
+                  <a:tcPr/>
+                </a:tc>
+                <a:extLst>
+                  <a:ext uri="{0D108BD9-81ED-4DB2-BD59-A6C34878D82A}">
+                    <a16:rowId xmlns:a16="http://schemas.microsoft.com/office/drawing/2014/main" val="3125624654"/>
+                  </a:ext>
+                </a:extLst>
+              </a:tr>
+              <a:tr h="1236526">
+                <a:tc>
+                  <a:txBody>
+                    <a:bodyPr/>
+                    <a:lstStyle/>
+                    <a:p>
+                      <a:r>
+                        <a:rPr lang="it-IT" dirty="0"/>
+                        <a:t>201  (66.34 %)</a:t>
+                      </a:r>
+                    </a:p>
+                  </a:txBody>
+                  <a:tcPr/>
+                </a:tc>
+                <a:tc>
+                  <a:txBody>
+                    <a:bodyPr/>
+                    <a:lstStyle/>
+                    <a:p>
+                      <a:r>
+                        <a:rPr lang="it-IT" dirty="0"/>
+                        <a:t>102  (33.66 %)</a:t>
+                      </a:r>
+                    </a:p>
+                  </a:txBody>
+                  <a:tcPr/>
+                </a:tc>
+                <a:extLst>
+                  <a:ext uri="{0D108BD9-81ED-4DB2-BD59-A6C34878D82A}">
+                    <a16:rowId xmlns:a16="http://schemas.microsoft.com/office/drawing/2014/main" val="1106074821"/>
+                  </a:ext>
+                </a:extLst>
+              </a:tr>
+            </a:tbl>
+          </a:graphicData>
+        </a:graphic>
+      </p:graphicFrame>
+      <p:sp>
+        <p:nvSpPr>
+          <p:cNvPr id="4" name="Segnaposto numero diapositiva 3">
+            <a:extLst>
+              <a:ext uri="{FF2B5EF4-FFF2-40B4-BE49-F238E27FC236}">
+                <a16:creationId xmlns:a16="http://schemas.microsoft.com/office/drawing/2014/main" id="{36503FE0-B15C-4016-AAB8-A437DC96C7ED}"/>
+              </a:ext>
+            </a:extLst>
+          </p:cNvPr>
+          <p:cNvSpPr>
+            <a:spLocks noGrp="1"/>
+          </p:cNvSpPr>
+          <p:nvPr>
+            <p:ph type="sldNum" sz="quarter" idx="12"/>
+          </p:nvPr>
+        </p:nvSpPr>
+        <p:spPr/>
+        <p:txBody>
+          <a:bodyPr/>
+          <a:lstStyle/>
+          <a:p>
+            <a:fld id="{E7A41E1B-4F70-4964-A407-84C68BE8251C}" type="slidenum">
+              <a:rPr lang="it-IT" smtClean="0"/>
+              <a:t>11</a:t>
+            </a:fld>
+            <a:endParaRPr lang="it-IT"/>
+          </a:p>
+        </p:txBody>
+      </p:sp>
+    </p:spTree>
+    <p:extLst>
+      <p:ext uri="{BB962C8B-B14F-4D97-AF65-F5344CB8AC3E}">
+        <p14:creationId xmlns:p14="http://schemas.microsoft.com/office/powerpoint/2010/main" val="3817975508"/>
+      </p:ext>
+    </p:extLst>
+  </p:cSld>
+  <p:clrMapOvr>
+    <a:masterClrMapping/>
+  </p:clrMapOvr>
+</p:sld>
+</file>
+
+<file path=ppt/slides/slide12.xml><?xml version="1.0" encoding="utf-8"?>
 <p:sld xmlns:a="http://schemas.openxmlformats.org/drawingml/2006/main" xmlns:r="http://schemas.openxmlformats.org/officeDocument/2006/relationships" xmlns:p="http://schemas.openxmlformats.org/presentationml/2006/main">
   <p:cSld>
     <p:spTree>
@@ -14571,41 +15292,25 @@
         <p:spPr/>
         <p:txBody>
           <a:bodyPr>
-            <a:normAutofit fontScale="90000"/>
+            <a:normAutofit/>
           </a:bodyPr>
           <a:lstStyle/>
           <a:p>
             <a:r>
               <a:rPr lang="it-IT" dirty="0"/>
-              <a:t>Model </a:t>
-            </a:r>
-            <a:r>
-              <a:rPr lang="it-IT" dirty="0" err="1" smtClean="0"/>
-              <a:t>interpretabilty</a:t>
-            </a:r>
-            <a:r>
-              <a:rPr lang="it-IT" dirty="0"/>
-              <a:t> </a:t>
-            </a:r>
-            <a:r>
-              <a:rPr lang="it-IT" dirty="0" err="1" smtClean="0"/>
-              <a:t>using</a:t>
-            </a:r>
-            <a:r>
-              <a:rPr lang="it-IT" dirty="0" smtClean="0"/>
-              <a:t> </a:t>
-            </a:r>
-            <a:r>
-              <a:rPr lang="it-IT" dirty="0" err="1"/>
-              <a:t>Integrated</a:t>
-            </a:r>
-            <a:r>
-              <a:rPr lang="it-IT" dirty="0"/>
-              <a:t> </a:t>
-            </a:r>
-            <a:r>
-              <a:rPr lang="it-IT" dirty="0" err="1" smtClean="0"/>
-              <a:t>Gradients</a:t>
+              <a:t>From Scratch CNN, </a:t>
+            </a:r>
+            <a:r>
+              <a:rPr lang="it-IT" dirty="0" err="1"/>
+              <a:t>train</a:t>
+            </a:r>
+            <a:r>
+              <a:rPr lang="it-IT" dirty="0"/>
+              <a:t> and </a:t>
+            </a:r>
+            <a:r>
+              <a:rPr lang="it-IT" dirty="0" err="1"/>
+              <a:t>evaluation</a:t>
             </a:r>
             <a:endParaRPr lang="it-IT" dirty="0"/>
           </a:p>
@@ -14628,7 +15333,7 @@
           <a:p>
             <a:fld id="{E7A41E1B-4F70-4964-A407-84C68BE8251C}" type="slidenum">
               <a:rPr lang="it-IT" smtClean="0"/>
-              <a:t>11</a:t>
+              <a:t>12</a:t>
             </a:fld>
             <a:endParaRPr lang="it-IT"/>
           </a:p>
@@ -14637,24 +15342,17 @@
     </p:spTree>
     <p:extLst>
       <p:ext uri="{BB962C8B-B14F-4D97-AF65-F5344CB8AC3E}">
-        <p14:creationId xmlns:p14="http://schemas.microsoft.com/office/powerpoint/2010/main" val="3624024622"/>
+        <p14:creationId xmlns:p14="http://schemas.microsoft.com/office/powerpoint/2010/main" val="3989352308"/>
       </p:ext>
     </p:extLst>
   </p:cSld>
   <p:clrMapOvr>
     <a:masterClrMapping/>
   </p:clrMapOvr>
-  <p:timing>
-    <p:tnLst>
-      <p:par>
-        <p:cTn id="1" dur="indefinite" restart="never" nodeType="tmRoot"/>
-      </p:par>
-    </p:tnLst>
-  </p:timing>
 </p:sld>
 </file>
 
-<file path=ppt/slides/slide12.xml><?xml version="1.0" encoding="utf-8"?>
+<file path=ppt/slides/slide13.xml><?xml version="1.0" encoding="utf-8"?>
 <p:sld xmlns:a="http://schemas.openxmlformats.org/drawingml/2006/main" xmlns:r="http://schemas.openxmlformats.org/officeDocument/2006/relationships" xmlns:p="http://schemas.openxmlformats.org/presentationml/2006/main">
   <p:cSld>
     <p:spTree>
@@ -14690,37 +15388,8 @@
           <a:p>
             <a:r>
               <a:rPr lang="it-IT" sz="3000" dirty="0"/>
-              <a:t>Model </a:t>
-            </a:r>
-            <a:r>
-              <a:rPr lang="it-IT" sz="3000" dirty="0" err="1"/>
-              <a:t>interpretabilty</a:t>
-            </a:r>
-            <a:r>
-              <a:rPr lang="it-IT" sz="3000" dirty="0"/>
-              <a:t> </a:t>
-            </a:r>
-            <a:r>
-              <a:rPr lang="it-IT" sz="3000" dirty="0" err="1"/>
-              <a:t>using</a:t>
-            </a:r>
-            <a:r>
-              <a:rPr lang="it-IT" sz="3000" dirty="0"/>
-              <a:t> </a:t>
-            </a:r>
-            <a:r>
-              <a:rPr lang="it-IT" sz="3000" dirty="0" err="1"/>
-              <a:t>Integrated</a:t>
-            </a:r>
-            <a:r>
-              <a:rPr lang="it-IT" sz="3000" dirty="0"/>
-              <a:t> </a:t>
-            </a:r>
-            <a:r>
-              <a:rPr lang="it-IT" sz="3000" dirty="0" err="1"/>
-              <a:t>Gradients</a:t>
-            </a:r>
-            <a:endParaRPr lang="it-IT" sz="3000" dirty="0"/>
+              <a:t>From Scratch CNN</a:t>
+            </a:r>
           </a:p>
         </p:txBody>
       </p:sp>
@@ -14742,206 +15411,221 @@
           <a:lstStyle/>
           <a:p>
             <a:r>
-              <a:rPr lang="it-IT" dirty="0" err="1" smtClean="0"/>
-              <a:t>Pytorch</a:t>
-            </a:r>
-            <a:r>
-              <a:rPr lang="it-IT" dirty="0" smtClean="0"/>
+              <a:rPr lang="it-IT" dirty="0"/>
+              <a:t>The from scratch model </a:t>
+            </a:r>
+            <a:r>
+              <a:rPr lang="it-IT" dirty="0" err="1"/>
+              <a:t>is</a:t>
+            </a:r>
+            <a:r>
+              <a:rPr lang="it-IT" dirty="0"/>
+              <a:t> made of 9 </a:t>
+            </a:r>
+            <a:r>
+              <a:rPr lang="it-IT" dirty="0" err="1"/>
+              <a:t>convolutional</a:t>
+            </a:r>
+            <a:r>
+              <a:rPr lang="it-IT" dirty="0"/>
               <a:t> </a:t>
             </a:r>
             <a:r>
-              <a:rPr lang="it-IT" dirty="0" err="1" smtClean="0"/>
-              <a:t>Captum</a:t>
-            </a:r>
-            <a:r>
-              <a:rPr lang="it-IT" dirty="0" smtClean="0"/>
+              <a:rPr lang="it-IT" dirty="0" err="1"/>
+              <a:t>levels</a:t>
+            </a:r>
+            <a:r>
+              <a:rPr lang="it-IT" dirty="0"/>
+              <a:t>, </a:t>
+            </a:r>
+            <a:r>
+              <a:rPr lang="it-IT" dirty="0" err="1"/>
+              <a:t>each</a:t>
+            </a:r>
+            <a:r>
+              <a:rPr lang="it-IT" dirty="0"/>
+              <a:t> of </a:t>
+            </a:r>
+            <a:r>
+              <a:rPr lang="it-IT" dirty="0" err="1"/>
+              <a:t>which</a:t>
+            </a:r>
+            <a:r>
+              <a:rPr lang="it-IT" dirty="0"/>
               <a:t> </a:t>
             </a:r>
             <a:r>
-              <a:rPr lang="it-IT" dirty="0" err="1" smtClean="0"/>
-              <a:t>module</a:t>
-            </a:r>
-            <a:r>
-              <a:rPr lang="it-IT" dirty="0" smtClean="0"/>
+              <a:rPr lang="it-IT" dirty="0" err="1"/>
+              <a:t>applies</a:t>
+            </a:r>
+            <a:r>
+              <a:rPr lang="it-IT" dirty="0"/>
+              <a:t> a 3x3 kernel and </a:t>
+            </a:r>
+            <a:r>
+              <a:rPr lang="it-IT" dirty="0" err="1"/>
+              <a:t>is</a:t>
+            </a:r>
+            <a:r>
+              <a:rPr lang="it-IT" dirty="0"/>
               <a:t> </a:t>
             </a:r>
             <a:r>
-              <a:rPr lang="it-IT" dirty="0" err="1" smtClean="0"/>
-              <a:t>is</a:t>
-            </a:r>
-            <a:r>
-              <a:rPr lang="it-IT" dirty="0" smtClean="0"/>
+              <a:rPr lang="it-IT" dirty="0" err="1"/>
+              <a:t>followed</a:t>
+            </a:r>
+            <a:r>
+              <a:rPr lang="it-IT" dirty="0"/>
+              <a:t> by </a:t>
+            </a:r>
+            <a:r>
+              <a:rPr lang="it-IT" dirty="0" err="1"/>
+              <a:t>ReLU</a:t>
+            </a:r>
+            <a:r>
+              <a:rPr lang="it-IT" dirty="0"/>
+              <a:t>, </a:t>
+            </a:r>
+            <a:r>
+              <a:rPr lang="it-IT" dirty="0" err="1"/>
+              <a:t>BatchNormalization</a:t>
+            </a:r>
+            <a:r>
+              <a:rPr lang="it-IT" dirty="0"/>
+              <a:t>.</a:t>
+            </a:r>
+          </a:p>
+          <a:p>
+            <a:r>
+              <a:rPr lang="it-IT" dirty="0"/>
+              <a:t>Three </a:t>
+            </a:r>
+            <a:r>
+              <a:rPr lang="it-IT" dirty="0" err="1"/>
+              <a:t>fully</a:t>
+            </a:r>
+            <a:r>
+              <a:rPr lang="it-IT" dirty="0"/>
               <a:t> </a:t>
             </a:r>
             <a:r>
-              <a:rPr lang="it-IT" dirty="0" err="1" smtClean="0"/>
-              <a:t>used</a:t>
-            </a:r>
-            <a:r>
-              <a:rPr lang="it-IT" dirty="0" smtClean="0"/>
-              <a:t> for model </a:t>
-            </a:r>
-            <a:r>
-              <a:rPr lang="it-IT" dirty="0" err="1" smtClean="0"/>
-              <a:t>interpretability</a:t>
-            </a:r>
-            <a:r>
-              <a:rPr lang="it-IT" dirty="0" smtClean="0"/>
+              <a:rPr lang="it-IT" dirty="0" err="1"/>
+              <a:t>connected</a:t>
+            </a:r>
+            <a:r>
+              <a:rPr lang="it-IT" dirty="0"/>
+              <a:t> </a:t>
+            </a:r>
+            <a:r>
+              <a:rPr lang="it-IT" dirty="0" err="1"/>
+              <a:t>layers</a:t>
+            </a:r>
+            <a:r>
+              <a:rPr lang="it-IT" dirty="0"/>
+              <a:t> follow with 1024, 128 and 16 </a:t>
+            </a:r>
+            <a:r>
+              <a:rPr lang="it-IT" dirty="0" err="1"/>
+              <a:t>neurons</a:t>
+            </a:r>
+            <a:r>
+              <a:rPr lang="it-IT" dirty="0"/>
+              <a:t> </a:t>
+            </a:r>
+            <a:r>
+              <a:rPr lang="it-IT" dirty="0" err="1"/>
+              <a:t>respectively</a:t>
+            </a:r>
+            <a:r>
+              <a:rPr lang="it-IT" dirty="0"/>
               <a:t>.</a:t>
             </a:r>
           </a:p>
           <a:p>
             <a:r>
-              <a:rPr lang="it-IT" dirty="0" err="1" smtClean="0"/>
-              <a:t>modelInterpretation</a:t>
-            </a:r>
-            <a:r>
-              <a:rPr lang="it-IT" dirty="0" smtClean="0"/>
+              <a:rPr lang="it-IT" dirty="0"/>
+              <a:t>The first </a:t>
+            </a:r>
+            <a:r>
+              <a:rPr lang="it-IT" dirty="0" err="1"/>
+              <a:t>two</a:t>
+            </a:r>
+            <a:r>
+              <a:rPr lang="it-IT" dirty="0"/>
               <a:t> </a:t>
             </a:r>
             <a:r>
-              <a:rPr lang="it-IT" dirty="0" err="1" smtClean="0"/>
-              <a:t>function</a:t>
-            </a:r>
-            <a:r>
-              <a:rPr lang="it-IT" dirty="0" smtClean="0"/>
-              <a:t> use </a:t>
-            </a:r>
-            <a:r>
-              <a:rPr lang="it-IT" dirty="0" err="1" smtClean="0"/>
-              <a:t>integrated</a:t>
-            </a:r>
-            <a:r>
-              <a:rPr lang="it-IT" dirty="0" smtClean="0"/>
+              <a:rPr lang="it-IT" dirty="0" err="1"/>
+              <a:t>convlutional</a:t>
+            </a:r>
+            <a:r>
+              <a:rPr lang="it-IT" dirty="0"/>
               <a:t> </a:t>
             </a:r>
             <a:r>
-              <a:rPr lang="it-IT" dirty="0" err="1" smtClean="0"/>
-              <a:t>gradient</a:t>
-            </a:r>
-            <a:r>
-              <a:rPr lang="it-IT" dirty="0" smtClean="0"/>
+              <a:rPr lang="it-IT" dirty="0" err="1"/>
+              <a:t>layers</a:t>
+            </a:r>
+            <a:r>
+              <a:rPr lang="it-IT" dirty="0"/>
               <a:t> </a:t>
             </a:r>
             <a:r>
-              <a:rPr lang="it-IT" dirty="0" err="1" smtClean="0"/>
-              <a:t>criterion</a:t>
-            </a:r>
-            <a:r>
-              <a:rPr lang="it-IT" dirty="0" smtClean="0"/>
-              <a:t> to </a:t>
-            </a:r>
-            <a:r>
-              <a:rPr lang="it-IT" dirty="0" err="1" smtClean="0"/>
-              <a:t>define</a:t>
-            </a:r>
-            <a:r>
-              <a:rPr lang="it-IT" dirty="0" smtClean="0"/>
+              <a:rPr lang="it-IT" dirty="0" err="1"/>
+              <a:t>have</a:t>
+            </a:r>
+            <a:r>
+              <a:rPr lang="it-IT" dirty="0"/>
+              <a:t> a stride </a:t>
+            </a:r>
+            <a:r>
+              <a:rPr lang="it-IT" dirty="0" err="1"/>
+              <a:t>value</a:t>
+            </a:r>
+            <a:r>
+              <a:rPr lang="it-IT" dirty="0"/>
+              <a:t> of 2. The last </a:t>
+            </a:r>
+            <a:r>
+              <a:rPr lang="it-IT" dirty="0" err="1"/>
+              <a:t>two</a:t>
+            </a:r>
+            <a:r>
+              <a:rPr lang="it-IT" dirty="0"/>
               <a:t> </a:t>
             </a:r>
             <a:r>
-              <a:rPr lang="it-IT" dirty="0" err="1" smtClean="0"/>
-              <a:t>feature</a:t>
-            </a:r>
-            <a:r>
-              <a:rPr lang="it-IT" dirty="0" smtClean="0"/>
+              <a:rPr lang="it-IT" dirty="0" err="1"/>
+              <a:t>layers</a:t>
+            </a:r>
+            <a:r>
+              <a:rPr lang="it-IT" dirty="0"/>
+              <a:t> are </a:t>
+            </a:r>
+            <a:r>
+              <a:rPr lang="it-IT" dirty="0" err="1"/>
+              <a:t>followed</a:t>
+            </a:r>
+            <a:r>
+              <a:rPr lang="it-IT" dirty="0"/>
+              <a:t> by a </a:t>
+            </a:r>
+            <a:r>
+              <a:rPr lang="it-IT" dirty="0" err="1"/>
+              <a:t>MaxPooling</a:t>
+            </a:r>
+            <a:r>
+              <a:rPr lang="it-IT" dirty="0"/>
               <a:t> </a:t>
             </a:r>
             <a:r>
-              <a:rPr lang="it-IT" dirty="0" err="1" smtClean="0"/>
-              <a:t>meaning</a:t>
-            </a:r>
-            <a:r>
-              <a:rPr lang="it-IT" dirty="0" smtClean="0"/>
-              <a:t> </a:t>
-            </a:r>
-            <a:r>
-              <a:rPr lang="it-IT" dirty="0" err="1" smtClean="0"/>
-              <a:t>after</a:t>
-            </a:r>
-            <a:r>
-              <a:rPr lang="it-IT" dirty="0" smtClean="0"/>
-              <a:t> model </a:t>
-            </a:r>
-            <a:r>
-              <a:rPr lang="it-IT" dirty="0" err="1" smtClean="0"/>
-              <a:t>computations</a:t>
-            </a:r>
-            <a:r>
-              <a:rPr lang="it-IT" dirty="0" smtClean="0"/>
-              <a:t>. </a:t>
-            </a:r>
-          </a:p>
-          <a:p>
-            <a:r>
-              <a:rPr lang="it-IT" dirty="0" err="1" smtClean="0"/>
-              <a:t>Attributes</a:t>
-            </a:r>
-            <a:r>
-              <a:rPr lang="it-IT" dirty="0" smtClean="0"/>
-              <a:t> are </a:t>
-            </a:r>
-            <a:r>
-              <a:rPr lang="it-IT" dirty="0" err="1" smtClean="0"/>
-              <a:t>plotted</a:t>
-            </a:r>
-            <a:r>
-              <a:rPr lang="it-IT" dirty="0" smtClean="0"/>
-              <a:t> </a:t>
-            </a:r>
-            <a:r>
-              <a:rPr lang="it-IT" dirty="0" err="1" smtClean="0"/>
-              <a:t>trough</a:t>
-            </a:r>
-            <a:r>
-              <a:rPr lang="it-IT" dirty="0"/>
-              <a:t> </a:t>
-            </a:r>
-            <a:r>
-              <a:rPr lang="it-IT" dirty="0" smtClean="0"/>
-              <a:t>‘</a:t>
-            </a:r>
-            <a:r>
-              <a:rPr lang="it-IT" i="1" dirty="0" err="1" smtClean="0"/>
-              <a:t>visualize_image_attr</a:t>
-            </a:r>
-            <a:r>
-              <a:rPr lang="it-IT" dirty="0" smtClean="0"/>
-              <a:t>‘ </a:t>
-            </a:r>
-            <a:r>
-              <a:rPr lang="it-IT" dirty="0" err="1" smtClean="0"/>
-              <a:t>called</a:t>
-            </a:r>
-            <a:r>
-              <a:rPr lang="it-IT" dirty="0" smtClean="0"/>
-              <a:t> on ‘</a:t>
-            </a:r>
-            <a:r>
-              <a:rPr lang="it-IT" i="1" dirty="0" err="1" smtClean="0"/>
-              <a:t>visualization</a:t>
-            </a:r>
-            <a:r>
-              <a:rPr lang="it-IT" dirty="0" smtClean="0"/>
-              <a:t>’ </a:t>
-            </a:r>
-            <a:r>
-              <a:rPr lang="it-IT" dirty="0" err="1" smtClean="0"/>
-              <a:t>element</a:t>
-            </a:r>
-            <a:r>
-              <a:rPr lang="it-IT" dirty="0" smtClean="0"/>
-              <a:t> of </a:t>
-            </a:r>
-            <a:r>
-              <a:rPr lang="it-IT" dirty="0" err="1" smtClean="0"/>
-              <a:t>captum</a:t>
-            </a:r>
-            <a:r>
-              <a:rPr lang="it-IT" dirty="0" smtClean="0"/>
+              <a:rPr lang="it-IT" dirty="0" err="1"/>
+              <a:t>layer</a:t>
+            </a:r>
+            <a:r>
+              <a:rPr lang="it-IT" dirty="0"/>
               <a:t>.</a:t>
             </a:r>
-            <a:endParaRPr lang="it-IT" dirty="0"/>
           </a:p>
         </p:txBody>
       </p:sp>
@@ -14962,7 +15646,7 @@
           <a:p>
             <a:fld id="{E7A41E1B-4F70-4964-A407-84C68BE8251C}" type="slidenum">
               <a:rPr lang="it-IT" smtClean="0"/>
-              <a:t>12</a:t>
+              <a:t>13</a:t>
             </a:fld>
             <a:endParaRPr lang="it-IT"/>
           </a:p>
@@ -14971,114 +15655,13 @@
     </p:spTree>
     <p:extLst>
       <p:ext uri="{BB962C8B-B14F-4D97-AF65-F5344CB8AC3E}">
-        <p14:creationId xmlns:p14="http://schemas.microsoft.com/office/powerpoint/2010/main" val="1528979059"/>
+        <p14:creationId xmlns:p14="http://schemas.microsoft.com/office/powerpoint/2010/main" val="1677871484"/>
       </p:ext>
     </p:extLst>
   </p:cSld>
   <p:clrMapOvr>
     <a:masterClrMapping/>
   </p:clrMapOvr>
-</p:sld>
-</file>
-
-<file path=ppt/slides/slide13.xml><?xml version="1.0" encoding="utf-8"?>
-<p:sld xmlns:a="http://schemas.openxmlformats.org/drawingml/2006/main" xmlns:r="http://schemas.openxmlformats.org/officeDocument/2006/relationships" xmlns:p="http://schemas.openxmlformats.org/presentationml/2006/main">
-  <p:cSld>
-    <p:spTree>
-      <p:nvGrpSpPr>
-        <p:cNvPr id="1" name=""/>
-        <p:cNvGrpSpPr/>
-        <p:nvPr/>
-      </p:nvGrpSpPr>
-      <p:grpSpPr>
-        <a:xfrm>
-          <a:off x="0" y="0"/>
-          <a:ext cx="0" cy="0"/>
-          <a:chOff x="0" y="0"/>
-          <a:chExt cx="0" cy="0"/>
-        </a:xfrm>
-      </p:grpSpPr>
-      <p:sp>
-        <p:nvSpPr>
-          <p:cNvPr id="3" name="Titolo 2"/>
-          <p:cNvSpPr>
-            <a:spLocks noGrp="1"/>
-          </p:cNvSpPr>
-          <p:nvPr>
-            <p:ph type="title"/>
-          </p:nvPr>
-        </p:nvSpPr>
-        <p:spPr/>
-        <p:txBody>
-          <a:bodyPr>
-            <a:normAutofit/>
-          </a:bodyPr>
-          <a:lstStyle/>
-          <a:p>
-            <a:r>
-              <a:rPr lang="it-IT" dirty="0" err="1"/>
-              <a:t>Adversarial</a:t>
-            </a:r>
-            <a:r>
-              <a:rPr lang="it-IT" dirty="0"/>
-              <a:t> </a:t>
-            </a:r>
-            <a:r>
-              <a:rPr lang="it-IT" dirty="0" err="1"/>
-              <a:t>attack</a:t>
-            </a:r>
-            <a:r>
-              <a:rPr lang="it-IT" dirty="0"/>
-              <a:t> </a:t>
-            </a:r>
-            <a:r>
-              <a:rPr lang="it-IT" dirty="0" smtClean="0"/>
-              <a:t>FGSM</a:t>
-            </a:r>
-            <a:endParaRPr lang="it-IT" dirty="0"/>
-          </a:p>
-        </p:txBody>
-      </p:sp>
-      <p:sp>
-        <p:nvSpPr>
-          <p:cNvPr id="4" name="Segnaposto numero diapositiva 3"/>
-          <p:cNvSpPr>
-            <a:spLocks noGrp="1"/>
-          </p:cNvSpPr>
-          <p:nvPr>
-            <p:ph type="sldNum" sz="quarter" idx="12"/>
-          </p:nvPr>
-        </p:nvSpPr>
-        <p:spPr/>
-        <p:txBody>
-          <a:bodyPr/>
-          <a:lstStyle/>
-          <a:p>
-            <a:fld id="{E7A41E1B-4F70-4964-A407-84C68BE8251C}" type="slidenum">
-              <a:rPr lang="it-IT" smtClean="0"/>
-              <a:t>13</a:t>
-            </a:fld>
-            <a:endParaRPr lang="it-IT"/>
-          </a:p>
-        </p:txBody>
-      </p:sp>
-    </p:spTree>
-    <p:extLst>
-      <p:ext uri="{BB962C8B-B14F-4D97-AF65-F5344CB8AC3E}">
-        <p14:creationId xmlns:p14="http://schemas.microsoft.com/office/powerpoint/2010/main" val="1376720385"/>
-      </p:ext>
-    </p:extLst>
-  </p:cSld>
-  <p:clrMapOvr>
-    <a:masterClrMapping/>
-  </p:clrMapOvr>
-  <p:timing>
-    <p:tnLst>
-      <p:par>
-        <p:cTn id="1" dur="indefinite" restart="never" nodeType="tmRoot"/>
-      </p:par>
-    </p:tnLst>
-  </p:timing>
 </p:sld>
 </file>
 
@@ -15101,7 +15684,13 @@
       </p:grpSpPr>
       <p:sp>
         <p:nvSpPr>
-          <p:cNvPr id="2" name="Titolo 1"/>
+          <p:cNvPr id="2" name="Titolo 1">
+            <a:extLst>
+              <a:ext uri="{FF2B5EF4-FFF2-40B4-BE49-F238E27FC236}">
+                <a16:creationId xmlns:a16="http://schemas.microsoft.com/office/drawing/2014/main" id="{7C754561-68C4-4325-ADA1-DFC08D25912E}"/>
+              </a:ext>
+            </a:extLst>
+          </p:cNvPr>
           <p:cNvSpPr>
             <a:spLocks noGrp="1"/>
           </p:cNvSpPr>
@@ -15111,38 +15700,30 @@
         </p:nvSpPr>
         <p:spPr/>
         <p:txBody>
-          <a:bodyPr>
-            <a:normAutofit/>
-          </a:bodyPr>
+          <a:bodyPr/>
           <a:lstStyle/>
           <a:p>
             <a:r>
-              <a:rPr lang="it-IT" sz="3000" dirty="0" err="1"/>
-              <a:t>Adversarial</a:t>
-            </a:r>
-            <a:r>
-              <a:rPr lang="it-IT" sz="3000" dirty="0"/>
-              <a:t> </a:t>
-            </a:r>
-            <a:r>
-              <a:rPr lang="it-IT" sz="3000" dirty="0" err="1"/>
-              <a:t>attack</a:t>
-            </a:r>
-            <a:r>
-              <a:rPr lang="it-IT" sz="3000" dirty="0"/>
-              <a:t> </a:t>
-            </a:r>
-            <a:r>
-              <a:rPr lang="it-IT" sz="3000" dirty="0" smtClean="0"/>
-              <a:t>FGSM</a:t>
-            </a:r>
-            <a:endParaRPr lang="it-IT" sz="3000" dirty="0"/>
+              <a:rPr lang="it-IT" dirty="0"/>
+              <a:t>Train </a:t>
+            </a:r>
+            <a:r>
+              <a:rPr lang="it-IT" dirty="0" err="1"/>
+              <a:t>Details</a:t>
+            </a:r>
+            <a:endParaRPr lang="it-IT" dirty="0"/>
           </a:p>
         </p:txBody>
       </p:sp>
       <p:sp>
         <p:nvSpPr>
-          <p:cNvPr id="3" name="Segnaposto contenuto 2"/>
+          <p:cNvPr id="3" name="Segnaposto contenuto 2">
+            <a:extLst>
+              <a:ext uri="{FF2B5EF4-FFF2-40B4-BE49-F238E27FC236}">
+                <a16:creationId xmlns:a16="http://schemas.microsoft.com/office/drawing/2014/main" id="{B6C55C29-3A5A-4221-9125-7FC1DC3B3359}"/>
+              </a:ext>
+            </a:extLst>
+          </p:cNvPr>
           <p:cNvSpPr>
             <a:spLocks noGrp="1"/>
           </p:cNvSpPr>
@@ -15152,270 +15733,135 @@
         </p:nvSpPr>
         <p:spPr/>
         <p:txBody>
-          <a:bodyPr>
-            <a:normAutofit fontScale="92500"/>
-          </a:bodyPr>
+          <a:bodyPr/>
           <a:lstStyle/>
           <a:p>
             <a:r>
-              <a:rPr lang="it-IT" dirty="0" smtClean="0"/>
-              <a:t>The </a:t>
-            </a:r>
-            <a:r>
-              <a:rPr lang="it-IT" dirty="0" err="1" smtClean="0"/>
-              <a:t>adversarial</a:t>
-            </a:r>
-            <a:r>
-              <a:rPr lang="it-IT" dirty="0" smtClean="0"/>
+              <a:rPr lang="it-IT" dirty="0" err="1"/>
+              <a:t>Binary</a:t>
+            </a:r>
+            <a:r>
+              <a:rPr lang="it-IT" dirty="0"/>
+              <a:t> Cross </a:t>
+            </a:r>
+            <a:r>
+              <a:rPr lang="it-IT" dirty="0" err="1"/>
+              <a:t>Entropy</a:t>
+            </a:r>
+            <a:r>
+              <a:rPr lang="it-IT" dirty="0"/>
               <a:t> </a:t>
             </a:r>
             <a:r>
-              <a:rPr lang="it-IT" dirty="0" err="1" smtClean="0"/>
-              <a:t>attack</a:t>
-            </a:r>
-            <a:r>
-              <a:rPr lang="it-IT" dirty="0" smtClean="0"/>
+              <a:rPr lang="it-IT" dirty="0" err="1"/>
+              <a:t>is</a:t>
+            </a:r>
+            <a:r>
+              <a:rPr lang="it-IT" dirty="0"/>
               <a:t> </a:t>
             </a:r>
             <a:r>
-              <a:rPr lang="it-IT" dirty="0" err="1" smtClean="0"/>
-              <a:t>taked</a:t>
-            </a:r>
-            <a:r>
-              <a:rPr lang="it-IT" dirty="0" smtClean="0"/>
+              <a:rPr lang="it-IT" dirty="0" err="1"/>
+              <a:t>used</a:t>
+            </a:r>
+            <a:r>
+              <a:rPr lang="it-IT" dirty="0"/>
               <a:t> </a:t>
             </a:r>
             <a:r>
-              <a:rPr lang="it-IT" dirty="0" err="1" smtClean="0"/>
-              <a:t>into</a:t>
-            </a:r>
-            <a:r>
-              <a:rPr lang="it-IT" dirty="0" smtClean="0"/>
+              <a:rPr lang="it-IT" dirty="0" err="1"/>
+              <a:t>as</a:t>
+            </a:r>
+            <a:r>
+              <a:rPr lang="it-IT" dirty="0"/>
               <a:t> </a:t>
             </a:r>
             <a:r>
-              <a:rPr lang="it-IT" dirty="0" err="1" smtClean="0"/>
-              <a:t>consideration</a:t>
-            </a:r>
-            <a:r>
-              <a:rPr lang="it-IT" dirty="0" smtClean="0"/>
+              <a:rPr lang="it-IT" dirty="0" err="1"/>
+              <a:t>evaluation</a:t>
+            </a:r>
+            <a:r>
+              <a:rPr lang="it-IT" dirty="0"/>
               <a:t> </a:t>
             </a:r>
             <a:r>
-              <a:rPr lang="it-IT" dirty="0" err="1" smtClean="0"/>
+              <a:rPr lang="it-IT" dirty="0" err="1"/>
+              <a:t>criterion</a:t>
+            </a:r>
+            <a:r>
+              <a:rPr lang="it-IT" dirty="0"/>
+              <a:t> for </a:t>
+            </a:r>
+            <a:r>
+              <a:rPr lang="it-IT" dirty="0" err="1"/>
+              <a:t>loss</a:t>
+            </a:r>
+            <a:r>
+              <a:rPr lang="it-IT" dirty="0"/>
+              <a:t> </a:t>
+            </a:r>
+            <a:r>
+              <a:rPr lang="it-IT" dirty="0" err="1"/>
+              <a:t>computation</a:t>
+            </a:r>
+            <a:r>
+              <a:rPr lang="it-IT" dirty="0"/>
+              <a:t>. </a:t>
+            </a:r>
+          </a:p>
+          <a:p>
+            <a:r>
+              <a:rPr lang="it-IT" dirty="0" err="1"/>
+              <a:t>As</a:t>
+            </a:r>
+            <a:r>
+              <a:rPr lang="it-IT" dirty="0"/>
+              <a:t> </a:t>
+            </a:r>
+            <a:r>
+              <a:rPr lang="it-IT" dirty="0" err="1"/>
+              <a:t>optimizer</a:t>
+            </a:r>
+            <a:r>
+              <a:rPr lang="it-IT" dirty="0"/>
+              <a:t>, </a:t>
+            </a:r>
+            <a:r>
+              <a:rPr lang="it-IT" b="1" i="1" dirty="0"/>
+              <a:t>Adam </a:t>
+            </a:r>
+            <a:r>
+              <a:rPr lang="it-IT" dirty="0" err="1"/>
               <a:t>is</a:t>
             </a:r>
             <a:r>
-              <a:rPr lang="it-IT" dirty="0" smtClean="0"/>
+              <a:rPr lang="it-IT" dirty="0"/>
               <a:t> </a:t>
             </a:r>
             <a:r>
-              <a:rPr lang="it-IT" b="1" i="1" dirty="0" smtClean="0"/>
-              <a:t>Fast </a:t>
-            </a:r>
-            <a:r>
-              <a:rPr lang="it-IT" b="1" i="1" dirty="0" err="1" smtClean="0"/>
-              <a:t>Gradient</a:t>
-            </a:r>
-            <a:r>
-              <a:rPr lang="it-IT" b="1" i="1" dirty="0" smtClean="0"/>
-              <a:t> </a:t>
-            </a:r>
-            <a:r>
-              <a:rPr lang="it-IT" b="1" i="1" dirty="0" err="1" smtClean="0"/>
-              <a:t>Sign</a:t>
-            </a:r>
-            <a:r>
-              <a:rPr lang="it-IT" b="1" i="1" dirty="0" smtClean="0"/>
-              <a:t> Method</a:t>
-            </a:r>
-            <a:r>
-              <a:rPr lang="it-IT" dirty="0" smtClean="0"/>
+              <a:rPr lang="it-IT" dirty="0" err="1"/>
+              <a:t>used</a:t>
+            </a:r>
+            <a:r>
+              <a:rPr lang="it-IT" b="1" i="1" dirty="0"/>
               <a:t>.</a:t>
             </a:r>
-          </a:p>
-          <a:p>
-            <a:r>
-              <a:rPr lang="it-IT" dirty="0" err="1" smtClean="0"/>
-              <a:t>Fgsm_attack</a:t>
-            </a:r>
-            <a:r>
-              <a:rPr lang="it-IT" dirty="0" smtClean="0"/>
-              <a:t> </a:t>
-            </a:r>
-            <a:r>
-              <a:rPr lang="it-IT" dirty="0" err="1" smtClean="0"/>
-              <a:t>function</a:t>
-            </a:r>
-            <a:r>
-              <a:rPr lang="it-IT" dirty="0" smtClean="0"/>
-              <a:t> </a:t>
-            </a:r>
-            <a:r>
-              <a:rPr lang="it-IT" dirty="0" err="1" smtClean="0"/>
-              <a:t>perform</a:t>
-            </a:r>
-            <a:r>
-              <a:rPr lang="it-IT" dirty="0" smtClean="0"/>
-              <a:t> images </a:t>
-            </a:r>
-            <a:r>
-              <a:rPr lang="it-IT" dirty="0" err="1" smtClean="0"/>
-              <a:t>perturbation</a:t>
-            </a:r>
-            <a:r>
-              <a:rPr lang="it-IT" dirty="0" smtClean="0"/>
-              <a:t> </a:t>
-            </a:r>
-            <a:r>
-              <a:rPr lang="it-IT" dirty="0" err="1" smtClean="0"/>
-              <a:t>that</a:t>
-            </a:r>
-            <a:r>
-              <a:rPr lang="it-IT" dirty="0" smtClean="0"/>
-              <a:t> </a:t>
-            </a:r>
-            <a:r>
-              <a:rPr lang="it-IT" dirty="0" err="1" smtClean="0"/>
-              <a:t>adds</a:t>
-            </a:r>
-            <a:r>
-              <a:rPr lang="it-IT" dirty="0" smtClean="0"/>
-              <a:t> </a:t>
-            </a:r>
-            <a:r>
-              <a:rPr lang="it-IT" dirty="0" err="1" smtClean="0"/>
-              <a:t>noise</a:t>
-            </a:r>
-            <a:r>
-              <a:rPr lang="it-IT" dirty="0" smtClean="0"/>
-              <a:t> to the </a:t>
-            </a:r>
-            <a:r>
-              <a:rPr lang="it-IT" dirty="0" err="1" smtClean="0"/>
-              <a:t>original</a:t>
-            </a:r>
-            <a:r>
-              <a:rPr lang="it-IT" dirty="0" smtClean="0"/>
-              <a:t> images, </a:t>
-            </a:r>
-            <a:r>
-              <a:rPr lang="it-IT" dirty="0" err="1" smtClean="0"/>
-              <a:t>multiplying</a:t>
-            </a:r>
-            <a:r>
-              <a:rPr lang="it-IT" dirty="0" smtClean="0"/>
-              <a:t> an epsilon </a:t>
-            </a:r>
-            <a:r>
-              <a:rPr lang="it-IT" dirty="0" err="1" smtClean="0"/>
-              <a:t>value</a:t>
-            </a:r>
-            <a:r>
-              <a:rPr lang="it-IT" dirty="0" smtClean="0"/>
-              <a:t> to the </a:t>
-            </a:r>
-            <a:r>
-              <a:rPr lang="it-IT" dirty="0" err="1" smtClean="0"/>
-              <a:t>gradient</a:t>
-            </a:r>
-            <a:r>
-              <a:rPr lang="it-IT" dirty="0" smtClean="0"/>
-              <a:t> </a:t>
-            </a:r>
-            <a:r>
-              <a:rPr lang="it-IT" dirty="0" err="1" smtClean="0"/>
-              <a:t>sign</a:t>
-            </a:r>
-            <a:r>
-              <a:rPr lang="it-IT" dirty="0" smtClean="0"/>
-              <a:t> of the data. In </a:t>
-            </a:r>
-            <a:r>
-              <a:rPr lang="it-IT" dirty="0" err="1" smtClean="0"/>
-              <a:t>our</a:t>
-            </a:r>
-            <a:r>
-              <a:rPr lang="it-IT" dirty="0" smtClean="0"/>
-              <a:t> </a:t>
-            </a:r>
-            <a:r>
-              <a:rPr lang="it-IT" dirty="0" err="1" smtClean="0"/>
-              <a:t>experiment</a:t>
-            </a:r>
-            <a:r>
-              <a:rPr lang="it-IT" dirty="0" smtClean="0"/>
-              <a:t>, epsilon = 0.025 </a:t>
-            </a:r>
-            <a:r>
-              <a:rPr lang="it-IT" dirty="0" err="1" smtClean="0"/>
-              <a:t>is</a:t>
-            </a:r>
-            <a:r>
-              <a:rPr lang="it-IT" dirty="0" smtClean="0"/>
-              <a:t> </a:t>
-            </a:r>
-            <a:r>
-              <a:rPr lang="it-IT" dirty="0" err="1" smtClean="0"/>
-              <a:t>used</a:t>
-            </a:r>
-            <a:r>
-              <a:rPr lang="it-IT" dirty="0" smtClean="0"/>
-              <a:t>. </a:t>
-            </a:r>
-          </a:p>
-          <a:p>
-            <a:r>
-              <a:rPr lang="it-IT" dirty="0" smtClean="0"/>
-              <a:t>Test </a:t>
-            </a:r>
-            <a:r>
-              <a:rPr lang="it-IT" dirty="0" err="1" smtClean="0"/>
-              <a:t>function</a:t>
-            </a:r>
-            <a:r>
-              <a:rPr lang="it-IT" dirty="0" smtClean="0"/>
-              <a:t> </a:t>
-            </a:r>
-            <a:r>
-              <a:rPr lang="it-IT" dirty="0" err="1" smtClean="0"/>
-              <a:t>verify</a:t>
-            </a:r>
-            <a:r>
-              <a:rPr lang="it-IT" dirty="0" smtClean="0"/>
-              <a:t> model </a:t>
-            </a:r>
-            <a:r>
-              <a:rPr lang="it-IT" dirty="0" err="1" smtClean="0"/>
-              <a:t>accuracy</a:t>
-            </a:r>
-            <a:r>
-              <a:rPr lang="it-IT" dirty="0" smtClean="0"/>
-              <a:t> </a:t>
-            </a:r>
-            <a:r>
-              <a:rPr lang="it-IT" dirty="0" err="1" smtClean="0"/>
-              <a:t>after</a:t>
-            </a:r>
-            <a:r>
-              <a:rPr lang="it-IT" dirty="0" smtClean="0"/>
-              <a:t> image </a:t>
-            </a:r>
-            <a:r>
-              <a:rPr lang="it-IT" dirty="0" err="1" smtClean="0"/>
-              <a:t>perturbation</a:t>
-            </a:r>
-            <a:r>
-              <a:rPr lang="it-IT" dirty="0" smtClean="0"/>
-              <a:t>. </a:t>
-            </a:r>
+            <a:endParaRPr lang="it-IT" dirty="0"/>
+          </a:p>
+          <a:p>
             <a:endParaRPr lang="it-IT" dirty="0"/>
           </a:p>
         </p:txBody>
       </p:sp>
       <p:sp>
         <p:nvSpPr>
-          <p:cNvPr id="4" name="Segnaposto numero diapositiva 3"/>
+          <p:cNvPr id="4" name="Segnaposto numero diapositiva 3">
+            <a:extLst>
+              <a:ext uri="{FF2B5EF4-FFF2-40B4-BE49-F238E27FC236}">
+                <a16:creationId xmlns:a16="http://schemas.microsoft.com/office/drawing/2014/main" id="{ED0DE830-80D3-487C-9ADD-22A557110348}"/>
+              </a:ext>
+            </a:extLst>
+          </p:cNvPr>
           <p:cNvSpPr>
             <a:spLocks noGrp="1"/>
           </p:cNvSpPr>
@@ -15439,7 +15885,7 @@
     </p:spTree>
     <p:extLst>
       <p:ext uri="{BB962C8B-B14F-4D97-AF65-F5344CB8AC3E}">
-        <p14:creationId xmlns:p14="http://schemas.microsoft.com/office/powerpoint/2010/main" val="226268677"/>
+        <p14:creationId xmlns:p14="http://schemas.microsoft.com/office/powerpoint/2010/main" val="2158334210"/>
       </p:ext>
     </p:extLst>
   </p:cSld>
@@ -15484,32 +15930,36 @@
           <a:lstStyle/>
           <a:p>
             <a:r>
-              <a:rPr lang="it-IT" dirty="0" err="1"/>
-              <a:t>Adversarial</a:t>
-            </a:r>
-            <a:r>
-              <a:rPr lang="it-IT" dirty="0"/>
-              <a:t> Training, Fine </a:t>
-            </a:r>
-            <a:r>
-              <a:rPr lang="it-IT" dirty="0" err="1"/>
-              <a:t>tuning</a:t>
-            </a:r>
-            <a:r>
-              <a:rPr lang="it-IT" dirty="0"/>
-              <a:t> and </a:t>
-            </a:r>
-            <a:r>
-              <a:rPr lang="it-IT" dirty="0" err="1"/>
-              <a:t>evaluation</a:t>
-            </a:r>
-            <a:r>
-              <a:rPr lang="it-IT" dirty="0"/>
-              <a:t> of the </a:t>
-            </a:r>
-            <a:r>
-              <a:rPr lang="it-IT" dirty="0" smtClean="0"/>
-              <a:t>model</a:t>
+              <a:rPr lang="it-IT" dirty="0"/>
+              <a:t>Model </a:t>
+            </a:r>
+            <a:r>
+              <a:rPr lang="it-IT" dirty="0" err="1"/>
+              <a:t>interpretabilty</a:t>
+            </a:r>
+            <a:r>
+              <a:rPr lang="it-IT" dirty="0"/>
+              <a:t> </a:t>
+            </a:r>
+            <a:r>
+              <a:rPr lang="it-IT" dirty="0" err="1"/>
+              <a:t>using</a:t>
+            </a:r>
+            <a:r>
+              <a:rPr lang="it-IT" dirty="0"/>
+              <a:t> </a:t>
+            </a:r>
+            <a:r>
+              <a:rPr lang="it-IT" dirty="0" err="1"/>
+              <a:t>Integrated</a:t>
+            </a:r>
+            <a:r>
+              <a:rPr lang="it-IT" dirty="0"/>
+              <a:t> </a:t>
+            </a:r>
+            <a:r>
+              <a:rPr lang="it-IT" dirty="0" err="1"/>
+              <a:t>Gradients</a:t>
             </a:r>
             <a:endParaRPr lang="it-IT" dirty="0"/>
           </a:p>
@@ -15541,20 +15991,13 @@
     </p:spTree>
     <p:extLst>
       <p:ext uri="{BB962C8B-B14F-4D97-AF65-F5344CB8AC3E}">
-        <p14:creationId xmlns:p14="http://schemas.microsoft.com/office/powerpoint/2010/main" val="2844573351"/>
+        <p14:creationId xmlns:p14="http://schemas.microsoft.com/office/powerpoint/2010/main" val="3624024622"/>
       </p:ext>
     </p:extLst>
   </p:cSld>
   <p:clrMapOvr>
     <a:masterClrMapping/>
   </p:clrMapOvr>
-  <p:timing>
-    <p:tnLst>
-      <p:par>
-        <p:cTn id="1" dur="indefinite" restart="never" nodeType="tmRoot"/>
-      </p:par>
-    </p:tnLst>
-  </p:timing>
 </p:sld>
 </file>
 
@@ -15593,29 +16036,38 @@
           <a:lstStyle/>
           <a:p>
             <a:r>
+              <a:rPr lang="it-IT" sz="3000" dirty="0"/>
+              <a:t>Model </a:t>
+            </a:r>
+            <a:r>
               <a:rPr lang="it-IT" sz="3000" dirty="0" err="1"/>
-              <a:t>Adversarial</a:t>
+              <a:t>interpretabilty</a:t>
             </a:r>
             <a:r>
               <a:rPr lang="it-IT" sz="3000" dirty="0"/>
-              <a:t> Training, Fine </a:t>
+              <a:t> </a:t>
             </a:r>
             <a:r>
               <a:rPr lang="it-IT" sz="3000" dirty="0" err="1"/>
-              <a:t>tuning</a:t>
+              <a:t>using</a:t>
             </a:r>
             <a:r>
               <a:rPr lang="it-IT" sz="3000" dirty="0"/>
-              <a:t> and </a:t>
+              <a:t> </a:t>
             </a:r>
             <a:r>
               <a:rPr lang="it-IT" sz="3000" dirty="0" err="1"/>
-              <a:t>evaluation</a:t>
+              <a:t>Integrated</a:t>
             </a:r>
             <a:r>
               <a:rPr lang="it-IT" sz="3000" dirty="0"/>
-              <a:t> of the model</a:t>
-            </a:r>
+              <a:t> </a:t>
+            </a:r>
+            <a:r>
+              <a:rPr lang="it-IT" sz="3000" dirty="0" err="1"/>
+              <a:t>Gradients</a:t>
+            </a:r>
+            <a:endParaRPr lang="it-IT" sz="3000" dirty="0"/>
           </a:p>
         </p:txBody>
       </p:sp>
@@ -15632,280 +16084,206 @@
         <p:spPr/>
         <p:txBody>
           <a:bodyPr>
-            <a:normAutofit fontScale="92500" lnSpcReduction="10000"/>
+            <a:normAutofit lnSpcReduction="10000"/>
           </a:bodyPr>
           <a:lstStyle/>
           <a:p>
             <a:r>
-              <a:rPr lang="it-IT" dirty="0" err="1" smtClean="0"/>
-              <a:t>Same</a:t>
-            </a:r>
-            <a:r>
-              <a:rPr lang="it-IT" dirty="0" smtClean="0"/>
+              <a:rPr lang="it-IT" dirty="0" err="1"/>
+              <a:t>Pytorch</a:t>
+            </a:r>
+            <a:r>
+              <a:rPr lang="it-IT" dirty="0"/>
               <a:t> </a:t>
             </a:r>
             <a:r>
-              <a:rPr lang="it-IT" dirty="0" err="1" smtClean="0"/>
-              <a:t>operations</a:t>
-            </a:r>
-            <a:r>
-              <a:rPr lang="it-IT" dirty="0" smtClean="0"/>
+              <a:rPr lang="it-IT" dirty="0" err="1"/>
+              <a:t>Captum</a:t>
+            </a:r>
+            <a:r>
+              <a:rPr lang="it-IT" dirty="0"/>
               <a:t> </a:t>
             </a:r>
             <a:r>
-              <a:rPr lang="it-IT" dirty="0" err="1" smtClean="0"/>
-              <a:t>performed</a:t>
-            </a:r>
-            <a:r>
-              <a:rPr lang="it-IT" dirty="0" smtClean="0"/>
+              <a:rPr lang="it-IT" dirty="0" err="1"/>
+              <a:t>module</a:t>
+            </a:r>
+            <a:r>
+              <a:rPr lang="it-IT" dirty="0"/>
               <a:t> </a:t>
             </a:r>
             <a:r>
-              <a:rPr lang="it-IT" dirty="0" err="1" smtClean="0"/>
-              <a:t>before</a:t>
-            </a:r>
-            <a:r>
-              <a:rPr lang="it-IT" dirty="0" smtClean="0"/>
-              <a:t>, are </a:t>
-            </a:r>
-            <a:r>
-              <a:rPr lang="it-IT" dirty="0" err="1" smtClean="0"/>
-              <a:t>repeated</a:t>
-            </a:r>
-            <a:r>
-              <a:rPr lang="it-IT" dirty="0" smtClean="0"/>
-              <a:t> in </a:t>
-            </a:r>
-            <a:r>
-              <a:rPr lang="it-IT" dirty="0" err="1" smtClean="0"/>
-              <a:t>adversarial</a:t>
-            </a:r>
-            <a:r>
-              <a:rPr lang="it-IT" dirty="0" smtClean="0"/>
-              <a:t> mode. </a:t>
-            </a:r>
-          </a:p>
-          <a:p>
-            <a:r>
-              <a:rPr lang="it-IT" dirty="0" smtClean="0"/>
-              <a:t>A new </a:t>
-            </a:r>
-            <a:r>
-              <a:rPr lang="it-IT" dirty="0" err="1" smtClean="0"/>
-              <a:t>adversarial</a:t>
-            </a:r>
-            <a:r>
-              <a:rPr lang="it-IT" dirty="0" smtClean="0"/>
-              <a:t> image </a:t>
-            </a:r>
-            <a:r>
-              <a:rPr lang="it-IT" dirty="0" err="1" smtClean="0"/>
-              <a:t>dataset</a:t>
-            </a:r>
-            <a:r>
-              <a:rPr lang="it-IT" dirty="0" smtClean="0"/>
+              <a:rPr lang="it-IT" dirty="0" err="1"/>
+              <a:t>is</a:t>
+            </a:r>
+            <a:r>
+              <a:rPr lang="it-IT" dirty="0"/>
               <a:t> </a:t>
             </a:r>
             <a:r>
-              <a:rPr lang="it-IT" dirty="0" err="1" smtClean="0"/>
-              <a:t>is</a:t>
-            </a:r>
-            <a:r>
-              <a:rPr lang="it-IT" dirty="0" smtClean="0"/>
+              <a:rPr lang="it-IT" dirty="0" err="1"/>
+              <a:t>used</a:t>
+            </a:r>
+            <a:r>
+              <a:rPr lang="it-IT" dirty="0"/>
+              <a:t> for model </a:t>
+            </a:r>
+            <a:r>
+              <a:rPr lang="it-IT" dirty="0" err="1"/>
+              <a:t>interpretability</a:t>
+            </a:r>
+            <a:r>
+              <a:rPr lang="it-IT" dirty="0"/>
+              <a:t>.</a:t>
+            </a:r>
+          </a:p>
+          <a:p>
+            <a:r>
+              <a:rPr lang="it-IT" dirty="0" err="1"/>
+              <a:t>modelInterpretation</a:t>
+            </a:r>
+            <a:r>
+              <a:rPr lang="it-IT" dirty="0"/>
               <a:t> </a:t>
             </a:r>
             <a:r>
-              <a:rPr lang="it-IT" dirty="0" err="1" smtClean="0"/>
-              <a:t>created</a:t>
-            </a:r>
-            <a:r>
-              <a:rPr lang="it-IT" dirty="0" smtClean="0"/>
-              <a:t>; the new </a:t>
-            </a:r>
-            <a:r>
-              <a:rPr lang="it-IT" dirty="0" err="1" smtClean="0"/>
-              <a:t>loaders</a:t>
-            </a:r>
-            <a:r>
-              <a:rPr lang="it-IT" dirty="0" smtClean="0"/>
+              <a:rPr lang="it-IT" dirty="0" err="1"/>
+              <a:t>function</a:t>
+            </a:r>
+            <a:r>
+              <a:rPr lang="it-IT" dirty="0"/>
+              <a:t> use </a:t>
+            </a:r>
+            <a:r>
+              <a:rPr lang="it-IT" dirty="0" err="1"/>
+              <a:t>integrated</a:t>
+            </a:r>
+            <a:r>
+              <a:rPr lang="it-IT" dirty="0"/>
+              <a:t> </a:t>
+            </a:r>
+            <a:r>
+              <a:rPr lang="it-IT" dirty="0" err="1"/>
+              <a:t>gradient</a:t>
+            </a:r>
+            <a:r>
+              <a:rPr lang="it-IT" dirty="0"/>
+              <a:t> </a:t>
+            </a:r>
+            <a:r>
+              <a:rPr lang="it-IT" dirty="0" err="1"/>
+              <a:t>criterion</a:t>
+            </a:r>
+            <a:r>
+              <a:rPr lang="it-IT" dirty="0"/>
+              <a:t> to </a:t>
+            </a:r>
+            <a:r>
+              <a:rPr lang="it-IT" dirty="0" err="1"/>
+              <a:t>define</a:t>
+            </a:r>
+            <a:r>
+              <a:rPr lang="it-IT" dirty="0"/>
+              <a:t> </a:t>
+            </a:r>
+            <a:r>
+              <a:rPr lang="it-IT" dirty="0" err="1"/>
+              <a:t>feature</a:t>
+            </a:r>
+            <a:r>
+              <a:rPr lang="it-IT" dirty="0"/>
+              <a:t> </a:t>
+            </a:r>
+            <a:r>
+              <a:rPr lang="it-IT" dirty="0" err="1"/>
+              <a:t>meaning</a:t>
+            </a:r>
+            <a:r>
+              <a:rPr lang="it-IT" dirty="0"/>
+              <a:t> </a:t>
+            </a:r>
+            <a:r>
+              <a:rPr lang="it-IT" dirty="0" err="1"/>
+              <a:t>after</a:t>
+            </a:r>
+            <a:r>
+              <a:rPr lang="it-IT" dirty="0"/>
+              <a:t> model </a:t>
+            </a:r>
+            <a:r>
+              <a:rPr lang="it-IT" dirty="0" err="1"/>
+              <a:t>computations</a:t>
+            </a:r>
+            <a:r>
+              <a:rPr lang="it-IT" dirty="0"/>
+              <a:t>. </a:t>
+            </a:r>
+          </a:p>
+          <a:p>
+            <a:r>
+              <a:rPr lang="it-IT" dirty="0" err="1"/>
+              <a:t>Attributes</a:t>
+            </a:r>
+            <a:r>
+              <a:rPr lang="it-IT" dirty="0"/>
               <a:t> are </a:t>
             </a:r>
             <a:r>
-              <a:rPr lang="it-IT" dirty="0" err="1" smtClean="0"/>
-              <a:t>created</a:t>
-            </a:r>
-            <a:r>
-              <a:rPr lang="it-IT" dirty="0" smtClean="0"/>
+              <a:rPr lang="it-IT" dirty="0" err="1"/>
+              <a:t>plotted</a:t>
+            </a:r>
+            <a:r>
+              <a:rPr lang="it-IT" dirty="0"/>
               <a:t> </a:t>
             </a:r>
             <a:r>
-              <a:rPr lang="it-IT" dirty="0" err="1" smtClean="0"/>
-              <a:t>through</a:t>
-            </a:r>
-            <a:r>
-              <a:rPr lang="it-IT" dirty="0" smtClean="0"/>
-              <a:t> </a:t>
-            </a:r>
-            <a:r>
-              <a:rPr lang="it-IT" dirty="0" err="1" smtClean="0"/>
-              <a:t>concatenation</a:t>
-            </a:r>
-            <a:r>
-              <a:rPr lang="it-IT" dirty="0" smtClean="0"/>
-              <a:t> of the </a:t>
-            </a:r>
-            <a:r>
-              <a:rPr lang="it-IT" dirty="0" err="1" smtClean="0"/>
-              <a:t>original</a:t>
-            </a:r>
-            <a:r>
-              <a:rPr lang="it-IT" dirty="0" smtClean="0"/>
-              <a:t> </a:t>
-            </a:r>
-            <a:r>
-              <a:rPr lang="it-IT" dirty="0" err="1" smtClean="0"/>
-              <a:t>dataset</a:t>
-            </a:r>
-            <a:r>
-              <a:rPr lang="it-IT" dirty="0" smtClean="0"/>
-              <a:t> and the </a:t>
-            </a:r>
-            <a:r>
-              <a:rPr lang="it-IT" dirty="0" err="1" smtClean="0"/>
-              <a:t>adversarial</a:t>
-            </a:r>
-            <a:r>
-              <a:rPr lang="it-IT" dirty="0" smtClean="0"/>
-              <a:t> </a:t>
-            </a:r>
-            <a:r>
-              <a:rPr lang="it-IT" dirty="0" err="1" smtClean="0"/>
-              <a:t>one</a:t>
-            </a:r>
-            <a:r>
-              <a:rPr lang="it-IT" dirty="0" smtClean="0"/>
-              <a:t>; to do </a:t>
-            </a:r>
-            <a:r>
-              <a:rPr lang="it-IT" dirty="0" err="1" smtClean="0"/>
-              <a:t>this</a:t>
-            </a:r>
-            <a:r>
-              <a:rPr lang="it-IT" dirty="0" smtClean="0"/>
-              <a:t>, </a:t>
-            </a:r>
-            <a:r>
-              <a:rPr lang="it-IT" dirty="0" err="1" smtClean="0"/>
-              <a:t>ConcatDataset</a:t>
-            </a:r>
-            <a:r>
-              <a:rPr lang="it-IT" dirty="0" smtClean="0"/>
-              <a:t> </a:t>
-            </a:r>
-            <a:r>
-              <a:rPr lang="it-IT" dirty="0" err="1" smtClean="0"/>
-              <a:t>class</a:t>
-            </a:r>
-            <a:r>
-              <a:rPr lang="it-IT" dirty="0" smtClean="0"/>
-              <a:t> </a:t>
-            </a:r>
-            <a:r>
-              <a:rPr lang="it-IT" dirty="0" err="1" smtClean="0"/>
-              <a:t>is</a:t>
-            </a:r>
-            <a:r>
-              <a:rPr lang="it-IT" dirty="0" smtClean="0"/>
-              <a:t> </a:t>
-            </a:r>
-            <a:r>
-              <a:rPr lang="it-IT" dirty="0" err="1" smtClean="0"/>
-              <a:t>used</a:t>
-            </a:r>
-            <a:r>
-              <a:rPr lang="it-IT" dirty="0" smtClean="0"/>
+              <a:rPr lang="it-IT" dirty="0" err="1"/>
+              <a:t>trough</a:t>
+            </a:r>
+            <a:r>
+              <a:rPr lang="it-IT" dirty="0"/>
+              <a:t> ‘</a:t>
+            </a:r>
+            <a:r>
+              <a:rPr lang="it-IT" i="1" dirty="0" err="1"/>
+              <a:t>visualize_image_attr</a:t>
+            </a:r>
+            <a:r>
+              <a:rPr lang="it-IT" dirty="0"/>
+              <a:t>‘ </a:t>
+            </a:r>
+            <a:r>
+              <a:rPr lang="it-IT" dirty="0" err="1"/>
+              <a:t>called</a:t>
+            </a:r>
+            <a:r>
+              <a:rPr lang="it-IT" dirty="0"/>
+              <a:t> on ‘</a:t>
+            </a:r>
+            <a:r>
+              <a:rPr lang="it-IT" i="1" dirty="0" err="1"/>
+              <a:t>visualization</a:t>
+            </a:r>
+            <a:r>
+              <a:rPr lang="it-IT" dirty="0"/>
+              <a:t>’ </a:t>
+            </a:r>
+            <a:r>
+              <a:rPr lang="it-IT" dirty="0" err="1"/>
+              <a:t>element</a:t>
+            </a:r>
+            <a:r>
+              <a:rPr lang="it-IT" dirty="0"/>
+              <a:t> of </a:t>
+            </a:r>
+            <a:r>
+              <a:rPr lang="it-IT" dirty="0" err="1"/>
+              <a:t>captum</a:t>
+            </a:r>
+            <a:r>
+              <a:rPr lang="it-IT" dirty="0"/>
               <a:t>.</a:t>
             </a:r>
-            <a:endParaRPr lang="it-IT" dirty="0"/>
-          </a:p>
-          <a:p>
-            <a:r>
-              <a:rPr lang="it-IT" dirty="0" smtClean="0"/>
-              <a:t>Model </a:t>
-            </a:r>
-            <a:r>
-              <a:rPr lang="it-IT" dirty="0" err="1" smtClean="0"/>
-              <a:t>is</a:t>
-            </a:r>
-            <a:r>
-              <a:rPr lang="it-IT" dirty="0" smtClean="0"/>
-              <a:t> </a:t>
-            </a:r>
-            <a:r>
-              <a:rPr lang="it-IT" dirty="0" err="1" smtClean="0"/>
-              <a:t>trained</a:t>
-            </a:r>
-            <a:r>
-              <a:rPr lang="it-IT" dirty="0" smtClean="0"/>
-              <a:t> with </a:t>
-            </a:r>
-            <a:r>
-              <a:rPr lang="it-IT" dirty="0" err="1" smtClean="0"/>
-              <a:t>perturbed</a:t>
-            </a:r>
-            <a:r>
-              <a:rPr lang="it-IT" dirty="0" smtClean="0"/>
-              <a:t> images, </a:t>
-            </a:r>
-            <a:r>
-              <a:rPr lang="it-IT" dirty="0" err="1" smtClean="0"/>
-              <a:t>tuning</a:t>
-            </a:r>
-            <a:r>
-              <a:rPr lang="it-IT" dirty="0" smtClean="0"/>
-              <a:t> </a:t>
-            </a:r>
-            <a:r>
-              <a:rPr lang="it-IT" dirty="0" err="1" smtClean="0"/>
-              <a:t>parameters</a:t>
-            </a:r>
-            <a:r>
-              <a:rPr lang="it-IT" dirty="0" smtClean="0"/>
-              <a:t>. </a:t>
-            </a:r>
-            <a:r>
-              <a:rPr lang="it-IT" dirty="0" err="1" smtClean="0"/>
-              <a:t>Than</a:t>
-            </a:r>
-            <a:r>
-              <a:rPr lang="it-IT" dirty="0" smtClean="0"/>
-              <a:t>, </a:t>
-            </a:r>
-            <a:r>
-              <a:rPr lang="it-IT" dirty="0" err="1" smtClean="0"/>
-              <a:t>evaluation</a:t>
-            </a:r>
-            <a:r>
-              <a:rPr lang="it-IT" dirty="0" smtClean="0"/>
-              <a:t> </a:t>
-            </a:r>
-            <a:r>
-              <a:rPr lang="it-IT" dirty="0" err="1" smtClean="0"/>
-              <a:t>operations</a:t>
-            </a:r>
-            <a:r>
-              <a:rPr lang="it-IT" dirty="0" smtClean="0"/>
-              <a:t> are </a:t>
-            </a:r>
-            <a:r>
-              <a:rPr lang="it-IT" dirty="0" err="1" smtClean="0"/>
-              <a:t>repeated</a:t>
-            </a:r>
-            <a:r>
-              <a:rPr lang="it-IT" dirty="0" smtClean="0"/>
-              <a:t>.</a:t>
-            </a:r>
-            <a:endParaRPr lang="it-IT" dirty="0"/>
           </a:p>
         </p:txBody>
       </p:sp>
@@ -15935,7 +16313,7 @@
     </p:spTree>
     <p:extLst>
       <p:ext uri="{BB962C8B-B14F-4D97-AF65-F5344CB8AC3E}">
-        <p14:creationId xmlns:p14="http://schemas.microsoft.com/office/powerpoint/2010/main" val="3034427811"/>
+        <p14:creationId xmlns:p14="http://schemas.microsoft.com/office/powerpoint/2010/main" val="1528979059"/>
       </p:ext>
     </p:extLst>
   </p:cSld>
@@ -15964,7 +16342,7 @@
       </p:grpSpPr>
       <p:sp>
         <p:nvSpPr>
-          <p:cNvPr id="2" name="Titolo 1"/>
+          <p:cNvPr id="3" name="Titolo 2"/>
           <p:cNvSpPr>
             <a:spLocks noGrp="1"/>
           </p:cNvSpPr>
@@ -15974,14 +16352,27 @@
         </p:nvSpPr>
         <p:spPr/>
         <p:txBody>
-          <a:bodyPr/>
+          <a:bodyPr>
+            <a:normAutofit/>
+          </a:bodyPr>
           <a:lstStyle/>
           <a:p>
             <a:r>
-              <a:rPr lang="it-IT" dirty="0" err="1" smtClean="0"/>
-              <a:t>Results</a:t>
-            </a:r>
-            <a:endParaRPr lang="it-IT" dirty="0"/>
+              <a:rPr lang="it-IT" dirty="0" err="1"/>
+              <a:t>Adversarial</a:t>
+            </a:r>
+            <a:r>
+              <a:rPr lang="it-IT" dirty="0"/>
+              <a:t> </a:t>
+            </a:r>
+            <a:r>
+              <a:rPr lang="it-IT" dirty="0" err="1"/>
+              <a:t>attack</a:t>
+            </a:r>
+            <a:r>
+              <a:rPr lang="it-IT" dirty="0"/>
+              <a:t> FGSM</a:t>
+            </a:r>
           </a:p>
         </p:txBody>
       </p:sp>
@@ -16011,20 +16402,13 @@
     </p:spTree>
     <p:extLst>
       <p:ext uri="{BB962C8B-B14F-4D97-AF65-F5344CB8AC3E}">
-        <p14:creationId xmlns:p14="http://schemas.microsoft.com/office/powerpoint/2010/main" val="1926772740"/>
+        <p14:creationId xmlns:p14="http://schemas.microsoft.com/office/powerpoint/2010/main" val="1376720385"/>
       </p:ext>
     </p:extLst>
   </p:cSld>
   <p:clrMapOvr>
     <a:masterClrMapping/>
   </p:clrMapOvr>
-  <p:timing>
-    <p:tnLst>
-      <p:par>
-        <p:cTn id="1" dur="indefinite" restart="never" nodeType="tmRoot"/>
-      </p:par>
-    </p:tnLst>
-  </p:timing>
 </p:sld>
 </file>
 
@@ -16062,12 +16446,22 @@
           </a:bodyPr>
           <a:lstStyle/>
           <a:p>
-            <a:pPr algn="ctr"/>
-            <a:r>
-              <a:rPr lang="it-IT" sz="3000" dirty="0" smtClean="0"/>
-              <a:t>Setup</a:t>
-            </a:r>
-            <a:endParaRPr lang="it-IT" sz="3000" dirty="0"/>
+            <a:r>
+              <a:rPr lang="it-IT" sz="3000" dirty="0" err="1"/>
+              <a:t>Adversarial</a:t>
+            </a:r>
+            <a:r>
+              <a:rPr lang="it-IT" sz="3000" dirty="0"/>
+              <a:t> </a:t>
+            </a:r>
+            <a:r>
+              <a:rPr lang="it-IT" sz="3000" dirty="0" err="1"/>
+              <a:t>attack</a:t>
+            </a:r>
+            <a:r>
+              <a:rPr lang="it-IT" sz="3000" dirty="0"/>
+              <a:t> FGSM</a:t>
+            </a:r>
           </a:p>
         </p:txBody>
       </p:sp>
@@ -16083,79 +16477,217 @@
         </p:nvSpPr>
         <p:spPr/>
         <p:txBody>
-          <a:bodyPr/>
+          <a:bodyPr>
+            <a:normAutofit/>
+          </a:bodyPr>
           <a:lstStyle/>
           <a:p>
-            <a:pPr marL="68580" indent="0">
-              <a:buNone/>
-            </a:pPr>
-            <a:r>
-              <a:rPr lang="it-IT" dirty="0" smtClean="0"/>
-              <a:t>For test, the </a:t>
-            </a:r>
-            <a:r>
-              <a:rPr lang="it-IT" dirty="0" err="1" smtClean="0"/>
-              <a:t>following</a:t>
-            </a:r>
-            <a:r>
-              <a:rPr lang="it-IT" dirty="0" smtClean="0"/>
+            <a:r>
+              <a:rPr lang="it-IT" dirty="0"/>
+              <a:t>The </a:t>
+            </a:r>
+            <a:r>
+              <a:rPr lang="it-IT" dirty="0" err="1"/>
+              <a:t>adversarial</a:t>
+            </a:r>
+            <a:r>
+              <a:rPr lang="it-IT" dirty="0"/>
               <a:t> </a:t>
             </a:r>
             <a:r>
-              <a:rPr lang="it-IT" dirty="0" err="1" smtClean="0"/>
-              <a:t>parameters</a:t>
-            </a:r>
-            <a:r>
-              <a:rPr lang="it-IT" dirty="0" smtClean="0"/>
-              <a:t> are </a:t>
-            </a:r>
-            <a:r>
-              <a:rPr lang="it-IT" dirty="0" err="1" smtClean="0"/>
+              <a:rPr lang="it-IT" dirty="0" err="1"/>
+              <a:t>attack</a:t>
+            </a:r>
+            <a:r>
+              <a:rPr lang="it-IT" dirty="0"/>
+              <a:t> </a:t>
+            </a:r>
+            <a:r>
+              <a:rPr lang="it-IT" dirty="0" err="1"/>
+              <a:t>taked</a:t>
+            </a:r>
+            <a:r>
+              <a:rPr lang="it-IT" dirty="0"/>
+              <a:t> </a:t>
+            </a:r>
+            <a:r>
+              <a:rPr lang="it-IT" dirty="0" err="1"/>
+              <a:t>into</a:t>
+            </a:r>
+            <a:r>
+              <a:rPr lang="it-IT" dirty="0"/>
+              <a:t> </a:t>
+            </a:r>
+            <a:r>
+              <a:rPr lang="it-IT" dirty="0" err="1"/>
+              <a:t>consideration</a:t>
+            </a:r>
+            <a:r>
+              <a:rPr lang="it-IT" dirty="0"/>
+              <a:t> </a:t>
+            </a:r>
+            <a:r>
+              <a:rPr lang="it-IT" dirty="0" err="1"/>
+              <a:t>is</a:t>
+            </a:r>
+            <a:r>
+              <a:rPr lang="it-IT" dirty="0"/>
+              <a:t> </a:t>
+            </a:r>
+            <a:r>
+              <a:rPr lang="it-IT" b="1" i="1" dirty="0"/>
+              <a:t>Fast </a:t>
+            </a:r>
+            <a:r>
+              <a:rPr lang="it-IT" b="1" i="1" dirty="0" err="1"/>
+              <a:t>Gradient</a:t>
+            </a:r>
+            <a:r>
+              <a:rPr lang="it-IT" b="1" i="1" dirty="0"/>
+              <a:t> </a:t>
+            </a:r>
+            <a:r>
+              <a:rPr lang="it-IT" b="1" i="1" dirty="0" err="1"/>
+              <a:t>Sign</a:t>
+            </a:r>
+            <a:r>
+              <a:rPr lang="it-IT" b="1" i="1" dirty="0"/>
+              <a:t> Method</a:t>
+            </a:r>
+            <a:r>
+              <a:rPr lang="it-IT" dirty="0"/>
+              <a:t>.</a:t>
+            </a:r>
+          </a:p>
+          <a:p>
+            <a:r>
+              <a:rPr lang="it-IT" dirty="0" err="1"/>
+              <a:t>Fgsm_attack</a:t>
+            </a:r>
+            <a:r>
+              <a:rPr lang="it-IT" dirty="0"/>
+              <a:t> </a:t>
+            </a:r>
+            <a:r>
+              <a:rPr lang="it-IT" dirty="0" err="1"/>
+              <a:t>function</a:t>
+            </a:r>
+            <a:r>
+              <a:rPr lang="it-IT" dirty="0"/>
+              <a:t> </a:t>
+            </a:r>
+            <a:r>
+              <a:rPr lang="it-IT" dirty="0" err="1"/>
+              <a:t>perform</a:t>
+            </a:r>
+            <a:r>
+              <a:rPr lang="it-IT" dirty="0"/>
+              <a:t> images </a:t>
+            </a:r>
+            <a:r>
+              <a:rPr lang="it-IT" dirty="0" err="1"/>
+              <a:t>perturbation</a:t>
+            </a:r>
+            <a:r>
+              <a:rPr lang="it-IT" dirty="0"/>
+              <a:t> </a:t>
+            </a:r>
+            <a:r>
+              <a:rPr lang="it-IT" dirty="0" err="1"/>
+              <a:t>that</a:t>
+            </a:r>
+            <a:r>
+              <a:rPr lang="it-IT" dirty="0"/>
+              <a:t> </a:t>
+            </a:r>
+            <a:r>
+              <a:rPr lang="it-IT" dirty="0" err="1"/>
+              <a:t>adds</a:t>
+            </a:r>
+            <a:r>
+              <a:rPr lang="it-IT" dirty="0"/>
+              <a:t> </a:t>
+            </a:r>
+            <a:r>
+              <a:rPr lang="it-IT" dirty="0" err="1"/>
+              <a:t>noise</a:t>
+            </a:r>
+            <a:r>
+              <a:rPr lang="it-IT" dirty="0"/>
+              <a:t> to the </a:t>
+            </a:r>
+            <a:r>
+              <a:rPr lang="it-IT" dirty="0" err="1"/>
+              <a:t>original</a:t>
+            </a:r>
+            <a:r>
+              <a:rPr lang="it-IT" dirty="0"/>
+              <a:t> images, </a:t>
+            </a:r>
+            <a:r>
+              <a:rPr lang="it-IT" dirty="0" err="1"/>
+              <a:t>multiplying</a:t>
+            </a:r>
+            <a:r>
+              <a:rPr lang="it-IT" dirty="0"/>
+              <a:t> an epsilon </a:t>
+            </a:r>
+            <a:r>
+              <a:rPr lang="it-IT" dirty="0" err="1"/>
+              <a:t>value</a:t>
+            </a:r>
+            <a:r>
+              <a:rPr lang="it-IT" dirty="0"/>
+              <a:t> to the </a:t>
+            </a:r>
+            <a:r>
+              <a:rPr lang="it-IT" dirty="0" err="1"/>
+              <a:t>gradient</a:t>
+            </a:r>
+            <a:r>
+              <a:rPr lang="it-IT" dirty="0"/>
+              <a:t> </a:t>
+            </a:r>
+            <a:r>
+              <a:rPr lang="it-IT" dirty="0" err="1"/>
+              <a:t>sign</a:t>
+            </a:r>
+            <a:r>
+              <a:rPr lang="it-IT" dirty="0"/>
+              <a:t> of the data. In </a:t>
+            </a:r>
+            <a:r>
+              <a:rPr lang="it-IT" dirty="0" err="1"/>
+              <a:t>our</a:t>
+            </a:r>
+            <a:r>
+              <a:rPr lang="it-IT" dirty="0"/>
+              <a:t> </a:t>
+            </a:r>
+            <a:r>
+              <a:rPr lang="it-IT" dirty="0" err="1"/>
+              <a:t>experiment</a:t>
+            </a:r>
+            <a:r>
+              <a:rPr lang="it-IT" dirty="0"/>
+              <a:t>, epsilon = 0.025 </a:t>
+            </a:r>
+            <a:r>
+              <a:rPr lang="it-IT" dirty="0" err="1"/>
+              <a:t>is</a:t>
+            </a:r>
+            <a:r>
+              <a:rPr lang="it-IT" dirty="0"/>
+              <a:t> </a:t>
+            </a:r>
+            <a:r>
+              <a:rPr lang="it-IT" dirty="0" err="1"/>
               <a:t>used</a:t>
             </a:r>
             <a:r>
-              <a:rPr lang="it-IT" dirty="0" smtClean="0"/>
-              <a:t>:</a:t>
-            </a:r>
-          </a:p>
-          <a:p>
-            <a:r>
-              <a:rPr lang="it-IT" dirty="0" smtClean="0"/>
-              <a:t>Batch </a:t>
-            </a:r>
-            <a:r>
-              <a:rPr lang="it-IT" dirty="0" err="1" smtClean="0"/>
-              <a:t>size</a:t>
-            </a:r>
-            <a:r>
-              <a:rPr lang="it-IT" dirty="0" smtClean="0"/>
-              <a:t> = 8;</a:t>
-            </a:r>
-          </a:p>
-          <a:p>
-            <a:r>
-              <a:rPr lang="it-IT" dirty="0" smtClean="0"/>
-              <a:t>Learning rate = 10^-4</a:t>
-            </a:r>
-          </a:p>
-          <a:p>
-            <a:r>
-              <a:rPr lang="it-IT" dirty="0" err="1" smtClean="0"/>
-              <a:t>Num</a:t>
-            </a:r>
-            <a:r>
-              <a:rPr lang="it-IT" dirty="0" smtClean="0"/>
-              <a:t> of </a:t>
-            </a:r>
-            <a:r>
-              <a:rPr lang="it-IT" dirty="0" err="1" smtClean="0"/>
-              <a:t>epochs</a:t>
-            </a:r>
-            <a:r>
-              <a:rPr lang="it-IT" dirty="0" smtClean="0"/>
-              <a:t>= 50</a:t>
-            </a:r>
-            <a:endParaRPr lang="it-IT" dirty="0"/>
+              <a:rPr lang="it-IT" dirty="0"/>
+              <a:t>. </a:t>
+            </a:r>
           </a:p>
         </p:txBody>
       </p:sp>
@@ -16185,7 +16717,7 @@
     </p:spTree>
     <p:extLst>
       <p:ext uri="{BB962C8B-B14F-4D97-AF65-F5344CB8AC3E}">
-        <p14:creationId xmlns:p14="http://schemas.microsoft.com/office/powerpoint/2010/main" val="533050277"/>
+        <p14:creationId xmlns:p14="http://schemas.microsoft.com/office/powerpoint/2010/main" val="226268677"/>
       </p:ext>
     </p:extLst>
   </p:cSld>
@@ -16196,6 +16728,390 @@
 </file>
 
 <file path=ppt/slides/slide19.xml><?xml version="1.0" encoding="utf-8"?>
+<p:sld xmlns:a="http://schemas.openxmlformats.org/drawingml/2006/main" xmlns:r="http://schemas.openxmlformats.org/officeDocument/2006/relationships" xmlns:p="http://schemas.openxmlformats.org/presentationml/2006/main">
+  <p:cSld>
+    <p:spTree>
+      <p:nvGrpSpPr>
+        <p:cNvPr id="1" name=""/>
+        <p:cNvGrpSpPr/>
+        <p:nvPr/>
+      </p:nvGrpSpPr>
+      <p:grpSpPr>
+        <a:xfrm>
+          <a:off x="0" y="0"/>
+          <a:ext cx="0" cy="0"/>
+          <a:chOff x="0" y="0"/>
+          <a:chExt cx="0" cy="0"/>
+        </a:xfrm>
+      </p:grpSpPr>
+      <p:sp>
+        <p:nvSpPr>
+          <p:cNvPr id="3" name="Titolo 2"/>
+          <p:cNvSpPr>
+            <a:spLocks noGrp="1"/>
+          </p:cNvSpPr>
+          <p:nvPr>
+            <p:ph type="title"/>
+          </p:nvPr>
+        </p:nvSpPr>
+        <p:spPr/>
+        <p:txBody>
+          <a:bodyPr>
+            <a:normAutofit fontScale="90000"/>
+          </a:bodyPr>
+          <a:lstStyle/>
+          <a:p>
+            <a:r>
+              <a:rPr lang="it-IT" dirty="0" err="1"/>
+              <a:t>Adversarial</a:t>
+            </a:r>
+            <a:r>
+              <a:rPr lang="it-IT" dirty="0"/>
+              <a:t> Training, Fine </a:t>
+            </a:r>
+            <a:r>
+              <a:rPr lang="it-IT" dirty="0" err="1"/>
+              <a:t>tuning</a:t>
+            </a:r>
+            <a:r>
+              <a:rPr lang="it-IT" dirty="0"/>
+              <a:t> and </a:t>
+            </a:r>
+            <a:r>
+              <a:rPr lang="it-IT" dirty="0" err="1"/>
+              <a:t>evaluation</a:t>
+            </a:r>
+            <a:r>
+              <a:rPr lang="it-IT" dirty="0"/>
+              <a:t> of the model</a:t>
+            </a:r>
+          </a:p>
+        </p:txBody>
+      </p:sp>
+      <p:sp>
+        <p:nvSpPr>
+          <p:cNvPr id="4" name="Segnaposto numero diapositiva 3"/>
+          <p:cNvSpPr>
+            <a:spLocks noGrp="1"/>
+          </p:cNvSpPr>
+          <p:nvPr>
+            <p:ph type="sldNum" sz="quarter" idx="12"/>
+          </p:nvPr>
+        </p:nvSpPr>
+        <p:spPr/>
+        <p:txBody>
+          <a:bodyPr/>
+          <a:lstStyle/>
+          <a:p>
+            <a:fld id="{E7A41E1B-4F70-4964-A407-84C68BE8251C}" type="slidenum">
+              <a:rPr lang="it-IT" smtClean="0"/>
+              <a:t>19</a:t>
+            </a:fld>
+            <a:endParaRPr lang="it-IT"/>
+          </a:p>
+        </p:txBody>
+      </p:sp>
+    </p:spTree>
+    <p:extLst>
+      <p:ext uri="{BB962C8B-B14F-4D97-AF65-F5344CB8AC3E}">
+        <p14:creationId xmlns:p14="http://schemas.microsoft.com/office/powerpoint/2010/main" val="2844573351"/>
+      </p:ext>
+    </p:extLst>
+  </p:cSld>
+  <p:clrMapOvr>
+    <a:masterClrMapping/>
+  </p:clrMapOvr>
+</p:sld>
+</file>
+
+<file path=ppt/slides/slide2.xml><?xml version="1.0" encoding="utf-8"?>
+<p:sld xmlns:a="http://schemas.openxmlformats.org/drawingml/2006/main" xmlns:r="http://schemas.openxmlformats.org/officeDocument/2006/relationships" xmlns:p="http://schemas.openxmlformats.org/presentationml/2006/main">
+  <p:cSld>
+    <p:spTree>
+      <p:nvGrpSpPr>
+        <p:cNvPr id="1" name=""/>
+        <p:cNvGrpSpPr/>
+        <p:nvPr/>
+      </p:nvGrpSpPr>
+      <p:grpSpPr>
+        <a:xfrm>
+          <a:off x="0" y="0"/>
+          <a:ext cx="0" cy="0"/>
+          <a:chOff x="0" y="0"/>
+          <a:chExt cx="0" cy="0"/>
+        </a:xfrm>
+      </p:grpSpPr>
+      <p:sp>
+        <p:nvSpPr>
+          <p:cNvPr id="2" name="Titolo 1">
+            <a:extLst>
+              <a:ext uri="{FF2B5EF4-FFF2-40B4-BE49-F238E27FC236}">
+                <a16:creationId xmlns:a16="http://schemas.microsoft.com/office/drawing/2014/main" id="{3E9246B0-5F42-401F-B27C-E69CF0A32F96}"/>
+              </a:ext>
+            </a:extLst>
+          </p:cNvPr>
+          <p:cNvSpPr>
+            <a:spLocks noGrp="1"/>
+          </p:cNvSpPr>
+          <p:nvPr>
+            <p:ph type="title"/>
+          </p:nvPr>
+        </p:nvSpPr>
+        <p:spPr/>
+        <p:txBody>
+          <a:bodyPr>
+            <a:normAutofit/>
+          </a:bodyPr>
+          <a:lstStyle/>
+          <a:p>
+            <a:r>
+              <a:rPr lang="it-IT" dirty="0" err="1"/>
+              <a:t>Problem</a:t>
+            </a:r>
+            <a:r>
+              <a:rPr lang="it-IT" dirty="0"/>
+              <a:t> Definition</a:t>
+            </a:r>
+          </a:p>
+        </p:txBody>
+      </p:sp>
+      <p:sp>
+        <p:nvSpPr>
+          <p:cNvPr id="3" name="Segnaposto contenuto 2">
+            <a:extLst>
+              <a:ext uri="{FF2B5EF4-FFF2-40B4-BE49-F238E27FC236}">
+                <a16:creationId xmlns:a16="http://schemas.microsoft.com/office/drawing/2014/main" id="{7198BC24-6663-4474-BFB7-EE3A8B11A8F0}"/>
+              </a:ext>
+            </a:extLst>
+          </p:cNvPr>
+          <p:cNvSpPr>
+            <a:spLocks noGrp="1"/>
+          </p:cNvSpPr>
+          <p:nvPr>
+            <p:ph idx="1"/>
+          </p:nvPr>
+        </p:nvSpPr>
+        <p:spPr/>
+        <p:txBody>
+          <a:bodyPr/>
+          <a:lstStyle/>
+          <a:p>
+            <a:r>
+              <a:rPr lang="it-IT" dirty="0"/>
+              <a:t>The goal of </a:t>
+            </a:r>
+            <a:r>
+              <a:rPr lang="it-IT" dirty="0" err="1"/>
+              <a:t>this</a:t>
+            </a:r>
+            <a:r>
+              <a:rPr lang="it-IT" dirty="0"/>
+              <a:t> project </a:t>
+            </a:r>
+            <a:r>
+              <a:rPr lang="it-IT" dirty="0" err="1"/>
+              <a:t>is</a:t>
+            </a:r>
+            <a:r>
+              <a:rPr lang="it-IT" dirty="0"/>
+              <a:t> to </a:t>
+            </a:r>
+            <a:r>
+              <a:rPr lang="it-IT" dirty="0" err="1"/>
+              <a:t>define</a:t>
+            </a:r>
+            <a:r>
+              <a:rPr lang="it-IT" dirty="0"/>
+              <a:t> a </a:t>
+            </a:r>
+            <a:r>
+              <a:rPr lang="it-IT" dirty="0" err="1"/>
+              <a:t>convolutional</a:t>
+            </a:r>
+            <a:r>
+              <a:rPr lang="it-IT" dirty="0"/>
+              <a:t> model </a:t>
+            </a:r>
+            <a:r>
+              <a:rPr lang="it-IT" dirty="0" err="1"/>
+              <a:t>that</a:t>
+            </a:r>
+            <a:r>
+              <a:rPr lang="it-IT" dirty="0"/>
+              <a:t> </a:t>
+            </a:r>
+            <a:r>
+              <a:rPr lang="it-IT" dirty="0" err="1"/>
+              <a:t>classifies</a:t>
+            </a:r>
+            <a:r>
+              <a:rPr lang="it-IT" dirty="0"/>
+              <a:t> CoViD-19 </a:t>
+            </a:r>
+            <a:r>
+              <a:rPr lang="it-IT" dirty="0" err="1"/>
+              <a:t>cases</a:t>
+            </a:r>
+            <a:r>
+              <a:rPr lang="it-IT" dirty="0"/>
+              <a:t> </a:t>
+            </a:r>
+            <a:r>
+              <a:rPr lang="it-IT" dirty="0" err="1"/>
+              <a:t>starting</a:t>
+            </a:r>
+            <a:r>
+              <a:rPr lang="it-IT" dirty="0"/>
+              <a:t> from </a:t>
+            </a:r>
+            <a:r>
+              <a:rPr lang="it-IT" dirty="0" err="1"/>
+              <a:t>chest</a:t>
+            </a:r>
+            <a:r>
+              <a:rPr lang="it-IT" dirty="0"/>
+              <a:t> x-</a:t>
+            </a:r>
+            <a:r>
+              <a:rPr lang="it-IT" dirty="0" err="1"/>
+              <a:t>ray</a:t>
+            </a:r>
+            <a:r>
+              <a:rPr lang="it-IT" dirty="0"/>
+              <a:t> </a:t>
+            </a:r>
+            <a:r>
+              <a:rPr lang="it-IT" dirty="0" err="1"/>
+              <a:t>scans</a:t>
+            </a:r>
+            <a:r>
+              <a:rPr lang="it-IT" dirty="0"/>
+              <a:t>.</a:t>
+            </a:r>
+          </a:p>
+          <a:p>
+            <a:r>
+              <a:rPr lang="it-IT" dirty="0"/>
+              <a:t>In </a:t>
+            </a:r>
+            <a:r>
+              <a:rPr lang="it-IT" dirty="0" err="1"/>
+              <a:t>order</a:t>
+            </a:r>
+            <a:r>
+              <a:rPr lang="it-IT" dirty="0"/>
+              <a:t> to make the model more </a:t>
+            </a:r>
+            <a:r>
+              <a:rPr lang="it-IT" dirty="0" err="1"/>
+              <a:t>robust</a:t>
+            </a:r>
+            <a:r>
+              <a:rPr lang="it-IT" dirty="0"/>
+              <a:t> to </a:t>
+            </a:r>
+            <a:r>
+              <a:rPr lang="it-IT" dirty="0" err="1"/>
+              <a:t>adversarial</a:t>
+            </a:r>
+            <a:r>
+              <a:rPr lang="it-IT" dirty="0"/>
+              <a:t> </a:t>
+            </a:r>
+            <a:r>
+              <a:rPr lang="it-IT" dirty="0" err="1"/>
+              <a:t>attacks</a:t>
+            </a:r>
+            <a:r>
+              <a:rPr lang="it-IT" dirty="0"/>
+              <a:t>, the idea </a:t>
+            </a:r>
+            <a:r>
+              <a:rPr lang="it-IT" dirty="0" err="1"/>
+              <a:t>is</a:t>
+            </a:r>
+            <a:r>
+              <a:rPr lang="it-IT" dirty="0"/>
+              <a:t> to fine-</a:t>
+            </a:r>
+            <a:r>
+              <a:rPr lang="it-IT" dirty="0" err="1"/>
+              <a:t>tune</a:t>
+            </a:r>
+            <a:r>
+              <a:rPr lang="it-IT" dirty="0"/>
+              <a:t> the model with </a:t>
+            </a:r>
+            <a:r>
+              <a:rPr lang="it-IT" dirty="0" err="1"/>
+              <a:t>perturbed</a:t>
+            </a:r>
+            <a:r>
+              <a:rPr lang="it-IT" dirty="0"/>
+              <a:t> images after a first </a:t>
+            </a:r>
+            <a:r>
+              <a:rPr lang="it-IT" dirty="0" err="1"/>
+              <a:t>phase</a:t>
+            </a:r>
+            <a:r>
+              <a:rPr lang="it-IT" dirty="0"/>
+              <a:t> of training on </a:t>
+            </a:r>
+            <a:r>
+              <a:rPr lang="it-IT" dirty="0" err="1"/>
+              <a:t>normal</a:t>
+            </a:r>
+            <a:r>
+              <a:rPr lang="it-IT" dirty="0"/>
+              <a:t> data.</a:t>
+            </a:r>
+          </a:p>
+        </p:txBody>
+      </p:sp>
+      <p:sp>
+        <p:nvSpPr>
+          <p:cNvPr id="4" name="Segnaposto numero diapositiva 3">
+            <a:extLst>
+              <a:ext uri="{FF2B5EF4-FFF2-40B4-BE49-F238E27FC236}">
+                <a16:creationId xmlns:a16="http://schemas.microsoft.com/office/drawing/2014/main" id="{D9DD1673-3FDB-4385-BB02-5B1BECE49FBF}"/>
+              </a:ext>
+            </a:extLst>
+          </p:cNvPr>
+          <p:cNvSpPr>
+            <a:spLocks noGrp="1"/>
+          </p:cNvSpPr>
+          <p:nvPr>
+            <p:ph type="sldNum" sz="quarter" idx="12"/>
+          </p:nvPr>
+        </p:nvSpPr>
+        <p:spPr/>
+        <p:txBody>
+          <a:bodyPr/>
+          <a:lstStyle/>
+          <a:p>
+            <a:fld id="{E7A41E1B-4F70-4964-A407-84C68BE8251C}" type="slidenum">
+              <a:rPr lang="it-IT" smtClean="0"/>
+              <a:t>2</a:t>
+            </a:fld>
+            <a:endParaRPr lang="it-IT"/>
+          </a:p>
+        </p:txBody>
+      </p:sp>
+    </p:spTree>
+    <p:extLst>
+      <p:ext uri="{BB962C8B-B14F-4D97-AF65-F5344CB8AC3E}">
+        <p14:creationId xmlns:p14="http://schemas.microsoft.com/office/powerpoint/2010/main" val="2933321474"/>
+      </p:ext>
+    </p:extLst>
+  </p:cSld>
+  <p:clrMapOvr>
+    <a:masterClrMapping/>
+  </p:clrMapOvr>
+</p:sld>
+</file>
+
+<file path=ppt/slides/slide20.xml><?xml version="1.0" encoding="utf-8"?>
 <p:sld xmlns:a="http://schemas.openxmlformats.org/drawingml/2006/main" xmlns:r="http://schemas.openxmlformats.org/officeDocument/2006/relationships" xmlns:p="http://schemas.openxmlformats.org/presentationml/2006/main">
   <p:cSld>
     <p:spTree>
@@ -16229,20 +17145,638 @@
           </a:bodyPr>
           <a:lstStyle/>
           <a:p>
+            <a:r>
+              <a:rPr lang="it-IT" sz="3000" dirty="0" err="1"/>
+              <a:t>Adversarial</a:t>
+            </a:r>
+            <a:r>
+              <a:rPr lang="it-IT" sz="3000" dirty="0"/>
+              <a:t> Training, Fine </a:t>
+            </a:r>
+            <a:r>
+              <a:rPr lang="it-IT" sz="3000" dirty="0" err="1"/>
+              <a:t>tuning</a:t>
+            </a:r>
+            <a:r>
+              <a:rPr lang="it-IT" sz="3000" dirty="0"/>
+              <a:t> and </a:t>
+            </a:r>
+            <a:r>
+              <a:rPr lang="it-IT" sz="3000" dirty="0" err="1"/>
+              <a:t>evaluation</a:t>
+            </a:r>
+            <a:r>
+              <a:rPr lang="it-IT" sz="3000" dirty="0"/>
+              <a:t> of the model</a:t>
+            </a:r>
+          </a:p>
+        </p:txBody>
+      </p:sp>
+      <p:sp>
+        <p:nvSpPr>
+          <p:cNvPr id="3" name="Segnaposto contenuto 2"/>
+          <p:cNvSpPr>
+            <a:spLocks noGrp="1"/>
+          </p:cNvSpPr>
+          <p:nvPr>
+            <p:ph idx="1"/>
+          </p:nvPr>
+        </p:nvSpPr>
+        <p:spPr/>
+        <p:txBody>
+          <a:bodyPr>
+            <a:normAutofit fontScale="92500" lnSpcReduction="10000"/>
+          </a:bodyPr>
+          <a:lstStyle/>
+          <a:p>
+            <a:r>
+              <a:rPr lang="it-IT" dirty="0" err="1"/>
+              <a:t>Same</a:t>
+            </a:r>
+            <a:r>
+              <a:rPr lang="it-IT" dirty="0"/>
+              <a:t> </a:t>
+            </a:r>
+            <a:r>
+              <a:rPr lang="it-IT" dirty="0" err="1"/>
+              <a:t>operations</a:t>
+            </a:r>
+            <a:r>
+              <a:rPr lang="it-IT" dirty="0"/>
+              <a:t> </a:t>
+            </a:r>
+            <a:r>
+              <a:rPr lang="it-IT" dirty="0" err="1"/>
+              <a:t>performed</a:t>
+            </a:r>
+            <a:r>
+              <a:rPr lang="it-IT" dirty="0"/>
+              <a:t> </a:t>
+            </a:r>
+            <a:r>
+              <a:rPr lang="it-IT" dirty="0" err="1"/>
+              <a:t>before</a:t>
+            </a:r>
+            <a:r>
+              <a:rPr lang="it-IT" dirty="0"/>
+              <a:t>, are </a:t>
+            </a:r>
+            <a:r>
+              <a:rPr lang="it-IT" dirty="0" err="1"/>
+              <a:t>repeated</a:t>
+            </a:r>
+            <a:r>
+              <a:rPr lang="it-IT" dirty="0"/>
+              <a:t> in </a:t>
+            </a:r>
+            <a:r>
+              <a:rPr lang="it-IT" dirty="0" err="1"/>
+              <a:t>adversarial</a:t>
+            </a:r>
+            <a:r>
+              <a:rPr lang="it-IT" dirty="0"/>
+              <a:t> mode. </a:t>
+            </a:r>
+          </a:p>
+          <a:p>
+            <a:r>
+              <a:rPr lang="it-IT" dirty="0"/>
+              <a:t>A new </a:t>
+            </a:r>
+            <a:r>
+              <a:rPr lang="it-IT" dirty="0" err="1"/>
+              <a:t>adversarial</a:t>
+            </a:r>
+            <a:r>
+              <a:rPr lang="it-IT" dirty="0"/>
+              <a:t> image </a:t>
+            </a:r>
+            <a:r>
+              <a:rPr lang="it-IT" dirty="0" err="1"/>
+              <a:t>dataset</a:t>
+            </a:r>
+            <a:r>
+              <a:rPr lang="it-IT" dirty="0"/>
+              <a:t> </a:t>
+            </a:r>
+            <a:r>
+              <a:rPr lang="it-IT" dirty="0" err="1"/>
+              <a:t>is</a:t>
+            </a:r>
+            <a:r>
+              <a:rPr lang="it-IT" dirty="0"/>
+              <a:t> </a:t>
+            </a:r>
+            <a:r>
+              <a:rPr lang="it-IT" dirty="0" err="1"/>
+              <a:t>created</a:t>
+            </a:r>
+            <a:r>
+              <a:rPr lang="it-IT" dirty="0"/>
+              <a:t>; the new </a:t>
+            </a:r>
+            <a:r>
+              <a:rPr lang="it-IT" dirty="0" err="1"/>
+              <a:t>loaders</a:t>
+            </a:r>
+            <a:r>
+              <a:rPr lang="it-IT" dirty="0"/>
+              <a:t> are </a:t>
+            </a:r>
+            <a:r>
+              <a:rPr lang="it-IT" dirty="0" err="1"/>
+              <a:t>created</a:t>
+            </a:r>
+            <a:r>
+              <a:rPr lang="it-IT" dirty="0"/>
+              <a:t> </a:t>
+            </a:r>
+            <a:r>
+              <a:rPr lang="it-IT" dirty="0" err="1"/>
+              <a:t>through</a:t>
+            </a:r>
+            <a:r>
+              <a:rPr lang="it-IT" dirty="0"/>
+              <a:t> </a:t>
+            </a:r>
+            <a:r>
+              <a:rPr lang="it-IT" dirty="0" err="1"/>
+              <a:t>concatenation</a:t>
+            </a:r>
+            <a:r>
+              <a:rPr lang="it-IT" dirty="0"/>
+              <a:t> of the </a:t>
+            </a:r>
+            <a:r>
+              <a:rPr lang="it-IT" dirty="0" err="1"/>
+              <a:t>original</a:t>
+            </a:r>
+            <a:r>
+              <a:rPr lang="it-IT" dirty="0"/>
+              <a:t> </a:t>
+            </a:r>
+            <a:r>
+              <a:rPr lang="it-IT" dirty="0" err="1"/>
+              <a:t>dataset</a:t>
+            </a:r>
+            <a:r>
+              <a:rPr lang="it-IT" dirty="0"/>
+              <a:t> and the </a:t>
+            </a:r>
+            <a:r>
+              <a:rPr lang="it-IT" dirty="0" err="1"/>
+              <a:t>adversarial</a:t>
+            </a:r>
+            <a:r>
+              <a:rPr lang="it-IT" dirty="0"/>
+              <a:t> </a:t>
+            </a:r>
+            <a:r>
+              <a:rPr lang="it-IT" dirty="0" err="1"/>
+              <a:t>one</a:t>
+            </a:r>
+            <a:r>
+              <a:rPr lang="it-IT" dirty="0"/>
+              <a:t>; to do </a:t>
+            </a:r>
+            <a:r>
+              <a:rPr lang="it-IT" dirty="0" err="1"/>
+              <a:t>this</a:t>
+            </a:r>
+            <a:r>
+              <a:rPr lang="it-IT" dirty="0"/>
+              <a:t>, </a:t>
+            </a:r>
+            <a:r>
+              <a:rPr lang="it-IT" dirty="0" err="1"/>
+              <a:t>ConcatDataset</a:t>
+            </a:r>
+            <a:r>
+              <a:rPr lang="it-IT" dirty="0"/>
+              <a:t> </a:t>
+            </a:r>
+            <a:r>
+              <a:rPr lang="it-IT" dirty="0" err="1"/>
+              <a:t>class</a:t>
+            </a:r>
+            <a:r>
+              <a:rPr lang="it-IT" dirty="0"/>
+              <a:t> </a:t>
+            </a:r>
+            <a:r>
+              <a:rPr lang="it-IT" dirty="0" err="1"/>
+              <a:t>is</a:t>
+            </a:r>
+            <a:r>
+              <a:rPr lang="it-IT" dirty="0"/>
+              <a:t> </a:t>
+            </a:r>
+            <a:r>
+              <a:rPr lang="it-IT" dirty="0" err="1"/>
+              <a:t>used</a:t>
+            </a:r>
+            <a:r>
+              <a:rPr lang="it-IT" dirty="0"/>
+              <a:t>.</a:t>
+            </a:r>
+          </a:p>
+          <a:p>
+            <a:r>
+              <a:rPr lang="it-IT" dirty="0"/>
+              <a:t>Model </a:t>
+            </a:r>
+            <a:r>
+              <a:rPr lang="it-IT" dirty="0" err="1"/>
+              <a:t>is</a:t>
+            </a:r>
+            <a:r>
+              <a:rPr lang="it-IT" dirty="0"/>
+              <a:t> </a:t>
+            </a:r>
+            <a:r>
+              <a:rPr lang="it-IT" dirty="0" err="1"/>
+              <a:t>trained</a:t>
+            </a:r>
+            <a:r>
+              <a:rPr lang="it-IT" dirty="0"/>
+              <a:t> with </a:t>
+            </a:r>
+            <a:r>
+              <a:rPr lang="it-IT" dirty="0" err="1"/>
+              <a:t>perturbed</a:t>
+            </a:r>
+            <a:r>
+              <a:rPr lang="it-IT" dirty="0"/>
+              <a:t> images, tuning </a:t>
+            </a:r>
+            <a:r>
+              <a:rPr lang="it-IT" dirty="0" err="1"/>
+              <a:t>parameters</a:t>
+            </a:r>
+            <a:r>
+              <a:rPr lang="it-IT" dirty="0"/>
+              <a:t>. </a:t>
+            </a:r>
+            <a:r>
+              <a:rPr lang="it-IT" dirty="0" err="1"/>
+              <a:t>Then</a:t>
+            </a:r>
+            <a:r>
+              <a:rPr lang="it-IT" dirty="0"/>
+              <a:t>, </a:t>
+            </a:r>
+            <a:r>
+              <a:rPr lang="it-IT" dirty="0" err="1"/>
+              <a:t>evaluation</a:t>
+            </a:r>
+            <a:r>
+              <a:rPr lang="it-IT" dirty="0"/>
+              <a:t> </a:t>
+            </a:r>
+            <a:r>
+              <a:rPr lang="it-IT" dirty="0" err="1"/>
+              <a:t>operations</a:t>
+            </a:r>
+            <a:r>
+              <a:rPr lang="it-IT" dirty="0"/>
+              <a:t> are </a:t>
+            </a:r>
+            <a:r>
+              <a:rPr lang="it-IT" dirty="0" err="1"/>
+              <a:t>repeated</a:t>
+            </a:r>
+            <a:r>
+              <a:rPr lang="it-IT" dirty="0"/>
+              <a:t>.</a:t>
+            </a:r>
+          </a:p>
+        </p:txBody>
+      </p:sp>
+      <p:sp>
+        <p:nvSpPr>
+          <p:cNvPr id="4" name="Segnaposto numero diapositiva 3"/>
+          <p:cNvSpPr>
+            <a:spLocks noGrp="1"/>
+          </p:cNvSpPr>
+          <p:nvPr>
+            <p:ph type="sldNum" sz="quarter" idx="12"/>
+          </p:nvPr>
+        </p:nvSpPr>
+        <p:spPr/>
+        <p:txBody>
+          <a:bodyPr/>
+          <a:lstStyle/>
+          <a:p>
+            <a:fld id="{E7A41E1B-4F70-4964-A407-84C68BE8251C}" type="slidenum">
+              <a:rPr lang="it-IT" smtClean="0"/>
+              <a:t>20</a:t>
+            </a:fld>
+            <a:endParaRPr lang="it-IT"/>
+          </a:p>
+        </p:txBody>
+      </p:sp>
+    </p:spTree>
+    <p:extLst>
+      <p:ext uri="{BB962C8B-B14F-4D97-AF65-F5344CB8AC3E}">
+        <p14:creationId xmlns:p14="http://schemas.microsoft.com/office/powerpoint/2010/main" val="3034427811"/>
+      </p:ext>
+    </p:extLst>
+  </p:cSld>
+  <p:clrMapOvr>
+    <a:masterClrMapping/>
+  </p:clrMapOvr>
+</p:sld>
+</file>
+
+<file path=ppt/slides/slide21.xml><?xml version="1.0" encoding="utf-8"?>
+<p:sld xmlns:a="http://schemas.openxmlformats.org/drawingml/2006/main" xmlns:r="http://schemas.openxmlformats.org/officeDocument/2006/relationships" xmlns:p="http://schemas.openxmlformats.org/presentationml/2006/main">
+  <p:cSld>
+    <p:spTree>
+      <p:nvGrpSpPr>
+        <p:cNvPr id="1" name=""/>
+        <p:cNvGrpSpPr/>
+        <p:nvPr/>
+      </p:nvGrpSpPr>
+      <p:grpSpPr>
+        <a:xfrm>
+          <a:off x="0" y="0"/>
+          <a:ext cx="0" cy="0"/>
+          <a:chOff x="0" y="0"/>
+          <a:chExt cx="0" cy="0"/>
+        </a:xfrm>
+      </p:grpSpPr>
+      <p:sp>
+        <p:nvSpPr>
+          <p:cNvPr id="2" name="Titolo 1"/>
+          <p:cNvSpPr>
+            <a:spLocks noGrp="1"/>
+          </p:cNvSpPr>
+          <p:nvPr>
+            <p:ph type="title"/>
+          </p:nvPr>
+        </p:nvSpPr>
+        <p:spPr/>
+        <p:txBody>
+          <a:bodyPr/>
+          <a:lstStyle/>
+          <a:p>
+            <a:r>
+              <a:rPr lang="it-IT" dirty="0" err="1"/>
+              <a:t>Results</a:t>
+            </a:r>
+            <a:endParaRPr lang="it-IT" dirty="0"/>
+          </a:p>
+        </p:txBody>
+      </p:sp>
+      <p:sp>
+        <p:nvSpPr>
+          <p:cNvPr id="4" name="Segnaposto numero diapositiva 3"/>
+          <p:cNvSpPr>
+            <a:spLocks noGrp="1"/>
+          </p:cNvSpPr>
+          <p:nvPr>
+            <p:ph type="sldNum" sz="quarter" idx="12"/>
+          </p:nvPr>
+        </p:nvSpPr>
+        <p:spPr/>
+        <p:txBody>
+          <a:bodyPr/>
+          <a:lstStyle/>
+          <a:p>
+            <a:fld id="{E7A41E1B-4F70-4964-A407-84C68BE8251C}" type="slidenum">
+              <a:rPr lang="it-IT" smtClean="0"/>
+              <a:t>21</a:t>
+            </a:fld>
+            <a:endParaRPr lang="it-IT"/>
+          </a:p>
+        </p:txBody>
+      </p:sp>
+    </p:spTree>
+    <p:extLst>
+      <p:ext uri="{BB962C8B-B14F-4D97-AF65-F5344CB8AC3E}">
+        <p14:creationId xmlns:p14="http://schemas.microsoft.com/office/powerpoint/2010/main" val="1926772740"/>
+      </p:ext>
+    </p:extLst>
+  </p:cSld>
+  <p:clrMapOvr>
+    <a:masterClrMapping/>
+  </p:clrMapOvr>
+</p:sld>
+</file>
+
+<file path=ppt/slides/slide22.xml><?xml version="1.0" encoding="utf-8"?>
+<p:sld xmlns:a="http://schemas.openxmlformats.org/drawingml/2006/main" xmlns:r="http://schemas.openxmlformats.org/officeDocument/2006/relationships" xmlns:p="http://schemas.openxmlformats.org/presentationml/2006/main">
+  <p:cSld>
+    <p:spTree>
+      <p:nvGrpSpPr>
+        <p:cNvPr id="1" name=""/>
+        <p:cNvGrpSpPr/>
+        <p:nvPr/>
+      </p:nvGrpSpPr>
+      <p:grpSpPr>
+        <a:xfrm>
+          <a:off x="0" y="0"/>
+          <a:ext cx="0" cy="0"/>
+          <a:chOff x="0" y="0"/>
+          <a:chExt cx="0" cy="0"/>
+        </a:xfrm>
+      </p:grpSpPr>
+      <p:sp>
+        <p:nvSpPr>
+          <p:cNvPr id="2" name="Titolo 1"/>
+          <p:cNvSpPr>
+            <a:spLocks noGrp="1"/>
+          </p:cNvSpPr>
+          <p:nvPr>
+            <p:ph type="title"/>
+          </p:nvPr>
+        </p:nvSpPr>
+        <p:spPr/>
+        <p:txBody>
+          <a:bodyPr>
+            <a:normAutofit/>
+          </a:bodyPr>
+          <a:lstStyle/>
+          <a:p>
             <a:pPr algn="ctr"/>
             <a:r>
-              <a:rPr lang="it-IT" sz="3000" dirty="0" smtClean="0"/>
+              <a:rPr lang="it-IT" sz="3000" dirty="0"/>
+              <a:t>Setup</a:t>
+            </a:r>
+          </a:p>
+        </p:txBody>
+      </p:sp>
+      <p:sp>
+        <p:nvSpPr>
+          <p:cNvPr id="3" name="Segnaposto contenuto 2"/>
+          <p:cNvSpPr>
+            <a:spLocks noGrp="1"/>
+          </p:cNvSpPr>
+          <p:nvPr>
+            <p:ph idx="1"/>
+          </p:nvPr>
+        </p:nvSpPr>
+        <p:spPr/>
+        <p:txBody>
+          <a:bodyPr/>
+          <a:lstStyle/>
+          <a:p>
+            <a:pPr marL="68580" indent="0">
+              <a:buNone/>
+            </a:pPr>
+            <a:r>
+              <a:rPr lang="it-IT" dirty="0"/>
+              <a:t>For test, the </a:t>
+            </a:r>
+            <a:r>
+              <a:rPr lang="it-IT" dirty="0" err="1"/>
+              <a:t>following</a:t>
+            </a:r>
+            <a:r>
+              <a:rPr lang="it-IT" dirty="0"/>
+              <a:t> </a:t>
+            </a:r>
+            <a:r>
+              <a:rPr lang="it-IT" dirty="0" err="1"/>
+              <a:t>parameters</a:t>
+            </a:r>
+            <a:r>
+              <a:rPr lang="it-IT" dirty="0"/>
+              <a:t> are </a:t>
+            </a:r>
+            <a:r>
+              <a:rPr lang="it-IT" dirty="0" err="1"/>
+              <a:t>used</a:t>
+            </a:r>
+            <a:r>
+              <a:rPr lang="it-IT" dirty="0"/>
+              <a:t>:</a:t>
+            </a:r>
+          </a:p>
+          <a:p>
+            <a:r>
+              <a:rPr lang="it-IT" dirty="0"/>
+              <a:t>Batch </a:t>
+            </a:r>
+            <a:r>
+              <a:rPr lang="it-IT" dirty="0" err="1"/>
+              <a:t>size</a:t>
+            </a:r>
+            <a:r>
+              <a:rPr lang="it-IT" dirty="0"/>
+              <a:t> = 8;</a:t>
+            </a:r>
+          </a:p>
+          <a:p>
+            <a:r>
+              <a:rPr lang="it-IT" dirty="0"/>
+              <a:t>Learning rate = 10^-4</a:t>
+            </a:r>
+          </a:p>
+          <a:p>
+            <a:r>
+              <a:rPr lang="it-IT" dirty="0" err="1"/>
+              <a:t>Num</a:t>
+            </a:r>
+            <a:r>
+              <a:rPr lang="it-IT" dirty="0"/>
+              <a:t> of </a:t>
+            </a:r>
+            <a:r>
+              <a:rPr lang="it-IT" dirty="0" err="1"/>
+              <a:t>epochs</a:t>
+            </a:r>
+            <a:r>
+              <a:rPr lang="it-IT" dirty="0"/>
+              <a:t>= 50</a:t>
+            </a:r>
+          </a:p>
+        </p:txBody>
+      </p:sp>
+      <p:sp>
+        <p:nvSpPr>
+          <p:cNvPr id="4" name="Segnaposto numero diapositiva 3"/>
+          <p:cNvSpPr>
+            <a:spLocks noGrp="1"/>
+          </p:cNvSpPr>
+          <p:nvPr>
+            <p:ph type="sldNum" sz="quarter" idx="12"/>
+          </p:nvPr>
+        </p:nvSpPr>
+        <p:spPr/>
+        <p:txBody>
+          <a:bodyPr/>
+          <a:lstStyle/>
+          <a:p>
+            <a:fld id="{E7A41E1B-4F70-4964-A407-84C68BE8251C}" type="slidenum">
+              <a:rPr lang="it-IT" smtClean="0"/>
+              <a:t>22</a:t>
+            </a:fld>
+            <a:endParaRPr lang="it-IT"/>
+          </a:p>
+        </p:txBody>
+      </p:sp>
+    </p:spTree>
+    <p:extLst>
+      <p:ext uri="{BB962C8B-B14F-4D97-AF65-F5344CB8AC3E}">
+        <p14:creationId xmlns:p14="http://schemas.microsoft.com/office/powerpoint/2010/main" val="533050277"/>
+      </p:ext>
+    </p:extLst>
+  </p:cSld>
+  <p:clrMapOvr>
+    <a:masterClrMapping/>
+  </p:clrMapOvr>
+</p:sld>
+</file>
+
+<file path=ppt/slides/slide23.xml><?xml version="1.0" encoding="utf-8"?>
+<p:sld xmlns:a="http://schemas.openxmlformats.org/drawingml/2006/main" xmlns:r="http://schemas.openxmlformats.org/officeDocument/2006/relationships" xmlns:p="http://schemas.openxmlformats.org/presentationml/2006/main">
+  <p:cSld>
+    <p:spTree>
+      <p:nvGrpSpPr>
+        <p:cNvPr id="1" name=""/>
+        <p:cNvGrpSpPr/>
+        <p:nvPr/>
+      </p:nvGrpSpPr>
+      <p:grpSpPr>
+        <a:xfrm>
+          <a:off x="0" y="0"/>
+          <a:ext cx="0" cy="0"/>
+          <a:chOff x="0" y="0"/>
+          <a:chExt cx="0" cy="0"/>
+        </a:xfrm>
+      </p:grpSpPr>
+      <p:sp>
+        <p:nvSpPr>
+          <p:cNvPr id="2" name="Titolo 1"/>
+          <p:cNvSpPr>
+            <a:spLocks noGrp="1"/>
+          </p:cNvSpPr>
+          <p:nvPr>
+            <p:ph type="title"/>
+          </p:nvPr>
+        </p:nvSpPr>
+        <p:spPr/>
+        <p:txBody>
+          <a:bodyPr>
+            <a:normAutofit/>
+          </a:bodyPr>
+          <a:lstStyle/>
+          <a:p>
+            <a:pPr algn="ctr"/>
+            <a:r>
+              <a:rPr lang="it-IT" sz="3000" dirty="0"/>
               <a:t>From Scratch Model </a:t>
             </a:r>
             <a:br>
-              <a:rPr lang="it-IT" sz="3000" dirty="0" smtClean="0"/>
+              <a:rPr lang="it-IT" sz="3000" dirty="0"/>
             </a:br>
             <a:r>
-              <a:rPr lang="it-IT" sz="3000" dirty="0" smtClean="0"/>
+              <a:rPr lang="it-IT" sz="3000" dirty="0"/>
               <a:t>Train </a:t>
             </a:r>
             <a:r>
-              <a:rPr lang="it-IT" sz="3000" dirty="0" err="1" smtClean="0"/>
+              <a:rPr lang="it-IT" sz="3000" dirty="0" err="1"/>
               <a:t>Results</a:t>
             </a:r>
             <a:endParaRPr lang="it-IT" sz="3000" dirty="0"/>
@@ -16268,7 +17802,7 @@
           <a:p>
             <a:pPr algn="ctr"/>
             <a:r>
-              <a:rPr lang="it-IT" sz="2000" dirty="0" err="1" smtClean="0"/>
+              <a:rPr lang="it-IT" sz="2000" dirty="0" err="1"/>
               <a:t>Accuracy</a:t>
             </a:r>
             <a:endParaRPr lang="it-IT" sz="2000" dirty="0"/>
@@ -16323,7 +17857,7 @@
           <a:p>
             <a:pPr algn="ctr"/>
             <a:r>
-              <a:rPr lang="it-IT" sz="2000" dirty="0" err="1" smtClean="0"/>
+              <a:rPr lang="it-IT" sz="2000" dirty="0" err="1"/>
               <a:t>Loss</a:t>
             </a:r>
             <a:endParaRPr lang="it-IT" sz="2000" dirty="0"/>
@@ -16376,7 +17910,7 @@
           <a:p>
             <a:fld id="{E7A41E1B-4F70-4964-A407-84C68BE8251C}" type="slidenum">
               <a:rPr lang="it-IT" smtClean="0"/>
-              <a:t>19</a:t>
+              <a:t>23</a:t>
             </a:fld>
             <a:endParaRPr lang="it-IT"/>
           </a:p>
@@ -16395,7 +17929,1870 @@
 </p:sld>
 </file>
 
-<file path=ppt/slides/slide2.xml><?xml version="1.0" encoding="utf-8"?>
+<file path=ppt/slides/slide24.xml><?xml version="1.0" encoding="utf-8"?>
+<p:sld xmlns:a="http://schemas.openxmlformats.org/drawingml/2006/main" xmlns:r="http://schemas.openxmlformats.org/officeDocument/2006/relationships" xmlns:p="http://schemas.openxmlformats.org/presentationml/2006/main">
+  <p:cSld>
+    <p:spTree>
+      <p:nvGrpSpPr>
+        <p:cNvPr id="1" name=""/>
+        <p:cNvGrpSpPr/>
+        <p:nvPr/>
+      </p:nvGrpSpPr>
+      <p:grpSpPr>
+        <a:xfrm>
+          <a:off x="0" y="0"/>
+          <a:ext cx="0" cy="0"/>
+          <a:chOff x="0" y="0"/>
+          <a:chExt cx="0" cy="0"/>
+        </a:xfrm>
+      </p:grpSpPr>
+      <p:sp>
+        <p:nvSpPr>
+          <p:cNvPr id="2" name="Titolo 1"/>
+          <p:cNvSpPr>
+            <a:spLocks noGrp="1"/>
+          </p:cNvSpPr>
+          <p:nvPr>
+            <p:ph type="title"/>
+          </p:nvPr>
+        </p:nvSpPr>
+        <p:spPr/>
+        <p:txBody>
+          <a:bodyPr>
+            <a:normAutofit/>
+          </a:bodyPr>
+          <a:lstStyle/>
+          <a:p>
+            <a:pPr algn="ctr"/>
+            <a:r>
+              <a:rPr lang="it-IT" sz="3000" dirty="0" err="1"/>
+              <a:t>Adversarial</a:t>
+            </a:r>
+            <a:r>
+              <a:rPr lang="it-IT" sz="3000" dirty="0"/>
+              <a:t> Fine </a:t>
+            </a:r>
+            <a:r>
+              <a:rPr lang="it-IT" sz="3000" dirty="0" err="1"/>
+              <a:t>Tuned</a:t>
+            </a:r>
+            <a:r>
+              <a:rPr lang="it-IT" sz="3000" dirty="0"/>
+              <a:t> Model</a:t>
+            </a:r>
+            <a:br>
+              <a:rPr lang="it-IT" sz="3000" dirty="0"/>
+            </a:br>
+            <a:r>
+              <a:rPr lang="it-IT" sz="3000" dirty="0"/>
+              <a:t>Train </a:t>
+            </a:r>
+            <a:r>
+              <a:rPr lang="it-IT" sz="3000" dirty="0" err="1"/>
+              <a:t>Results</a:t>
+            </a:r>
+            <a:endParaRPr lang="it-IT" sz="3000" dirty="0"/>
+          </a:p>
+        </p:txBody>
+      </p:sp>
+      <p:sp>
+        <p:nvSpPr>
+          <p:cNvPr id="3" name="Segnaposto testo 2"/>
+          <p:cNvSpPr>
+            <a:spLocks noGrp="1"/>
+          </p:cNvSpPr>
+          <p:nvPr>
+            <p:ph type="body" idx="1"/>
+          </p:nvPr>
+        </p:nvSpPr>
+        <p:spPr/>
+        <p:txBody>
+          <a:bodyPr>
+            <a:normAutofit/>
+          </a:bodyPr>
+          <a:lstStyle/>
+          <a:p>
+            <a:pPr algn="ctr"/>
+            <a:r>
+              <a:rPr lang="it-IT" sz="2000" dirty="0" err="1"/>
+              <a:t>Accuracy</a:t>
+            </a:r>
+            <a:endParaRPr lang="it-IT" sz="2000" dirty="0"/>
+          </a:p>
+        </p:txBody>
+      </p:sp>
+      <p:pic>
+        <p:nvPicPr>
+          <p:cNvPr id="9" name="Segnaposto contenuto 8"/>
+          <p:cNvPicPr>
+            <a:picLocks noGrp="1" noChangeAspect="1"/>
+          </p:cNvPicPr>
+          <p:nvPr>
+            <p:ph sz="half" idx="2"/>
+          </p:nvPr>
+        </p:nvPicPr>
+        <p:blipFill>
+          <a:blip r:embed="rId2">
+            <a:extLst>
+              <a:ext uri="{28A0092B-C50C-407E-A947-70E740481C1C}">
+                <a14:useLocalDpi xmlns:a14="http://schemas.microsoft.com/office/drawing/2010/main" val="0"/>
+              </a:ext>
+            </a:extLst>
+          </a:blip>
+          <a:stretch>
+            <a:fillRect/>
+          </a:stretch>
+        </p:blipFill>
+        <p:spPr>
+          <a:xfrm>
+            <a:off x="1041400" y="3198510"/>
+            <a:ext cx="3419475" cy="2388204"/>
+          </a:xfrm>
+        </p:spPr>
+      </p:pic>
+      <p:sp>
+        <p:nvSpPr>
+          <p:cNvPr id="5" name="Segnaposto testo 4"/>
+          <p:cNvSpPr>
+            <a:spLocks noGrp="1"/>
+          </p:cNvSpPr>
+          <p:nvPr>
+            <p:ph type="body" sz="quarter" idx="3"/>
+          </p:nvPr>
+        </p:nvSpPr>
+        <p:spPr/>
+        <p:txBody>
+          <a:bodyPr/>
+          <a:lstStyle/>
+          <a:p>
+            <a:pPr algn="ctr"/>
+            <a:r>
+              <a:rPr lang="it-IT" sz="2000" dirty="0" err="1"/>
+              <a:t>Loss</a:t>
+            </a:r>
+            <a:r>
+              <a:rPr lang="it-IT" dirty="0"/>
+              <a:t>	</a:t>
+            </a:r>
+          </a:p>
+        </p:txBody>
+      </p:sp>
+      <p:pic>
+        <p:nvPicPr>
+          <p:cNvPr id="8" name="Segnaposto contenuto 7"/>
+          <p:cNvPicPr>
+            <a:picLocks noGrp="1" noChangeAspect="1"/>
+          </p:cNvPicPr>
+          <p:nvPr>
+            <p:ph sz="quarter" idx="4"/>
+          </p:nvPr>
+        </p:nvPicPr>
+        <p:blipFill>
+          <a:blip r:embed="rId3">
+            <a:extLst>
+              <a:ext uri="{28A0092B-C50C-407E-A947-70E740481C1C}">
+                <a14:useLocalDpi xmlns:a14="http://schemas.microsoft.com/office/drawing/2010/main" val="0"/>
+              </a:ext>
+            </a:extLst>
+          </a:blip>
+          <a:stretch>
+            <a:fillRect/>
+          </a:stretch>
+        </p:blipFill>
+        <p:spPr>
+          <a:xfrm>
+            <a:off x="4645025" y="3198510"/>
+            <a:ext cx="3419475" cy="2388204"/>
+          </a:xfrm>
+        </p:spPr>
+      </p:pic>
+      <p:sp>
+        <p:nvSpPr>
+          <p:cNvPr id="7" name="Segnaposto numero diapositiva 6"/>
+          <p:cNvSpPr>
+            <a:spLocks noGrp="1"/>
+          </p:cNvSpPr>
+          <p:nvPr>
+            <p:ph type="sldNum" sz="quarter" idx="12"/>
+          </p:nvPr>
+        </p:nvSpPr>
+        <p:spPr/>
+        <p:txBody>
+          <a:bodyPr/>
+          <a:lstStyle/>
+          <a:p>
+            <a:fld id="{E7A41E1B-4F70-4964-A407-84C68BE8251C}" type="slidenum">
+              <a:rPr lang="it-IT" smtClean="0"/>
+              <a:t>24</a:t>
+            </a:fld>
+            <a:endParaRPr lang="it-IT"/>
+          </a:p>
+        </p:txBody>
+      </p:sp>
+    </p:spTree>
+    <p:extLst>
+      <p:ext uri="{BB962C8B-B14F-4D97-AF65-F5344CB8AC3E}">
+        <p14:creationId xmlns:p14="http://schemas.microsoft.com/office/powerpoint/2010/main" val="350643255"/>
+      </p:ext>
+    </p:extLst>
+  </p:cSld>
+  <p:clrMapOvr>
+    <a:masterClrMapping/>
+  </p:clrMapOvr>
+</p:sld>
+</file>
+
+<file path=ppt/slides/slide25.xml><?xml version="1.0" encoding="utf-8"?>
+<p:sld xmlns:a="http://schemas.openxmlformats.org/drawingml/2006/main" xmlns:r="http://schemas.openxmlformats.org/officeDocument/2006/relationships" xmlns:p="http://schemas.openxmlformats.org/presentationml/2006/main">
+  <p:cSld>
+    <p:spTree>
+      <p:nvGrpSpPr>
+        <p:cNvPr id="1" name=""/>
+        <p:cNvGrpSpPr/>
+        <p:nvPr/>
+      </p:nvGrpSpPr>
+      <p:grpSpPr>
+        <a:xfrm>
+          <a:off x="0" y="0"/>
+          <a:ext cx="0" cy="0"/>
+          <a:chOff x="0" y="0"/>
+          <a:chExt cx="0" cy="0"/>
+        </a:xfrm>
+      </p:grpSpPr>
+      <p:sp>
+        <p:nvSpPr>
+          <p:cNvPr id="2" name="Titolo 1"/>
+          <p:cNvSpPr>
+            <a:spLocks noGrp="1"/>
+          </p:cNvSpPr>
+          <p:nvPr>
+            <p:ph type="title"/>
+          </p:nvPr>
+        </p:nvSpPr>
+        <p:spPr/>
+        <p:txBody>
+          <a:bodyPr>
+            <a:normAutofit/>
+          </a:bodyPr>
+          <a:lstStyle/>
+          <a:p>
+            <a:pPr algn="ctr"/>
+            <a:r>
+              <a:rPr lang="it-IT" sz="3000" dirty="0" err="1"/>
+              <a:t>Confusion</a:t>
+            </a:r>
+            <a:r>
+              <a:rPr lang="it-IT" sz="3000" dirty="0"/>
+              <a:t> Matrix</a:t>
+            </a:r>
+          </a:p>
+        </p:txBody>
+      </p:sp>
+      <p:graphicFrame>
+        <p:nvGraphicFramePr>
+          <p:cNvPr id="6" name="Tabella 6">
+            <a:extLst>
+              <a:ext uri="{FF2B5EF4-FFF2-40B4-BE49-F238E27FC236}">
+                <a16:creationId xmlns:a16="http://schemas.microsoft.com/office/drawing/2014/main" id="{F37D3E9E-D03E-4546-B925-2019F6ACC83F}"/>
+              </a:ext>
+            </a:extLst>
+          </p:cNvPr>
+          <p:cNvGraphicFramePr>
+            <a:graphicFrameLocks noGrp="1"/>
+          </p:cNvGraphicFramePr>
+          <p:nvPr>
+            <p:ph idx="1"/>
+            <p:extLst>
+              <p:ext uri="{D42A27DB-BD31-4B8C-83A1-F6EECF244321}">
+                <p14:modId xmlns:p14="http://schemas.microsoft.com/office/powerpoint/2010/main" val="920410184"/>
+              </p:ext>
+            </p:extLst>
+          </p:nvPr>
+        </p:nvGraphicFramePr>
+        <p:xfrm>
+          <a:off x="1042989" y="2324101"/>
+          <a:ext cx="5905275" cy="2798556"/>
+        </p:xfrm>
+        <a:graphic>
+          <a:graphicData uri="http://schemas.openxmlformats.org/drawingml/2006/table">
+            <a:tbl>
+              <a:tblPr firstRow="1" firstCol="1" bandRow="1">
+                <a:tableStyleId>{5C22544A-7EE6-4342-B048-85BDC9FD1C3A}</a:tableStyleId>
+              </a:tblPr>
+              <a:tblGrid>
+                <a:gridCol w="1968425">
+                  <a:extLst>
+                    <a:ext uri="{9D8B030D-6E8A-4147-A177-3AD203B41FA5}">
+                      <a16:colId xmlns:a16="http://schemas.microsoft.com/office/drawing/2014/main" val="3531168911"/>
+                    </a:ext>
+                  </a:extLst>
+                </a:gridCol>
+                <a:gridCol w="1968425">
+                  <a:extLst>
+                    <a:ext uri="{9D8B030D-6E8A-4147-A177-3AD203B41FA5}">
+                      <a16:colId xmlns:a16="http://schemas.microsoft.com/office/drawing/2014/main" val="299153643"/>
+                    </a:ext>
+                  </a:extLst>
+                </a:gridCol>
+                <a:gridCol w="1968425">
+                  <a:extLst>
+                    <a:ext uri="{9D8B030D-6E8A-4147-A177-3AD203B41FA5}">
+                      <a16:colId xmlns:a16="http://schemas.microsoft.com/office/drawing/2014/main" val="1065390326"/>
+                    </a:ext>
+                  </a:extLst>
+                </a:gridCol>
+              </a:tblGrid>
+              <a:tr h="896358">
+                <a:tc>
+                  <a:txBody>
+                    <a:bodyPr/>
+                    <a:lstStyle/>
+                    <a:p>
+                      <a:pPr algn="r"/>
+                      <a:r>
+                        <a:rPr lang="it-IT" sz="1200" dirty="0"/>
+                        <a:t>             True </a:t>
+                      </a:r>
+                      <a:r>
+                        <a:rPr lang="it-IT" sz="1200" dirty="0" err="1"/>
+                        <a:t>values</a:t>
+                      </a:r>
+                      <a:endParaRPr lang="it-IT" sz="1200" dirty="0"/>
+                    </a:p>
+                    <a:p>
+                      <a:endParaRPr lang="it-IT" dirty="0"/>
+                    </a:p>
+                    <a:p>
+                      <a:endParaRPr lang="it-IT" dirty="0"/>
+                    </a:p>
+                    <a:p>
+                      <a:r>
+                        <a:rPr lang="it-IT" sz="1200" dirty="0" err="1"/>
+                        <a:t>Predicted</a:t>
+                      </a:r>
+                      <a:r>
+                        <a:rPr lang="it-IT" sz="1200" dirty="0"/>
+                        <a:t> </a:t>
+                      </a:r>
+                      <a:r>
+                        <a:rPr lang="it-IT" sz="1200" dirty="0" err="1"/>
+                        <a:t>values</a:t>
+                      </a:r>
+                      <a:endParaRPr lang="it-IT" sz="1200" dirty="0"/>
+                    </a:p>
+                  </a:txBody>
+                  <a:tcPr/>
+                </a:tc>
+                <a:tc>
+                  <a:txBody>
+                    <a:bodyPr/>
+                    <a:lstStyle/>
+                    <a:p>
+                      <a:r>
+                        <a:rPr lang="it-IT" dirty="0"/>
+                        <a:t>COVID</a:t>
+                      </a:r>
+                    </a:p>
+                  </a:txBody>
+                  <a:tcPr/>
+                </a:tc>
+                <a:tc>
+                  <a:txBody>
+                    <a:bodyPr/>
+                    <a:lstStyle/>
+                    <a:p>
+                      <a:r>
+                        <a:rPr lang="it-IT" dirty="0"/>
+                        <a:t>NO-COVID</a:t>
+                      </a:r>
+                    </a:p>
+                  </a:txBody>
+                  <a:tcPr/>
+                </a:tc>
+                <a:extLst>
+                  <a:ext uri="{0D108BD9-81ED-4DB2-BD59-A6C34878D82A}">
+                    <a16:rowId xmlns:a16="http://schemas.microsoft.com/office/drawing/2014/main" val="3677209026"/>
+                  </a:ext>
+                </a:extLst>
+              </a:tr>
+              <a:tr h="896358">
+                <a:tc>
+                  <a:txBody>
+                    <a:bodyPr/>
+                    <a:lstStyle/>
+                    <a:p>
+                      <a:pPr algn="l"/>
+                      <a:r>
+                        <a:rPr lang="it-IT" dirty="0"/>
+                        <a:t>COVID</a:t>
+                      </a:r>
+                    </a:p>
+                  </a:txBody>
+                  <a:tcPr/>
+                </a:tc>
+                <a:tc>
+                  <a:txBody>
+                    <a:bodyPr/>
+                    <a:lstStyle/>
+                    <a:p>
+                      <a:pPr algn="ctr"/>
+                      <a:r>
+                        <a:rPr lang="it-IT" dirty="0"/>
+                        <a:t>93</a:t>
+                      </a:r>
+                    </a:p>
+                  </a:txBody>
+                  <a:tcPr anchor="ctr"/>
+                </a:tc>
+                <a:tc>
+                  <a:txBody>
+                    <a:bodyPr/>
+                    <a:lstStyle/>
+                    <a:p>
+                      <a:pPr algn="ctr"/>
+                      <a:r>
+                        <a:rPr lang="it-IT" dirty="0"/>
+                        <a:t>50</a:t>
+                      </a:r>
+                    </a:p>
+                  </a:txBody>
+                  <a:tcPr anchor="ctr"/>
+                </a:tc>
+                <a:extLst>
+                  <a:ext uri="{0D108BD9-81ED-4DB2-BD59-A6C34878D82A}">
+                    <a16:rowId xmlns:a16="http://schemas.microsoft.com/office/drawing/2014/main" val="1971840670"/>
+                  </a:ext>
+                </a:extLst>
+              </a:tr>
+              <a:tr h="896358">
+                <a:tc>
+                  <a:txBody>
+                    <a:bodyPr/>
+                    <a:lstStyle/>
+                    <a:p>
+                      <a:pPr algn="l"/>
+                      <a:r>
+                        <a:rPr lang="it-IT" dirty="0"/>
+                        <a:t>NO-COVID</a:t>
+                      </a:r>
+                    </a:p>
+                  </a:txBody>
+                  <a:tcPr/>
+                </a:tc>
+                <a:tc>
+                  <a:txBody>
+                    <a:bodyPr/>
+                    <a:lstStyle/>
+                    <a:p>
+                      <a:pPr algn="ctr"/>
+                      <a:r>
+                        <a:rPr lang="it-IT" dirty="0"/>
+                        <a:t>108</a:t>
+                      </a:r>
+                    </a:p>
+                  </a:txBody>
+                  <a:tcPr anchor="ctr"/>
+                </a:tc>
+                <a:tc>
+                  <a:txBody>
+                    <a:bodyPr/>
+                    <a:lstStyle/>
+                    <a:p>
+                      <a:pPr algn="ctr"/>
+                      <a:r>
+                        <a:rPr lang="it-IT" dirty="0"/>
+                        <a:t>52</a:t>
+                      </a:r>
+                    </a:p>
+                  </a:txBody>
+                  <a:tcPr anchor="ctr"/>
+                </a:tc>
+                <a:extLst>
+                  <a:ext uri="{0D108BD9-81ED-4DB2-BD59-A6C34878D82A}">
+                    <a16:rowId xmlns:a16="http://schemas.microsoft.com/office/drawing/2014/main" val="3730546459"/>
+                  </a:ext>
+                </a:extLst>
+              </a:tr>
+            </a:tbl>
+          </a:graphicData>
+        </a:graphic>
+      </p:graphicFrame>
+      <p:sp>
+        <p:nvSpPr>
+          <p:cNvPr id="4" name="Segnaposto numero diapositiva 3"/>
+          <p:cNvSpPr>
+            <a:spLocks noGrp="1"/>
+          </p:cNvSpPr>
+          <p:nvPr>
+            <p:ph type="sldNum" sz="quarter" idx="12"/>
+          </p:nvPr>
+        </p:nvSpPr>
+        <p:spPr/>
+        <p:txBody>
+          <a:bodyPr/>
+          <a:lstStyle/>
+          <a:p>
+            <a:fld id="{E7A41E1B-4F70-4964-A407-84C68BE8251C}" type="slidenum">
+              <a:rPr lang="it-IT" smtClean="0"/>
+              <a:t>25</a:t>
+            </a:fld>
+            <a:endParaRPr lang="it-IT"/>
+          </a:p>
+        </p:txBody>
+      </p:sp>
+      <p:sp>
+        <p:nvSpPr>
+          <p:cNvPr id="3" name="CasellaDiTesto 2">
+            <a:extLst>
+              <a:ext uri="{FF2B5EF4-FFF2-40B4-BE49-F238E27FC236}">
+                <a16:creationId xmlns:a16="http://schemas.microsoft.com/office/drawing/2014/main" id="{E5AF7BCD-1DAD-49FE-8A2E-B4E6085270CF}"/>
+              </a:ext>
+            </a:extLst>
+          </p:cNvPr>
+          <p:cNvSpPr txBox="1"/>
+          <p:nvPr/>
+        </p:nvSpPr>
+        <p:spPr>
+          <a:xfrm>
+            <a:off x="1763688" y="5276094"/>
+            <a:ext cx="4871847" cy="923330"/>
+          </a:xfrm>
+          <a:prstGeom prst="rect">
+            <a:avLst/>
+          </a:prstGeom>
+          <a:noFill/>
+        </p:spPr>
+        <p:txBody>
+          <a:bodyPr wrap="none" rtlCol="0">
+            <a:spAutoFit/>
+          </a:bodyPr>
+          <a:lstStyle/>
+          <a:p>
+            <a:r>
+              <a:rPr lang="it-IT" dirty="0"/>
+              <a:t>Precision  = TP/ TP + FP = 93 / 143 = 65.03 %</a:t>
+            </a:r>
+          </a:p>
+          <a:p>
+            <a:endParaRPr lang="it-IT" dirty="0"/>
+          </a:p>
+          <a:p>
+            <a:r>
+              <a:rPr lang="it-IT" dirty="0"/>
+              <a:t>Recall = TP / TP + FN = 93 / 201 = 46.26 %</a:t>
+            </a:r>
+          </a:p>
+        </p:txBody>
+      </p:sp>
+    </p:spTree>
+    <p:extLst>
+      <p:ext uri="{BB962C8B-B14F-4D97-AF65-F5344CB8AC3E}">
+        <p14:creationId xmlns:p14="http://schemas.microsoft.com/office/powerpoint/2010/main" val="4120053966"/>
+      </p:ext>
+    </p:extLst>
+  </p:cSld>
+  <p:clrMapOvr>
+    <a:masterClrMapping/>
+  </p:clrMapOvr>
+</p:sld>
+</file>
+
+<file path=ppt/slides/slide26.xml><?xml version="1.0" encoding="utf-8"?>
+<p:sld xmlns:a="http://schemas.openxmlformats.org/drawingml/2006/main" xmlns:r="http://schemas.openxmlformats.org/officeDocument/2006/relationships" xmlns:p="http://schemas.openxmlformats.org/presentationml/2006/main">
+  <p:cSld>
+    <p:spTree>
+      <p:nvGrpSpPr>
+        <p:cNvPr id="1" name=""/>
+        <p:cNvGrpSpPr/>
+        <p:nvPr/>
+      </p:nvGrpSpPr>
+      <p:grpSpPr>
+        <a:xfrm>
+          <a:off x="0" y="0"/>
+          <a:ext cx="0" cy="0"/>
+          <a:chOff x="0" y="0"/>
+          <a:chExt cx="0" cy="0"/>
+        </a:xfrm>
+      </p:grpSpPr>
+      <p:sp>
+        <p:nvSpPr>
+          <p:cNvPr id="2" name="Titolo 1"/>
+          <p:cNvSpPr>
+            <a:spLocks noGrp="1"/>
+          </p:cNvSpPr>
+          <p:nvPr>
+            <p:ph type="title"/>
+          </p:nvPr>
+        </p:nvSpPr>
+        <p:spPr/>
+        <p:txBody>
+          <a:bodyPr>
+            <a:normAutofit fontScale="90000"/>
+          </a:bodyPr>
+          <a:lstStyle/>
+          <a:p>
+            <a:pPr algn="ctr"/>
+            <a:r>
+              <a:rPr lang="it-IT" dirty="0"/>
+              <a:t>From Scratch Model </a:t>
+            </a:r>
+            <a:br>
+              <a:rPr lang="it-IT" dirty="0"/>
+            </a:br>
+            <a:r>
+              <a:rPr lang="it-IT" dirty="0" err="1"/>
+              <a:t>Interpretability</a:t>
+            </a:r>
+            <a:r>
+              <a:rPr lang="it-IT" dirty="0"/>
+              <a:t> </a:t>
+            </a:r>
+            <a:r>
+              <a:rPr lang="it-IT" dirty="0" err="1"/>
+              <a:t>Results</a:t>
+            </a:r>
+            <a:endParaRPr lang="it-IT" dirty="0"/>
+          </a:p>
+        </p:txBody>
+      </p:sp>
+      <p:sp>
+        <p:nvSpPr>
+          <p:cNvPr id="3" name="Segnaposto testo 2"/>
+          <p:cNvSpPr>
+            <a:spLocks noGrp="1"/>
+          </p:cNvSpPr>
+          <p:nvPr>
+            <p:ph type="body" idx="1"/>
+          </p:nvPr>
+        </p:nvSpPr>
+        <p:spPr/>
+        <p:txBody>
+          <a:bodyPr>
+            <a:normAutofit/>
+          </a:bodyPr>
+          <a:lstStyle/>
+          <a:p>
+            <a:pPr algn="ctr"/>
+            <a:r>
+              <a:rPr lang="it-IT" sz="2000" dirty="0"/>
+              <a:t>Image</a:t>
+            </a:r>
+          </a:p>
+        </p:txBody>
+      </p:sp>
+      <p:sp>
+        <p:nvSpPr>
+          <p:cNvPr id="5" name="Segnaposto testo 4"/>
+          <p:cNvSpPr>
+            <a:spLocks noGrp="1"/>
+          </p:cNvSpPr>
+          <p:nvPr>
+            <p:ph type="body" sz="quarter" idx="3"/>
+          </p:nvPr>
+        </p:nvSpPr>
+        <p:spPr/>
+        <p:txBody>
+          <a:bodyPr>
+            <a:normAutofit/>
+          </a:bodyPr>
+          <a:lstStyle/>
+          <a:p>
+            <a:pPr algn="ctr"/>
+            <a:r>
+              <a:rPr lang="it-IT" sz="2000" dirty="0" err="1"/>
+              <a:t>Interpretation</a:t>
+            </a:r>
+            <a:endParaRPr lang="it-IT" sz="2000" dirty="0"/>
+          </a:p>
+        </p:txBody>
+      </p:sp>
+      <p:sp>
+        <p:nvSpPr>
+          <p:cNvPr id="7" name="Segnaposto numero diapositiva 6"/>
+          <p:cNvSpPr>
+            <a:spLocks noGrp="1"/>
+          </p:cNvSpPr>
+          <p:nvPr>
+            <p:ph type="sldNum" sz="quarter" idx="12"/>
+          </p:nvPr>
+        </p:nvSpPr>
+        <p:spPr/>
+        <p:txBody>
+          <a:bodyPr/>
+          <a:lstStyle/>
+          <a:p>
+            <a:fld id="{E7A41E1B-4F70-4964-A407-84C68BE8251C}" type="slidenum">
+              <a:rPr lang="it-IT" smtClean="0"/>
+              <a:t>26</a:t>
+            </a:fld>
+            <a:endParaRPr lang="it-IT"/>
+          </a:p>
+        </p:txBody>
+      </p:sp>
+      <p:pic>
+        <p:nvPicPr>
+          <p:cNvPr id="15" name="Segnaposto contenuto 14">
+            <a:extLst>
+              <a:ext uri="{FF2B5EF4-FFF2-40B4-BE49-F238E27FC236}">
+                <a16:creationId xmlns:a16="http://schemas.microsoft.com/office/drawing/2014/main" id="{861BEFD9-A386-473C-AFC9-01D81C4849FB}"/>
+              </a:ext>
+            </a:extLst>
+          </p:cNvPr>
+          <p:cNvPicPr>
+            <a:picLocks noGrp="1" noChangeAspect="1"/>
+          </p:cNvPicPr>
+          <p:nvPr>
+            <p:ph sz="quarter" idx="4"/>
+          </p:nvPr>
+        </p:nvPicPr>
+        <p:blipFill>
+          <a:blip r:embed="rId2">
+            <a:extLst>
+              <a:ext uri="{28A0092B-C50C-407E-A947-70E740481C1C}">
+                <a14:useLocalDpi xmlns:a14="http://schemas.microsoft.com/office/drawing/2010/main" val="0"/>
+              </a:ext>
+            </a:extLst>
+          </a:blip>
+          <a:stretch>
+            <a:fillRect/>
+          </a:stretch>
+        </p:blipFill>
+        <p:spPr>
+          <a:xfrm>
+            <a:off x="5089150" y="2974975"/>
+            <a:ext cx="2531224" cy="2835275"/>
+          </a:xfrm>
+        </p:spPr>
+      </p:pic>
+      <p:pic>
+        <p:nvPicPr>
+          <p:cNvPr id="13" name="Segnaposto contenuto 12">
+            <a:extLst>
+              <a:ext uri="{FF2B5EF4-FFF2-40B4-BE49-F238E27FC236}">
+                <a16:creationId xmlns:a16="http://schemas.microsoft.com/office/drawing/2014/main" id="{1BA0281F-4430-4B24-BDBF-B0BD47CBB1B0}"/>
+              </a:ext>
+            </a:extLst>
+          </p:cNvPr>
+          <p:cNvPicPr>
+            <a:picLocks noGrp="1" noChangeAspect="1"/>
+          </p:cNvPicPr>
+          <p:nvPr>
+            <p:ph sz="half" idx="2"/>
+          </p:nvPr>
+        </p:nvPicPr>
+        <p:blipFill>
+          <a:blip r:embed="rId3">
+            <a:extLst>
+              <a:ext uri="{28A0092B-C50C-407E-A947-70E740481C1C}">
+                <a14:useLocalDpi xmlns:a14="http://schemas.microsoft.com/office/drawing/2010/main" val="0"/>
+              </a:ext>
+            </a:extLst>
+          </a:blip>
+          <a:stretch>
+            <a:fillRect/>
+          </a:stretch>
+        </p:blipFill>
+        <p:spPr>
+          <a:xfrm>
+            <a:off x="1425331" y="2974975"/>
+            <a:ext cx="2651613" cy="2835275"/>
+          </a:xfrm>
+        </p:spPr>
+      </p:pic>
+    </p:spTree>
+    <p:extLst>
+      <p:ext uri="{BB962C8B-B14F-4D97-AF65-F5344CB8AC3E}">
+        <p14:creationId xmlns:p14="http://schemas.microsoft.com/office/powerpoint/2010/main" val="1168926537"/>
+      </p:ext>
+    </p:extLst>
+  </p:cSld>
+  <p:clrMapOvr>
+    <a:masterClrMapping/>
+  </p:clrMapOvr>
+</p:sld>
+</file>
+
+<file path=ppt/slides/slide27.xml><?xml version="1.0" encoding="utf-8"?>
+<p:sld xmlns:a="http://schemas.openxmlformats.org/drawingml/2006/main" xmlns:r="http://schemas.openxmlformats.org/officeDocument/2006/relationships" xmlns:p="http://schemas.openxmlformats.org/presentationml/2006/main">
+  <p:cSld>
+    <p:spTree>
+      <p:nvGrpSpPr>
+        <p:cNvPr id="1" name=""/>
+        <p:cNvGrpSpPr/>
+        <p:nvPr/>
+      </p:nvGrpSpPr>
+      <p:grpSpPr>
+        <a:xfrm>
+          <a:off x="0" y="0"/>
+          <a:ext cx="0" cy="0"/>
+          <a:chOff x="0" y="0"/>
+          <a:chExt cx="0" cy="0"/>
+        </a:xfrm>
+      </p:grpSpPr>
+      <p:sp>
+        <p:nvSpPr>
+          <p:cNvPr id="2" name="Titolo 1"/>
+          <p:cNvSpPr>
+            <a:spLocks noGrp="1"/>
+          </p:cNvSpPr>
+          <p:nvPr>
+            <p:ph type="title"/>
+          </p:nvPr>
+        </p:nvSpPr>
+        <p:spPr/>
+        <p:txBody>
+          <a:bodyPr>
+            <a:normAutofit/>
+          </a:bodyPr>
+          <a:lstStyle/>
+          <a:p>
+            <a:pPr algn="ctr"/>
+            <a:r>
+              <a:rPr lang="it-IT" sz="3000" dirty="0" err="1"/>
+              <a:t>Adversarial</a:t>
+            </a:r>
+            <a:r>
+              <a:rPr lang="it-IT" sz="3000" dirty="0"/>
+              <a:t> Fine </a:t>
+            </a:r>
+            <a:r>
+              <a:rPr lang="it-IT" sz="3000" dirty="0" err="1"/>
+              <a:t>Tuned</a:t>
+            </a:r>
+            <a:r>
+              <a:rPr lang="it-IT" sz="3000" dirty="0"/>
+              <a:t> Model</a:t>
+            </a:r>
+            <a:br>
+              <a:rPr lang="it-IT" sz="3000" dirty="0"/>
+            </a:br>
+            <a:r>
+              <a:rPr lang="it-IT" sz="3000" dirty="0" err="1"/>
+              <a:t>Interpretability</a:t>
+            </a:r>
+            <a:r>
+              <a:rPr lang="it-IT" sz="3000" dirty="0"/>
+              <a:t> </a:t>
+            </a:r>
+            <a:r>
+              <a:rPr lang="it-IT" sz="3000" dirty="0" err="1"/>
+              <a:t>Results</a:t>
+            </a:r>
+            <a:endParaRPr lang="it-IT" sz="3000" dirty="0"/>
+          </a:p>
+        </p:txBody>
+      </p:sp>
+      <p:sp>
+        <p:nvSpPr>
+          <p:cNvPr id="3" name="Segnaposto testo 2"/>
+          <p:cNvSpPr>
+            <a:spLocks noGrp="1"/>
+          </p:cNvSpPr>
+          <p:nvPr>
+            <p:ph type="body" idx="1"/>
+          </p:nvPr>
+        </p:nvSpPr>
+        <p:spPr/>
+        <p:txBody>
+          <a:bodyPr/>
+          <a:lstStyle/>
+          <a:p>
+            <a:pPr algn="ctr"/>
+            <a:r>
+              <a:rPr lang="it-IT" sz="2000" dirty="0"/>
+              <a:t>Image</a:t>
+            </a:r>
+          </a:p>
+        </p:txBody>
+      </p:sp>
+      <p:sp>
+        <p:nvSpPr>
+          <p:cNvPr id="5" name="Segnaposto testo 4"/>
+          <p:cNvSpPr>
+            <a:spLocks noGrp="1"/>
+          </p:cNvSpPr>
+          <p:nvPr>
+            <p:ph type="body" sz="quarter" idx="3"/>
+          </p:nvPr>
+        </p:nvSpPr>
+        <p:spPr/>
+        <p:txBody>
+          <a:bodyPr/>
+          <a:lstStyle/>
+          <a:p>
+            <a:pPr algn="ctr"/>
+            <a:r>
+              <a:rPr lang="it-IT" sz="2000" dirty="0" err="1"/>
+              <a:t>Interpretation</a:t>
+            </a:r>
+            <a:endParaRPr lang="it-IT" sz="2000" dirty="0"/>
+          </a:p>
+        </p:txBody>
+      </p:sp>
+      <p:sp>
+        <p:nvSpPr>
+          <p:cNvPr id="7" name="Segnaposto numero diapositiva 6"/>
+          <p:cNvSpPr>
+            <a:spLocks noGrp="1"/>
+          </p:cNvSpPr>
+          <p:nvPr>
+            <p:ph type="sldNum" sz="quarter" idx="12"/>
+          </p:nvPr>
+        </p:nvSpPr>
+        <p:spPr/>
+        <p:txBody>
+          <a:bodyPr/>
+          <a:lstStyle/>
+          <a:p>
+            <a:fld id="{E7A41E1B-4F70-4964-A407-84C68BE8251C}" type="slidenum">
+              <a:rPr lang="it-IT" smtClean="0"/>
+              <a:t>27</a:t>
+            </a:fld>
+            <a:endParaRPr lang="it-IT"/>
+          </a:p>
+        </p:txBody>
+      </p:sp>
+      <p:pic>
+        <p:nvPicPr>
+          <p:cNvPr id="13" name="Segnaposto contenuto 12">
+            <a:extLst>
+              <a:ext uri="{FF2B5EF4-FFF2-40B4-BE49-F238E27FC236}">
+                <a16:creationId xmlns:a16="http://schemas.microsoft.com/office/drawing/2014/main" id="{D39309A9-7CA2-4979-B2B3-DE583138F429}"/>
+              </a:ext>
+            </a:extLst>
+          </p:cNvPr>
+          <p:cNvPicPr>
+            <a:picLocks noGrp="1" noChangeAspect="1"/>
+          </p:cNvPicPr>
+          <p:nvPr>
+            <p:ph sz="half" idx="2"/>
+          </p:nvPr>
+        </p:nvPicPr>
+        <p:blipFill>
+          <a:blip r:embed="rId2">
+            <a:extLst>
+              <a:ext uri="{28A0092B-C50C-407E-A947-70E740481C1C}">
+                <a14:useLocalDpi xmlns:a14="http://schemas.microsoft.com/office/drawing/2010/main" val="0"/>
+              </a:ext>
+            </a:extLst>
+          </a:blip>
+          <a:stretch>
+            <a:fillRect/>
+          </a:stretch>
+        </p:blipFill>
+        <p:spPr>
+          <a:xfrm>
+            <a:off x="1425331" y="2974975"/>
+            <a:ext cx="2651613" cy="2835275"/>
+          </a:xfrm>
+        </p:spPr>
+      </p:pic>
+      <p:pic>
+        <p:nvPicPr>
+          <p:cNvPr id="15" name="Segnaposto contenuto 14">
+            <a:extLst>
+              <a:ext uri="{FF2B5EF4-FFF2-40B4-BE49-F238E27FC236}">
+                <a16:creationId xmlns:a16="http://schemas.microsoft.com/office/drawing/2014/main" id="{5AC25855-6A65-45E0-9DDA-C83DDF639EAB}"/>
+              </a:ext>
+            </a:extLst>
+          </p:cNvPr>
+          <p:cNvPicPr>
+            <a:picLocks noGrp="1" noChangeAspect="1"/>
+          </p:cNvPicPr>
+          <p:nvPr>
+            <p:ph sz="quarter" idx="4"/>
+          </p:nvPr>
+        </p:nvPicPr>
+        <p:blipFill>
+          <a:blip r:embed="rId3">
+            <a:extLst>
+              <a:ext uri="{28A0092B-C50C-407E-A947-70E740481C1C}">
+                <a14:useLocalDpi xmlns:a14="http://schemas.microsoft.com/office/drawing/2010/main" val="0"/>
+              </a:ext>
+            </a:extLst>
+          </a:blip>
+          <a:stretch>
+            <a:fillRect/>
+          </a:stretch>
+        </p:blipFill>
+        <p:spPr>
+          <a:xfrm>
+            <a:off x="5089150" y="2974975"/>
+            <a:ext cx="2531224" cy="2835275"/>
+          </a:xfrm>
+        </p:spPr>
+      </p:pic>
+    </p:spTree>
+    <p:extLst>
+      <p:ext uri="{BB962C8B-B14F-4D97-AF65-F5344CB8AC3E}">
+        <p14:creationId xmlns:p14="http://schemas.microsoft.com/office/powerpoint/2010/main" val="4226908415"/>
+      </p:ext>
+    </p:extLst>
+  </p:cSld>
+  <p:clrMapOvr>
+    <a:masterClrMapping/>
+  </p:clrMapOvr>
+</p:sld>
+</file>
+
+<file path=ppt/slides/slide28.xml><?xml version="1.0" encoding="utf-8"?>
+<p:sld xmlns:a="http://schemas.openxmlformats.org/drawingml/2006/main" xmlns:r="http://schemas.openxmlformats.org/officeDocument/2006/relationships" xmlns:p="http://schemas.openxmlformats.org/presentationml/2006/main">
+  <p:cSld>
+    <p:spTree>
+      <p:nvGrpSpPr>
+        <p:cNvPr id="1" name=""/>
+        <p:cNvGrpSpPr/>
+        <p:nvPr/>
+      </p:nvGrpSpPr>
+      <p:grpSpPr>
+        <a:xfrm>
+          <a:off x="0" y="0"/>
+          <a:ext cx="0" cy="0"/>
+          <a:chOff x="0" y="0"/>
+          <a:chExt cx="0" cy="0"/>
+        </a:xfrm>
+      </p:grpSpPr>
+      <p:sp>
+        <p:nvSpPr>
+          <p:cNvPr id="2" name="Titolo 1">
+            <a:extLst>
+              <a:ext uri="{FF2B5EF4-FFF2-40B4-BE49-F238E27FC236}">
+                <a16:creationId xmlns:a16="http://schemas.microsoft.com/office/drawing/2014/main" id="{2F1B2003-3AF8-4EA3-8784-FCFFF8BC7A82}"/>
+              </a:ext>
+            </a:extLst>
+          </p:cNvPr>
+          <p:cNvSpPr>
+            <a:spLocks noGrp="1"/>
+          </p:cNvSpPr>
+          <p:nvPr>
+            <p:ph type="title"/>
+          </p:nvPr>
+        </p:nvSpPr>
+        <p:spPr/>
+        <p:txBody>
+          <a:bodyPr/>
+          <a:lstStyle/>
+          <a:p>
+            <a:r>
+              <a:rPr lang="it-IT" dirty="0" err="1"/>
+              <a:t>Results</a:t>
+            </a:r>
+            <a:r>
+              <a:rPr lang="it-IT" dirty="0"/>
+              <a:t> </a:t>
+            </a:r>
+            <a:r>
+              <a:rPr lang="it-IT" dirty="0" err="1"/>
+              <a:t>Comparison</a:t>
+            </a:r>
+            <a:r>
+              <a:rPr lang="it-IT" dirty="0"/>
+              <a:t> </a:t>
+            </a:r>
+          </a:p>
+        </p:txBody>
+      </p:sp>
+      <p:sp>
+        <p:nvSpPr>
+          <p:cNvPr id="3" name="Segnaposto contenuto 2">
+            <a:extLst>
+              <a:ext uri="{FF2B5EF4-FFF2-40B4-BE49-F238E27FC236}">
+                <a16:creationId xmlns:a16="http://schemas.microsoft.com/office/drawing/2014/main" id="{8B3227B8-55EC-4183-88F2-4922D0CA45DA}"/>
+              </a:ext>
+            </a:extLst>
+          </p:cNvPr>
+          <p:cNvSpPr>
+            <a:spLocks noGrp="1"/>
+          </p:cNvSpPr>
+          <p:nvPr>
+            <p:ph idx="1"/>
+          </p:nvPr>
+        </p:nvSpPr>
+        <p:spPr/>
+        <p:txBody>
+          <a:bodyPr/>
+          <a:lstStyle/>
+          <a:p>
+            <a:r>
+              <a:rPr lang="it-IT" dirty="0" err="1"/>
+              <a:t>Interpretability</a:t>
+            </a:r>
+            <a:r>
+              <a:rPr lang="it-IT" dirty="0"/>
+              <a:t> </a:t>
+            </a:r>
+            <a:r>
+              <a:rPr lang="it-IT" dirty="0" err="1"/>
+              <a:t>results</a:t>
+            </a:r>
+            <a:r>
+              <a:rPr lang="it-IT" dirty="0"/>
+              <a:t> are </a:t>
+            </a:r>
+            <a:r>
+              <a:rPr lang="it-IT" dirty="0" err="1"/>
+              <a:t>evaluated</a:t>
+            </a:r>
+            <a:r>
+              <a:rPr lang="it-IT" dirty="0"/>
+              <a:t> </a:t>
+            </a:r>
+            <a:r>
+              <a:rPr lang="it-IT" dirty="0" err="1"/>
+              <a:t>based</a:t>
+            </a:r>
+            <a:r>
+              <a:rPr lang="it-IT" dirty="0"/>
+              <a:t> on the </a:t>
+            </a:r>
+            <a:r>
+              <a:rPr lang="it-IT" dirty="0" err="1"/>
+              <a:t>outcome</a:t>
+            </a:r>
+            <a:r>
+              <a:rPr lang="it-IT" dirty="0"/>
+              <a:t> of the </a:t>
+            </a:r>
+            <a:r>
+              <a:rPr lang="it-IT" dirty="0" err="1"/>
+              <a:t>interpretability</a:t>
+            </a:r>
+            <a:r>
+              <a:rPr lang="it-IT" dirty="0"/>
+              <a:t> </a:t>
+            </a:r>
+            <a:r>
+              <a:rPr lang="it-IT" dirty="0" err="1"/>
+              <a:t>function</a:t>
+            </a:r>
+            <a:r>
+              <a:rPr lang="it-IT" dirty="0"/>
+              <a:t>. </a:t>
+            </a:r>
+            <a:r>
+              <a:rPr lang="it-IT" dirty="0" err="1"/>
+              <a:t>It</a:t>
+            </a:r>
+            <a:r>
+              <a:rPr lang="it-IT" dirty="0"/>
+              <a:t> </a:t>
+            </a:r>
+            <a:r>
+              <a:rPr lang="it-IT" dirty="0" err="1"/>
+              <a:t>underlines</a:t>
+            </a:r>
+            <a:r>
+              <a:rPr lang="it-IT" dirty="0"/>
+              <a:t> the </a:t>
+            </a:r>
+            <a:r>
+              <a:rPr lang="it-IT" dirty="0" err="1"/>
+              <a:t>differences</a:t>
+            </a:r>
+            <a:r>
+              <a:rPr lang="it-IT" dirty="0"/>
+              <a:t> </a:t>
+            </a:r>
+            <a:r>
+              <a:rPr lang="it-IT" dirty="0" err="1"/>
+              <a:t>through</a:t>
+            </a:r>
+            <a:r>
+              <a:rPr lang="it-IT" dirty="0"/>
+              <a:t> the </a:t>
+            </a:r>
+            <a:r>
+              <a:rPr lang="it-IT" dirty="0" err="1"/>
+              <a:t>two</a:t>
+            </a:r>
+            <a:r>
+              <a:rPr lang="it-IT" dirty="0"/>
+              <a:t> </a:t>
+            </a:r>
+            <a:r>
+              <a:rPr lang="it-IT" dirty="0" err="1"/>
+              <a:t>model’s</a:t>
+            </a:r>
+            <a:r>
+              <a:rPr lang="it-IT" dirty="0"/>
+              <a:t> </a:t>
+            </a:r>
+            <a:r>
+              <a:rPr lang="it-IT" dirty="0" err="1"/>
+              <a:t>result</a:t>
+            </a:r>
+            <a:r>
+              <a:rPr lang="it-IT" dirty="0"/>
+              <a:t>: </a:t>
+            </a:r>
+            <a:r>
+              <a:rPr lang="it-IT" dirty="0" err="1"/>
+              <a:t>if</a:t>
+            </a:r>
+            <a:r>
+              <a:rPr lang="it-IT" dirty="0"/>
+              <a:t> the </a:t>
+            </a:r>
+            <a:r>
+              <a:rPr lang="it-IT" dirty="0" err="1"/>
+              <a:t>difference</a:t>
+            </a:r>
+            <a:r>
+              <a:rPr lang="it-IT" dirty="0"/>
+              <a:t> </a:t>
+            </a:r>
+            <a:r>
+              <a:rPr lang="it-IT" dirty="0" err="1"/>
+              <a:t>matrix</a:t>
+            </a:r>
+            <a:r>
+              <a:rPr lang="it-IT" dirty="0"/>
+              <a:t> shows </a:t>
+            </a:r>
+            <a:r>
+              <a:rPr lang="it-IT" dirty="0" err="1"/>
+              <a:t>values</a:t>
+            </a:r>
+            <a:r>
+              <a:rPr lang="it-IT" dirty="0"/>
+              <a:t> </a:t>
+            </a:r>
+            <a:r>
+              <a:rPr lang="it-IT" dirty="0" err="1"/>
+              <a:t>that</a:t>
+            </a:r>
+            <a:r>
+              <a:rPr lang="it-IT" dirty="0"/>
+              <a:t> are </a:t>
+            </a:r>
+            <a:r>
+              <a:rPr lang="it-IT" dirty="0" err="1"/>
+              <a:t>zeros</a:t>
+            </a:r>
+            <a:r>
+              <a:rPr lang="it-IT" dirty="0"/>
+              <a:t> (or </a:t>
+            </a:r>
+            <a:r>
+              <a:rPr lang="it-IT" dirty="0" err="1"/>
+              <a:t>close</a:t>
+            </a:r>
+            <a:r>
+              <a:rPr lang="it-IT" dirty="0"/>
+              <a:t> to </a:t>
+            </a:r>
+            <a:r>
+              <a:rPr lang="it-IT" dirty="0" err="1"/>
+              <a:t>zeros</a:t>
+            </a:r>
+            <a:r>
+              <a:rPr lang="it-IT" dirty="0"/>
+              <a:t>), </a:t>
+            </a:r>
+            <a:r>
+              <a:rPr lang="it-IT" dirty="0" err="1"/>
+              <a:t>it</a:t>
+            </a:r>
+            <a:r>
+              <a:rPr lang="it-IT" dirty="0"/>
+              <a:t> </a:t>
+            </a:r>
+            <a:r>
+              <a:rPr lang="it-IT" dirty="0" err="1"/>
+              <a:t>means</a:t>
+            </a:r>
+            <a:r>
+              <a:rPr lang="it-IT" dirty="0"/>
+              <a:t> </a:t>
+            </a:r>
+            <a:r>
+              <a:rPr lang="it-IT" dirty="0" err="1"/>
+              <a:t>that</a:t>
+            </a:r>
+            <a:r>
+              <a:rPr lang="it-IT" dirty="0"/>
+              <a:t> the </a:t>
+            </a:r>
+            <a:r>
+              <a:rPr lang="it-IT" dirty="0" err="1"/>
+              <a:t>evaluated</a:t>
+            </a:r>
+            <a:r>
+              <a:rPr lang="it-IT" dirty="0"/>
+              <a:t> features </a:t>
+            </a:r>
+            <a:r>
+              <a:rPr lang="it-IT" dirty="0" err="1"/>
+              <a:t>that</a:t>
+            </a:r>
+            <a:r>
+              <a:rPr lang="it-IT" dirty="0"/>
+              <a:t> </a:t>
+            </a:r>
+            <a:r>
+              <a:rPr lang="it-IT" dirty="0" err="1"/>
+              <a:t>have</a:t>
+            </a:r>
+            <a:r>
+              <a:rPr lang="it-IT" dirty="0"/>
+              <a:t> </a:t>
+            </a:r>
+            <a:r>
+              <a:rPr lang="it-IT" dirty="0" err="1"/>
+              <a:t>been</a:t>
+            </a:r>
+            <a:r>
+              <a:rPr lang="it-IT" dirty="0"/>
+              <a:t> </a:t>
+            </a:r>
+            <a:r>
+              <a:rPr lang="it-IT" dirty="0" err="1"/>
+              <a:t>used</a:t>
+            </a:r>
+            <a:r>
+              <a:rPr lang="it-IT" dirty="0"/>
+              <a:t> in the </a:t>
+            </a:r>
+            <a:r>
+              <a:rPr lang="it-IT" dirty="0" err="1"/>
+              <a:t>decision</a:t>
+            </a:r>
+            <a:r>
+              <a:rPr lang="it-IT" dirty="0"/>
+              <a:t> </a:t>
+            </a:r>
+            <a:r>
+              <a:rPr lang="it-IT" dirty="0" err="1"/>
+              <a:t>processes</a:t>
+            </a:r>
+            <a:r>
+              <a:rPr lang="it-IT" dirty="0"/>
+              <a:t>, </a:t>
+            </a:r>
+            <a:r>
+              <a:rPr lang="it-IT" dirty="0" err="1"/>
+              <a:t>were</a:t>
+            </a:r>
+            <a:r>
+              <a:rPr lang="it-IT" dirty="0"/>
+              <a:t> </a:t>
+            </a:r>
+            <a:r>
+              <a:rPr lang="it-IT" dirty="0" err="1"/>
+              <a:t>approximatelly</a:t>
+            </a:r>
+            <a:r>
+              <a:rPr lang="it-IT" dirty="0"/>
+              <a:t> the </a:t>
+            </a:r>
+            <a:r>
+              <a:rPr lang="it-IT" dirty="0" err="1"/>
+              <a:t>same</a:t>
+            </a:r>
+            <a:r>
+              <a:rPr lang="it-IT" dirty="0"/>
+              <a:t>. </a:t>
+            </a:r>
+          </a:p>
+        </p:txBody>
+      </p:sp>
+      <p:sp>
+        <p:nvSpPr>
+          <p:cNvPr id="4" name="Segnaposto numero diapositiva 3">
+            <a:extLst>
+              <a:ext uri="{FF2B5EF4-FFF2-40B4-BE49-F238E27FC236}">
+                <a16:creationId xmlns:a16="http://schemas.microsoft.com/office/drawing/2014/main" id="{CE7E0440-1F15-4157-A6EE-4588F9A154FF}"/>
+              </a:ext>
+            </a:extLst>
+          </p:cNvPr>
+          <p:cNvSpPr>
+            <a:spLocks noGrp="1"/>
+          </p:cNvSpPr>
+          <p:nvPr>
+            <p:ph type="sldNum" sz="quarter" idx="12"/>
+          </p:nvPr>
+        </p:nvSpPr>
+        <p:spPr/>
+        <p:txBody>
+          <a:bodyPr/>
+          <a:lstStyle/>
+          <a:p>
+            <a:fld id="{E7A41E1B-4F70-4964-A407-84C68BE8251C}" type="slidenum">
+              <a:rPr lang="it-IT" smtClean="0"/>
+              <a:t>28</a:t>
+            </a:fld>
+            <a:endParaRPr lang="it-IT"/>
+          </a:p>
+        </p:txBody>
+      </p:sp>
+    </p:spTree>
+    <p:extLst>
+      <p:ext uri="{BB962C8B-B14F-4D97-AF65-F5344CB8AC3E}">
+        <p14:creationId xmlns:p14="http://schemas.microsoft.com/office/powerpoint/2010/main" val="2617391119"/>
+      </p:ext>
+    </p:extLst>
+  </p:cSld>
+  <p:clrMapOvr>
+    <a:masterClrMapping/>
+  </p:clrMapOvr>
+</p:sld>
+</file>
+
+<file path=ppt/slides/slide3.xml><?xml version="1.0" encoding="utf-8"?>
+<p:sld xmlns:a="http://schemas.openxmlformats.org/drawingml/2006/main" xmlns:r="http://schemas.openxmlformats.org/officeDocument/2006/relationships" xmlns:p="http://schemas.openxmlformats.org/presentationml/2006/main">
+  <p:cSld>
+    <p:spTree>
+      <p:nvGrpSpPr>
+        <p:cNvPr id="1" name=""/>
+        <p:cNvGrpSpPr/>
+        <p:nvPr/>
+      </p:nvGrpSpPr>
+      <p:grpSpPr>
+        <a:xfrm>
+          <a:off x="0" y="0"/>
+          <a:ext cx="0" cy="0"/>
+          <a:chOff x="0" y="0"/>
+          <a:chExt cx="0" cy="0"/>
+        </a:xfrm>
+      </p:grpSpPr>
+      <p:sp>
+        <p:nvSpPr>
+          <p:cNvPr id="2" name="Titolo 1">
+            <a:extLst>
+              <a:ext uri="{FF2B5EF4-FFF2-40B4-BE49-F238E27FC236}">
+                <a16:creationId xmlns:a16="http://schemas.microsoft.com/office/drawing/2014/main" id="{5C3A9DFB-9326-438D-B125-71908EC92B39}"/>
+              </a:ext>
+            </a:extLst>
+          </p:cNvPr>
+          <p:cNvSpPr>
+            <a:spLocks noGrp="1"/>
+          </p:cNvSpPr>
+          <p:nvPr>
+            <p:ph type="title"/>
+          </p:nvPr>
+        </p:nvSpPr>
+        <p:spPr/>
+        <p:txBody>
+          <a:bodyPr/>
+          <a:lstStyle/>
+          <a:p>
+            <a:r>
+              <a:rPr lang="it-IT" dirty="0" err="1"/>
+              <a:t>Problem</a:t>
+            </a:r>
+            <a:r>
+              <a:rPr lang="it-IT" dirty="0"/>
+              <a:t> Definition</a:t>
+            </a:r>
+          </a:p>
+        </p:txBody>
+      </p:sp>
+      <p:sp>
+        <p:nvSpPr>
+          <p:cNvPr id="3" name="Segnaposto contenuto 2">
+            <a:extLst>
+              <a:ext uri="{FF2B5EF4-FFF2-40B4-BE49-F238E27FC236}">
+                <a16:creationId xmlns:a16="http://schemas.microsoft.com/office/drawing/2014/main" id="{0F90925E-B9DC-4D44-A826-8E0B5CC9A941}"/>
+              </a:ext>
+            </a:extLst>
+          </p:cNvPr>
+          <p:cNvSpPr>
+            <a:spLocks noGrp="1"/>
+          </p:cNvSpPr>
+          <p:nvPr>
+            <p:ph idx="1"/>
+          </p:nvPr>
+        </p:nvSpPr>
+        <p:spPr/>
+        <p:txBody>
+          <a:bodyPr/>
+          <a:lstStyle/>
+          <a:p>
+            <a:r>
+              <a:rPr lang="it-IT" dirty="0"/>
+              <a:t>To create the </a:t>
+            </a:r>
+            <a:r>
+              <a:rPr lang="it-IT" dirty="0" err="1"/>
+              <a:t>adversarial</a:t>
+            </a:r>
+            <a:r>
+              <a:rPr lang="it-IT" dirty="0"/>
+              <a:t> samples, the Fast </a:t>
+            </a:r>
+            <a:r>
+              <a:rPr lang="it-IT" dirty="0" err="1"/>
+              <a:t>Gradient</a:t>
+            </a:r>
+            <a:r>
+              <a:rPr lang="it-IT" dirty="0"/>
+              <a:t> </a:t>
+            </a:r>
+            <a:r>
+              <a:rPr lang="it-IT" dirty="0" err="1"/>
+              <a:t>Sign</a:t>
+            </a:r>
+            <a:r>
+              <a:rPr lang="it-IT" dirty="0"/>
+              <a:t> Method </a:t>
+            </a:r>
+            <a:r>
+              <a:rPr lang="it-IT" dirty="0" err="1"/>
+              <a:t>method</a:t>
+            </a:r>
+            <a:r>
+              <a:rPr lang="it-IT" dirty="0"/>
+              <a:t> </a:t>
+            </a:r>
+            <a:r>
+              <a:rPr lang="it-IT" dirty="0" err="1"/>
+              <a:t>has</a:t>
+            </a:r>
+            <a:r>
+              <a:rPr lang="it-IT" dirty="0"/>
+              <a:t> </a:t>
+            </a:r>
+            <a:r>
+              <a:rPr lang="it-IT" dirty="0" err="1"/>
+              <a:t>been</a:t>
+            </a:r>
+            <a:r>
+              <a:rPr lang="it-IT" dirty="0"/>
+              <a:t> </a:t>
+            </a:r>
+            <a:r>
+              <a:rPr lang="it-IT" dirty="0" err="1"/>
+              <a:t>used</a:t>
+            </a:r>
+            <a:endParaRPr lang="it-IT" dirty="0"/>
+          </a:p>
+          <a:p>
+            <a:r>
+              <a:rPr lang="it-IT" dirty="0" err="1"/>
+              <a:t>This</a:t>
+            </a:r>
+            <a:r>
+              <a:rPr lang="it-IT" dirty="0"/>
+              <a:t> </a:t>
+            </a:r>
+            <a:r>
+              <a:rPr lang="it-IT" dirty="0" err="1"/>
+              <a:t>method</a:t>
+            </a:r>
+            <a:r>
+              <a:rPr lang="it-IT" dirty="0"/>
+              <a:t> </a:t>
+            </a:r>
+            <a:r>
+              <a:rPr lang="it-IT" dirty="0" err="1"/>
+              <a:t>creates</a:t>
+            </a:r>
+            <a:r>
+              <a:rPr lang="it-IT" dirty="0"/>
+              <a:t> an image by </a:t>
+            </a:r>
+            <a:r>
+              <a:rPr lang="it-IT" dirty="0" err="1"/>
+              <a:t>adding</a:t>
+            </a:r>
+            <a:r>
+              <a:rPr lang="it-IT" dirty="0"/>
+              <a:t> a small </a:t>
+            </a:r>
+            <a:r>
+              <a:rPr lang="it-IT" dirty="0" err="1"/>
+              <a:t>amount</a:t>
+            </a:r>
+            <a:r>
+              <a:rPr lang="it-IT" dirty="0"/>
+              <a:t> to the </a:t>
+            </a:r>
+            <a:r>
+              <a:rPr lang="it-IT" dirty="0" err="1"/>
+              <a:t>original</a:t>
+            </a:r>
+            <a:r>
+              <a:rPr lang="it-IT" dirty="0"/>
+              <a:t> image.</a:t>
+            </a:r>
+          </a:p>
+          <a:p>
+            <a:r>
+              <a:rPr lang="it-IT" dirty="0" err="1"/>
+              <a:t>Such</a:t>
+            </a:r>
+            <a:r>
+              <a:rPr lang="it-IT" dirty="0"/>
+              <a:t> </a:t>
+            </a:r>
+            <a:r>
+              <a:rPr lang="it-IT" dirty="0" err="1"/>
+              <a:t>quantity</a:t>
+            </a:r>
+            <a:r>
+              <a:rPr lang="it-IT" dirty="0"/>
+              <a:t> </a:t>
+            </a:r>
+            <a:r>
+              <a:rPr lang="it-IT" dirty="0" err="1"/>
+              <a:t>is</a:t>
+            </a:r>
+            <a:r>
+              <a:rPr lang="it-IT" dirty="0"/>
+              <a:t> </a:t>
+            </a:r>
+            <a:r>
+              <a:rPr lang="it-IT" dirty="0" err="1"/>
+              <a:t>computed</a:t>
+            </a:r>
+            <a:r>
+              <a:rPr lang="it-IT" dirty="0"/>
+              <a:t> </a:t>
+            </a:r>
+            <a:r>
+              <a:rPr lang="it-IT" dirty="0" err="1"/>
+              <a:t>multiplying</a:t>
+            </a:r>
+            <a:r>
+              <a:rPr lang="it-IT" dirty="0"/>
+              <a:t> an epsilon (e.g. 0,07) by the </a:t>
+            </a:r>
+            <a:r>
+              <a:rPr lang="it-IT" dirty="0" err="1"/>
+              <a:t>sign</a:t>
+            </a:r>
+            <a:r>
+              <a:rPr lang="it-IT" dirty="0"/>
+              <a:t> of the </a:t>
+            </a:r>
+            <a:r>
+              <a:rPr lang="it-IT" dirty="0" err="1"/>
+              <a:t>gradient</a:t>
+            </a:r>
+            <a:r>
+              <a:rPr lang="it-IT" dirty="0"/>
+              <a:t>.</a:t>
+            </a:r>
+          </a:p>
+        </p:txBody>
+      </p:sp>
+      <p:sp>
+        <p:nvSpPr>
+          <p:cNvPr id="4" name="Segnaposto numero diapositiva 3">
+            <a:extLst>
+              <a:ext uri="{FF2B5EF4-FFF2-40B4-BE49-F238E27FC236}">
+                <a16:creationId xmlns:a16="http://schemas.microsoft.com/office/drawing/2014/main" id="{DE31D73A-9E91-424E-8E3E-9A60DF828C5C}"/>
+              </a:ext>
+            </a:extLst>
+          </p:cNvPr>
+          <p:cNvSpPr>
+            <a:spLocks noGrp="1"/>
+          </p:cNvSpPr>
+          <p:nvPr>
+            <p:ph type="sldNum" sz="quarter" idx="12"/>
+          </p:nvPr>
+        </p:nvSpPr>
+        <p:spPr/>
+        <p:txBody>
+          <a:bodyPr/>
+          <a:lstStyle/>
+          <a:p>
+            <a:fld id="{E7A41E1B-4F70-4964-A407-84C68BE8251C}" type="slidenum">
+              <a:rPr lang="it-IT" smtClean="0"/>
+              <a:t>3</a:t>
+            </a:fld>
+            <a:endParaRPr lang="it-IT"/>
+          </a:p>
+        </p:txBody>
+      </p:sp>
+    </p:spTree>
+    <p:extLst>
+      <p:ext uri="{BB962C8B-B14F-4D97-AF65-F5344CB8AC3E}">
+        <p14:creationId xmlns:p14="http://schemas.microsoft.com/office/powerpoint/2010/main" val="2655955563"/>
+      </p:ext>
+    </p:extLst>
+  </p:cSld>
+  <p:clrMapOvr>
+    <a:masterClrMapping/>
+  </p:clrMapOvr>
+</p:sld>
+</file>
+
+<file path=ppt/slides/slide4.xml><?xml version="1.0" encoding="utf-8"?>
+<p:sld xmlns:a="http://schemas.openxmlformats.org/drawingml/2006/main" xmlns:r="http://schemas.openxmlformats.org/officeDocument/2006/relationships" xmlns:p="http://schemas.openxmlformats.org/presentationml/2006/main">
+  <p:cSld>
+    <p:spTree>
+      <p:nvGrpSpPr>
+        <p:cNvPr id="1" name=""/>
+        <p:cNvGrpSpPr/>
+        <p:nvPr/>
+      </p:nvGrpSpPr>
+      <p:grpSpPr>
+        <a:xfrm>
+          <a:off x="0" y="0"/>
+          <a:ext cx="0" cy="0"/>
+          <a:chOff x="0" y="0"/>
+          <a:chExt cx="0" cy="0"/>
+        </a:xfrm>
+      </p:grpSpPr>
+      <p:sp>
+        <p:nvSpPr>
+          <p:cNvPr id="2" name="Titolo 1">
+            <a:extLst>
+              <a:ext uri="{FF2B5EF4-FFF2-40B4-BE49-F238E27FC236}">
+                <a16:creationId xmlns:a16="http://schemas.microsoft.com/office/drawing/2014/main" id="{2F9B834D-1AD7-4451-8FB7-FCCE49629370}"/>
+              </a:ext>
+            </a:extLst>
+          </p:cNvPr>
+          <p:cNvSpPr>
+            <a:spLocks noGrp="1"/>
+          </p:cNvSpPr>
+          <p:nvPr>
+            <p:ph type="title"/>
+          </p:nvPr>
+        </p:nvSpPr>
+        <p:spPr/>
+        <p:txBody>
+          <a:bodyPr/>
+          <a:lstStyle/>
+          <a:p>
+            <a:r>
+              <a:rPr lang="it-IT" dirty="0"/>
+              <a:t>Fast </a:t>
+            </a:r>
+            <a:r>
+              <a:rPr lang="it-IT" dirty="0" err="1"/>
+              <a:t>Gradient</a:t>
+            </a:r>
+            <a:r>
+              <a:rPr lang="it-IT" dirty="0"/>
+              <a:t> </a:t>
+            </a:r>
+            <a:r>
+              <a:rPr lang="it-IT" dirty="0" err="1"/>
+              <a:t>Sign</a:t>
+            </a:r>
+            <a:r>
+              <a:rPr lang="it-IT" dirty="0"/>
+              <a:t> Method</a:t>
+            </a:r>
+          </a:p>
+        </p:txBody>
+      </p:sp>
+      <p:pic>
+        <p:nvPicPr>
+          <p:cNvPr id="6" name="Segnaposto contenuto 5">
+            <a:extLst>
+              <a:ext uri="{FF2B5EF4-FFF2-40B4-BE49-F238E27FC236}">
+                <a16:creationId xmlns:a16="http://schemas.microsoft.com/office/drawing/2014/main" id="{E47A2F5F-FDD9-4219-B02C-B5453F4680AA}"/>
+              </a:ext>
+            </a:extLst>
+          </p:cNvPr>
+          <p:cNvPicPr>
+            <a:picLocks noGrp="1" noChangeAspect="1"/>
+          </p:cNvPicPr>
+          <p:nvPr>
+            <p:ph idx="1"/>
+          </p:nvPr>
+        </p:nvPicPr>
+        <p:blipFill>
+          <a:blip r:embed="rId2">
+            <a:extLst>
+              <a:ext uri="{28A0092B-C50C-407E-A947-70E740481C1C}">
+                <a14:useLocalDpi xmlns:a14="http://schemas.microsoft.com/office/drawing/2010/main" val="0"/>
+              </a:ext>
+            </a:extLst>
+          </a:blip>
+          <a:stretch>
+            <a:fillRect/>
+          </a:stretch>
+        </p:blipFill>
+        <p:spPr>
+          <a:xfrm>
+            <a:off x="1266686" y="2543652"/>
+            <a:ext cx="6324600" cy="2543175"/>
+          </a:xfrm>
+        </p:spPr>
+      </p:pic>
+      <p:sp>
+        <p:nvSpPr>
+          <p:cNvPr id="4" name="Segnaposto numero diapositiva 3">
+            <a:extLst>
+              <a:ext uri="{FF2B5EF4-FFF2-40B4-BE49-F238E27FC236}">
+                <a16:creationId xmlns:a16="http://schemas.microsoft.com/office/drawing/2014/main" id="{F064C612-31C5-4EDE-96DD-EB9797CF4EC5}"/>
+              </a:ext>
+            </a:extLst>
+          </p:cNvPr>
+          <p:cNvSpPr>
+            <a:spLocks noGrp="1"/>
+          </p:cNvSpPr>
+          <p:nvPr>
+            <p:ph type="sldNum" sz="quarter" idx="12"/>
+          </p:nvPr>
+        </p:nvSpPr>
+        <p:spPr/>
+        <p:txBody>
+          <a:bodyPr/>
+          <a:lstStyle/>
+          <a:p>
+            <a:fld id="{E7A41E1B-4F70-4964-A407-84C68BE8251C}" type="slidenum">
+              <a:rPr lang="it-IT" smtClean="0"/>
+              <a:t>4</a:t>
+            </a:fld>
+            <a:endParaRPr lang="it-IT"/>
+          </a:p>
+        </p:txBody>
+      </p:sp>
+      <p:pic>
+        <p:nvPicPr>
+          <p:cNvPr id="8" name="Immagine 7">
+            <a:extLst>
+              <a:ext uri="{FF2B5EF4-FFF2-40B4-BE49-F238E27FC236}">
+                <a16:creationId xmlns:a16="http://schemas.microsoft.com/office/drawing/2014/main" id="{45E29B5C-BDA6-450C-BCAE-D4D1B1A78CAA}"/>
+              </a:ext>
+            </a:extLst>
+          </p:cNvPr>
+          <p:cNvPicPr>
+            <a:picLocks noChangeAspect="1"/>
+          </p:cNvPicPr>
+          <p:nvPr/>
+        </p:nvPicPr>
+        <p:blipFill>
+          <a:blip r:embed="rId3">
+            <a:extLst>
+              <a:ext uri="{28A0092B-C50C-407E-A947-70E740481C1C}">
+                <a14:useLocalDpi xmlns:a14="http://schemas.microsoft.com/office/drawing/2010/main" val="0"/>
+              </a:ext>
+            </a:extLst>
+          </a:blip>
+          <a:stretch>
+            <a:fillRect/>
+          </a:stretch>
+        </p:blipFill>
+        <p:spPr>
+          <a:xfrm>
+            <a:off x="1266686" y="5459816"/>
+            <a:ext cx="6578352" cy="540687"/>
+          </a:xfrm>
+          <a:prstGeom prst="rect">
+            <a:avLst/>
+          </a:prstGeom>
+        </p:spPr>
+      </p:pic>
+    </p:spTree>
+    <p:extLst>
+      <p:ext uri="{BB962C8B-B14F-4D97-AF65-F5344CB8AC3E}">
+        <p14:creationId xmlns:p14="http://schemas.microsoft.com/office/powerpoint/2010/main" val="3415617110"/>
+      </p:ext>
+    </p:extLst>
+  </p:cSld>
+  <p:clrMapOvr>
+    <a:masterClrMapping/>
+  </p:clrMapOvr>
+</p:sld>
+</file>
+
+<file path=ppt/slides/slide5.xml><?xml version="1.0" encoding="utf-8"?>
 <p:sld xmlns:a="http://schemas.openxmlformats.org/drawingml/2006/main" xmlns:r="http://schemas.openxmlformats.org/officeDocument/2006/relationships" xmlns:p="http://schemas.openxmlformats.org/presentationml/2006/main">
   <p:cSld>
     <p:spTree>
@@ -16428,7 +19825,7 @@
           <a:lstStyle/>
           <a:p>
             <a:r>
-              <a:rPr lang="it-IT" dirty="0" err="1" smtClean="0"/>
+              <a:rPr lang="it-IT" dirty="0" err="1"/>
               <a:t>Introduction</a:t>
             </a:r>
             <a:endParaRPr lang="it-IT" dirty="0"/>
@@ -16451,51 +19848,51 @@
           <a:lstStyle/>
           <a:p>
             <a:r>
-              <a:rPr lang="it-IT" sz="2000" dirty="0" smtClean="0"/>
+              <a:rPr lang="it-IT" sz="2000" dirty="0"/>
               <a:t>The </a:t>
             </a:r>
             <a:r>
-              <a:rPr lang="it-IT" sz="2000" dirty="0" err="1" smtClean="0"/>
+              <a:rPr lang="it-IT" sz="2000" dirty="0" err="1"/>
               <a:t>project</a:t>
             </a:r>
             <a:r>
-              <a:rPr lang="it-IT" sz="2000" dirty="0" smtClean="0"/>
+              <a:rPr lang="it-IT" sz="2000" dirty="0"/>
               <a:t> </a:t>
             </a:r>
             <a:r>
-              <a:rPr lang="it-IT" sz="2000" dirty="0" err="1" smtClean="0"/>
+              <a:rPr lang="it-IT" sz="2000" dirty="0" err="1"/>
               <a:t>is</a:t>
             </a:r>
             <a:r>
-              <a:rPr lang="it-IT" sz="2000" dirty="0" smtClean="0"/>
+              <a:rPr lang="it-IT" sz="2000" dirty="0"/>
               <a:t> </a:t>
             </a:r>
             <a:r>
-              <a:rPr lang="it-IT" sz="2000" dirty="0" err="1" smtClean="0"/>
+              <a:rPr lang="it-IT" sz="2000" dirty="0" err="1"/>
               <a:t>available</a:t>
             </a:r>
             <a:r>
-              <a:rPr lang="it-IT" sz="2000" dirty="0" smtClean="0"/>
+              <a:rPr lang="it-IT" sz="2000" dirty="0"/>
               <a:t> on </a:t>
             </a:r>
             <a:r>
-              <a:rPr lang="it-IT" sz="2000" dirty="0" err="1" smtClean="0"/>
+              <a:rPr lang="it-IT" sz="2000" dirty="0" err="1"/>
               <a:t>github</a:t>
             </a:r>
             <a:r>
-              <a:rPr lang="it-IT" sz="2000" dirty="0" smtClean="0"/>
+              <a:rPr lang="it-IT" sz="2000" dirty="0"/>
               <a:t> </a:t>
             </a:r>
             <a:r>
-              <a:rPr lang="it-IT" sz="2000" dirty="0" err="1" smtClean="0"/>
+              <a:rPr lang="it-IT" sz="2000" dirty="0" err="1"/>
               <a:t>at</a:t>
             </a:r>
             <a:r>
-              <a:rPr lang="it-IT" sz="2000" dirty="0" smtClean="0"/>
+              <a:rPr lang="it-IT" sz="2000" dirty="0"/>
               <a:t> </a:t>
             </a:r>
             <a:r>
-              <a:rPr lang="it-IT" sz="2000" dirty="0" err="1" smtClean="0"/>
+              <a:rPr lang="it-IT" sz="2000" dirty="0" err="1"/>
               <a:t>following</a:t>
             </a:r>
             <a:r>
@@ -16506,27 +19903,21 @@
               <a:rPr lang="it-IT" sz="2000" dirty="0">
                 <a:hlinkClick r:id="rId2"/>
               </a:rPr>
-              <a:t>https://</a:t>
-            </a:r>
-            <a:r>
-              <a:rPr lang="it-IT" sz="2000" dirty="0" smtClean="0">
-                <a:hlinkClick r:id="rId2"/>
-              </a:rPr>
-              <a:t>github.com/RaiMar96/AdversarialAttacksAndInterpretability-covid-chestxray-</a:t>
-            </a:r>
-            <a:endParaRPr lang="it-IT" sz="2000" dirty="0" smtClean="0"/>
-          </a:p>
-          <a:p>
-            <a:r>
-              <a:rPr lang="it-IT" sz="2000" dirty="0" smtClean="0"/>
+              <a:t>https://github.com/RaiMar96/AdversarialAttacksAndInterpretability-covid-chestxray-</a:t>
+            </a:r>
+            <a:endParaRPr lang="it-IT" sz="2000" dirty="0"/>
+          </a:p>
+          <a:p>
+            <a:r>
+              <a:rPr lang="it-IT" sz="2000" dirty="0"/>
               <a:t>The </a:t>
             </a:r>
             <a:r>
-              <a:rPr lang="it-IT" sz="2000" dirty="0" err="1" smtClean="0"/>
+              <a:rPr lang="it-IT" sz="2000" dirty="0" err="1"/>
               <a:t>Dataset</a:t>
             </a:r>
             <a:r>
-              <a:rPr lang="it-IT" sz="2000" dirty="0" smtClean="0"/>
+              <a:rPr lang="it-IT" sz="2000" dirty="0"/>
               <a:t> </a:t>
             </a:r>
             <a:r>
@@ -16573,24 +19964,14 @@
               <a:rPr lang="it-IT" sz="2000" dirty="0">
                 <a:hlinkClick r:id="rId3"/>
               </a:rPr>
-              <a:t>https://</a:t>
-            </a:r>
-            <a:r>
-              <a:rPr lang="it-IT" sz="2000" dirty="0" smtClean="0">
-                <a:hlinkClick r:id="rId3"/>
-              </a:rPr>
-              <a:t>github.com/ieee8023/covid-chestxray-dataset</a:t>
-            </a:r>
-            <a:endParaRPr lang="it-IT" sz="2000" dirty="0" smtClean="0"/>
+              <a:t>https://github.com/ieee8023/covid-chestxray-dataset</a:t>
+            </a:r>
+            <a:endParaRPr lang="it-IT" sz="2000" dirty="0"/>
           </a:p>
           <a:p>
             <a:r>
               <a:rPr lang="en-US" sz="2000" dirty="0"/>
-              <a:t>The project has been implemented in python </a:t>
-            </a:r>
-            <a:r>
-              <a:rPr lang="en-US" sz="2000" dirty="0" smtClean="0"/>
-              <a:t>on </a:t>
+              <a:t>The project has been implemented in python on </a:t>
             </a:r>
             <a:r>
               <a:rPr lang="en-US" sz="2000" dirty="0" err="1"/>
@@ -16598,21 +19979,17 @@
             </a:r>
             <a:r>
               <a:rPr lang="en-US" sz="2000" dirty="0"/>
-              <a:t> </a:t>
-            </a:r>
-            <a:r>
-              <a:rPr lang="en-US" sz="2000" dirty="0" smtClean="0"/>
-              <a:t>environment, using Google </a:t>
-            </a:r>
-            <a:r>
-              <a:rPr lang="en-US" sz="2000" dirty="0" err="1" smtClean="0"/>
+              <a:t> environment, using Google </a:t>
+            </a:r>
+            <a:r>
+              <a:rPr lang="en-US" sz="2000" dirty="0" err="1"/>
               <a:t>Colab</a:t>
             </a:r>
             <a:r>
-              <a:rPr lang="en-US" sz="2000" dirty="0" smtClean="0"/>
+              <a:rPr lang="en-US" sz="2000" dirty="0"/>
               <a:t> platform.</a:t>
             </a:r>
-            <a:endParaRPr lang="it-IT" sz="2000" dirty="0" smtClean="0"/>
+            <a:endParaRPr lang="it-IT" sz="2000" dirty="0"/>
           </a:p>
           <a:p>
             <a:endParaRPr lang="it-IT" sz="2000" dirty="0"/>
@@ -16690,7 +20067,7 @@
           <a:p>
             <a:fld id="{E7A41E1B-4F70-4964-A407-84C68BE8251C}" type="slidenum">
               <a:rPr lang="it-IT" smtClean="0"/>
-              <a:t>2</a:t>
+              <a:t>5</a:t>
             </a:fld>
             <a:endParaRPr lang="it-IT"/>
           </a:p>
@@ -16706,1100 +20083,10 @@
   <p:clrMapOvr>
     <a:masterClrMapping/>
   </p:clrMapOvr>
-  <p:timing>
-    <p:tnLst>
-      <p:par>
-        <p:cTn id="1" dur="indefinite" restart="never" nodeType="tmRoot"/>
-      </p:par>
-    </p:tnLst>
-  </p:timing>
 </p:sld>
 </file>
 
-<file path=ppt/slides/slide20.xml><?xml version="1.0" encoding="utf-8"?>
-<p:sld xmlns:a="http://schemas.openxmlformats.org/drawingml/2006/main" xmlns:r="http://schemas.openxmlformats.org/officeDocument/2006/relationships" xmlns:p="http://schemas.openxmlformats.org/presentationml/2006/main">
-  <p:cSld>
-    <p:spTree>
-      <p:nvGrpSpPr>
-        <p:cNvPr id="1" name=""/>
-        <p:cNvGrpSpPr/>
-        <p:nvPr/>
-      </p:nvGrpSpPr>
-      <p:grpSpPr>
-        <a:xfrm>
-          <a:off x="0" y="0"/>
-          <a:ext cx="0" cy="0"/>
-          <a:chOff x="0" y="0"/>
-          <a:chExt cx="0" cy="0"/>
-        </a:xfrm>
-      </p:grpSpPr>
-      <p:sp>
-        <p:nvSpPr>
-          <p:cNvPr id="2" name="Titolo 1"/>
-          <p:cNvSpPr>
-            <a:spLocks noGrp="1"/>
-          </p:cNvSpPr>
-          <p:nvPr>
-            <p:ph type="title"/>
-          </p:nvPr>
-        </p:nvSpPr>
-        <p:spPr/>
-        <p:txBody>
-          <a:bodyPr>
-            <a:normAutofit fontScale="90000"/>
-          </a:bodyPr>
-          <a:lstStyle/>
-          <a:p>
-            <a:pPr algn="ctr"/>
-            <a:r>
-              <a:rPr lang="it-IT" dirty="0"/>
-              <a:t>From Scratch Model </a:t>
-            </a:r>
-            <a:br>
-              <a:rPr lang="it-IT" dirty="0"/>
-            </a:br>
-            <a:r>
-              <a:rPr lang="it-IT" dirty="0"/>
-              <a:t>Train </a:t>
-            </a:r>
-            <a:r>
-              <a:rPr lang="it-IT" dirty="0" err="1"/>
-              <a:t>Results</a:t>
-            </a:r>
-            <a:endParaRPr lang="it-IT" dirty="0"/>
-          </a:p>
-        </p:txBody>
-      </p:sp>
-      <p:sp>
-        <p:nvSpPr>
-          <p:cNvPr id="3" name="Segnaposto testo 2"/>
-          <p:cNvSpPr>
-            <a:spLocks noGrp="1"/>
-          </p:cNvSpPr>
-          <p:nvPr>
-            <p:ph type="body" idx="1"/>
-          </p:nvPr>
-        </p:nvSpPr>
-        <p:spPr/>
-        <p:txBody>
-          <a:bodyPr>
-            <a:normAutofit/>
-          </a:bodyPr>
-          <a:lstStyle/>
-          <a:p>
-            <a:pPr algn="ctr"/>
-            <a:r>
-              <a:rPr lang="it-IT" sz="2000" dirty="0" smtClean="0"/>
-              <a:t>Image</a:t>
-            </a:r>
-            <a:endParaRPr lang="it-IT" sz="2000" dirty="0"/>
-          </a:p>
-        </p:txBody>
-      </p:sp>
-      <p:pic>
-        <p:nvPicPr>
-          <p:cNvPr id="8" name="Segnaposto contenuto 7"/>
-          <p:cNvPicPr>
-            <a:picLocks noGrp="1" noChangeAspect="1"/>
-          </p:cNvPicPr>
-          <p:nvPr>
-            <p:ph sz="half" idx="2"/>
-          </p:nvPr>
-        </p:nvPicPr>
-        <p:blipFill>
-          <a:blip r:embed="rId2">
-            <a:extLst>
-              <a:ext uri="{28A0092B-C50C-407E-A947-70E740481C1C}">
-                <a14:useLocalDpi xmlns:a14="http://schemas.microsoft.com/office/drawing/2010/main" val="0"/>
-              </a:ext>
-            </a:extLst>
-          </a:blip>
-          <a:stretch>
-            <a:fillRect/>
-          </a:stretch>
-        </p:blipFill>
-        <p:spPr>
-          <a:xfrm>
-            <a:off x="1425331" y="2974975"/>
-            <a:ext cx="2651613" cy="2835275"/>
-          </a:xfrm>
-        </p:spPr>
-      </p:pic>
-      <p:sp>
-        <p:nvSpPr>
-          <p:cNvPr id="5" name="Segnaposto testo 4"/>
-          <p:cNvSpPr>
-            <a:spLocks noGrp="1"/>
-          </p:cNvSpPr>
-          <p:nvPr>
-            <p:ph type="body" sz="quarter" idx="3"/>
-          </p:nvPr>
-        </p:nvSpPr>
-        <p:spPr/>
-        <p:txBody>
-          <a:bodyPr>
-            <a:normAutofit/>
-          </a:bodyPr>
-          <a:lstStyle/>
-          <a:p>
-            <a:pPr algn="ctr"/>
-            <a:r>
-              <a:rPr lang="it-IT" sz="2000" dirty="0" err="1" smtClean="0"/>
-              <a:t>Interpretation</a:t>
-            </a:r>
-            <a:endParaRPr lang="it-IT" sz="2000" dirty="0"/>
-          </a:p>
-        </p:txBody>
-      </p:sp>
-      <p:pic>
-        <p:nvPicPr>
-          <p:cNvPr id="9" name="Segnaposto contenuto 8"/>
-          <p:cNvPicPr>
-            <a:picLocks noGrp="1" noChangeAspect="1"/>
-          </p:cNvPicPr>
-          <p:nvPr>
-            <p:ph sz="quarter" idx="4"/>
-          </p:nvPr>
-        </p:nvPicPr>
-        <p:blipFill>
-          <a:blip r:embed="rId3">
-            <a:extLst>
-              <a:ext uri="{28A0092B-C50C-407E-A947-70E740481C1C}">
-                <a14:useLocalDpi xmlns:a14="http://schemas.microsoft.com/office/drawing/2010/main" val="0"/>
-              </a:ext>
-            </a:extLst>
-          </a:blip>
-          <a:stretch>
-            <a:fillRect/>
-          </a:stretch>
-        </p:blipFill>
-        <p:spPr>
-          <a:xfrm>
-            <a:off x="5089150" y="2974975"/>
-            <a:ext cx="2531224" cy="2835275"/>
-          </a:xfrm>
-        </p:spPr>
-      </p:pic>
-      <p:sp>
-        <p:nvSpPr>
-          <p:cNvPr id="7" name="Segnaposto numero diapositiva 6"/>
-          <p:cNvSpPr>
-            <a:spLocks noGrp="1"/>
-          </p:cNvSpPr>
-          <p:nvPr>
-            <p:ph type="sldNum" sz="quarter" idx="12"/>
-          </p:nvPr>
-        </p:nvSpPr>
-        <p:spPr/>
-        <p:txBody>
-          <a:bodyPr/>
-          <a:lstStyle/>
-          <a:p>
-            <a:fld id="{E7A41E1B-4F70-4964-A407-84C68BE8251C}" type="slidenum">
-              <a:rPr lang="it-IT" smtClean="0"/>
-              <a:t>20</a:t>
-            </a:fld>
-            <a:endParaRPr lang="it-IT"/>
-          </a:p>
-        </p:txBody>
-      </p:sp>
-    </p:spTree>
-    <p:extLst>
-      <p:ext uri="{BB962C8B-B14F-4D97-AF65-F5344CB8AC3E}">
-        <p14:creationId xmlns:p14="http://schemas.microsoft.com/office/powerpoint/2010/main" val="1168926537"/>
-      </p:ext>
-    </p:extLst>
-  </p:cSld>
-  <p:clrMapOvr>
-    <a:masterClrMapping/>
-  </p:clrMapOvr>
-</p:sld>
-</file>
-
-<file path=ppt/slides/slide21.xml><?xml version="1.0" encoding="utf-8"?>
-<p:sld xmlns:a="http://schemas.openxmlformats.org/drawingml/2006/main" xmlns:r="http://schemas.openxmlformats.org/officeDocument/2006/relationships" xmlns:p="http://schemas.openxmlformats.org/presentationml/2006/main">
-  <p:cSld>
-    <p:spTree>
-      <p:nvGrpSpPr>
-        <p:cNvPr id="1" name=""/>
-        <p:cNvGrpSpPr/>
-        <p:nvPr/>
-      </p:nvGrpSpPr>
-      <p:grpSpPr>
-        <a:xfrm>
-          <a:off x="0" y="0"/>
-          <a:ext cx="0" cy="0"/>
-          <a:chOff x="0" y="0"/>
-          <a:chExt cx="0" cy="0"/>
-        </a:xfrm>
-      </p:grpSpPr>
-      <p:sp>
-        <p:nvSpPr>
-          <p:cNvPr id="2" name="Titolo 1"/>
-          <p:cNvSpPr>
-            <a:spLocks noGrp="1"/>
-          </p:cNvSpPr>
-          <p:nvPr>
-            <p:ph type="title"/>
-          </p:nvPr>
-        </p:nvSpPr>
-        <p:spPr/>
-        <p:txBody>
-          <a:bodyPr>
-            <a:normAutofit/>
-          </a:bodyPr>
-          <a:lstStyle/>
-          <a:p>
-            <a:pPr algn="ctr"/>
-            <a:r>
-              <a:rPr lang="it-IT" sz="3000" dirty="0" err="1" smtClean="0"/>
-              <a:t>Adversarial</a:t>
-            </a:r>
-            <a:r>
-              <a:rPr lang="it-IT" sz="3000" dirty="0" smtClean="0"/>
-              <a:t> Fine </a:t>
-            </a:r>
-            <a:r>
-              <a:rPr lang="it-IT" sz="3000" dirty="0" err="1" smtClean="0"/>
-              <a:t>Tuned</a:t>
-            </a:r>
-            <a:r>
-              <a:rPr lang="it-IT" sz="3000" dirty="0" smtClean="0"/>
-              <a:t> Model</a:t>
-            </a:r>
-            <a:br>
-              <a:rPr lang="it-IT" sz="3000" dirty="0" smtClean="0"/>
-            </a:br>
-            <a:r>
-              <a:rPr lang="it-IT" sz="3000" dirty="0" smtClean="0"/>
-              <a:t>Train </a:t>
-            </a:r>
-            <a:r>
-              <a:rPr lang="it-IT" sz="3000" dirty="0" err="1" smtClean="0"/>
-              <a:t>Results</a:t>
-            </a:r>
-            <a:endParaRPr lang="it-IT" sz="3000" dirty="0"/>
-          </a:p>
-        </p:txBody>
-      </p:sp>
-      <p:sp>
-        <p:nvSpPr>
-          <p:cNvPr id="3" name="Segnaposto testo 2"/>
-          <p:cNvSpPr>
-            <a:spLocks noGrp="1"/>
-          </p:cNvSpPr>
-          <p:nvPr>
-            <p:ph type="body" idx="1"/>
-          </p:nvPr>
-        </p:nvSpPr>
-        <p:spPr/>
-        <p:txBody>
-          <a:bodyPr>
-            <a:normAutofit/>
-          </a:bodyPr>
-          <a:lstStyle/>
-          <a:p>
-            <a:pPr algn="ctr"/>
-            <a:r>
-              <a:rPr lang="it-IT" sz="2000" dirty="0" err="1" smtClean="0"/>
-              <a:t>Accuracy</a:t>
-            </a:r>
-            <a:endParaRPr lang="it-IT" sz="2000" dirty="0"/>
-          </a:p>
-        </p:txBody>
-      </p:sp>
-      <p:pic>
-        <p:nvPicPr>
-          <p:cNvPr id="9" name="Segnaposto contenuto 8"/>
-          <p:cNvPicPr>
-            <a:picLocks noGrp="1" noChangeAspect="1"/>
-          </p:cNvPicPr>
-          <p:nvPr>
-            <p:ph sz="half" idx="2"/>
-          </p:nvPr>
-        </p:nvPicPr>
-        <p:blipFill>
-          <a:blip r:embed="rId2">
-            <a:extLst>
-              <a:ext uri="{28A0092B-C50C-407E-A947-70E740481C1C}">
-                <a14:useLocalDpi xmlns:a14="http://schemas.microsoft.com/office/drawing/2010/main" val="0"/>
-              </a:ext>
-            </a:extLst>
-          </a:blip>
-          <a:stretch>
-            <a:fillRect/>
-          </a:stretch>
-        </p:blipFill>
-        <p:spPr>
-          <a:xfrm>
-            <a:off x="1041400" y="3198510"/>
-            <a:ext cx="3419475" cy="2388204"/>
-          </a:xfrm>
-        </p:spPr>
-      </p:pic>
-      <p:sp>
-        <p:nvSpPr>
-          <p:cNvPr id="5" name="Segnaposto testo 4"/>
-          <p:cNvSpPr>
-            <a:spLocks noGrp="1"/>
-          </p:cNvSpPr>
-          <p:nvPr>
-            <p:ph type="body" sz="quarter" idx="3"/>
-          </p:nvPr>
-        </p:nvSpPr>
-        <p:spPr/>
-        <p:txBody>
-          <a:bodyPr/>
-          <a:lstStyle/>
-          <a:p>
-            <a:pPr algn="ctr"/>
-            <a:r>
-              <a:rPr lang="it-IT" sz="2000" dirty="0" err="1" smtClean="0"/>
-              <a:t>Loss</a:t>
-            </a:r>
-            <a:r>
-              <a:rPr lang="it-IT" dirty="0" smtClean="0"/>
-              <a:t>	</a:t>
-            </a:r>
-            <a:endParaRPr lang="it-IT" dirty="0"/>
-          </a:p>
-        </p:txBody>
-      </p:sp>
-      <p:pic>
-        <p:nvPicPr>
-          <p:cNvPr id="8" name="Segnaposto contenuto 7"/>
-          <p:cNvPicPr>
-            <a:picLocks noGrp="1" noChangeAspect="1"/>
-          </p:cNvPicPr>
-          <p:nvPr>
-            <p:ph sz="quarter" idx="4"/>
-          </p:nvPr>
-        </p:nvPicPr>
-        <p:blipFill>
-          <a:blip r:embed="rId3">
-            <a:extLst>
-              <a:ext uri="{28A0092B-C50C-407E-A947-70E740481C1C}">
-                <a14:useLocalDpi xmlns:a14="http://schemas.microsoft.com/office/drawing/2010/main" val="0"/>
-              </a:ext>
-            </a:extLst>
-          </a:blip>
-          <a:stretch>
-            <a:fillRect/>
-          </a:stretch>
-        </p:blipFill>
-        <p:spPr>
-          <a:xfrm>
-            <a:off x="4645025" y="3198510"/>
-            <a:ext cx="3419475" cy="2388204"/>
-          </a:xfrm>
-        </p:spPr>
-      </p:pic>
-      <p:sp>
-        <p:nvSpPr>
-          <p:cNvPr id="7" name="Segnaposto numero diapositiva 6"/>
-          <p:cNvSpPr>
-            <a:spLocks noGrp="1"/>
-          </p:cNvSpPr>
-          <p:nvPr>
-            <p:ph type="sldNum" sz="quarter" idx="12"/>
-          </p:nvPr>
-        </p:nvSpPr>
-        <p:spPr/>
-        <p:txBody>
-          <a:bodyPr/>
-          <a:lstStyle/>
-          <a:p>
-            <a:fld id="{E7A41E1B-4F70-4964-A407-84C68BE8251C}" type="slidenum">
-              <a:rPr lang="it-IT" smtClean="0"/>
-              <a:t>21</a:t>
-            </a:fld>
-            <a:endParaRPr lang="it-IT"/>
-          </a:p>
-        </p:txBody>
-      </p:sp>
-    </p:spTree>
-    <p:extLst>
-      <p:ext uri="{BB962C8B-B14F-4D97-AF65-F5344CB8AC3E}">
-        <p14:creationId xmlns:p14="http://schemas.microsoft.com/office/powerpoint/2010/main" val="350643255"/>
-      </p:ext>
-    </p:extLst>
-  </p:cSld>
-  <p:clrMapOvr>
-    <a:masterClrMapping/>
-  </p:clrMapOvr>
-</p:sld>
-</file>
-
-<file path=ppt/slides/slide22.xml><?xml version="1.0" encoding="utf-8"?>
-<p:sld xmlns:a="http://schemas.openxmlformats.org/drawingml/2006/main" xmlns:r="http://schemas.openxmlformats.org/officeDocument/2006/relationships" xmlns:p="http://schemas.openxmlformats.org/presentationml/2006/main">
-  <p:cSld>
-    <p:spTree>
-      <p:nvGrpSpPr>
-        <p:cNvPr id="1" name=""/>
-        <p:cNvGrpSpPr/>
-        <p:nvPr/>
-      </p:nvGrpSpPr>
-      <p:grpSpPr>
-        <a:xfrm>
-          <a:off x="0" y="0"/>
-          <a:ext cx="0" cy="0"/>
-          <a:chOff x="0" y="0"/>
-          <a:chExt cx="0" cy="0"/>
-        </a:xfrm>
-      </p:grpSpPr>
-      <p:sp>
-        <p:nvSpPr>
-          <p:cNvPr id="2" name="Titolo 1"/>
-          <p:cNvSpPr>
-            <a:spLocks noGrp="1"/>
-          </p:cNvSpPr>
-          <p:nvPr>
-            <p:ph type="title"/>
-          </p:nvPr>
-        </p:nvSpPr>
-        <p:spPr/>
-        <p:txBody>
-          <a:bodyPr>
-            <a:normAutofit/>
-          </a:bodyPr>
-          <a:lstStyle/>
-          <a:p>
-            <a:pPr algn="ctr"/>
-            <a:r>
-              <a:rPr lang="it-IT" sz="3000" dirty="0" err="1"/>
-              <a:t>Adversarial</a:t>
-            </a:r>
-            <a:r>
-              <a:rPr lang="it-IT" sz="3000" dirty="0"/>
-              <a:t> Fine </a:t>
-            </a:r>
-            <a:r>
-              <a:rPr lang="it-IT" sz="3000" dirty="0" err="1"/>
-              <a:t>Tuned</a:t>
-            </a:r>
-            <a:r>
-              <a:rPr lang="it-IT" sz="3000" dirty="0"/>
-              <a:t> Model</a:t>
-            </a:r>
-            <a:br>
-              <a:rPr lang="it-IT" sz="3000" dirty="0"/>
-            </a:br>
-            <a:r>
-              <a:rPr lang="it-IT" sz="3000" dirty="0" err="1" smtClean="0"/>
-              <a:t>Interpretability</a:t>
-            </a:r>
-            <a:r>
-              <a:rPr lang="it-IT" sz="3000" dirty="0" smtClean="0"/>
-              <a:t> </a:t>
-            </a:r>
-            <a:r>
-              <a:rPr lang="it-IT" sz="3000" dirty="0" err="1" smtClean="0"/>
-              <a:t>Results</a:t>
-            </a:r>
-            <a:endParaRPr lang="it-IT" sz="3000" dirty="0"/>
-          </a:p>
-        </p:txBody>
-      </p:sp>
-      <p:sp>
-        <p:nvSpPr>
-          <p:cNvPr id="3" name="Segnaposto testo 2"/>
-          <p:cNvSpPr>
-            <a:spLocks noGrp="1"/>
-          </p:cNvSpPr>
-          <p:nvPr>
-            <p:ph type="body" idx="1"/>
-          </p:nvPr>
-        </p:nvSpPr>
-        <p:spPr/>
-        <p:txBody>
-          <a:bodyPr/>
-          <a:lstStyle/>
-          <a:p>
-            <a:pPr algn="ctr"/>
-            <a:r>
-              <a:rPr lang="it-IT" sz="2000" dirty="0" smtClean="0"/>
-              <a:t>Image</a:t>
-            </a:r>
-            <a:endParaRPr lang="it-IT" sz="2000" dirty="0"/>
-          </a:p>
-        </p:txBody>
-      </p:sp>
-      <p:pic>
-        <p:nvPicPr>
-          <p:cNvPr id="8" name="Segnaposto contenuto 7"/>
-          <p:cNvPicPr>
-            <a:picLocks noGrp="1" noChangeAspect="1"/>
-          </p:cNvPicPr>
-          <p:nvPr>
-            <p:ph sz="half" idx="2"/>
-          </p:nvPr>
-        </p:nvPicPr>
-        <p:blipFill>
-          <a:blip r:embed="rId2">
-            <a:extLst>
-              <a:ext uri="{28A0092B-C50C-407E-A947-70E740481C1C}">
-                <a14:useLocalDpi xmlns:a14="http://schemas.microsoft.com/office/drawing/2010/main" val="0"/>
-              </a:ext>
-            </a:extLst>
-          </a:blip>
-          <a:stretch>
-            <a:fillRect/>
-          </a:stretch>
-        </p:blipFill>
-        <p:spPr>
-          <a:xfrm>
-            <a:off x="1425331" y="2974975"/>
-            <a:ext cx="2651613" cy="2835275"/>
-          </a:xfrm>
-        </p:spPr>
-      </p:pic>
-      <p:sp>
-        <p:nvSpPr>
-          <p:cNvPr id="5" name="Segnaposto testo 4"/>
-          <p:cNvSpPr>
-            <a:spLocks noGrp="1"/>
-          </p:cNvSpPr>
-          <p:nvPr>
-            <p:ph type="body" sz="quarter" idx="3"/>
-          </p:nvPr>
-        </p:nvSpPr>
-        <p:spPr/>
-        <p:txBody>
-          <a:bodyPr/>
-          <a:lstStyle/>
-          <a:p>
-            <a:pPr algn="ctr"/>
-            <a:r>
-              <a:rPr lang="it-IT" sz="2000" dirty="0" err="1" smtClean="0"/>
-              <a:t>Interpretation</a:t>
-            </a:r>
-            <a:endParaRPr lang="it-IT" sz="2000" dirty="0"/>
-          </a:p>
-        </p:txBody>
-      </p:sp>
-      <p:pic>
-        <p:nvPicPr>
-          <p:cNvPr id="9" name="Segnaposto contenuto 8"/>
-          <p:cNvPicPr>
-            <a:picLocks noGrp="1" noChangeAspect="1"/>
-          </p:cNvPicPr>
-          <p:nvPr>
-            <p:ph sz="quarter" idx="4"/>
-          </p:nvPr>
-        </p:nvPicPr>
-        <p:blipFill>
-          <a:blip r:embed="rId3">
-            <a:extLst>
-              <a:ext uri="{28A0092B-C50C-407E-A947-70E740481C1C}">
-                <a14:useLocalDpi xmlns:a14="http://schemas.microsoft.com/office/drawing/2010/main" val="0"/>
-              </a:ext>
-            </a:extLst>
-          </a:blip>
-          <a:stretch>
-            <a:fillRect/>
-          </a:stretch>
-        </p:blipFill>
-        <p:spPr>
-          <a:xfrm>
-            <a:off x="5089150" y="2974975"/>
-            <a:ext cx="2531224" cy="2835275"/>
-          </a:xfrm>
-        </p:spPr>
-      </p:pic>
-      <p:sp>
-        <p:nvSpPr>
-          <p:cNvPr id="7" name="Segnaposto numero diapositiva 6"/>
-          <p:cNvSpPr>
-            <a:spLocks noGrp="1"/>
-          </p:cNvSpPr>
-          <p:nvPr>
-            <p:ph type="sldNum" sz="quarter" idx="12"/>
-          </p:nvPr>
-        </p:nvSpPr>
-        <p:spPr/>
-        <p:txBody>
-          <a:bodyPr/>
-          <a:lstStyle/>
-          <a:p>
-            <a:fld id="{E7A41E1B-4F70-4964-A407-84C68BE8251C}" type="slidenum">
-              <a:rPr lang="it-IT" smtClean="0"/>
-              <a:t>22</a:t>
-            </a:fld>
-            <a:endParaRPr lang="it-IT"/>
-          </a:p>
-        </p:txBody>
-      </p:sp>
-    </p:spTree>
-    <p:extLst>
-      <p:ext uri="{BB962C8B-B14F-4D97-AF65-F5344CB8AC3E}">
-        <p14:creationId xmlns:p14="http://schemas.microsoft.com/office/powerpoint/2010/main" val="4226908415"/>
-      </p:ext>
-    </p:extLst>
-  </p:cSld>
-  <p:clrMapOvr>
-    <a:masterClrMapping/>
-  </p:clrMapOvr>
-</p:sld>
-</file>
-
-<file path=ppt/slides/slide3.xml><?xml version="1.0" encoding="utf-8"?>
-<p:sld xmlns:a="http://schemas.openxmlformats.org/drawingml/2006/main" xmlns:r="http://schemas.openxmlformats.org/officeDocument/2006/relationships" xmlns:p="http://schemas.openxmlformats.org/presentationml/2006/main">
-  <p:cSld>
-    <p:spTree>
-      <p:nvGrpSpPr>
-        <p:cNvPr id="1" name=""/>
-        <p:cNvGrpSpPr/>
-        <p:nvPr/>
-      </p:nvGrpSpPr>
-      <p:grpSpPr>
-        <a:xfrm>
-          <a:off x="0" y="0"/>
-          <a:ext cx="0" cy="0"/>
-          <a:chOff x="0" y="0"/>
-          <a:chExt cx="0" cy="0"/>
-        </a:xfrm>
-      </p:grpSpPr>
-      <p:sp>
-        <p:nvSpPr>
-          <p:cNvPr id="2" name="Titolo 1"/>
-          <p:cNvSpPr>
-            <a:spLocks noGrp="1"/>
-          </p:cNvSpPr>
-          <p:nvPr>
-            <p:ph type="title"/>
-          </p:nvPr>
-        </p:nvSpPr>
-        <p:spPr/>
-        <p:txBody>
-          <a:bodyPr>
-            <a:normAutofit/>
-          </a:bodyPr>
-          <a:lstStyle/>
-          <a:p>
-            <a:r>
-              <a:rPr lang="it-IT" dirty="0" smtClean="0"/>
-              <a:t>Informazioni Preliminari</a:t>
-            </a:r>
-            <a:endParaRPr lang="it-IT" dirty="0"/>
-          </a:p>
-        </p:txBody>
-      </p:sp>
-      <p:sp>
-        <p:nvSpPr>
-          <p:cNvPr id="3" name="Segnaposto contenuto 2"/>
-          <p:cNvSpPr>
-            <a:spLocks noGrp="1"/>
-          </p:cNvSpPr>
-          <p:nvPr>
-            <p:ph idx="1"/>
-          </p:nvPr>
-        </p:nvSpPr>
-        <p:spPr/>
-        <p:txBody>
-          <a:bodyPr>
-            <a:normAutofit/>
-          </a:bodyPr>
-          <a:lstStyle/>
-          <a:p>
-            <a:r>
-              <a:rPr lang="it-IT" dirty="0" smtClean="0"/>
-              <a:t>In the </a:t>
-            </a:r>
-            <a:r>
-              <a:rPr lang="it-IT" dirty="0" err="1" smtClean="0"/>
-              <a:t>following</a:t>
-            </a:r>
-            <a:r>
-              <a:rPr lang="it-IT" dirty="0" smtClean="0"/>
-              <a:t> </a:t>
-            </a:r>
-            <a:r>
-              <a:rPr lang="it-IT" dirty="0" err="1" smtClean="0"/>
-              <a:t>experiments</a:t>
-            </a:r>
-            <a:r>
-              <a:rPr lang="it-IT" dirty="0" smtClean="0"/>
-              <a:t> a subset of the </a:t>
-            </a:r>
-            <a:r>
-              <a:rPr lang="it-IT" dirty="0" err="1" smtClean="0"/>
-              <a:t>provided</a:t>
-            </a:r>
-            <a:r>
-              <a:rPr lang="it-IT" dirty="0" smtClean="0"/>
-              <a:t> </a:t>
-            </a:r>
-            <a:r>
-              <a:rPr lang="it-IT" dirty="0" err="1" smtClean="0"/>
-              <a:t>dataset</a:t>
-            </a:r>
-            <a:r>
-              <a:rPr lang="it-IT" dirty="0" smtClean="0"/>
-              <a:t> </a:t>
-            </a:r>
-            <a:r>
-              <a:rPr lang="it-IT" dirty="0" err="1" smtClean="0"/>
-              <a:t>has</a:t>
-            </a:r>
-            <a:r>
-              <a:rPr lang="it-IT" dirty="0" smtClean="0"/>
-              <a:t> </a:t>
-            </a:r>
-            <a:r>
-              <a:rPr lang="it-IT" dirty="0" err="1" smtClean="0"/>
-              <a:t>been</a:t>
-            </a:r>
-            <a:r>
-              <a:rPr lang="it-IT" dirty="0" smtClean="0"/>
-              <a:t> </a:t>
-            </a:r>
-            <a:r>
-              <a:rPr lang="it-IT" dirty="0" err="1" smtClean="0"/>
-              <a:t>utilized</a:t>
-            </a:r>
-            <a:r>
-              <a:rPr lang="it-IT" dirty="0" smtClean="0"/>
-              <a:t> (images from </a:t>
-            </a:r>
-            <a:r>
-              <a:rPr lang="it-IT" dirty="0" err="1" smtClean="0"/>
-              <a:t>perspective</a:t>
-            </a:r>
-            <a:r>
-              <a:rPr lang="it-IT" dirty="0" smtClean="0"/>
-              <a:t> ‘PA’), made of 303 </a:t>
-            </a:r>
-            <a:r>
-              <a:rPr lang="it-IT" dirty="0" err="1" smtClean="0"/>
-              <a:t>samples</a:t>
-            </a:r>
-            <a:r>
-              <a:rPr lang="it-IT" dirty="0" smtClean="0"/>
-              <a:t>. </a:t>
-            </a:r>
-          </a:p>
-          <a:p>
-            <a:r>
-              <a:rPr lang="it-IT" dirty="0" smtClean="0"/>
-              <a:t>The </a:t>
-            </a:r>
-            <a:r>
-              <a:rPr lang="it-IT" dirty="0" err="1" smtClean="0"/>
-              <a:t>following</a:t>
-            </a:r>
-            <a:r>
-              <a:rPr lang="it-IT" dirty="0" smtClean="0"/>
-              <a:t> </a:t>
-            </a:r>
-            <a:r>
-              <a:rPr lang="it-IT" dirty="0" err="1" smtClean="0"/>
-              <a:t>ratios</a:t>
-            </a:r>
-            <a:r>
-              <a:rPr lang="it-IT" dirty="0" smtClean="0"/>
-              <a:t> </a:t>
-            </a:r>
-            <a:r>
-              <a:rPr lang="it-IT" dirty="0" err="1" smtClean="0"/>
-              <a:t>have</a:t>
-            </a:r>
-            <a:r>
-              <a:rPr lang="it-IT" dirty="0" smtClean="0"/>
-              <a:t> </a:t>
-            </a:r>
-            <a:r>
-              <a:rPr lang="it-IT" dirty="0" err="1" smtClean="0"/>
-              <a:t>been</a:t>
-            </a:r>
-            <a:r>
-              <a:rPr lang="it-IT" dirty="0" smtClean="0"/>
-              <a:t> </a:t>
-            </a:r>
-            <a:r>
-              <a:rPr lang="it-IT" dirty="0" err="1" smtClean="0"/>
-              <a:t>applied</a:t>
-            </a:r>
-            <a:r>
-              <a:rPr lang="it-IT" dirty="0" smtClean="0"/>
-              <a:t>: Train set 70% , </a:t>
-            </a:r>
-            <a:r>
-              <a:rPr lang="it-IT" dirty="0" err="1" smtClean="0"/>
-              <a:t>Validation</a:t>
-            </a:r>
-            <a:r>
-              <a:rPr lang="it-IT" dirty="0" smtClean="0"/>
-              <a:t> set 15%, Test set 15%</a:t>
-            </a:r>
-          </a:p>
-        </p:txBody>
-      </p:sp>
-      <p:sp>
-        <p:nvSpPr>
-          <p:cNvPr id="4" name="Segnaposto numero diapositiva 3"/>
-          <p:cNvSpPr>
-            <a:spLocks noGrp="1"/>
-          </p:cNvSpPr>
-          <p:nvPr>
-            <p:ph type="sldNum" sz="quarter" idx="12"/>
-          </p:nvPr>
-        </p:nvSpPr>
-        <p:spPr/>
-        <p:txBody>
-          <a:bodyPr/>
-          <a:lstStyle/>
-          <a:p>
-            <a:fld id="{E7A41E1B-4F70-4964-A407-84C68BE8251C}" type="slidenum">
-              <a:rPr lang="it-IT" smtClean="0"/>
-              <a:t>3</a:t>
-            </a:fld>
-            <a:endParaRPr lang="it-IT"/>
-          </a:p>
-        </p:txBody>
-      </p:sp>
-    </p:spTree>
-    <p:extLst>
-      <p:ext uri="{BB962C8B-B14F-4D97-AF65-F5344CB8AC3E}">
-        <p14:creationId xmlns:p14="http://schemas.microsoft.com/office/powerpoint/2010/main" val="4156179914"/>
-      </p:ext>
-    </p:extLst>
-  </p:cSld>
-  <p:clrMapOvr>
-    <a:masterClrMapping/>
-  </p:clrMapOvr>
-  <p:timing>
-    <p:tnLst>
-      <p:par>
-        <p:cTn id="1" dur="indefinite" restart="never" nodeType="tmRoot"/>
-      </p:par>
-    </p:tnLst>
-  </p:timing>
-</p:sld>
-</file>
-
-<file path=ppt/slides/slide4.xml><?xml version="1.0" encoding="utf-8"?>
-<p:sld xmlns:a="http://schemas.openxmlformats.org/drawingml/2006/main" xmlns:r="http://schemas.openxmlformats.org/officeDocument/2006/relationships" xmlns:p="http://schemas.openxmlformats.org/presentationml/2006/main">
-  <p:cSld>
-    <p:spTree>
-      <p:nvGrpSpPr>
-        <p:cNvPr id="1" name=""/>
-        <p:cNvGrpSpPr/>
-        <p:nvPr/>
-      </p:nvGrpSpPr>
-      <p:grpSpPr>
-        <a:xfrm>
-          <a:off x="0" y="0"/>
-          <a:ext cx="0" cy="0"/>
-          <a:chOff x="0" y="0"/>
-          <a:chExt cx="0" cy="0"/>
-        </a:xfrm>
-      </p:grpSpPr>
-      <p:sp>
-        <p:nvSpPr>
-          <p:cNvPr id="2" name="Titolo 1"/>
-          <p:cNvSpPr>
-            <a:spLocks noGrp="1"/>
-          </p:cNvSpPr>
-          <p:nvPr>
-            <p:ph type="title"/>
-          </p:nvPr>
-        </p:nvSpPr>
-        <p:spPr/>
-        <p:txBody>
-          <a:bodyPr/>
-          <a:lstStyle/>
-          <a:p>
-            <a:r>
-              <a:rPr lang="it-IT" dirty="0" err="1" smtClean="0"/>
-              <a:t>Outline</a:t>
-            </a:r>
-            <a:endParaRPr lang="it-IT" dirty="0"/>
-          </a:p>
-        </p:txBody>
-      </p:sp>
-      <p:sp>
-        <p:nvSpPr>
-          <p:cNvPr id="3" name="Segnaposto contenuto 2"/>
-          <p:cNvSpPr>
-            <a:spLocks noGrp="1"/>
-          </p:cNvSpPr>
-          <p:nvPr>
-            <p:ph idx="1"/>
-          </p:nvPr>
-        </p:nvSpPr>
-        <p:spPr/>
-        <p:txBody>
-          <a:bodyPr/>
-          <a:lstStyle/>
-          <a:p>
-            <a:r>
-              <a:rPr lang="it-IT" dirty="0" err="1" smtClean="0"/>
-              <a:t>Dataset</a:t>
-            </a:r>
-            <a:r>
-              <a:rPr lang="it-IT" dirty="0" smtClean="0"/>
-              <a:t> </a:t>
-            </a:r>
-            <a:r>
-              <a:rPr lang="it-IT" dirty="0" err="1" smtClean="0"/>
-              <a:t>Creation</a:t>
-            </a:r>
-            <a:endParaRPr lang="it-IT" dirty="0" smtClean="0"/>
-          </a:p>
-          <a:p>
-            <a:r>
-              <a:rPr lang="it-IT" dirty="0" smtClean="0"/>
-              <a:t>From Scratch CNN, </a:t>
-            </a:r>
-            <a:r>
-              <a:rPr lang="it-IT" dirty="0" err="1" smtClean="0"/>
-              <a:t>train</a:t>
-            </a:r>
-            <a:r>
-              <a:rPr lang="it-IT" dirty="0" smtClean="0"/>
-              <a:t> and </a:t>
-            </a:r>
-            <a:r>
-              <a:rPr lang="it-IT" dirty="0" err="1"/>
-              <a:t>e</a:t>
-            </a:r>
-            <a:r>
-              <a:rPr lang="it-IT" dirty="0" err="1" smtClean="0"/>
-              <a:t>valuation</a:t>
-            </a:r>
-            <a:endParaRPr lang="it-IT" dirty="0" smtClean="0"/>
-          </a:p>
-          <a:p>
-            <a:r>
-              <a:rPr lang="it-IT" dirty="0" smtClean="0"/>
-              <a:t>Model </a:t>
-            </a:r>
-            <a:r>
-              <a:rPr lang="it-IT" dirty="0" err="1" smtClean="0"/>
-              <a:t>interpretabilty</a:t>
-            </a:r>
-            <a:r>
-              <a:rPr lang="it-IT" dirty="0"/>
-              <a:t> </a:t>
-            </a:r>
-            <a:r>
-              <a:rPr lang="it-IT" dirty="0" err="1" smtClean="0"/>
-              <a:t>using</a:t>
-            </a:r>
-            <a:r>
-              <a:rPr lang="it-IT" dirty="0" smtClean="0"/>
-              <a:t> </a:t>
-            </a:r>
-            <a:r>
-              <a:rPr lang="it-IT" dirty="0" err="1" smtClean="0"/>
-              <a:t>Integrated</a:t>
-            </a:r>
-            <a:r>
-              <a:rPr lang="it-IT" dirty="0" smtClean="0"/>
-              <a:t> </a:t>
-            </a:r>
-            <a:r>
-              <a:rPr lang="it-IT" dirty="0" err="1" smtClean="0"/>
-              <a:t>Gradients</a:t>
-            </a:r>
-            <a:endParaRPr lang="it-IT" dirty="0" smtClean="0"/>
-          </a:p>
-          <a:p>
-            <a:r>
-              <a:rPr lang="it-IT" dirty="0" err="1" smtClean="0"/>
-              <a:t>Adversarial</a:t>
-            </a:r>
-            <a:r>
-              <a:rPr lang="it-IT" dirty="0" smtClean="0"/>
-              <a:t> </a:t>
-            </a:r>
-            <a:r>
-              <a:rPr lang="it-IT" dirty="0" err="1" smtClean="0"/>
-              <a:t>attack</a:t>
-            </a:r>
-            <a:r>
-              <a:rPr lang="it-IT" dirty="0" smtClean="0"/>
-              <a:t> FSGM</a:t>
-            </a:r>
-          </a:p>
-          <a:p>
-            <a:r>
-              <a:rPr lang="it-IT" dirty="0" err="1" smtClean="0"/>
-              <a:t>Adversarial</a:t>
-            </a:r>
-            <a:r>
-              <a:rPr lang="it-IT" dirty="0" smtClean="0"/>
-              <a:t> Training, Fine </a:t>
-            </a:r>
-            <a:r>
-              <a:rPr lang="it-IT" dirty="0" err="1" smtClean="0"/>
-              <a:t>tuning</a:t>
-            </a:r>
-            <a:r>
-              <a:rPr lang="it-IT" dirty="0" smtClean="0"/>
-              <a:t> and </a:t>
-            </a:r>
-            <a:r>
-              <a:rPr lang="it-IT" dirty="0" err="1" smtClean="0"/>
-              <a:t>evaluation</a:t>
-            </a:r>
-            <a:r>
-              <a:rPr lang="it-IT" dirty="0" smtClean="0"/>
-              <a:t> of the model</a:t>
-            </a:r>
-          </a:p>
-          <a:p>
-            <a:endParaRPr lang="it-IT" dirty="0" smtClean="0"/>
-          </a:p>
-          <a:p>
-            <a:endParaRPr lang="it-IT" dirty="0"/>
-          </a:p>
-        </p:txBody>
-      </p:sp>
-      <p:sp>
-        <p:nvSpPr>
-          <p:cNvPr id="4" name="Segnaposto numero diapositiva 3"/>
-          <p:cNvSpPr>
-            <a:spLocks noGrp="1"/>
-          </p:cNvSpPr>
-          <p:nvPr>
-            <p:ph type="sldNum" sz="quarter" idx="12"/>
-          </p:nvPr>
-        </p:nvSpPr>
-        <p:spPr/>
-        <p:txBody>
-          <a:bodyPr/>
-          <a:lstStyle/>
-          <a:p>
-            <a:fld id="{E7A41E1B-4F70-4964-A407-84C68BE8251C}" type="slidenum">
-              <a:rPr lang="it-IT" smtClean="0"/>
-              <a:t>4</a:t>
-            </a:fld>
-            <a:endParaRPr lang="it-IT"/>
-          </a:p>
-        </p:txBody>
-      </p:sp>
-    </p:spTree>
-    <p:extLst>
-      <p:ext uri="{BB962C8B-B14F-4D97-AF65-F5344CB8AC3E}">
-        <p14:creationId xmlns:p14="http://schemas.microsoft.com/office/powerpoint/2010/main" val="3124376513"/>
-      </p:ext>
-    </p:extLst>
-  </p:cSld>
-  <p:clrMapOvr>
-    <a:masterClrMapping/>
-  </p:clrMapOvr>
-  <p:timing>
-    <p:tnLst>
-      <p:par>
-        <p:cTn id="1" dur="indefinite" restart="never" nodeType="tmRoot"/>
-      </p:par>
-    </p:tnLst>
-  </p:timing>
-</p:sld>
-</file>
-
-<file path=ppt/slides/slide5.xml><?xml version="1.0" encoding="utf-8"?>
+<file path=ppt/slides/slide6.xml><?xml version="1.0" encoding="utf-8"?>
 <p:sld xmlns:a="http://schemas.openxmlformats.org/drawingml/2006/main" xmlns:r="http://schemas.openxmlformats.org/officeDocument/2006/relationships" xmlns:p="http://schemas.openxmlformats.org/presentationml/2006/main">
   <p:cSld>
     <p:spTree>
@@ -17832,15 +20119,15 @@
           <a:lstStyle/>
           <a:p>
             <a:r>
-              <a:rPr lang="it-IT" dirty="0" err="1" smtClean="0"/>
+              <a:rPr lang="it-IT" dirty="0" err="1"/>
               <a:t>Dataset</a:t>
             </a:r>
             <a:r>
-              <a:rPr lang="it-IT" dirty="0" smtClean="0"/>
+              <a:rPr lang="it-IT" dirty="0"/>
               <a:t> </a:t>
             </a:r>
             <a:r>
-              <a:rPr lang="it-IT" dirty="0" err="1" smtClean="0"/>
+              <a:rPr lang="it-IT" dirty="0" err="1"/>
               <a:t>Creation</a:t>
             </a:r>
             <a:endParaRPr lang="it-IT" dirty="0"/>
@@ -17864,7 +20151,7 @@
           <a:p>
             <a:fld id="{E7A41E1B-4F70-4964-A407-84C68BE8251C}" type="slidenum">
               <a:rPr lang="it-IT" smtClean="0"/>
-              <a:t>5</a:t>
+              <a:t>6</a:t>
             </a:fld>
             <a:endParaRPr lang="it-IT"/>
           </a:p>
@@ -17874,308 +20161,6 @@
     <p:extLst>
       <p:ext uri="{BB962C8B-B14F-4D97-AF65-F5344CB8AC3E}">
         <p14:creationId xmlns:p14="http://schemas.microsoft.com/office/powerpoint/2010/main" val="4138809690"/>
-      </p:ext>
-    </p:extLst>
-  </p:cSld>
-  <p:clrMapOvr>
-    <a:masterClrMapping/>
-  </p:clrMapOvr>
-  <p:timing>
-    <p:tnLst>
-      <p:par>
-        <p:cTn id="1" dur="indefinite" restart="never" nodeType="tmRoot"/>
-      </p:par>
-    </p:tnLst>
-  </p:timing>
-</p:sld>
-</file>
-
-<file path=ppt/slides/slide6.xml><?xml version="1.0" encoding="utf-8"?>
-<p:sld xmlns:a="http://schemas.openxmlformats.org/drawingml/2006/main" xmlns:r="http://schemas.openxmlformats.org/officeDocument/2006/relationships" xmlns:p="http://schemas.openxmlformats.org/presentationml/2006/main">
-  <p:cSld>
-    <p:spTree>
-      <p:nvGrpSpPr>
-        <p:cNvPr id="1" name=""/>
-        <p:cNvGrpSpPr/>
-        <p:nvPr/>
-      </p:nvGrpSpPr>
-      <p:grpSpPr>
-        <a:xfrm>
-          <a:off x="0" y="0"/>
-          <a:ext cx="0" cy="0"/>
-          <a:chOff x="0" y="0"/>
-          <a:chExt cx="0" cy="0"/>
-        </a:xfrm>
-      </p:grpSpPr>
-      <p:sp>
-        <p:nvSpPr>
-          <p:cNvPr id="2" name="Titolo 1"/>
-          <p:cNvSpPr>
-            <a:spLocks noGrp="1"/>
-          </p:cNvSpPr>
-          <p:nvPr>
-            <p:ph type="title"/>
-          </p:nvPr>
-        </p:nvSpPr>
-        <p:spPr/>
-        <p:txBody>
-          <a:bodyPr>
-            <a:normAutofit/>
-          </a:bodyPr>
-          <a:lstStyle/>
-          <a:p>
-            <a:r>
-              <a:rPr lang="it-IT" sz="3000" dirty="0" err="1" smtClean="0"/>
-              <a:t>Dataset</a:t>
-            </a:r>
-            <a:r>
-              <a:rPr lang="it-IT" sz="3000" dirty="0" smtClean="0"/>
-              <a:t> </a:t>
-            </a:r>
-            <a:r>
-              <a:rPr lang="it-IT" sz="3000" dirty="0" err="1" smtClean="0"/>
-              <a:t>Creation</a:t>
-            </a:r>
-            <a:endParaRPr lang="it-IT" sz="3000" dirty="0"/>
-          </a:p>
-        </p:txBody>
-      </p:sp>
-      <p:sp>
-        <p:nvSpPr>
-          <p:cNvPr id="3" name="Segnaposto contenuto 2"/>
-          <p:cNvSpPr>
-            <a:spLocks noGrp="1"/>
-          </p:cNvSpPr>
-          <p:nvPr>
-            <p:ph idx="1"/>
-          </p:nvPr>
-        </p:nvSpPr>
-        <p:spPr/>
-        <p:txBody>
-          <a:bodyPr>
-            <a:normAutofit/>
-          </a:bodyPr>
-          <a:lstStyle/>
-          <a:p>
-            <a:r>
-              <a:rPr lang="it-IT" dirty="0" err="1" smtClean="0"/>
-              <a:t>Dataset</a:t>
-            </a:r>
-            <a:r>
-              <a:rPr lang="it-IT" dirty="0" smtClean="0"/>
-              <a:t> </a:t>
-            </a:r>
-            <a:r>
-              <a:rPr lang="it-IT" dirty="0" err="1" smtClean="0"/>
-              <a:t>creation</a:t>
-            </a:r>
-            <a:r>
-              <a:rPr lang="it-IT" dirty="0" smtClean="0"/>
-              <a:t> </a:t>
-            </a:r>
-            <a:r>
-              <a:rPr lang="it-IT" dirty="0" err="1" smtClean="0"/>
-              <a:t>has</a:t>
-            </a:r>
-            <a:r>
-              <a:rPr lang="it-IT" dirty="0" smtClean="0"/>
-              <a:t> </a:t>
-            </a:r>
-            <a:r>
-              <a:rPr lang="it-IT" dirty="0" err="1" smtClean="0"/>
-              <a:t>been</a:t>
-            </a:r>
-            <a:r>
-              <a:rPr lang="it-IT" dirty="0" smtClean="0"/>
-              <a:t> </a:t>
-            </a:r>
-            <a:r>
-              <a:rPr lang="it-IT" dirty="0" err="1" smtClean="0"/>
-              <a:t>realized</a:t>
-            </a:r>
-            <a:r>
-              <a:rPr lang="it-IT" dirty="0" smtClean="0"/>
-              <a:t> with the </a:t>
-            </a:r>
-            <a:r>
-              <a:rPr lang="it-IT" dirty="0" err="1" smtClean="0"/>
-              <a:t>image_dataset</a:t>
-            </a:r>
-            <a:r>
-              <a:rPr lang="it-IT" dirty="0" smtClean="0"/>
-              <a:t> </a:t>
-            </a:r>
-            <a:r>
-              <a:rPr lang="it-IT" dirty="0" err="1" smtClean="0"/>
-              <a:t>class</a:t>
-            </a:r>
-            <a:r>
-              <a:rPr lang="it-IT" dirty="0" smtClean="0"/>
-              <a:t>, </a:t>
-            </a:r>
-            <a:r>
-              <a:rPr lang="it-IT" dirty="0" err="1" smtClean="0"/>
-              <a:t>which</a:t>
-            </a:r>
-            <a:r>
-              <a:rPr lang="it-IT" dirty="0" smtClean="0"/>
-              <a:t> </a:t>
-            </a:r>
-            <a:r>
-              <a:rPr lang="it-IT" dirty="0" err="1" smtClean="0"/>
-              <a:t>takes</a:t>
-            </a:r>
-            <a:r>
-              <a:rPr lang="it-IT" dirty="0" smtClean="0"/>
-              <a:t> </a:t>
-            </a:r>
-            <a:r>
-              <a:rPr lang="it-IT" dirty="0" err="1" smtClean="0"/>
-              <a:t>as</a:t>
-            </a:r>
-            <a:r>
-              <a:rPr lang="it-IT" dirty="0" smtClean="0"/>
-              <a:t> input </a:t>
-            </a:r>
-            <a:r>
-              <a:rPr lang="it-IT" dirty="0" err="1" smtClean="0"/>
-              <a:t>parameters</a:t>
-            </a:r>
-            <a:r>
-              <a:rPr lang="it-IT" dirty="0" smtClean="0"/>
-              <a:t> the file </a:t>
-            </a:r>
-            <a:r>
-              <a:rPr lang="it-IT" dirty="0" err="1" smtClean="0"/>
-              <a:t>paths</a:t>
-            </a:r>
-            <a:r>
-              <a:rPr lang="it-IT" dirty="0" smtClean="0"/>
-              <a:t> of CSV file </a:t>
-            </a:r>
-            <a:r>
-              <a:rPr lang="it-IT" dirty="0" err="1" smtClean="0"/>
-              <a:t>containing</a:t>
-            </a:r>
-            <a:r>
-              <a:rPr lang="it-IT" dirty="0" smtClean="0"/>
-              <a:t> the </a:t>
-            </a:r>
-            <a:r>
-              <a:rPr lang="it-IT" dirty="0" err="1" smtClean="0"/>
-              <a:t>structure</a:t>
-            </a:r>
-            <a:r>
-              <a:rPr lang="it-IT" dirty="0" smtClean="0"/>
-              <a:t> of the </a:t>
-            </a:r>
-            <a:r>
-              <a:rPr lang="it-IT" dirty="0" err="1" smtClean="0"/>
-              <a:t>dataset</a:t>
-            </a:r>
-            <a:r>
-              <a:rPr lang="it-IT" dirty="0" smtClean="0"/>
-              <a:t>, and the image </a:t>
-            </a:r>
-            <a:r>
-              <a:rPr lang="it-IT" dirty="0" err="1" smtClean="0"/>
-              <a:t>fodler</a:t>
-            </a:r>
-            <a:r>
-              <a:rPr lang="it-IT" dirty="0"/>
-              <a:t>,</a:t>
-            </a:r>
-            <a:r>
-              <a:rPr lang="it-IT" dirty="0" smtClean="0"/>
-              <a:t> the </a:t>
-            </a:r>
-            <a:r>
-              <a:rPr lang="it-IT" dirty="0" err="1" smtClean="0"/>
-              <a:t>transformations</a:t>
-            </a:r>
-            <a:r>
-              <a:rPr lang="it-IT" dirty="0" smtClean="0"/>
-              <a:t> to </a:t>
-            </a:r>
-            <a:r>
-              <a:rPr lang="it-IT" dirty="0" err="1" smtClean="0"/>
-              <a:t>apply</a:t>
-            </a:r>
-            <a:r>
-              <a:rPr lang="it-IT" dirty="0" smtClean="0"/>
-              <a:t> and the relative </a:t>
-            </a:r>
-            <a:r>
-              <a:rPr lang="it-IT" dirty="0" err="1" smtClean="0"/>
-              <a:t>phase</a:t>
-            </a:r>
-            <a:r>
-              <a:rPr lang="it-IT" dirty="0" smtClean="0"/>
-              <a:t> for the subset (</a:t>
-            </a:r>
-            <a:r>
-              <a:rPr lang="it-IT" dirty="0" err="1" smtClean="0"/>
-              <a:t>Transformations</a:t>
-            </a:r>
-            <a:r>
-              <a:rPr lang="it-IT" dirty="0" smtClean="0"/>
-              <a:t> are </a:t>
-            </a:r>
-            <a:r>
-              <a:rPr lang="it-IT" dirty="0" err="1" smtClean="0"/>
-              <a:t>defined</a:t>
-            </a:r>
-            <a:r>
-              <a:rPr lang="it-IT" dirty="0" smtClean="0"/>
-              <a:t> </a:t>
-            </a:r>
-            <a:r>
-              <a:rPr lang="it-IT" dirty="0" err="1" smtClean="0"/>
-              <a:t>separately</a:t>
-            </a:r>
-            <a:r>
-              <a:rPr lang="it-IT" dirty="0" smtClean="0"/>
-              <a:t> for </a:t>
-            </a:r>
-            <a:r>
-              <a:rPr lang="it-IT" dirty="0" err="1" smtClean="0"/>
-              <a:t>train</a:t>
-            </a:r>
-            <a:r>
-              <a:rPr lang="it-IT" dirty="0" smtClean="0"/>
-              <a:t> and test). </a:t>
-            </a:r>
-            <a:endParaRPr lang="it-IT" dirty="0"/>
-          </a:p>
-        </p:txBody>
-      </p:sp>
-      <p:sp>
-        <p:nvSpPr>
-          <p:cNvPr id="4" name="Segnaposto numero diapositiva 3"/>
-          <p:cNvSpPr>
-            <a:spLocks noGrp="1"/>
-          </p:cNvSpPr>
-          <p:nvPr>
-            <p:ph type="sldNum" sz="quarter" idx="12"/>
-          </p:nvPr>
-        </p:nvSpPr>
-        <p:spPr/>
-        <p:txBody>
-          <a:bodyPr/>
-          <a:lstStyle/>
-          <a:p>
-            <a:fld id="{E7A41E1B-4F70-4964-A407-84C68BE8251C}" type="slidenum">
-              <a:rPr lang="it-IT" smtClean="0"/>
-              <a:t>6</a:t>
-            </a:fld>
-            <a:endParaRPr lang="it-IT"/>
-          </a:p>
-        </p:txBody>
-      </p:sp>
-    </p:spTree>
-    <p:extLst>
-      <p:ext uri="{BB962C8B-B14F-4D97-AF65-F5344CB8AC3E}">
-        <p14:creationId xmlns:p14="http://schemas.microsoft.com/office/powerpoint/2010/main" val="402216203"/>
       </p:ext>
     </p:extLst>
   </p:cSld>
@@ -18220,15 +20205,15 @@
           <a:lstStyle/>
           <a:p>
             <a:r>
-              <a:rPr lang="it-IT" sz="3000" dirty="0" err="1" smtClean="0"/>
+              <a:rPr lang="it-IT" sz="3000" dirty="0" err="1"/>
               <a:t>Dataset</a:t>
             </a:r>
             <a:r>
-              <a:rPr lang="it-IT" sz="3000" dirty="0" smtClean="0"/>
+              <a:rPr lang="it-IT" sz="3000" dirty="0"/>
               <a:t> </a:t>
             </a:r>
             <a:r>
-              <a:rPr lang="it-IT" sz="3000" dirty="0" err="1" smtClean="0"/>
+              <a:rPr lang="it-IT" sz="3000" dirty="0" err="1"/>
               <a:t>Creation</a:t>
             </a:r>
             <a:endParaRPr lang="it-IT" sz="3000" dirty="0"/>
@@ -18247,88 +20232,158 @@
         </p:nvSpPr>
         <p:spPr/>
         <p:txBody>
-          <a:bodyPr/>
+          <a:bodyPr>
+            <a:normAutofit/>
+          </a:bodyPr>
           <a:lstStyle/>
           <a:p>
             <a:r>
-              <a:rPr lang="it-IT" dirty="0" err="1" smtClean="0"/>
-              <a:t>After</a:t>
-            </a:r>
-            <a:r>
-              <a:rPr lang="it-IT" dirty="0" smtClean="0"/>
+              <a:rPr lang="it-IT" dirty="0"/>
+              <a:t>Dataset </a:t>
+            </a:r>
+            <a:r>
+              <a:rPr lang="it-IT" dirty="0" err="1"/>
+              <a:t>creation</a:t>
+            </a:r>
+            <a:r>
+              <a:rPr lang="it-IT" dirty="0"/>
               <a:t> </a:t>
             </a:r>
             <a:r>
-              <a:rPr lang="it-IT" dirty="0" err="1" smtClean="0"/>
-              <a:t>creating</a:t>
-            </a:r>
-            <a:r>
-              <a:rPr lang="it-IT" dirty="0" smtClean="0"/>
-              <a:t> the image </a:t>
-            </a:r>
-            <a:r>
-              <a:rPr lang="it-IT" dirty="0" err="1" smtClean="0"/>
-              <a:t>dataset</a:t>
-            </a:r>
-            <a:r>
-              <a:rPr lang="it-IT" dirty="0" smtClean="0"/>
-              <a:t>, the </a:t>
-            </a:r>
-            <a:r>
-              <a:rPr lang="it-IT" dirty="0" err="1" smtClean="0"/>
+              <a:rPr lang="it-IT" dirty="0" err="1"/>
+              <a:t>has</a:t>
+            </a:r>
+            <a:r>
+              <a:rPr lang="it-IT" dirty="0"/>
+              <a:t> </a:t>
+            </a:r>
+            <a:r>
+              <a:rPr lang="it-IT" dirty="0" err="1"/>
+              <a:t>been</a:t>
+            </a:r>
+            <a:r>
+              <a:rPr lang="it-IT" dirty="0"/>
+              <a:t> </a:t>
+            </a:r>
+            <a:r>
+              <a:rPr lang="it-IT" dirty="0" err="1"/>
+              <a:t>realized</a:t>
+            </a:r>
+            <a:r>
+              <a:rPr lang="it-IT" dirty="0"/>
+              <a:t> with the </a:t>
+            </a:r>
+            <a:r>
+              <a:rPr lang="it-IT" dirty="0" err="1"/>
+              <a:t>image_dataset</a:t>
+            </a:r>
+            <a:r>
+              <a:rPr lang="it-IT" dirty="0"/>
+              <a:t> class, </a:t>
+            </a:r>
+            <a:r>
+              <a:rPr lang="it-IT" dirty="0" err="1"/>
+              <a:t>which</a:t>
+            </a:r>
+            <a:r>
+              <a:rPr lang="it-IT" dirty="0"/>
+              <a:t> takes </a:t>
+            </a:r>
+            <a:r>
+              <a:rPr lang="it-IT" dirty="0" err="1"/>
+              <a:t>as</a:t>
+            </a:r>
+            <a:r>
+              <a:rPr lang="it-IT" dirty="0"/>
+              <a:t> input </a:t>
+            </a:r>
+            <a:r>
+              <a:rPr lang="it-IT" dirty="0" err="1"/>
+              <a:t>parameters</a:t>
+            </a:r>
+            <a:r>
+              <a:rPr lang="it-IT" dirty="0"/>
+              <a:t> the file </a:t>
+            </a:r>
+            <a:r>
+              <a:rPr lang="it-IT" dirty="0" err="1"/>
+              <a:t>paths</a:t>
+            </a:r>
+            <a:r>
+              <a:rPr lang="it-IT" dirty="0"/>
+              <a:t> of CSV file </a:t>
+            </a:r>
+            <a:r>
+              <a:rPr lang="it-IT" dirty="0" err="1"/>
+              <a:t>containing</a:t>
+            </a:r>
+            <a:r>
+              <a:rPr lang="it-IT" dirty="0"/>
+              <a:t> the </a:t>
+            </a:r>
+            <a:r>
+              <a:rPr lang="it-IT" dirty="0" err="1"/>
+              <a:t>structure</a:t>
+            </a:r>
+            <a:r>
+              <a:rPr lang="it-IT" dirty="0"/>
+              <a:t> of the dataset, and the image folder, the </a:t>
+            </a:r>
+            <a:r>
+              <a:rPr lang="it-IT" dirty="0" err="1"/>
+              <a:t>transformations</a:t>
+            </a:r>
+            <a:r>
+              <a:rPr lang="it-IT" dirty="0"/>
+              <a:t> to </a:t>
+            </a:r>
+            <a:r>
+              <a:rPr lang="it-IT" dirty="0" err="1"/>
+              <a:t>apply</a:t>
+            </a:r>
+            <a:r>
+              <a:rPr lang="it-IT" dirty="0"/>
+              <a:t> and the relative </a:t>
+            </a:r>
+            <a:r>
+              <a:rPr lang="it-IT" dirty="0" err="1"/>
+              <a:t>phase</a:t>
+            </a:r>
+            <a:r>
+              <a:rPr lang="it-IT" dirty="0"/>
+              <a:t> for the subset (</a:t>
+            </a:r>
+            <a:r>
+              <a:rPr lang="it-IT" dirty="0" err="1"/>
+              <a:t>Transformations</a:t>
+            </a:r>
+            <a:r>
+              <a:rPr lang="it-IT" dirty="0"/>
+              <a:t> are </a:t>
+            </a:r>
+            <a:r>
+              <a:rPr lang="it-IT" dirty="0" err="1"/>
+              <a:t>defined</a:t>
+            </a:r>
+            <a:r>
+              <a:rPr lang="it-IT" dirty="0"/>
+              <a:t> </a:t>
+            </a:r>
+            <a:r>
+              <a:rPr lang="it-IT" dirty="0" err="1"/>
+              <a:t>separately</a:t>
+            </a:r>
+            <a:r>
+              <a:rPr lang="it-IT" dirty="0"/>
+              <a:t> for </a:t>
+            </a:r>
+            <a:r>
+              <a:rPr lang="it-IT" dirty="0" err="1"/>
               <a:t>train</a:t>
             </a:r>
             <a:r>
-              <a:rPr lang="it-IT" dirty="0" smtClean="0"/>
-              <a:t>, </a:t>
-            </a:r>
-            <a:r>
-              <a:rPr lang="it-IT" dirty="0" err="1" smtClean="0"/>
-              <a:t>validation</a:t>
-            </a:r>
-            <a:r>
-              <a:rPr lang="it-IT" dirty="0" smtClean="0"/>
-              <a:t> and test subset are </a:t>
-            </a:r>
-            <a:r>
-              <a:rPr lang="it-IT" dirty="0" err="1" smtClean="0"/>
-              <a:t>generated</a:t>
-            </a:r>
-            <a:r>
-              <a:rPr lang="it-IT" dirty="0" smtClean="0"/>
-              <a:t> </a:t>
-            </a:r>
-            <a:r>
-              <a:rPr lang="it-IT" dirty="0" err="1" smtClean="0"/>
-              <a:t>using</a:t>
-            </a:r>
-            <a:r>
-              <a:rPr lang="it-IT" dirty="0" smtClean="0"/>
-              <a:t> the </a:t>
-            </a:r>
-            <a:r>
-              <a:rPr lang="it-IT" dirty="0" err="1" smtClean="0"/>
-              <a:t>class</a:t>
-            </a:r>
-            <a:r>
-              <a:rPr lang="it-IT" dirty="0" smtClean="0"/>
-              <a:t> </a:t>
-            </a:r>
-            <a:r>
-              <a:rPr lang="it-IT" dirty="0" err="1" smtClean="0"/>
-              <a:t>torch.Subset</a:t>
-            </a:r>
-            <a:r>
-              <a:rPr lang="it-IT" dirty="0" smtClean="0"/>
-              <a:t>, and the relative </a:t>
-            </a:r>
-            <a:r>
-              <a:rPr lang="it-IT" dirty="0" err="1" smtClean="0"/>
-              <a:t>dataloaders</a:t>
-            </a:r>
-            <a:r>
-              <a:rPr lang="it-IT" dirty="0"/>
-              <a:t>.</a:t>
+              <a:rPr lang="it-IT" dirty="0"/>
+              <a:t> and test). </a:t>
             </a:r>
           </a:p>
         </p:txBody>
@@ -18359,7 +20414,7 @@
     </p:spTree>
     <p:extLst>
       <p:ext uri="{BB962C8B-B14F-4D97-AF65-F5344CB8AC3E}">
-        <p14:creationId xmlns:p14="http://schemas.microsoft.com/office/powerpoint/2010/main" val="2387315745"/>
+        <p14:creationId xmlns:p14="http://schemas.microsoft.com/office/powerpoint/2010/main" val="402216203"/>
       </p:ext>
     </p:extLst>
   </p:cSld>
@@ -18388,7 +20443,13 @@
       </p:grpSpPr>
       <p:sp>
         <p:nvSpPr>
-          <p:cNvPr id="3" name="Titolo 2"/>
+          <p:cNvPr id="2" name="Titolo 1">
+            <a:extLst>
+              <a:ext uri="{FF2B5EF4-FFF2-40B4-BE49-F238E27FC236}">
+                <a16:creationId xmlns:a16="http://schemas.microsoft.com/office/drawing/2014/main" id="{76A057B7-A47B-41E9-B0E1-10BEF02133CC}"/>
+              </a:ext>
+            </a:extLst>
+          </p:cNvPr>
           <p:cNvSpPr>
             <a:spLocks noGrp="1"/>
           </p:cNvSpPr>
@@ -18405,19 +20466,11 @@
           <a:p>
             <a:r>
               <a:rPr lang="it-IT" dirty="0"/>
-              <a:t>From Scratch CNN, </a:t>
-            </a:r>
-            <a:r>
-              <a:rPr lang="it-IT" dirty="0" err="1"/>
-              <a:t>train</a:t>
-            </a:r>
-            <a:r>
-              <a:rPr lang="it-IT" dirty="0"/>
-              <a:t> and </a:t>
-            </a:r>
-            <a:r>
-              <a:rPr lang="it-IT" dirty="0" err="1" smtClean="0"/>
-              <a:t>evaluation</a:t>
+              <a:t>Data </a:t>
+            </a:r>
+            <a:r>
+              <a:rPr lang="it-IT" dirty="0" err="1"/>
+              <a:t>Transformations</a:t>
             </a:r>
             <a:endParaRPr lang="it-IT" dirty="0"/>
           </a:p>
@@ -18425,7 +20478,97 @@
       </p:sp>
       <p:sp>
         <p:nvSpPr>
-          <p:cNvPr id="4" name="Segnaposto numero diapositiva 3"/>
+          <p:cNvPr id="3" name="Segnaposto contenuto 2">
+            <a:extLst>
+              <a:ext uri="{FF2B5EF4-FFF2-40B4-BE49-F238E27FC236}">
+                <a16:creationId xmlns:a16="http://schemas.microsoft.com/office/drawing/2014/main" id="{9AA4417F-57D0-477E-BC65-40A527DFCC0E}"/>
+              </a:ext>
+            </a:extLst>
+          </p:cNvPr>
+          <p:cNvSpPr>
+            <a:spLocks noGrp="1"/>
+          </p:cNvSpPr>
+          <p:nvPr>
+            <p:ph idx="1"/>
+          </p:nvPr>
+        </p:nvSpPr>
+        <p:spPr/>
+        <p:txBody>
+          <a:bodyPr/>
+          <a:lstStyle/>
+          <a:p>
+            <a:r>
+              <a:rPr lang="it-IT" dirty="0"/>
+              <a:t>Data </a:t>
+            </a:r>
+            <a:r>
+              <a:rPr lang="it-IT" dirty="0" err="1"/>
+              <a:t>Normalization</a:t>
+            </a:r>
+            <a:r>
+              <a:rPr lang="it-IT" dirty="0"/>
+              <a:t> with </a:t>
+            </a:r>
+            <a:r>
+              <a:rPr lang="it-IT" dirty="0" err="1"/>
+              <a:t>mean</a:t>
+            </a:r>
+            <a:r>
+              <a:rPr lang="it-IT" dirty="0"/>
+              <a:t> </a:t>
+            </a:r>
+            <a:r>
+              <a:rPr lang="it-IT" dirty="0" err="1"/>
+              <a:t>value</a:t>
+            </a:r>
+            <a:r>
+              <a:rPr lang="it-IT" dirty="0"/>
+              <a:t> 0,5 and </a:t>
+            </a:r>
+            <a:r>
+              <a:rPr lang="it-IT" dirty="0" err="1"/>
+              <a:t>variance</a:t>
+            </a:r>
+            <a:r>
+              <a:rPr lang="it-IT" dirty="0"/>
+              <a:t> 0,25</a:t>
+            </a:r>
+          </a:p>
+          <a:p>
+            <a:r>
+              <a:rPr lang="it-IT" dirty="0" err="1"/>
+              <a:t>Resize</a:t>
+            </a:r>
+            <a:r>
+              <a:rPr lang="it-IT" dirty="0"/>
+              <a:t> to 128  pixels</a:t>
+            </a:r>
+          </a:p>
+          <a:p>
+            <a:r>
+              <a:rPr lang="it-IT" dirty="0" err="1"/>
+              <a:t>ToTensor</a:t>
+            </a:r>
+            <a:endParaRPr lang="it-IT" dirty="0"/>
+          </a:p>
+          <a:p>
+            <a:r>
+              <a:rPr lang="it-IT" dirty="0" err="1"/>
+              <a:t>Grayscale</a:t>
+            </a:r>
+            <a:endParaRPr lang="it-IT" dirty="0"/>
+          </a:p>
+        </p:txBody>
+      </p:sp>
+      <p:sp>
+        <p:nvSpPr>
+          <p:cNvPr id="4" name="Segnaposto numero diapositiva 3">
+            <a:extLst>
+              <a:ext uri="{FF2B5EF4-FFF2-40B4-BE49-F238E27FC236}">
+                <a16:creationId xmlns:a16="http://schemas.microsoft.com/office/drawing/2014/main" id="{1B0A84A4-C245-405D-83F1-6BFFA817E725}"/>
+              </a:ext>
+            </a:extLst>
+          </p:cNvPr>
           <p:cNvSpPr>
             <a:spLocks noGrp="1"/>
           </p:cNvSpPr>
@@ -18449,20 +20592,13 @@
     </p:spTree>
     <p:extLst>
       <p:ext uri="{BB962C8B-B14F-4D97-AF65-F5344CB8AC3E}">
-        <p14:creationId xmlns:p14="http://schemas.microsoft.com/office/powerpoint/2010/main" val="3989352308"/>
+        <p14:creationId xmlns:p14="http://schemas.microsoft.com/office/powerpoint/2010/main" val="202981644"/>
       </p:ext>
     </p:extLst>
   </p:cSld>
   <p:clrMapOvr>
     <a:masterClrMapping/>
   </p:clrMapOvr>
-  <p:timing>
-    <p:tnLst>
-      <p:par>
-        <p:cTn id="1" dur="indefinite" restart="never" nodeType="tmRoot"/>
-      </p:par>
-    </p:tnLst>
-  </p:timing>
 </p:sld>
 </file>
 
@@ -18485,7 +20621,13 @@
       </p:grpSpPr>
       <p:sp>
         <p:nvSpPr>
-          <p:cNvPr id="2" name="Titolo 1"/>
+          <p:cNvPr id="2" name="Titolo 1">
+            <a:extLst>
+              <a:ext uri="{FF2B5EF4-FFF2-40B4-BE49-F238E27FC236}">
+                <a16:creationId xmlns:a16="http://schemas.microsoft.com/office/drawing/2014/main" id="{64CE26A5-7600-4285-B99C-B890692CAAA4}"/>
+              </a:ext>
+            </a:extLst>
+          </p:cNvPr>
           <p:cNvSpPr>
             <a:spLocks noGrp="1"/>
           </p:cNvSpPr>
@@ -18495,34 +20637,30 @@
         </p:nvSpPr>
         <p:spPr/>
         <p:txBody>
-          <a:bodyPr>
-            <a:normAutofit/>
-          </a:bodyPr>
+          <a:bodyPr/>
           <a:lstStyle/>
           <a:p>
             <a:r>
-              <a:rPr lang="it-IT" sz="3000" dirty="0"/>
-              <a:t>From Scratch CNN, </a:t>
-            </a:r>
-            <a:r>
-              <a:rPr lang="it-IT" sz="3000" dirty="0" err="1"/>
-              <a:t>train</a:t>
-            </a:r>
-            <a:r>
-              <a:rPr lang="it-IT" sz="3000" dirty="0"/>
-              <a:t> and </a:t>
-            </a:r>
-            <a:r>
-              <a:rPr lang="it-IT" sz="3000" dirty="0" err="1"/>
-              <a:t>evaluation</a:t>
-            </a:r>
-            <a:endParaRPr lang="it-IT" sz="3000" dirty="0"/>
+              <a:rPr lang="it-IT" dirty="0"/>
+              <a:t>Data </a:t>
+            </a:r>
+            <a:r>
+              <a:rPr lang="it-IT" dirty="0" err="1"/>
+              <a:t>Augmentation</a:t>
+            </a:r>
+            <a:endParaRPr lang="it-IT" dirty="0"/>
           </a:p>
         </p:txBody>
       </p:sp>
       <p:sp>
         <p:nvSpPr>
-          <p:cNvPr id="3" name="Segnaposto contenuto 2"/>
+          <p:cNvPr id="3" name="Segnaposto contenuto 2">
+            <a:extLst>
+              <a:ext uri="{FF2B5EF4-FFF2-40B4-BE49-F238E27FC236}">
+                <a16:creationId xmlns:a16="http://schemas.microsoft.com/office/drawing/2014/main" id="{91DDFB21-05B5-4EAB-ABB3-F83E8016F71A}"/>
+              </a:ext>
+            </a:extLst>
+          </p:cNvPr>
           <p:cNvSpPr>
             <a:spLocks noGrp="1"/>
           </p:cNvSpPr>
@@ -18532,226 +20670,53 @@
         </p:nvSpPr>
         <p:spPr/>
         <p:txBody>
-          <a:bodyPr>
-            <a:normAutofit/>
-          </a:bodyPr>
+          <a:bodyPr/>
           <a:lstStyle/>
           <a:p>
             <a:r>
-              <a:rPr lang="it-IT" dirty="0" smtClean="0"/>
-              <a:t>The from scratch model </a:t>
-            </a:r>
-            <a:r>
-              <a:rPr lang="it-IT" dirty="0" err="1" smtClean="0"/>
-              <a:t>is</a:t>
-            </a:r>
-            <a:r>
-              <a:rPr lang="it-IT" dirty="0" smtClean="0"/>
-              <a:t> made of 6 </a:t>
-            </a:r>
-            <a:r>
-              <a:rPr lang="it-IT" dirty="0" err="1" smtClean="0"/>
-              <a:t>convolutional</a:t>
-            </a:r>
-            <a:r>
-              <a:rPr lang="it-IT" dirty="0" smtClean="0"/>
-              <a:t> </a:t>
-            </a:r>
-            <a:r>
-              <a:rPr lang="it-IT" dirty="0" err="1" smtClean="0"/>
-              <a:t>levels</a:t>
-            </a:r>
-            <a:r>
-              <a:rPr lang="it-IT" dirty="0" smtClean="0"/>
-              <a:t>, </a:t>
-            </a:r>
-            <a:r>
-              <a:rPr lang="it-IT" dirty="0" err="1" smtClean="0"/>
-              <a:t>each</a:t>
-            </a:r>
-            <a:r>
-              <a:rPr lang="it-IT" dirty="0" smtClean="0"/>
-              <a:t> of </a:t>
-            </a:r>
-            <a:r>
-              <a:rPr lang="it-IT" dirty="0" err="1" smtClean="0"/>
-              <a:t>which</a:t>
-            </a:r>
-            <a:r>
-              <a:rPr lang="it-IT" dirty="0" smtClean="0"/>
-              <a:t> </a:t>
-            </a:r>
-            <a:r>
-              <a:rPr lang="it-IT" dirty="0" err="1" smtClean="0"/>
-              <a:t>is</a:t>
-            </a:r>
-            <a:r>
-              <a:rPr lang="it-IT" dirty="0" smtClean="0"/>
-              <a:t> </a:t>
-            </a:r>
-            <a:r>
-              <a:rPr lang="it-IT" dirty="0" err="1" smtClean="0"/>
-              <a:t>followed</a:t>
-            </a:r>
-            <a:r>
-              <a:rPr lang="it-IT" dirty="0" smtClean="0"/>
-              <a:t> by </a:t>
-            </a:r>
-            <a:r>
-              <a:rPr lang="it-IT" dirty="0" err="1" smtClean="0"/>
-              <a:t>ReLU</a:t>
-            </a:r>
-            <a:r>
-              <a:rPr lang="it-IT" dirty="0" smtClean="0"/>
-              <a:t>, </a:t>
-            </a:r>
-            <a:r>
-              <a:rPr lang="it-IT" dirty="0" err="1" smtClean="0"/>
-              <a:t>BatchNormalization</a:t>
-            </a:r>
-            <a:r>
-              <a:rPr lang="it-IT" dirty="0" smtClean="0"/>
-              <a:t> and </a:t>
-            </a:r>
-            <a:r>
-              <a:rPr lang="it-IT" dirty="0" err="1" smtClean="0"/>
-              <a:t>MaxPooling</a:t>
-            </a:r>
-            <a:r>
-              <a:rPr lang="it-IT" dirty="0" smtClean="0"/>
-              <a:t>.</a:t>
-            </a:r>
-          </a:p>
-          <a:p>
-            <a:r>
-              <a:rPr lang="it-IT" dirty="0" err="1" smtClean="0"/>
-              <a:t>Binary</a:t>
-            </a:r>
-            <a:r>
-              <a:rPr lang="it-IT" dirty="0" smtClean="0"/>
-              <a:t> Cross </a:t>
-            </a:r>
-            <a:r>
-              <a:rPr lang="it-IT" dirty="0" err="1" smtClean="0"/>
-              <a:t>Entropy</a:t>
-            </a:r>
-            <a:r>
-              <a:rPr lang="it-IT" dirty="0" smtClean="0"/>
-              <a:t> </a:t>
-            </a:r>
-            <a:r>
-              <a:rPr lang="it-IT" dirty="0" err="1" smtClean="0"/>
-              <a:t>is</a:t>
-            </a:r>
-            <a:r>
-              <a:rPr lang="it-IT" dirty="0" smtClean="0"/>
-              <a:t> </a:t>
-            </a:r>
-            <a:r>
-              <a:rPr lang="it-IT" dirty="0" err="1" smtClean="0"/>
-              <a:t>used</a:t>
-            </a:r>
-            <a:r>
-              <a:rPr lang="it-IT" dirty="0" smtClean="0"/>
-              <a:t> </a:t>
-            </a:r>
-            <a:r>
-              <a:rPr lang="it-IT" dirty="0" err="1" smtClean="0"/>
-              <a:t>as</a:t>
-            </a:r>
-            <a:r>
-              <a:rPr lang="it-IT" dirty="0" smtClean="0"/>
-              <a:t> </a:t>
-            </a:r>
-            <a:r>
-              <a:rPr lang="it-IT" dirty="0" err="1" smtClean="0"/>
-              <a:t>evaluation</a:t>
-            </a:r>
-            <a:r>
-              <a:rPr lang="it-IT" dirty="0" smtClean="0"/>
-              <a:t> </a:t>
-            </a:r>
-            <a:r>
-              <a:rPr lang="it-IT" dirty="0" err="1" smtClean="0"/>
-              <a:t>criterion</a:t>
-            </a:r>
-            <a:r>
-              <a:rPr lang="it-IT" dirty="0" smtClean="0"/>
-              <a:t> for </a:t>
-            </a:r>
-            <a:r>
-              <a:rPr lang="it-IT" dirty="0" err="1" smtClean="0"/>
-              <a:t>loss</a:t>
-            </a:r>
-            <a:r>
-              <a:rPr lang="it-IT" dirty="0" smtClean="0"/>
-              <a:t> </a:t>
-            </a:r>
-            <a:r>
-              <a:rPr lang="it-IT" dirty="0" err="1" smtClean="0"/>
-              <a:t>computation</a:t>
-            </a:r>
-            <a:r>
-              <a:rPr lang="it-IT" dirty="0" smtClean="0"/>
-              <a:t>. </a:t>
-            </a:r>
-          </a:p>
-          <a:p>
-            <a:r>
-              <a:rPr lang="it-IT" dirty="0" err="1" smtClean="0"/>
-              <a:t>As</a:t>
-            </a:r>
-            <a:r>
-              <a:rPr lang="it-IT" dirty="0" smtClean="0"/>
-              <a:t> </a:t>
-            </a:r>
-            <a:r>
-              <a:rPr lang="it-IT" dirty="0" err="1" smtClean="0"/>
-              <a:t>optimizer</a:t>
-            </a:r>
-            <a:r>
-              <a:rPr lang="it-IT" dirty="0" smtClean="0"/>
-              <a:t>, </a:t>
-            </a:r>
-            <a:r>
-              <a:rPr lang="it-IT" b="1" i="1" dirty="0" smtClean="0"/>
-              <a:t>Adamu </a:t>
-            </a:r>
-            <a:r>
-              <a:rPr lang="it-IT" b="1" i="1" dirty="0" err="1" smtClean="0"/>
-              <a:t>chiddu</a:t>
-            </a:r>
-            <a:r>
-              <a:rPr lang="it-IT" b="1" i="1" dirty="0" smtClean="0"/>
-              <a:t> de </a:t>
-            </a:r>
-            <a:r>
-              <a:rPr lang="it-IT" b="1" i="1" smtClean="0"/>
-              <a:t>scummissi </a:t>
-            </a:r>
-            <a:r>
-              <a:rPr lang="it-IT" dirty="0" err="1" smtClean="0"/>
-              <a:t>is</a:t>
-            </a:r>
-            <a:r>
-              <a:rPr lang="it-IT" dirty="0" smtClean="0"/>
-              <a:t> </a:t>
-            </a:r>
-            <a:r>
-              <a:rPr lang="it-IT" dirty="0" err="1" smtClean="0"/>
-              <a:t>used</a:t>
-            </a:r>
-            <a:r>
-              <a:rPr lang="it-IT" b="1" i="1" dirty="0" smtClean="0"/>
-              <a:t>.</a:t>
-            </a:r>
+              <a:rPr lang="it-IT" dirty="0"/>
+              <a:t>Random </a:t>
+            </a:r>
+            <a:r>
+              <a:rPr lang="it-IT" dirty="0" err="1"/>
+              <a:t>Rotation</a:t>
+            </a:r>
+            <a:r>
+              <a:rPr lang="it-IT" dirty="0"/>
+              <a:t> of 30 degrees</a:t>
+            </a:r>
+          </a:p>
+          <a:p>
+            <a:r>
+              <a:rPr lang="it-IT" dirty="0" err="1"/>
+              <a:t>RandomCrop</a:t>
+            </a:r>
+            <a:r>
+              <a:rPr lang="it-IT" dirty="0"/>
+              <a:t> of 112 </a:t>
+            </a:r>
+          </a:p>
+          <a:p>
+            <a:r>
+              <a:rPr lang="it-IT" dirty="0" err="1"/>
+              <a:t>RandomHorizontalFlip</a:t>
+            </a:r>
+            <a:endParaRPr lang="it-IT" dirty="0"/>
+          </a:p>
+          <a:p>
             <a:endParaRPr lang="it-IT" dirty="0"/>
           </a:p>
         </p:txBody>
       </p:sp>
       <p:sp>
         <p:nvSpPr>
-          <p:cNvPr id="4" name="Segnaposto numero diapositiva 3"/>
+          <p:cNvPr id="4" name="Segnaposto numero diapositiva 3">
+            <a:extLst>
+              <a:ext uri="{FF2B5EF4-FFF2-40B4-BE49-F238E27FC236}">
+                <a16:creationId xmlns:a16="http://schemas.microsoft.com/office/drawing/2014/main" id="{267A81E3-F8CE-4F54-A969-6FC282492001}"/>
+              </a:ext>
+            </a:extLst>
+          </p:cNvPr>
           <p:cNvSpPr>
             <a:spLocks noGrp="1"/>
           </p:cNvSpPr>
@@ -18775,7 +20740,7 @@
     </p:spTree>
     <p:extLst>
       <p:ext uri="{BB962C8B-B14F-4D97-AF65-F5344CB8AC3E}">
-        <p14:creationId xmlns:p14="http://schemas.microsoft.com/office/powerpoint/2010/main" val="1677871484"/>
+        <p14:creationId xmlns:p14="http://schemas.microsoft.com/office/powerpoint/2010/main" val="1939197075"/>
       </p:ext>
     </p:extLst>
   </p:cSld>
